--- a/test/pdf.pptx
+++ b/test/pdf.pptx
@@ -5,10 +5,10 @@
     <p:sldMasterId id="2147483648" r:id="rId1"/>
   </p:sldMasterIdLst>
   <p:notesMasterIdLst>
-    <p:notesMasterId r:id="rId29"/>
+    <p:notesMasterId r:id="rId45"/>
   </p:notesMasterIdLst>
   <p:handoutMasterIdLst>
-    <p:handoutMasterId r:id="rId30"/>
+    <p:handoutMasterId r:id="rId46"/>
   </p:handoutMasterIdLst>
   <p:sldIdLst>
     <p:sldId id="259" r:id="rId2"/>
@@ -37,7 +37,23 @@
     <p:sldId id="303" r:id="rId25"/>
     <p:sldId id="304" r:id="rId26"/>
     <p:sldId id="306" r:id="rId27"/>
-    <p:sldId id="305" r:id="rId28"/>
+    <p:sldId id="312" r:id="rId28"/>
+    <p:sldId id="313" r:id="rId29"/>
+    <p:sldId id="314" r:id="rId30"/>
+    <p:sldId id="315" r:id="rId31"/>
+    <p:sldId id="316" r:id="rId32"/>
+    <p:sldId id="317" r:id="rId33"/>
+    <p:sldId id="318" r:id="rId34"/>
+    <p:sldId id="319" r:id="rId35"/>
+    <p:sldId id="305" r:id="rId36"/>
+    <p:sldId id="310" r:id="rId37"/>
+    <p:sldId id="311" r:id="rId38"/>
+    <p:sldId id="307" r:id="rId39"/>
+    <p:sldId id="308" r:id="rId40"/>
+    <p:sldId id="309" r:id="rId41"/>
+    <p:sldId id="320" r:id="rId42"/>
+    <p:sldId id="321" r:id="rId43"/>
+    <p:sldId id="322" r:id="rId44"/>
   </p:sldIdLst>
   <p:sldSz cx="9144000" cy="6858000" type="screen4x3"/>
   <p:notesSz cx="6858000" cy="9144000"/>
@@ -191,7 +207,31 @@
           <p14:sldIdLst>
             <p14:sldId id="304"/>
             <p14:sldId id="306"/>
+            <p14:sldId id="312"/>
+            <p14:sldId id="313"/>
+            <p14:sldId id="314"/>
+            <p14:sldId id="315"/>
+            <p14:sldId id="316"/>
+            <p14:sldId id="317"/>
+            <p14:sldId id="318"/>
+            <p14:sldId id="319"/>
             <p14:sldId id="305"/>
+            <p14:sldId id="310"/>
+            <p14:sldId id="311"/>
+          </p14:sldIdLst>
+        </p14:section>
+        <p14:section name="Graphics" id="{EC554772-DFFF-49A4-AFDA-728F7BBCAF9E}">
+          <p14:sldIdLst>
+            <p14:sldId id="307"/>
+            <p14:sldId id="308"/>
+            <p14:sldId id="309"/>
+          </p14:sldIdLst>
+        </p14:section>
+        <p14:section name="Encryption" id="{09047F28-AF74-4A06-B762-3E095632595B}">
+          <p14:sldIdLst>
+            <p14:sldId id="320"/>
+            <p14:sldId id="321"/>
+            <p14:sldId id="322"/>
           </p14:sldIdLst>
         </p14:section>
       </p14:sectionLst>
@@ -283,7 +323,7 @@
             <a:fld id="{D83FDC75-7F73-4A4A-A77C-09AADF00E0EA}" type="datetimeFigureOut">
               <a:rPr lang="en-US" smtClean="0"/>
               <a:pPr/>
-              <a:t>12/13/2013</a:t>
+              <a:t>2/14/2014</a:t>
             </a:fld>
             <a:endParaRPr lang="en-US" dirty="0"/>
           </a:p>
@@ -450,7 +490,7 @@
             <a:fld id="{48AEF76B-3757-4A0B-AF93-28494465C1DD}" type="datetimeFigureOut">
               <a:rPr lang="en-US" smtClean="0"/>
               <a:pPr/>
-              <a:t>12/13/2013</a:t>
+              <a:t>2/14/2014</a:t>
             </a:fld>
             <a:endParaRPr lang="en-US" dirty="0"/>
           </a:p>
@@ -2312,7 +2352,7 @@
             <a:fld id="{757B281C-5159-4971-8228-52B9A72E9ED2}" type="datetimeFigureOut">
               <a:rPr lang="en-US" smtClean="0"/>
               <a:pPr/>
-              <a:t>12/13/2013</a:t>
+              <a:t>2/14/2014</a:t>
             </a:fld>
             <a:endParaRPr lang="en-US" dirty="0"/>
           </a:p>
@@ -2414,7 +2454,7 @@
             <a:fld id="{757B281C-5159-4971-8228-52B9A72E9ED2}" type="datetimeFigureOut">
               <a:rPr lang="en-US" smtClean="0"/>
               <a:pPr/>
-              <a:t>12/13/2013</a:t>
+              <a:t>2/14/2014</a:t>
             </a:fld>
             <a:endParaRPr lang="en-US" dirty="0"/>
           </a:p>
@@ -2550,7 +2590,7 @@
             <a:fld id="{757B281C-5159-4971-8228-52B9A72E9ED2}" type="datetimeFigureOut">
               <a:rPr lang="en-US" smtClean="0"/>
               <a:pPr/>
-              <a:t>12/13/2013</a:t>
+              <a:t>2/14/2014</a:t>
             </a:fld>
             <a:endParaRPr lang="en-US" dirty="0"/>
           </a:p>
@@ -2756,7 +2796,7 @@
             <a:fld id="{757B281C-5159-4971-8228-52B9A72E9ED2}" type="datetimeFigureOut">
               <a:rPr lang="en-US" smtClean="0"/>
               <a:pPr/>
-              <a:t>12/13/2013</a:t>
+              <a:t>2/14/2014</a:t>
             </a:fld>
             <a:endParaRPr lang="en-US" dirty="0"/>
           </a:p>
@@ -3155,7 +3195,7 @@
             <a:fld id="{757B281C-5159-4971-8228-52B9A72E9ED2}" type="datetimeFigureOut">
               <a:rPr lang="en-US" smtClean="0"/>
               <a:pPr/>
-              <a:t>12/13/2013</a:t>
+              <a:t>2/14/2014</a:t>
             </a:fld>
             <a:endParaRPr lang="en-US" dirty="0"/>
           </a:p>
@@ -3455,7 +3495,7 @@
             <a:fld id="{757B281C-5159-4971-8228-52B9A72E9ED2}" type="datetimeFigureOut">
               <a:rPr lang="en-US" smtClean="0"/>
               <a:pPr/>
-              <a:t>12/13/2013</a:t>
+              <a:t>2/14/2014</a:t>
             </a:fld>
             <a:endParaRPr lang="en-US" dirty="0"/>
           </a:p>
@@ -3884,7 +3924,7 @@
             <a:fld id="{757B281C-5159-4971-8228-52B9A72E9ED2}" type="datetimeFigureOut">
               <a:rPr lang="en-US" smtClean="0"/>
               <a:pPr/>
-              <a:t>12/13/2013</a:t>
+              <a:t>2/14/2014</a:t>
             </a:fld>
             <a:endParaRPr lang="en-US" dirty="0"/>
           </a:p>
@@ -4161,7 +4201,7 @@
             <a:fld id="{757B281C-5159-4971-8228-52B9A72E9ED2}" type="datetimeFigureOut">
               <a:rPr lang="en-US" smtClean="0"/>
               <a:pPr/>
-              <a:t>12/13/2013</a:t>
+              <a:t>2/14/2014</a:t>
             </a:fld>
             <a:endParaRPr lang="en-US" dirty="0"/>
           </a:p>
@@ -4425,7 +4465,7 @@
             <a:fld id="{757B281C-5159-4971-8228-52B9A72E9ED2}" type="datetimeFigureOut">
               <a:rPr lang="en-US" smtClean="0"/>
               <a:pPr/>
-              <a:t>12/13/2013</a:t>
+              <a:t>2/14/2014</a:t>
             </a:fld>
             <a:endParaRPr lang="en-US" dirty="0"/>
           </a:p>
@@ -4595,7 +4635,7 @@
             <a:fld id="{757B281C-5159-4971-8228-52B9A72E9ED2}" type="datetimeFigureOut">
               <a:rPr lang="en-US" smtClean="0"/>
               <a:pPr/>
-              <a:t>12/13/2013</a:t>
+              <a:t>2/14/2014</a:t>
             </a:fld>
             <a:endParaRPr lang="en-US" dirty="0"/>
           </a:p>
@@ -4775,7 +4815,7 @@
             <a:fld id="{757B281C-5159-4971-8228-52B9A72E9ED2}" type="datetimeFigureOut">
               <a:rPr lang="en-US" smtClean="0"/>
               <a:pPr/>
-              <a:t>12/13/2013</a:t>
+              <a:t>2/14/2014</a:t>
             </a:fld>
             <a:endParaRPr lang="en-US" dirty="0"/>
           </a:p>
@@ -5017,7 +5057,7 @@
             <a:fld id="{757B281C-5159-4971-8228-52B9A72E9ED2}" type="datetimeFigureOut">
               <a:rPr lang="en-US" smtClean="0"/>
               <a:pPr/>
-              <a:t>12/13/2013</a:t>
+              <a:t>2/14/2014</a:t>
             </a:fld>
             <a:endParaRPr lang="en-US" dirty="0"/>
           </a:p>
@@ -6005,15 +6045,7 @@
             <a:pPr algn="ctr"/>
             <a:r>
               <a:rPr lang="en-US" dirty="0" smtClean="0"/>
-              <a:t>Form </a:t>
-            </a:r>
-            <a:r>
-              <a:rPr lang="en-US" dirty="0" err="1" smtClean="0"/>
-              <a:t>Fileds</a:t>
-            </a:r>
-            <a:r>
-              <a:rPr lang="en-US" dirty="0" smtClean="0"/>
-              <a:t>[]</a:t>
+              <a:t>Form Fields[]</a:t>
             </a:r>
             <a:endParaRPr lang="en-GB" dirty="0"/>
           </a:p>
@@ -8910,7 +8942,7 @@
           <a:p>
             <a:r>
               <a:rPr lang="en-US" dirty="0" smtClean="0"/>
-              <a:t>Font</a:t>
+              <a:t>Simple Fonts</a:t>
             </a:r>
             <a:endParaRPr lang="en-GB" dirty="0"/>
           </a:p>
@@ -8928,51 +8960,26 @@
         </p:nvSpPr>
         <p:spPr/>
         <p:txBody>
-          <a:bodyPr/>
+          <a:bodyPr>
+            <a:normAutofit lnSpcReduction="10000"/>
+          </a:bodyPr>
           <a:lstStyle/>
           <a:p>
             <a:r>
               <a:rPr lang="en-US" dirty="0" smtClean="0"/>
-              <a:t>Type 0</a:t>
+              <a:t>Single-byte character code, index into a table of 256 glyphs.</a:t>
             </a:r>
           </a:p>
           <a:p>
             <a:r>
               <a:rPr lang="en-US" dirty="0" smtClean="0"/>
-              <a:t>Type 1</a:t>
+              <a:t>Each glyph has  a single set of metrics, including a horizontal displacement or width, support only horizontal writing mode.</a:t>
             </a:r>
           </a:p>
           <a:p>
             <a:r>
               <a:rPr lang="en-US" dirty="0" smtClean="0"/>
-              <a:t>Type 3</a:t>
-            </a:r>
-          </a:p>
-          <a:p>
-            <a:r>
-              <a:rPr lang="en-US" dirty="0" smtClean="0"/>
-              <a:t>TrueType</a:t>
-            </a:r>
-          </a:p>
-          <a:p>
-            <a:r>
-              <a:rPr lang="en-US" dirty="0" err="1" smtClean="0"/>
-              <a:t>CIDFont</a:t>
-            </a:r>
-            <a:endParaRPr lang="en-US" dirty="0" smtClean="0"/>
-          </a:p>
-          <a:p>
-            <a:pPr lvl="1"/>
-            <a:r>
-              <a:rPr lang="en-US" dirty="0" smtClean="0"/>
-              <a:t>CIDFont0 based on Type 1 font technology</a:t>
-            </a:r>
-          </a:p>
-          <a:p>
-            <a:pPr lvl="1"/>
-            <a:r>
-              <a:rPr lang="en-US" dirty="0" smtClean="0"/>
-              <a:t>CIDFont2 based on TrueType font technology</a:t>
+              <a:t>Font descriptor, containing font-wide metrics and other attributes of the font. Among those attributes is an optional font file stream containing the font program.</a:t>
             </a:r>
             <a:endParaRPr lang="en-GB" dirty="0"/>
           </a:p>
@@ -8981,7 +8988,217 @@
     </p:spTree>
     <p:extLst>
       <p:ext uri="{BB962C8B-B14F-4D97-AF65-F5344CB8AC3E}">
-        <p14:creationId xmlns:p14="http://schemas.microsoft.com/office/powerpoint/2010/main" val="634823430"/>
+        <p14:creationId xmlns:p14="http://schemas.microsoft.com/office/powerpoint/2010/main" val="3253113556"/>
+      </p:ext>
+    </p:extLst>
+  </p:cSld>
+  <p:clrMapOvr>
+    <a:masterClrMapping/>
+  </p:clrMapOvr>
+  <p:transition spd="slow">
+    <p:wipe dir="d"/>
+  </p:transition>
+</p:sld>
+</file>
+
+<file path=ppt/slides/slide28.xml><?xml version="1.0" encoding="utf-8"?>
+<p:sld xmlns:a="http://schemas.openxmlformats.org/drawingml/2006/main" xmlns:r="http://schemas.openxmlformats.org/officeDocument/2006/relationships" xmlns:p="http://schemas.openxmlformats.org/presentationml/2006/main">
+  <p:cSld>
+    <p:spTree>
+      <p:nvGrpSpPr>
+        <p:cNvPr id="1" name=""/>
+        <p:cNvGrpSpPr/>
+        <p:nvPr/>
+      </p:nvGrpSpPr>
+      <p:grpSpPr>
+        <a:xfrm>
+          <a:off x="0" y="0"/>
+          <a:ext cx="0" cy="0"/>
+          <a:chOff x="0" y="0"/>
+          <a:chExt cx="0" cy="0"/>
+        </a:xfrm>
+      </p:grpSpPr>
+      <p:sp>
+        <p:nvSpPr>
+          <p:cNvPr id="2" name="Title 1"/>
+          <p:cNvSpPr>
+            <a:spLocks noGrp="1"/>
+          </p:cNvSpPr>
+          <p:nvPr>
+            <p:ph type="title"/>
+          </p:nvPr>
+        </p:nvSpPr>
+        <p:spPr/>
+        <p:txBody>
+          <a:bodyPr/>
+          <a:lstStyle/>
+          <a:p>
+            <a:r>
+              <a:rPr lang="en-US" dirty="0" smtClean="0"/>
+              <a:t>Simple Fonts</a:t>
+            </a:r>
+            <a:endParaRPr lang="en-GB" dirty="0"/>
+          </a:p>
+        </p:txBody>
+      </p:sp>
+      <p:sp>
+        <p:nvSpPr>
+          <p:cNvPr id="3" name="Content Placeholder 2"/>
+          <p:cNvSpPr>
+            <a:spLocks noGrp="1"/>
+          </p:cNvSpPr>
+          <p:nvPr>
+            <p:ph idx="1"/>
+          </p:nvPr>
+        </p:nvSpPr>
+        <p:spPr/>
+        <p:txBody>
+          <a:bodyPr/>
+          <a:lstStyle/>
+          <a:p>
+            <a:r>
+              <a:rPr lang="en-US" dirty="0" smtClean="0"/>
+              <a:t>Type 1 Fonts</a:t>
+            </a:r>
+          </a:p>
+          <a:p>
+            <a:pPr lvl="1"/>
+            <a:r>
+              <a:rPr lang="en-US" dirty="0" smtClean="0"/>
+              <a:t>A Type 1 font program is a stylized Postscript program that describes glyph shapes</a:t>
+            </a:r>
+          </a:p>
+          <a:p>
+            <a:pPr lvl="1"/>
+            <a:r>
+              <a:rPr lang="en-US" dirty="0" smtClean="0"/>
+              <a:t>Hint information</a:t>
+            </a:r>
+          </a:p>
+          <a:p>
+            <a:r>
+              <a:rPr lang="en-US" dirty="0" smtClean="0"/>
+              <a:t>Standard Type 1 Fonts (Standard 14 Fonts)</a:t>
+            </a:r>
+          </a:p>
+          <a:p>
+            <a:pPr lvl="1"/>
+            <a:r>
+              <a:rPr lang="en-US" dirty="0" smtClean="0"/>
+              <a:t>Must be </a:t>
+            </a:r>
+            <a:r>
+              <a:rPr lang="en-US" dirty="0" err="1" smtClean="0"/>
+              <a:t>avariable</a:t>
+            </a:r>
+            <a:r>
+              <a:rPr lang="en-US" dirty="0" smtClean="0"/>
+              <a:t> to the consumer application.</a:t>
+            </a:r>
+          </a:p>
+          <a:p>
+            <a:pPr lvl="1"/>
+            <a:r>
+              <a:rPr lang="en-US" dirty="0" smtClean="0"/>
+              <a:t>Deprecated from PDF1.5</a:t>
+            </a:r>
+          </a:p>
+          <a:p>
+            <a:pPr lvl="1"/>
+            <a:endParaRPr lang="en-GB" dirty="0"/>
+          </a:p>
+        </p:txBody>
+      </p:sp>
+    </p:spTree>
+    <p:extLst>
+      <p:ext uri="{BB962C8B-B14F-4D97-AF65-F5344CB8AC3E}">
+        <p14:creationId xmlns:p14="http://schemas.microsoft.com/office/powerpoint/2010/main" val="4147520355"/>
+      </p:ext>
+    </p:extLst>
+  </p:cSld>
+  <p:clrMapOvr>
+    <a:masterClrMapping/>
+  </p:clrMapOvr>
+  <p:transition spd="slow">
+    <p:wipe dir="d"/>
+  </p:transition>
+</p:sld>
+</file>
+
+<file path=ppt/slides/slide29.xml><?xml version="1.0" encoding="utf-8"?>
+<p:sld xmlns:a="http://schemas.openxmlformats.org/drawingml/2006/main" xmlns:r="http://schemas.openxmlformats.org/officeDocument/2006/relationships" xmlns:p="http://schemas.openxmlformats.org/presentationml/2006/main">
+  <p:cSld>
+    <p:spTree>
+      <p:nvGrpSpPr>
+        <p:cNvPr id="1" name=""/>
+        <p:cNvGrpSpPr/>
+        <p:nvPr/>
+      </p:nvGrpSpPr>
+      <p:grpSpPr>
+        <a:xfrm>
+          <a:off x="0" y="0"/>
+          <a:ext cx="0" cy="0"/>
+          <a:chOff x="0" y="0"/>
+          <a:chExt cx="0" cy="0"/>
+        </a:xfrm>
+      </p:grpSpPr>
+      <p:sp>
+        <p:nvSpPr>
+          <p:cNvPr id="2" name="Title 1"/>
+          <p:cNvSpPr>
+            <a:spLocks noGrp="1"/>
+          </p:cNvSpPr>
+          <p:nvPr>
+            <p:ph type="title"/>
+          </p:nvPr>
+        </p:nvSpPr>
+        <p:spPr/>
+        <p:txBody>
+          <a:bodyPr/>
+          <a:lstStyle/>
+          <a:p>
+            <a:r>
+              <a:rPr lang="en-US" dirty="0" smtClean="0"/>
+              <a:t>Simple Fonts</a:t>
+            </a:r>
+            <a:endParaRPr lang="en-GB" dirty="0"/>
+          </a:p>
+        </p:txBody>
+      </p:sp>
+      <p:sp>
+        <p:nvSpPr>
+          <p:cNvPr id="3" name="Content Placeholder 2"/>
+          <p:cNvSpPr>
+            <a:spLocks noGrp="1"/>
+          </p:cNvSpPr>
+          <p:nvPr>
+            <p:ph idx="1"/>
+          </p:nvPr>
+        </p:nvSpPr>
+        <p:spPr/>
+        <p:txBody>
+          <a:bodyPr/>
+          <a:lstStyle/>
+          <a:p>
+            <a:r>
+              <a:rPr lang="en-US" dirty="0" smtClean="0"/>
+              <a:t>TrueType</a:t>
+            </a:r>
+          </a:p>
+          <a:p>
+            <a:pPr lvl="1"/>
+            <a:r>
+              <a:rPr lang="en-US" dirty="0" smtClean="0"/>
+              <a:t>Can be embedded directly in a PDF file as a stream object.</a:t>
+            </a:r>
+            <a:endParaRPr lang="en-GB" dirty="0"/>
+          </a:p>
+        </p:txBody>
+      </p:sp>
+    </p:spTree>
+    <p:extLst>
+      <p:ext uri="{BB962C8B-B14F-4D97-AF65-F5344CB8AC3E}">
+        <p14:creationId xmlns:p14="http://schemas.microsoft.com/office/powerpoint/2010/main" val="84665183"/>
       </p:ext>
     </p:extLst>
   </p:cSld>
@@ -9153,6 +9370,1062 @@
       </p:par>
     </p:tnLst>
   </p:timing>
+</p:sld>
+</file>
+
+<file path=ppt/slides/slide30.xml><?xml version="1.0" encoding="utf-8"?>
+<p:sld xmlns:a="http://schemas.openxmlformats.org/drawingml/2006/main" xmlns:r="http://schemas.openxmlformats.org/officeDocument/2006/relationships" xmlns:p="http://schemas.openxmlformats.org/presentationml/2006/main">
+  <p:cSld>
+    <p:spTree>
+      <p:nvGrpSpPr>
+        <p:cNvPr id="1" name=""/>
+        <p:cNvGrpSpPr/>
+        <p:nvPr/>
+      </p:nvGrpSpPr>
+      <p:grpSpPr>
+        <a:xfrm>
+          <a:off x="0" y="0"/>
+          <a:ext cx="0" cy="0"/>
+          <a:chOff x="0" y="0"/>
+          <a:chExt cx="0" cy="0"/>
+        </a:xfrm>
+      </p:grpSpPr>
+      <p:sp>
+        <p:nvSpPr>
+          <p:cNvPr id="2" name="Title 1"/>
+          <p:cNvSpPr>
+            <a:spLocks noGrp="1"/>
+          </p:cNvSpPr>
+          <p:nvPr>
+            <p:ph type="title"/>
+          </p:nvPr>
+        </p:nvSpPr>
+        <p:spPr/>
+        <p:txBody>
+          <a:bodyPr/>
+          <a:lstStyle/>
+          <a:p>
+            <a:r>
+              <a:rPr lang="en-US" dirty="0" smtClean="0"/>
+              <a:t>Simple Fonts</a:t>
+            </a:r>
+            <a:endParaRPr lang="en-GB" dirty="0"/>
+          </a:p>
+        </p:txBody>
+      </p:sp>
+      <p:sp>
+        <p:nvSpPr>
+          <p:cNvPr id="3" name="Content Placeholder 2"/>
+          <p:cNvSpPr>
+            <a:spLocks noGrp="1"/>
+          </p:cNvSpPr>
+          <p:nvPr>
+            <p:ph idx="1"/>
+          </p:nvPr>
+        </p:nvSpPr>
+        <p:spPr/>
+        <p:txBody>
+          <a:bodyPr/>
+          <a:lstStyle/>
+          <a:p>
+            <a:r>
+              <a:rPr lang="en-US" dirty="0" smtClean="0"/>
+              <a:t>Font Subsets</a:t>
+            </a:r>
+          </a:p>
+          <a:p>
+            <a:pPr lvl="1"/>
+            <a:r>
+              <a:rPr lang="en-US" dirty="0" smtClean="0"/>
+              <a:t>For Type 1 or TrueType fonts</a:t>
+            </a:r>
+          </a:p>
+          <a:p>
+            <a:pPr lvl="1"/>
+            <a:r>
+              <a:rPr lang="en-US" dirty="0" err="1"/>
+              <a:t>EOODIA+Poetica</a:t>
+            </a:r>
+            <a:endParaRPr lang="en-US" dirty="0" smtClean="0"/>
+          </a:p>
+          <a:p>
+            <a:pPr lvl="1"/>
+            <a:endParaRPr lang="en-GB" dirty="0"/>
+          </a:p>
+        </p:txBody>
+      </p:sp>
+    </p:spTree>
+    <p:extLst>
+      <p:ext uri="{BB962C8B-B14F-4D97-AF65-F5344CB8AC3E}">
+        <p14:creationId xmlns:p14="http://schemas.microsoft.com/office/powerpoint/2010/main" val="676821846"/>
+      </p:ext>
+    </p:extLst>
+  </p:cSld>
+  <p:clrMapOvr>
+    <a:masterClrMapping/>
+  </p:clrMapOvr>
+  <p:transition spd="slow">
+    <p:wipe dir="d"/>
+  </p:transition>
+</p:sld>
+</file>
+
+<file path=ppt/slides/slide31.xml><?xml version="1.0" encoding="utf-8"?>
+<p:sld xmlns:a="http://schemas.openxmlformats.org/drawingml/2006/main" xmlns:r="http://schemas.openxmlformats.org/officeDocument/2006/relationships" xmlns:p="http://schemas.openxmlformats.org/presentationml/2006/main">
+  <p:cSld>
+    <p:spTree>
+      <p:nvGrpSpPr>
+        <p:cNvPr id="1" name=""/>
+        <p:cNvGrpSpPr/>
+        <p:nvPr/>
+      </p:nvGrpSpPr>
+      <p:grpSpPr>
+        <a:xfrm>
+          <a:off x="0" y="0"/>
+          <a:ext cx="0" cy="0"/>
+          <a:chOff x="0" y="0"/>
+          <a:chExt cx="0" cy="0"/>
+        </a:xfrm>
+      </p:grpSpPr>
+      <p:sp>
+        <p:nvSpPr>
+          <p:cNvPr id="2" name="Title 1"/>
+          <p:cNvSpPr>
+            <a:spLocks noGrp="1"/>
+          </p:cNvSpPr>
+          <p:nvPr>
+            <p:ph type="title"/>
+          </p:nvPr>
+        </p:nvSpPr>
+        <p:spPr/>
+        <p:txBody>
+          <a:bodyPr/>
+          <a:lstStyle/>
+          <a:p>
+            <a:r>
+              <a:rPr lang="en-US" dirty="0" smtClean="0"/>
+              <a:t>Simple Fonts</a:t>
+            </a:r>
+            <a:endParaRPr lang="en-GB" dirty="0"/>
+          </a:p>
+        </p:txBody>
+      </p:sp>
+      <p:sp>
+        <p:nvSpPr>
+          <p:cNvPr id="3" name="Content Placeholder 2"/>
+          <p:cNvSpPr>
+            <a:spLocks noGrp="1"/>
+          </p:cNvSpPr>
+          <p:nvPr>
+            <p:ph idx="1"/>
+          </p:nvPr>
+        </p:nvSpPr>
+        <p:spPr/>
+        <p:txBody>
+          <a:bodyPr/>
+          <a:lstStyle/>
+          <a:p>
+            <a:r>
+              <a:rPr lang="en-US" dirty="0" smtClean="0"/>
+              <a:t>Type 3 Fonts</a:t>
+            </a:r>
+          </a:p>
+          <a:p>
+            <a:pPr lvl="1"/>
+            <a:r>
+              <a:rPr lang="en-US" dirty="0" smtClean="0"/>
+              <a:t>Glyphs are defined by streams of PDF graphics operators.</a:t>
+            </a:r>
+          </a:p>
+          <a:p>
+            <a:pPr lvl="1"/>
+            <a:r>
+              <a:rPr lang="en-US" dirty="0" smtClean="0"/>
+              <a:t>No hinting mechanism.</a:t>
+            </a:r>
+          </a:p>
+          <a:p>
+            <a:pPr lvl="1"/>
+            <a:endParaRPr lang="en-GB" dirty="0"/>
+          </a:p>
+        </p:txBody>
+      </p:sp>
+    </p:spTree>
+    <p:extLst>
+      <p:ext uri="{BB962C8B-B14F-4D97-AF65-F5344CB8AC3E}">
+        <p14:creationId xmlns:p14="http://schemas.microsoft.com/office/powerpoint/2010/main" val="285015281"/>
+      </p:ext>
+    </p:extLst>
+  </p:cSld>
+  <p:clrMapOvr>
+    <a:masterClrMapping/>
+  </p:clrMapOvr>
+  <p:transition spd="slow">
+    <p:wipe dir="d"/>
+  </p:transition>
+</p:sld>
+</file>
+
+<file path=ppt/slides/slide32.xml><?xml version="1.0" encoding="utf-8"?>
+<p:sld xmlns:a="http://schemas.openxmlformats.org/drawingml/2006/main" xmlns:r="http://schemas.openxmlformats.org/officeDocument/2006/relationships" xmlns:p="http://schemas.openxmlformats.org/presentationml/2006/main">
+  <p:cSld>
+    <p:spTree>
+      <p:nvGrpSpPr>
+        <p:cNvPr id="1" name=""/>
+        <p:cNvGrpSpPr/>
+        <p:nvPr/>
+      </p:nvGrpSpPr>
+      <p:grpSpPr>
+        <a:xfrm>
+          <a:off x="0" y="0"/>
+          <a:ext cx="0" cy="0"/>
+          <a:chOff x="0" y="0"/>
+          <a:chExt cx="0" cy="0"/>
+        </a:xfrm>
+      </p:grpSpPr>
+      <p:sp>
+        <p:nvSpPr>
+          <p:cNvPr id="2" name="Title 1"/>
+          <p:cNvSpPr>
+            <a:spLocks noGrp="1"/>
+          </p:cNvSpPr>
+          <p:nvPr>
+            <p:ph type="title"/>
+          </p:nvPr>
+        </p:nvSpPr>
+        <p:spPr/>
+        <p:txBody>
+          <a:bodyPr/>
+          <a:lstStyle/>
+          <a:p>
+            <a:r>
+              <a:rPr lang="en-US" dirty="0" smtClean="0"/>
+              <a:t>Simple Fonts</a:t>
+            </a:r>
+            <a:endParaRPr lang="en-GB" dirty="0"/>
+          </a:p>
+        </p:txBody>
+      </p:sp>
+      <p:sp>
+        <p:nvSpPr>
+          <p:cNvPr id="3" name="Content Placeholder 2"/>
+          <p:cNvSpPr>
+            <a:spLocks noGrp="1"/>
+          </p:cNvSpPr>
+          <p:nvPr>
+            <p:ph idx="1"/>
+          </p:nvPr>
+        </p:nvSpPr>
+        <p:spPr/>
+        <p:txBody>
+          <a:bodyPr/>
+          <a:lstStyle/>
+          <a:p>
+            <a:r>
+              <a:rPr lang="en-US" dirty="0" smtClean="0"/>
+              <a:t>Character Encoding</a:t>
+            </a:r>
+          </a:p>
+          <a:p>
+            <a:pPr lvl="1"/>
+            <a:r>
+              <a:rPr lang="en-US" dirty="0" smtClean="0"/>
+              <a:t>A font’s encoding is the association between character codes and glyph descriptions.</a:t>
+            </a:r>
+          </a:p>
+          <a:p>
+            <a:pPr lvl="1"/>
+            <a:r>
+              <a:rPr lang="en-US" dirty="0" smtClean="0"/>
+              <a:t>Except for Type 3 fonts, every font program has a built-in encoding.</a:t>
+            </a:r>
+          </a:p>
+          <a:p>
+            <a:pPr lvl="1"/>
+            <a:r>
+              <a:rPr lang="en-US" dirty="0" smtClean="0"/>
+              <a:t>Predefined encodings</a:t>
+            </a:r>
+            <a:r>
+              <a:rPr lang="en-US" dirty="0"/>
+              <a:t>: </a:t>
+            </a:r>
+            <a:r>
+              <a:rPr lang="en-US" dirty="0" err="1"/>
+              <a:t>MacRomanEncoding,MacExpertEncoding</a:t>
+            </a:r>
+            <a:r>
+              <a:rPr lang="en-US" dirty="0"/>
+              <a:t>, </a:t>
+            </a:r>
+            <a:r>
+              <a:rPr lang="en-US" dirty="0" smtClean="0"/>
+              <a:t>or </a:t>
+            </a:r>
+            <a:r>
+              <a:rPr lang="en-US" dirty="0" err="1" smtClean="0"/>
+              <a:t>WinAnsiEncoding</a:t>
+            </a:r>
+            <a:endParaRPr lang="en-US" dirty="0"/>
+          </a:p>
+        </p:txBody>
+      </p:sp>
+    </p:spTree>
+    <p:extLst>
+      <p:ext uri="{BB962C8B-B14F-4D97-AF65-F5344CB8AC3E}">
+        <p14:creationId xmlns:p14="http://schemas.microsoft.com/office/powerpoint/2010/main" val="1468514762"/>
+      </p:ext>
+    </p:extLst>
+  </p:cSld>
+  <p:clrMapOvr>
+    <a:masterClrMapping/>
+  </p:clrMapOvr>
+  <p:transition spd="slow">
+    <p:wipe dir="d"/>
+  </p:transition>
+</p:sld>
+</file>
+
+<file path=ppt/slides/slide33.xml><?xml version="1.0" encoding="utf-8"?>
+<p:sld xmlns:a="http://schemas.openxmlformats.org/drawingml/2006/main" xmlns:r="http://schemas.openxmlformats.org/officeDocument/2006/relationships" xmlns:p="http://schemas.openxmlformats.org/presentationml/2006/main">
+  <p:cSld>
+    <p:spTree>
+      <p:nvGrpSpPr>
+        <p:cNvPr id="1" name=""/>
+        <p:cNvGrpSpPr/>
+        <p:nvPr/>
+      </p:nvGrpSpPr>
+      <p:grpSpPr>
+        <a:xfrm>
+          <a:off x="0" y="0"/>
+          <a:ext cx="0" cy="0"/>
+          <a:chOff x="0" y="0"/>
+          <a:chExt cx="0" cy="0"/>
+        </a:xfrm>
+      </p:grpSpPr>
+      <p:sp>
+        <p:nvSpPr>
+          <p:cNvPr id="2" name="Title 1"/>
+          <p:cNvSpPr>
+            <a:spLocks noGrp="1"/>
+          </p:cNvSpPr>
+          <p:nvPr>
+            <p:ph type="title"/>
+          </p:nvPr>
+        </p:nvSpPr>
+        <p:spPr/>
+        <p:txBody>
+          <a:bodyPr/>
+          <a:lstStyle/>
+          <a:p>
+            <a:r>
+              <a:rPr lang="en-US" dirty="0" smtClean="0"/>
+              <a:t>Composite Fonts</a:t>
+            </a:r>
+            <a:endParaRPr lang="en-GB" dirty="0"/>
+          </a:p>
+        </p:txBody>
+      </p:sp>
+      <p:sp>
+        <p:nvSpPr>
+          <p:cNvPr id="3" name="Content Placeholder 2"/>
+          <p:cNvSpPr>
+            <a:spLocks noGrp="1"/>
+          </p:cNvSpPr>
+          <p:nvPr>
+            <p:ph idx="1"/>
+          </p:nvPr>
+        </p:nvSpPr>
+        <p:spPr/>
+        <p:txBody>
+          <a:bodyPr/>
+          <a:lstStyle/>
+          <a:p>
+            <a:r>
+              <a:rPr lang="en-US" dirty="0" smtClean="0"/>
+              <a:t>Type 0 font</a:t>
+            </a:r>
+          </a:p>
+          <a:p>
+            <a:r>
+              <a:rPr lang="en-US" dirty="0" smtClean="0"/>
+              <a:t>Type 0 font is known as the root font, and its associated </a:t>
+            </a:r>
+            <a:r>
+              <a:rPr lang="en-US" dirty="0" err="1" smtClean="0"/>
+              <a:t>CIDFont</a:t>
+            </a:r>
+            <a:r>
+              <a:rPr lang="en-US" dirty="0" smtClean="0"/>
+              <a:t> is called its descendant.</a:t>
+            </a:r>
+          </a:p>
+          <a:p>
+            <a:endParaRPr lang="en-GB" dirty="0"/>
+          </a:p>
+        </p:txBody>
+      </p:sp>
+    </p:spTree>
+    <p:extLst>
+      <p:ext uri="{BB962C8B-B14F-4D97-AF65-F5344CB8AC3E}">
+        <p14:creationId xmlns:p14="http://schemas.microsoft.com/office/powerpoint/2010/main" val="1380381960"/>
+      </p:ext>
+    </p:extLst>
+  </p:cSld>
+  <p:clrMapOvr>
+    <a:masterClrMapping/>
+  </p:clrMapOvr>
+  <p:transition spd="slow">
+    <p:wipe dir="d"/>
+  </p:transition>
+</p:sld>
+</file>
+
+<file path=ppt/slides/slide34.xml><?xml version="1.0" encoding="utf-8"?>
+<p:sld xmlns:a="http://schemas.openxmlformats.org/drawingml/2006/main" xmlns:r="http://schemas.openxmlformats.org/officeDocument/2006/relationships" xmlns:p="http://schemas.openxmlformats.org/presentationml/2006/main">
+  <p:cSld>
+    <p:spTree>
+      <p:nvGrpSpPr>
+        <p:cNvPr id="1" name=""/>
+        <p:cNvGrpSpPr/>
+        <p:nvPr/>
+      </p:nvGrpSpPr>
+      <p:grpSpPr>
+        <a:xfrm>
+          <a:off x="0" y="0"/>
+          <a:ext cx="0" cy="0"/>
+          <a:chOff x="0" y="0"/>
+          <a:chExt cx="0" cy="0"/>
+        </a:xfrm>
+      </p:grpSpPr>
+      <p:sp>
+        <p:nvSpPr>
+          <p:cNvPr id="2" name="Title 1"/>
+          <p:cNvSpPr>
+            <a:spLocks noGrp="1"/>
+          </p:cNvSpPr>
+          <p:nvPr>
+            <p:ph type="title"/>
+          </p:nvPr>
+        </p:nvSpPr>
+        <p:spPr/>
+        <p:txBody>
+          <a:bodyPr/>
+          <a:lstStyle/>
+          <a:p>
+            <a:r>
+              <a:rPr lang="en-US" dirty="0" smtClean="0"/>
+              <a:t>Composite Fonts</a:t>
+            </a:r>
+            <a:endParaRPr lang="en-GB" dirty="0"/>
+          </a:p>
+        </p:txBody>
+      </p:sp>
+      <p:sp>
+        <p:nvSpPr>
+          <p:cNvPr id="3" name="Content Placeholder 2"/>
+          <p:cNvSpPr>
+            <a:spLocks noGrp="1"/>
+          </p:cNvSpPr>
+          <p:nvPr>
+            <p:ph idx="1"/>
+          </p:nvPr>
+        </p:nvSpPr>
+        <p:spPr/>
+        <p:txBody>
+          <a:bodyPr>
+            <a:normAutofit lnSpcReduction="10000"/>
+          </a:bodyPr>
+          <a:lstStyle/>
+          <a:p>
+            <a:r>
+              <a:rPr lang="en-US" dirty="0" smtClean="0"/>
+              <a:t>CID-keyed Fonts</a:t>
+            </a:r>
+          </a:p>
+          <a:p>
+            <a:r>
+              <a:rPr lang="en-US" dirty="0" smtClean="0"/>
+              <a:t>CID – Character identifier </a:t>
+            </a:r>
+          </a:p>
+          <a:p>
+            <a:pPr lvl="1"/>
+            <a:r>
+              <a:rPr lang="en-US" dirty="0" smtClean="0"/>
+              <a:t>The CID numbers are used to index and access the glyph descriptions in the font.</a:t>
+            </a:r>
+          </a:p>
+          <a:p>
+            <a:r>
+              <a:rPr lang="en-US" dirty="0" err="1" smtClean="0"/>
+              <a:t>CMap</a:t>
+            </a:r>
+            <a:r>
+              <a:rPr lang="en-GB" dirty="0" smtClean="0"/>
+              <a:t> – Character Map</a:t>
+            </a:r>
+          </a:p>
+          <a:p>
+            <a:pPr lvl="1"/>
+            <a:r>
+              <a:rPr lang="en-US" dirty="0" err="1" smtClean="0"/>
+              <a:t>CMap</a:t>
+            </a:r>
+            <a:r>
+              <a:rPr lang="en-US" dirty="0" smtClean="0"/>
+              <a:t> file specifies the correspondence between character codes and the CID numbers used to identify glyphs. It is equivalent to the concept of an encoding in </a:t>
+            </a:r>
+            <a:r>
+              <a:rPr lang="en-US" smtClean="0"/>
+              <a:t>simple font.</a:t>
+            </a:r>
+            <a:endParaRPr lang="en-US" dirty="0" smtClean="0"/>
+          </a:p>
+        </p:txBody>
+      </p:sp>
+    </p:spTree>
+    <p:extLst>
+      <p:ext uri="{BB962C8B-B14F-4D97-AF65-F5344CB8AC3E}">
+        <p14:creationId xmlns:p14="http://schemas.microsoft.com/office/powerpoint/2010/main" val="1324869264"/>
+      </p:ext>
+    </p:extLst>
+  </p:cSld>
+  <p:clrMapOvr>
+    <a:masterClrMapping/>
+  </p:clrMapOvr>
+  <p:transition spd="slow">
+    <p:wipe dir="d"/>
+  </p:transition>
+</p:sld>
+</file>
+
+<file path=ppt/slides/slide35.xml><?xml version="1.0" encoding="utf-8"?>
+<p:sld xmlns:a="http://schemas.openxmlformats.org/drawingml/2006/main" xmlns:r="http://schemas.openxmlformats.org/officeDocument/2006/relationships" xmlns:p="http://schemas.openxmlformats.org/presentationml/2006/main">
+  <p:cSld>
+    <p:spTree>
+      <p:nvGrpSpPr>
+        <p:cNvPr id="1" name=""/>
+        <p:cNvGrpSpPr/>
+        <p:nvPr/>
+      </p:nvGrpSpPr>
+      <p:grpSpPr>
+        <a:xfrm>
+          <a:off x="0" y="0"/>
+          <a:ext cx="0" cy="0"/>
+          <a:chOff x="0" y="0"/>
+          <a:chExt cx="0" cy="0"/>
+        </a:xfrm>
+      </p:grpSpPr>
+      <p:sp>
+        <p:nvSpPr>
+          <p:cNvPr id="2" name="Title 1"/>
+          <p:cNvSpPr>
+            <a:spLocks noGrp="1"/>
+          </p:cNvSpPr>
+          <p:nvPr>
+            <p:ph type="title"/>
+          </p:nvPr>
+        </p:nvSpPr>
+        <p:spPr/>
+        <p:txBody>
+          <a:bodyPr/>
+          <a:lstStyle/>
+          <a:p>
+            <a:r>
+              <a:rPr lang="en-US" dirty="0" smtClean="0"/>
+              <a:t>Font</a:t>
+            </a:r>
+            <a:endParaRPr lang="en-GB" dirty="0"/>
+          </a:p>
+        </p:txBody>
+      </p:sp>
+      <p:sp>
+        <p:nvSpPr>
+          <p:cNvPr id="3" name="Content Placeholder 2"/>
+          <p:cNvSpPr>
+            <a:spLocks noGrp="1"/>
+          </p:cNvSpPr>
+          <p:nvPr>
+            <p:ph idx="1"/>
+          </p:nvPr>
+        </p:nvSpPr>
+        <p:spPr/>
+        <p:txBody>
+          <a:bodyPr/>
+          <a:lstStyle/>
+          <a:p>
+            <a:r>
+              <a:rPr lang="en-US" dirty="0" smtClean="0"/>
+              <a:t>Type 0</a:t>
+            </a:r>
+          </a:p>
+          <a:p>
+            <a:r>
+              <a:rPr lang="en-US" dirty="0" smtClean="0"/>
+              <a:t>Type 1</a:t>
+            </a:r>
+          </a:p>
+          <a:p>
+            <a:r>
+              <a:rPr lang="en-US" dirty="0" smtClean="0"/>
+              <a:t>Type 3</a:t>
+            </a:r>
+          </a:p>
+          <a:p>
+            <a:r>
+              <a:rPr lang="en-US" dirty="0" smtClean="0"/>
+              <a:t>TrueType</a:t>
+            </a:r>
+          </a:p>
+          <a:p>
+            <a:r>
+              <a:rPr lang="en-US" dirty="0" err="1" smtClean="0"/>
+              <a:t>CIDFont</a:t>
+            </a:r>
+            <a:endParaRPr lang="en-US" dirty="0" smtClean="0"/>
+          </a:p>
+          <a:p>
+            <a:pPr lvl="1"/>
+            <a:r>
+              <a:rPr lang="en-US" dirty="0" smtClean="0"/>
+              <a:t>CIDFont0 based on Type 1 font technology</a:t>
+            </a:r>
+          </a:p>
+          <a:p>
+            <a:pPr lvl="1"/>
+            <a:r>
+              <a:rPr lang="en-US" dirty="0" smtClean="0"/>
+              <a:t>CIDFont2 based on TrueType font technology</a:t>
+            </a:r>
+            <a:endParaRPr lang="en-GB" dirty="0"/>
+          </a:p>
+        </p:txBody>
+      </p:sp>
+    </p:spTree>
+    <p:extLst>
+      <p:ext uri="{BB962C8B-B14F-4D97-AF65-F5344CB8AC3E}">
+        <p14:creationId xmlns:p14="http://schemas.microsoft.com/office/powerpoint/2010/main" val="634823430"/>
+      </p:ext>
+    </p:extLst>
+  </p:cSld>
+  <p:clrMapOvr>
+    <a:masterClrMapping/>
+  </p:clrMapOvr>
+  <p:transition spd="slow">
+    <p:wipe dir="d"/>
+  </p:transition>
+</p:sld>
+</file>
+
+<file path=ppt/slides/slide36.xml><?xml version="1.0" encoding="utf-8"?>
+<p:sld xmlns:a="http://schemas.openxmlformats.org/drawingml/2006/main" xmlns:r="http://schemas.openxmlformats.org/officeDocument/2006/relationships" xmlns:p="http://schemas.openxmlformats.org/presentationml/2006/main">
+  <p:cSld>
+    <p:spTree>
+      <p:nvGrpSpPr>
+        <p:cNvPr id="1" name=""/>
+        <p:cNvGrpSpPr/>
+        <p:nvPr/>
+      </p:nvGrpSpPr>
+      <p:grpSpPr>
+        <a:xfrm>
+          <a:off x="0" y="0"/>
+          <a:ext cx="0" cy="0"/>
+          <a:chOff x="0" y="0"/>
+          <a:chExt cx="0" cy="0"/>
+        </a:xfrm>
+      </p:grpSpPr>
+      <p:sp>
+        <p:nvSpPr>
+          <p:cNvPr id="2" name="Title 1"/>
+          <p:cNvSpPr>
+            <a:spLocks noGrp="1"/>
+          </p:cNvSpPr>
+          <p:nvPr>
+            <p:ph type="title"/>
+          </p:nvPr>
+        </p:nvSpPr>
+        <p:spPr/>
+        <p:txBody>
+          <a:bodyPr/>
+          <a:lstStyle/>
+          <a:p>
+            <a:r>
+              <a:rPr lang="en-US" dirty="0" err="1" smtClean="0"/>
+              <a:t>CMaps</a:t>
+            </a:r>
+            <a:endParaRPr lang="en-GB" dirty="0"/>
+          </a:p>
+        </p:txBody>
+      </p:sp>
+      <p:sp>
+        <p:nvSpPr>
+          <p:cNvPr id="3" name="Content Placeholder 2"/>
+          <p:cNvSpPr>
+            <a:spLocks noGrp="1"/>
+          </p:cNvSpPr>
+          <p:nvPr>
+            <p:ph idx="1"/>
+          </p:nvPr>
+        </p:nvSpPr>
+        <p:spPr/>
+        <p:txBody>
+          <a:bodyPr/>
+          <a:lstStyle/>
+          <a:p>
+            <a:r>
+              <a:rPr lang="en-US" dirty="0" smtClean="0"/>
+              <a:t>A </a:t>
+            </a:r>
+            <a:r>
+              <a:rPr lang="en-US" dirty="0" err="1" smtClean="0"/>
+              <a:t>Cmap</a:t>
+            </a:r>
+            <a:r>
+              <a:rPr lang="en-US" dirty="0" smtClean="0"/>
+              <a:t> specifies the mapping from character codes to character selectors.</a:t>
+            </a:r>
+          </a:p>
+          <a:p>
+            <a:r>
+              <a:rPr lang="en-US" dirty="0" smtClean="0"/>
+              <a:t>In PDF, the character selectors are always CIDs in </a:t>
+            </a:r>
+            <a:r>
+              <a:rPr lang="en-US" dirty="0" err="1" smtClean="0"/>
+              <a:t>CIDFont</a:t>
+            </a:r>
+            <a:r>
+              <a:rPr lang="en-US" dirty="0" smtClean="0"/>
+              <a:t>.</a:t>
+            </a:r>
+          </a:p>
+          <a:p>
+            <a:r>
+              <a:rPr lang="en-US" dirty="0" smtClean="0"/>
+              <a:t>A </a:t>
+            </a:r>
+            <a:r>
+              <a:rPr lang="en-US" dirty="0" err="1" smtClean="0"/>
+              <a:t>Cmap</a:t>
+            </a:r>
+            <a:r>
+              <a:rPr lang="en-US" dirty="0" smtClean="0"/>
+              <a:t> serves a function analogous to the Encoding dictionary for a simple font.</a:t>
+            </a:r>
+            <a:endParaRPr lang="en-GB" dirty="0"/>
+          </a:p>
+        </p:txBody>
+      </p:sp>
+    </p:spTree>
+    <p:extLst>
+      <p:ext uri="{BB962C8B-B14F-4D97-AF65-F5344CB8AC3E}">
+        <p14:creationId xmlns:p14="http://schemas.microsoft.com/office/powerpoint/2010/main" val="1631896584"/>
+      </p:ext>
+    </p:extLst>
+  </p:cSld>
+  <p:clrMapOvr>
+    <a:masterClrMapping/>
+  </p:clrMapOvr>
+  <p:transition spd="slow">
+    <p:wipe dir="d"/>
+  </p:transition>
+</p:sld>
+</file>
+
+<file path=ppt/slides/slide37.xml><?xml version="1.0" encoding="utf-8"?>
+<p:sld xmlns:a="http://schemas.openxmlformats.org/drawingml/2006/main" xmlns:r="http://schemas.openxmlformats.org/officeDocument/2006/relationships" xmlns:p="http://schemas.openxmlformats.org/presentationml/2006/main">
+  <p:cSld>
+    <p:spTree>
+      <p:nvGrpSpPr>
+        <p:cNvPr id="1" name=""/>
+        <p:cNvGrpSpPr/>
+        <p:nvPr/>
+      </p:nvGrpSpPr>
+      <p:grpSpPr>
+        <a:xfrm>
+          <a:off x="0" y="0"/>
+          <a:ext cx="0" cy="0"/>
+          <a:chOff x="0" y="0"/>
+          <a:chExt cx="0" cy="0"/>
+        </a:xfrm>
+      </p:grpSpPr>
+      <p:sp>
+        <p:nvSpPr>
+          <p:cNvPr id="2" name="Title 1"/>
+          <p:cNvSpPr>
+            <a:spLocks noGrp="1"/>
+          </p:cNvSpPr>
+          <p:nvPr>
+            <p:ph type="title"/>
+          </p:nvPr>
+        </p:nvSpPr>
+        <p:spPr/>
+        <p:txBody>
+          <a:bodyPr/>
+          <a:lstStyle/>
+          <a:p>
+            <a:r>
+              <a:rPr lang="en-US" dirty="0" err="1" smtClean="0"/>
+              <a:t>CMaps</a:t>
+            </a:r>
+            <a:endParaRPr lang="en-GB" dirty="0"/>
+          </a:p>
+        </p:txBody>
+      </p:sp>
+      <p:sp>
+        <p:nvSpPr>
+          <p:cNvPr id="3" name="Content Placeholder 2"/>
+          <p:cNvSpPr>
+            <a:spLocks noGrp="1"/>
+          </p:cNvSpPr>
+          <p:nvPr>
+            <p:ph idx="1"/>
+          </p:nvPr>
+        </p:nvSpPr>
+        <p:spPr/>
+        <p:txBody>
+          <a:bodyPr/>
+          <a:lstStyle/>
+          <a:p>
+            <a:r>
+              <a:rPr lang="en-US" dirty="0" smtClean="0"/>
+              <a:t>To Unicode </a:t>
+            </a:r>
+            <a:r>
+              <a:rPr lang="en-US" dirty="0" err="1" smtClean="0"/>
+              <a:t>CMaps</a:t>
+            </a:r>
+            <a:endParaRPr lang="en-US" dirty="0"/>
+          </a:p>
+          <a:p>
+            <a:r>
+              <a:rPr lang="en-US" dirty="0" smtClean="0"/>
+              <a:t>Writing mode – Horizontal or Vertical</a:t>
+            </a:r>
+          </a:p>
+          <a:p>
+            <a:endParaRPr lang="en-US" dirty="0" smtClean="0"/>
+          </a:p>
+        </p:txBody>
+      </p:sp>
+    </p:spTree>
+    <p:extLst>
+      <p:ext uri="{BB962C8B-B14F-4D97-AF65-F5344CB8AC3E}">
+        <p14:creationId xmlns:p14="http://schemas.microsoft.com/office/powerpoint/2010/main" val="4290975082"/>
+      </p:ext>
+    </p:extLst>
+  </p:cSld>
+  <p:clrMapOvr>
+    <a:masterClrMapping/>
+  </p:clrMapOvr>
+  <p:transition spd="slow">
+    <p:wipe dir="d"/>
+  </p:transition>
+</p:sld>
+</file>
+
+<file path=ppt/slides/slide38.xml><?xml version="1.0" encoding="utf-8"?>
+<p:sld xmlns:a="http://schemas.openxmlformats.org/drawingml/2006/main" xmlns:r="http://schemas.openxmlformats.org/officeDocument/2006/relationships" xmlns:p="http://schemas.openxmlformats.org/presentationml/2006/main">
+  <p:cSld>
+    <p:spTree>
+      <p:nvGrpSpPr>
+        <p:cNvPr id="1" name=""/>
+        <p:cNvGrpSpPr/>
+        <p:nvPr/>
+      </p:nvGrpSpPr>
+      <p:grpSpPr>
+        <a:xfrm>
+          <a:off x="0" y="0"/>
+          <a:ext cx="0" cy="0"/>
+          <a:chOff x="0" y="0"/>
+          <a:chExt cx="0" cy="0"/>
+        </a:xfrm>
+      </p:grpSpPr>
+      <p:sp>
+        <p:nvSpPr>
+          <p:cNvPr id="2" name="Title 1"/>
+          <p:cNvSpPr>
+            <a:spLocks noGrp="1"/>
+          </p:cNvSpPr>
+          <p:nvPr>
+            <p:ph type="title"/>
+          </p:nvPr>
+        </p:nvSpPr>
+        <p:spPr/>
+        <p:txBody>
+          <a:bodyPr/>
+          <a:lstStyle/>
+          <a:p>
+            <a:r>
+              <a:rPr lang="en-US" dirty="0" smtClean="0"/>
+              <a:t>Graphics</a:t>
+            </a:r>
+            <a:endParaRPr lang="en-GB" dirty="0"/>
+          </a:p>
+        </p:txBody>
+      </p:sp>
+      <p:sp>
+        <p:nvSpPr>
+          <p:cNvPr id="3" name="Content Placeholder 2"/>
+          <p:cNvSpPr>
+            <a:spLocks noGrp="1"/>
+          </p:cNvSpPr>
+          <p:nvPr>
+            <p:ph idx="1"/>
+          </p:nvPr>
+        </p:nvSpPr>
+        <p:spPr/>
+        <p:txBody>
+          <a:bodyPr/>
+          <a:lstStyle/>
+          <a:p>
+            <a:endParaRPr lang="en-GB" dirty="0"/>
+          </a:p>
+        </p:txBody>
+      </p:sp>
+    </p:spTree>
+    <p:extLst>
+      <p:ext uri="{BB962C8B-B14F-4D97-AF65-F5344CB8AC3E}">
+        <p14:creationId xmlns:p14="http://schemas.microsoft.com/office/powerpoint/2010/main" val="739242346"/>
+      </p:ext>
+    </p:extLst>
+  </p:cSld>
+  <p:clrMapOvr>
+    <a:masterClrMapping/>
+  </p:clrMapOvr>
+  <p:transition spd="slow">
+    <p:wipe dir="d"/>
+  </p:transition>
+</p:sld>
+</file>
+
+<file path=ppt/slides/slide39.xml><?xml version="1.0" encoding="utf-8"?>
+<p:sld xmlns:a="http://schemas.openxmlformats.org/drawingml/2006/main" xmlns:r="http://schemas.openxmlformats.org/officeDocument/2006/relationships" xmlns:p="http://schemas.openxmlformats.org/presentationml/2006/main">
+  <p:cSld>
+    <p:spTree>
+      <p:nvGrpSpPr>
+        <p:cNvPr id="1" name=""/>
+        <p:cNvGrpSpPr/>
+        <p:nvPr/>
+      </p:nvGrpSpPr>
+      <p:grpSpPr>
+        <a:xfrm>
+          <a:off x="0" y="0"/>
+          <a:ext cx="0" cy="0"/>
+          <a:chOff x="0" y="0"/>
+          <a:chExt cx="0" cy="0"/>
+        </a:xfrm>
+      </p:grpSpPr>
+      <p:sp>
+        <p:nvSpPr>
+          <p:cNvPr id="2" name="Title 1"/>
+          <p:cNvSpPr>
+            <a:spLocks noGrp="1"/>
+          </p:cNvSpPr>
+          <p:nvPr>
+            <p:ph type="title"/>
+          </p:nvPr>
+        </p:nvSpPr>
+        <p:spPr/>
+        <p:txBody>
+          <a:bodyPr/>
+          <a:lstStyle/>
+          <a:p>
+            <a:r>
+              <a:rPr lang="en-US" dirty="0" smtClean="0"/>
+              <a:t>Color </a:t>
+            </a:r>
+            <a:r>
+              <a:rPr lang="en-US" dirty="0"/>
+              <a:t>S</a:t>
+            </a:r>
+            <a:r>
+              <a:rPr lang="en-US" dirty="0" smtClean="0"/>
+              <a:t>paces</a:t>
+            </a:r>
+            <a:endParaRPr lang="en-GB" dirty="0"/>
+          </a:p>
+        </p:txBody>
+      </p:sp>
+      <p:sp>
+        <p:nvSpPr>
+          <p:cNvPr id="3" name="Content Placeholder 2"/>
+          <p:cNvSpPr>
+            <a:spLocks noGrp="1"/>
+          </p:cNvSpPr>
+          <p:nvPr>
+            <p:ph idx="1"/>
+          </p:nvPr>
+        </p:nvSpPr>
+        <p:spPr/>
+        <p:txBody>
+          <a:bodyPr/>
+          <a:lstStyle/>
+          <a:p>
+            <a:r>
+              <a:rPr lang="en-US" dirty="0" smtClean="0"/>
+              <a:t>Color specification</a:t>
+            </a:r>
+          </a:p>
+          <a:p>
+            <a:pPr lvl="1"/>
+            <a:r>
+              <a:rPr lang="en-US" dirty="0" smtClean="0"/>
+              <a:t>Device color representation (grayscale, RGB, CMYK)</a:t>
+            </a:r>
+          </a:p>
+          <a:p>
+            <a:pPr lvl="1"/>
+            <a:r>
+              <a:rPr lang="en-US" dirty="0" smtClean="0"/>
+              <a:t>Human visual perception (CIE-based)</a:t>
+            </a:r>
+          </a:p>
+          <a:p>
+            <a:r>
+              <a:rPr lang="en-US" dirty="0" smtClean="0"/>
+              <a:t>Color rendering</a:t>
+            </a:r>
+          </a:p>
+          <a:p>
+            <a:pPr lvl="1"/>
+            <a:r>
+              <a:rPr lang="en-US" dirty="0" smtClean="0"/>
+              <a:t>Device dependent</a:t>
+            </a:r>
+          </a:p>
+          <a:p>
+            <a:pPr lvl="1"/>
+            <a:r>
+              <a:rPr lang="en-US" dirty="0" smtClean="0"/>
+              <a:t>Some combination of color conversion, gamma correction, </a:t>
+            </a:r>
+            <a:r>
+              <a:rPr lang="en-US" dirty="0" err="1" smtClean="0"/>
+              <a:t>halftoning</a:t>
+            </a:r>
+            <a:r>
+              <a:rPr lang="en-US" dirty="0" smtClean="0"/>
+              <a:t>, and scan conversion.</a:t>
+            </a:r>
+            <a:endParaRPr lang="en-GB" dirty="0"/>
+          </a:p>
+        </p:txBody>
+      </p:sp>
+    </p:spTree>
+    <p:extLst>
+      <p:ext uri="{BB962C8B-B14F-4D97-AF65-F5344CB8AC3E}">
+        <p14:creationId xmlns:p14="http://schemas.microsoft.com/office/powerpoint/2010/main" val="2627106515"/>
+      </p:ext>
+    </p:extLst>
+  </p:cSld>
+  <p:clrMapOvr>
+    <a:masterClrMapping/>
+  </p:clrMapOvr>
+  <p:transition spd="slow">
+    <p:wipe dir="d"/>
+  </p:transition>
 </p:sld>
 </file>
 
@@ -9289,6 +10562,491 @@
       </p:par>
     </p:tnLst>
   </p:timing>
+</p:sld>
+</file>
+
+<file path=ppt/slides/slide40.xml><?xml version="1.0" encoding="utf-8"?>
+<p:sld xmlns:a="http://schemas.openxmlformats.org/drawingml/2006/main" xmlns:r="http://schemas.openxmlformats.org/officeDocument/2006/relationships" xmlns:p="http://schemas.openxmlformats.org/presentationml/2006/main">
+  <p:cSld>
+    <p:spTree>
+      <p:nvGrpSpPr>
+        <p:cNvPr id="1" name=""/>
+        <p:cNvGrpSpPr/>
+        <p:nvPr/>
+      </p:nvGrpSpPr>
+      <p:grpSpPr>
+        <a:xfrm>
+          <a:off x="0" y="0"/>
+          <a:ext cx="0" cy="0"/>
+          <a:chOff x="0" y="0"/>
+          <a:chExt cx="0" cy="0"/>
+        </a:xfrm>
+      </p:grpSpPr>
+      <p:sp>
+        <p:nvSpPr>
+          <p:cNvPr id="2" name="Title 1"/>
+          <p:cNvSpPr>
+            <a:spLocks noGrp="1"/>
+          </p:cNvSpPr>
+          <p:nvPr>
+            <p:ph type="title"/>
+          </p:nvPr>
+        </p:nvSpPr>
+        <p:spPr/>
+        <p:txBody>
+          <a:bodyPr/>
+          <a:lstStyle/>
+          <a:p>
+            <a:r>
+              <a:rPr lang="en-US" dirty="0" smtClean="0"/>
+              <a:t>Color spaces</a:t>
+            </a:r>
+            <a:endParaRPr lang="en-GB" dirty="0"/>
+          </a:p>
+        </p:txBody>
+      </p:sp>
+      <p:sp>
+        <p:nvSpPr>
+          <p:cNvPr id="3" name="Content Placeholder 2"/>
+          <p:cNvSpPr>
+            <a:spLocks noGrp="1"/>
+          </p:cNvSpPr>
+          <p:nvPr>
+            <p:ph idx="1"/>
+          </p:nvPr>
+        </p:nvSpPr>
+        <p:spPr/>
+        <p:txBody>
+          <a:bodyPr/>
+          <a:lstStyle/>
+          <a:p>
+            <a:r>
+              <a:rPr lang="en-US" dirty="0" smtClean="0"/>
+              <a:t>Color Space Families</a:t>
+            </a:r>
+          </a:p>
+          <a:p>
+            <a:pPr lvl="1"/>
+            <a:r>
+              <a:rPr lang="en-US" dirty="0" smtClean="0"/>
+              <a:t>Device color spaces</a:t>
+            </a:r>
+            <a:r>
+              <a:rPr lang="en-GB" dirty="0" smtClean="0"/>
+              <a:t> </a:t>
+            </a:r>
+            <a:endParaRPr lang="en-US" dirty="0"/>
+          </a:p>
+          <a:p>
+            <a:pPr lvl="2"/>
+            <a:r>
+              <a:rPr lang="en-US" dirty="0" err="1" smtClean="0"/>
+              <a:t>DeviceGray</a:t>
+            </a:r>
+            <a:r>
+              <a:rPr lang="en-US" dirty="0" smtClean="0"/>
+              <a:t>, </a:t>
+            </a:r>
+            <a:r>
+              <a:rPr lang="en-US" dirty="0" err="1" smtClean="0"/>
+              <a:t>DeviceRGB</a:t>
+            </a:r>
+            <a:r>
+              <a:rPr lang="en-US" dirty="0" smtClean="0"/>
+              <a:t>, </a:t>
+            </a:r>
+            <a:r>
+              <a:rPr lang="en-US" dirty="0" err="1" smtClean="0"/>
+              <a:t>DeviceCMYK</a:t>
+            </a:r>
+            <a:endParaRPr lang="en-US" dirty="0"/>
+          </a:p>
+          <a:p>
+            <a:pPr lvl="1"/>
+            <a:r>
+              <a:rPr lang="en-US" dirty="0" smtClean="0"/>
+              <a:t>CIE-based color spaces</a:t>
+            </a:r>
+          </a:p>
+          <a:p>
+            <a:pPr lvl="2"/>
+            <a:r>
+              <a:rPr lang="en-US" dirty="0" err="1" smtClean="0"/>
+              <a:t>CalGray</a:t>
+            </a:r>
+            <a:r>
+              <a:rPr lang="en-US" dirty="0" smtClean="0"/>
+              <a:t>, </a:t>
+            </a:r>
+            <a:r>
+              <a:rPr lang="en-US" dirty="0" err="1" smtClean="0"/>
+              <a:t>CalRBG</a:t>
+            </a:r>
+            <a:r>
+              <a:rPr lang="en-US" dirty="0" smtClean="0"/>
+              <a:t>, Lab, </a:t>
+            </a:r>
+            <a:r>
+              <a:rPr lang="en-US" dirty="0" err="1" smtClean="0"/>
+              <a:t>ICCBased</a:t>
+            </a:r>
+            <a:endParaRPr lang="en-US" dirty="0" smtClean="0"/>
+          </a:p>
+          <a:p>
+            <a:pPr lvl="1"/>
+            <a:r>
+              <a:rPr lang="en-US" dirty="0" smtClean="0"/>
+              <a:t>Special color spaces</a:t>
+            </a:r>
+          </a:p>
+          <a:p>
+            <a:pPr lvl="2"/>
+            <a:r>
+              <a:rPr lang="en-US" dirty="0" smtClean="0"/>
+              <a:t>Pattern, Indexed, Separation, </a:t>
+            </a:r>
+            <a:r>
+              <a:rPr lang="en-US" dirty="0" err="1" smtClean="0"/>
+              <a:t>DeviceN</a:t>
+            </a:r>
+            <a:endParaRPr lang="en-US" dirty="0"/>
+          </a:p>
+          <a:p>
+            <a:pPr lvl="1"/>
+            <a:endParaRPr lang="en-GB" dirty="0" smtClean="0"/>
+          </a:p>
+        </p:txBody>
+      </p:sp>
+    </p:spTree>
+    <p:extLst>
+      <p:ext uri="{BB962C8B-B14F-4D97-AF65-F5344CB8AC3E}">
+        <p14:creationId xmlns:p14="http://schemas.microsoft.com/office/powerpoint/2010/main" val="821332175"/>
+      </p:ext>
+    </p:extLst>
+  </p:cSld>
+  <p:clrMapOvr>
+    <a:masterClrMapping/>
+  </p:clrMapOvr>
+  <p:transition spd="slow">
+    <p:wipe dir="d"/>
+  </p:transition>
+</p:sld>
+</file>
+
+<file path=ppt/slides/slide41.xml><?xml version="1.0" encoding="utf-8"?>
+<p:sld xmlns:a="http://schemas.openxmlformats.org/drawingml/2006/main" xmlns:r="http://schemas.openxmlformats.org/officeDocument/2006/relationships" xmlns:p="http://schemas.openxmlformats.org/presentationml/2006/main">
+  <p:cSld>
+    <p:spTree>
+      <p:nvGrpSpPr>
+        <p:cNvPr id="1" name=""/>
+        <p:cNvGrpSpPr/>
+        <p:nvPr/>
+      </p:nvGrpSpPr>
+      <p:grpSpPr>
+        <a:xfrm>
+          <a:off x="0" y="0"/>
+          <a:ext cx="0" cy="0"/>
+          <a:chOff x="0" y="0"/>
+          <a:chExt cx="0" cy="0"/>
+        </a:xfrm>
+      </p:grpSpPr>
+      <p:sp>
+        <p:nvSpPr>
+          <p:cNvPr id="2" name="Title 1"/>
+          <p:cNvSpPr>
+            <a:spLocks noGrp="1"/>
+          </p:cNvSpPr>
+          <p:nvPr>
+            <p:ph type="title"/>
+          </p:nvPr>
+        </p:nvSpPr>
+        <p:spPr/>
+        <p:txBody>
+          <a:bodyPr/>
+          <a:lstStyle/>
+          <a:p>
+            <a:r>
+              <a:rPr lang="en-US" dirty="0" smtClean="0"/>
+              <a:t>Encryption</a:t>
+            </a:r>
+            <a:endParaRPr lang="en-GB" dirty="0"/>
+          </a:p>
+        </p:txBody>
+      </p:sp>
+      <p:sp>
+        <p:nvSpPr>
+          <p:cNvPr id="3" name="Content Placeholder 2"/>
+          <p:cNvSpPr>
+            <a:spLocks noGrp="1"/>
+          </p:cNvSpPr>
+          <p:nvPr>
+            <p:ph idx="1"/>
+          </p:nvPr>
+        </p:nvSpPr>
+        <p:spPr/>
+        <p:txBody>
+          <a:bodyPr/>
+          <a:lstStyle/>
+          <a:p>
+            <a:r>
+              <a:rPr lang="en-US" dirty="0" smtClean="0"/>
+              <a:t>Encryption applies to all strings and streams in the document’s PDF file, but not to other object types.</a:t>
+            </a:r>
+          </a:p>
+          <a:p>
+            <a:endParaRPr lang="en-GB" dirty="0"/>
+          </a:p>
+        </p:txBody>
+      </p:sp>
+    </p:spTree>
+    <p:extLst>
+      <p:ext uri="{BB962C8B-B14F-4D97-AF65-F5344CB8AC3E}">
+        <p14:creationId xmlns:p14="http://schemas.microsoft.com/office/powerpoint/2010/main" val="3869865967"/>
+      </p:ext>
+    </p:extLst>
+  </p:cSld>
+  <p:clrMapOvr>
+    <a:masterClrMapping/>
+  </p:clrMapOvr>
+  <p:transition spd="slow">
+    <p:wipe dir="d"/>
+  </p:transition>
+</p:sld>
+</file>
+
+<file path=ppt/slides/slide42.xml><?xml version="1.0" encoding="utf-8"?>
+<p:sld xmlns:a="http://schemas.openxmlformats.org/drawingml/2006/main" xmlns:r="http://schemas.openxmlformats.org/officeDocument/2006/relationships" xmlns:p="http://schemas.openxmlformats.org/presentationml/2006/main">
+  <p:cSld>
+    <p:spTree>
+      <p:nvGrpSpPr>
+        <p:cNvPr id="1" name=""/>
+        <p:cNvGrpSpPr/>
+        <p:nvPr/>
+      </p:nvGrpSpPr>
+      <p:grpSpPr>
+        <a:xfrm>
+          <a:off x="0" y="0"/>
+          <a:ext cx="0" cy="0"/>
+          <a:chOff x="0" y="0"/>
+          <a:chExt cx="0" cy="0"/>
+        </a:xfrm>
+      </p:grpSpPr>
+      <p:sp>
+        <p:nvSpPr>
+          <p:cNvPr id="2" name="Title 1"/>
+          <p:cNvSpPr>
+            <a:spLocks noGrp="1"/>
+          </p:cNvSpPr>
+          <p:nvPr>
+            <p:ph type="title"/>
+          </p:nvPr>
+        </p:nvSpPr>
+        <p:spPr/>
+        <p:txBody>
+          <a:bodyPr/>
+          <a:lstStyle/>
+          <a:p>
+            <a:r>
+              <a:rPr lang="en-US" dirty="0" smtClean="0"/>
+              <a:t>Encryption</a:t>
+            </a:r>
+            <a:endParaRPr lang="en-GB" dirty="0"/>
+          </a:p>
+        </p:txBody>
+      </p:sp>
+      <p:sp>
+        <p:nvSpPr>
+          <p:cNvPr id="3" name="Content Placeholder 2"/>
+          <p:cNvSpPr>
+            <a:spLocks noGrp="1"/>
+          </p:cNvSpPr>
+          <p:nvPr>
+            <p:ph idx="1"/>
+          </p:nvPr>
+        </p:nvSpPr>
+        <p:spPr/>
+        <p:txBody>
+          <a:bodyPr/>
+          <a:lstStyle/>
+          <a:p>
+            <a:r>
+              <a:rPr lang="en-US" dirty="0" smtClean="0"/>
+              <a:t>Owner password, user password</a:t>
+            </a:r>
+          </a:p>
+          <a:p>
+            <a:pPr lvl="1"/>
+            <a:r>
+              <a:rPr lang="en-US" dirty="0" smtClean="0"/>
+              <a:t>Opening the document with owner password allow full access to the document.</a:t>
+            </a:r>
+          </a:p>
+          <a:p>
+            <a:pPr lvl="1"/>
+            <a:r>
+              <a:rPr lang="en-US" dirty="0" smtClean="0"/>
+              <a:t>Opening the document with the correct user password allows additional operations to be performed according to the user access permission specified in the document’s encryption dictionary.</a:t>
+            </a:r>
+            <a:endParaRPr lang="en-GB" dirty="0"/>
+          </a:p>
+        </p:txBody>
+      </p:sp>
+    </p:spTree>
+    <p:extLst>
+      <p:ext uri="{BB962C8B-B14F-4D97-AF65-F5344CB8AC3E}">
+        <p14:creationId xmlns:p14="http://schemas.microsoft.com/office/powerpoint/2010/main" val="943106465"/>
+      </p:ext>
+    </p:extLst>
+  </p:cSld>
+  <p:clrMapOvr>
+    <a:masterClrMapping/>
+  </p:clrMapOvr>
+  <p:transition spd="slow">
+    <p:wipe dir="d"/>
+  </p:transition>
+</p:sld>
+</file>
+
+<file path=ppt/slides/slide43.xml><?xml version="1.0" encoding="utf-8"?>
+<p:sld xmlns:a="http://schemas.openxmlformats.org/drawingml/2006/main" xmlns:r="http://schemas.openxmlformats.org/officeDocument/2006/relationships" xmlns:p="http://schemas.openxmlformats.org/presentationml/2006/main">
+  <p:cSld>
+    <p:spTree>
+      <p:nvGrpSpPr>
+        <p:cNvPr id="1" name=""/>
+        <p:cNvGrpSpPr/>
+        <p:nvPr/>
+      </p:nvGrpSpPr>
+      <p:grpSpPr>
+        <a:xfrm>
+          <a:off x="0" y="0"/>
+          <a:ext cx="0" cy="0"/>
+          <a:chOff x="0" y="0"/>
+          <a:chExt cx="0" cy="0"/>
+        </a:xfrm>
+      </p:grpSpPr>
+      <p:sp>
+        <p:nvSpPr>
+          <p:cNvPr id="2" name="Title 1"/>
+          <p:cNvSpPr>
+            <a:spLocks noGrp="1"/>
+          </p:cNvSpPr>
+          <p:nvPr>
+            <p:ph type="title"/>
+          </p:nvPr>
+        </p:nvSpPr>
+        <p:spPr/>
+        <p:txBody>
+          <a:bodyPr/>
+          <a:lstStyle/>
+          <a:p>
+            <a:r>
+              <a:rPr lang="en-US" dirty="0" smtClean="0"/>
+              <a:t>Encryption</a:t>
+            </a:r>
+            <a:endParaRPr lang="en-GB" dirty="0"/>
+          </a:p>
+        </p:txBody>
+      </p:sp>
+      <p:sp>
+        <p:nvSpPr>
+          <p:cNvPr id="3" name="Content Placeholder 2"/>
+          <p:cNvSpPr>
+            <a:spLocks noGrp="1"/>
+          </p:cNvSpPr>
+          <p:nvPr>
+            <p:ph idx="1"/>
+          </p:nvPr>
+        </p:nvSpPr>
+        <p:spPr/>
+        <p:txBody>
+          <a:bodyPr/>
+          <a:lstStyle/>
+          <a:p>
+            <a:r>
+              <a:rPr lang="en-US" dirty="0" smtClean="0"/>
+              <a:t>Is the user password really helpful?</a:t>
+            </a:r>
+            <a:endParaRPr lang="en-GB" dirty="0"/>
+          </a:p>
+        </p:txBody>
+      </p:sp>
+      <p:pic>
+        <p:nvPicPr>
+          <p:cNvPr id="1026" name="Picture 2"/>
+          <p:cNvPicPr>
+            <a:picLocks noChangeAspect="1" noChangeArrowheads="1"/>
+          </p:cNvPicPr>
+          <p:nvPr/>
+        </p:nvPicPr>
+        <p:blipFill>
+          <a:blip r:embed="rId2">
+            <a:extLst>
+              <a:ext uri="{28A0092B-C50C-407E-A947-70E740481C1C}">
+                <a14:useLocalDpi xmlns:a14="http://schemas.microsoft.com/office/drawing/2010/main" val="0"/>
+              </a:ext>
+            </a:extLst>
+          </a:blip>
+          <a:srcRect/>
+          <a:stretch>
+            <a:fillRect/>
+          </a:stretch>
+        </p:blipFill>
+        <p:spPr bwMode="auto">
+          <a:xfrm>
+            <a:off x="1547664" y="2636912"/>
+            <a:ext cx="6566798" cy="2742604"/>
+          </a:xfrm>
+          <a:prstGeom prst="rect">
+            <a:avLst/>
+          </a:prstGeom>
+          <a:noFill/>
+          <a:ln>
+            <a:noFill/>
+          </a:ln>
+          <a:effectLst/>
+          <a:extLst>
+            <a:ext uri="{909E8E84-426E-40DD-AFC4-6F175D3DCCD1}">
+              <a14:hiddenFill xmlns:a14="http://schemas.microsoft.com/office/drawing/2010/main">
+                <a:solidFill>
+                  <a:schemeClr val="accent1"/>
+                </a:solidFill>
+              </a14:hiddenFill>
+            </a:ext>
+            <a:ext uri="{91240B29-F687-4F45-9708-019B960494DF}">
+              <a14:hiddenLine xmlns:a14="http://schemas.microsoft.com/office/drawing/2010/main" w="9525">
+                <a:solidFill>
+                  <a:schemeClr val="tx1"/>
+                </a:solidFill>
+                <a:miter lim="800000"/>
+                <a:headEnd/>
+                <a:tailEnd/>
+              </a14:hiddenLine>
+            </a:ext>
+            <a:ext uri="{AF507438-7753-43E0-B8FC-AC1667EBCBE1}">
+              <a14:hiddenEffects xmlns:a14="http://schemas.microsoft.com/office/drawing/2010/main">
+                <a:effectLst>
+                  <a:outerShdw dist="35921" dir="2700000" algn="ctr" rotWithShape="0">
+                    <a:schemeClr val="bg2"/>
+                  </a:outerShdw>
+                </a:effectLst>
+              </a14:hiddenEffects>
+            </a:ext>
+          </a:extLst>
+        </p:spPr>
+      </p:pic>
+    </p:spTree>
+    <p:extLst>
+      <p:ext uri="{BB962C8B-B14F-4D97-AF65-F5344CB8AC3E}">
+        <p14:creationId xmlns:p14="http://schemas.microsoft.com/office/powerpoint/2010/main" val="2554055652"/>
+      </p:ext>
+    </p:extLst>
+  </p:cSld>
+  <p:clrMapOvr>
+    <a:masterClrMapping/>
+  </p:clrMapOvr>
+  <p:transition spd="slow">
+    <p:wipe dir="d"/>
+  </p:transition>
 </p:sld>
 </file>
 

--- a/test/pdf.pptx
+++ b/test/pdf.pptx
@@ -5,20 +5,20 @@
     <p:sldMasterId id="2147483648" r:id="rId1"/>
   </p:sldMasterIdLst>
   <p:notesMasterIdLst>
-    <p:notesMasterId r:id="rId45"/>
+    <p:notesMasterId r:id="rId57"/>
   </p:notesMasterIdLst>
   <p:handoutMasterIdLst>
-    <p:handoutMasterId r:id="rId46"/>
+    <p:handoutMasterId r:id="rId58"/>
   </p:handoutMasterIdLst>
   <p:sldIdLst>
     <p:sldId id="259" r:id="rId2"/>
-    <p:sldId id="261" r:id="rId3"/>
-    <p:sldId id="281" r:id="rId4"/>
-    <p:sldId id="282" r:id="rId5"/>
-    <p:sldId id="283" r:id="rId6"/>
-    <p:sldId id="295" r:id="rId7"/>
-    <p:sldId id="294" r:id="rId8"/>
-    <p:sldId id="296" r:id="rId9"/>
+    <p:sldId id="295" r:id="rId3"/>
+    <p:sldId id="294" r:id="rId4"/>
+    <p:sldId id="296" r:id="rId5"/>
+    <p:sldId id="261" r:id="rId6"/>
+    <p:sldId id="281" r:id="rId7"/>
+    <p:sldId id="282" r:id="rId8"/>
+    <p:sldId id="283" r:id="rId9"/>
     <p:sldId id="297" r:id="rId10"/>
     <p:sldId id="298" r:id="rId11"/>
     <p:sldId id="284" r:id="rId12"/>
@@ -54,6 +54,18 @@
     <p:sldId id="320" r:id="rId42"/>
     <p:sldId id="321" r:id="rId43"/>
     <p:sldId id="322" r:id="rId44"/>
+    <p:sldId id="323" r:id="rId45"/>
+    <p:sldId id="327" r:id="rId46"/>
+    <p:sldId id="325" r:id="rId47"/>
+    <p:sldId id="324" r:id="rId48"/>
+    <p:sldId id="326" r:id="rId49"/>
+    <p:sldId id="328" r:id="rId50"/>
+    <p:sldId id="329" r:id="rId51"/>
+    <p:sldId id="330" r:id="rId52"/>
+    <p:sldId id="331" r:id="rId53"/>
+    <p:sldId id="332" r:id="rId54"/>
+    <p:sldId id="334" r:id="rId55"/>
+    <p:sldId id="333" r:id="rId56"/>
   </p:sldIdLst>
   <p:sldSz cx="9144000" cy="6858000" type="screen4x3"/>
   <p:notesSz cx="6858000" cy="9144000"/>
@@ -162,10 +174,6 @@
         </p14:section>
         <p14:section name="Overview and Objectives" id="{ABA716BF-3A5C-4ADB-94C9-CFEF84EBA240}">
           <p14:sldIdLst>
-            <p14:sldId id="261"/>
-            <p14:sldId id="281"/>
-            <p14:sldId id="282"/>
-            <p14:sldId id="283"/>
             <p14:sldId id="295"/>
             <p14:sldId id="294"/>
             <p14:sldId id="296"/>
@@ -173,6 +181,10 @@
         </p14:section>
         <p14:section name="Technical overview" id="{FC6DD091-F8EF-46E6-9160-E24B32C66375}">
           <p14:sldIdLst>
+            <p14:sldId id="261"/>
+            <p14:sldId id="281"/>
+            <p14:sldId id="282"/>
+            <p14:sldId id="283"/>
             <p14:sldId id="297"/>
           </p14:sldIdLst>
         </p14:section>
@@ -234,6 +246,22 @@
             <p14:sldId id="322"/>
           </p14:sldIdLst>
         </p14:section>
+        <p14:section name="PDF Subset" id="{43FC82D6-1E7D-4B31-BDF7-DA20EF1B5C00}">
+          <p14:sldIdLst>
+            <p14:sldId id="323"/>
+            <p14:sldId id="327"/>
+            <p14:sldId id="325"/>
+            <p14:sldId id="324"/>
+            <p14:sldId id="326"/>
+            <p14:sldId id="328"/>
+            <p14:sldId id="329"/>
+            <p14:sldId id="330"/>
+            <p14:sldId id="331"/>
+            <p14:sldId id="332"/>
+            <p14:sldId id="334"/>
+            <p14:sldId id="333"/>
+          </p14:sldIdLst>
+        </p14:section>
       </p14:sectionLst>
     </p:ext>
   </p:extLst>
@@ -323,7 +351,7 @@
             <a:fld id="{D83FDC75-7F73-4A4A-A77C-09AADF00E0EA}" type="datetimeFigureOut">
               <a:rPr lang="en-US" smtClean="0"/>
               <a:pPr/>
-              <a:t>2/14/2014</a:t>
+              <a:t>10/29/2014</a:t>
             </a:fld>
             <a:endParaRPr lang="en-US" dirty="0"/>
           </a:p>
@@ -490,7 +518,7 @@
             <a:fld id="{48AEF76B-3757-4A0B-AF93-28494465C1DD}" type="datetimeFigureOut">
               <a:rPr lang="en-US" smtClean="0"/>
               <a:pPr/>
-              <a:t>2/14/2014</a:t>
+              <a:t>10/29/2014</a:t>
             </a:fld>
             <a:endParaRPr lang="en-US" dirty="0"/>
           </a:p>
@@ -915,23 +943,7 @@
             <a:pPr lvl="0"/>
             <a:r>
               <a:rPr lang="en-US" sz="1200" dirty="0" smtClean="0"/>
-              <a:t>Consider that attendees will print in black and white or </a:t>
-            </a:r>
-            <a:r>
-              <a:rPr lang="en-US" sz="1200" dirty="0" err="1" smtClean="0"/>
-              <a:t>grayscale</a:t>
-            </a:r>
-            <a:r>
-              <a:rPr lang="en-US" sz="1200" dirty="0" smtClean="0"/>
-              <a:t>. Run a test print to make sure your colors work when printed in pure black and white and </a:t>
-            </a:r>
-            <a:r>
-              <a:rPr lang="en-US" sz="1200" dirty="0" err="1" smtClean="0"/>
-              <a:t>grayscale</a:t>
-            </a:r>
-            <a:r>
-              <a:rPr lang="en-US" sz="1200" dirty="0" smtClean="0"/>
-              <a:t>.</a:t>
+              <a:t>Consider that attendees will print in black and white or grayscale. Run a test print to make sure your colors work when printed in pure black and white and grayscale.</a:t>
             </a:r>
           </a:p>
           <a:p>
@@ -996,7 +1008,7 @@
               <a:pPr/>
               <a:t>1</a:t>
             </a:fld>
-            <a:endParaRPr lang="en-US"/>
+            <a:endParaRPr lang="en-US" dirty="0"/>
           </a:p>
         </p:txBody>
       </p:sp>
@@ -1164,6 +1176,91 @@
     <p:extLst>
       <p:ext uri="{BB962C8B-B14F-4D97-AF65-F5344CB8AC3E}">
         <p14:creationId xmlns:p14="http://schemas.microsoft.com/office/powerpoint/2010/main" val="1348548789"/>
+      </p:ext>
+    </p:extLst>
+  </p:cSld>
+  <p:clrMapOvr>
+    <a:masterClrMapping/>
+  </p:clrMapOvr>
+</p:notes>
+</file>
+
+<file path=ppt/notesSlides/notesSlide12.xml><?xml version="1.0" encoding="utf-8"?>
+<p:notes xmlns:a="http://schemas.openxmlformats.org/drawingml/2006/main" xmlns:r="http://schemas.openxmlformats.org/officeDocument/2006/relationships" xmlns:p="http://schemas.openxmlformats.org/presentationml/2006/main">
+  <p:cSld>
+    <p:spTree>
+      <p:nvGrpSpPr>
+        <p:cNvPr id="1" name=""/>
+        <p:cNvGrpSpPr/>
+        <p:nvPr/>
+      </p:nvGrpSpPr>
+      <p:grpSpPr>
+        <a:xfrm>
+          <a:off x="0" y="0"/>
+          <a:ext cx="0" cy="0"/>
+          <a:chOff x="0" y="0"/>
+          <a:chExt cx="0" cy="0"/>
+        </a:xfrm>
+      </p:grpSpPr>
+      <p:sp>
+        <p:nvSpPr>
+          <p:cNvPr id="2" name="Slide Image Placeholder 1"/>
+          <p:cNvSpPr>
+            <a:spLocks noGrp="1" noRot="1" noChangeAspect="1"/>
+          </p:cNvSpPr>
+          <p:nvPr>
+            <p:ph type="sldImg"/>
+          </p:nvPr>
+        </p:nvSpPr>
+        <p:spPr/>
+      </p:sp>
+      <p:sp>
+        <p:nvSpPr>
+          <p:cNvPr id="3" name="Notes Placeholder 2"/>
+          <p:cNvSpPr>
+            <a:spLocks noGrp="1"/>
+          </p:cNvSpPr>
+          <p:nvPr>
+            <p:ph type="body" idx="1"/>
+          </p:nvPr>
+        </p:nvSpPr>
+        <p:spPr/>
+        <p:txBody>
+          <a:bodyPr/>
+          <a:lstStyle/>
+          <a:p>
+            <a:endParaRPr lang="en-US" dirty="0"/>
+          </a:p>
+        </p:txBody>
+      </p:sp>
+      <p:sp>
+        <p:nvSpPr>
+          <p:cNvPr id="4" name="Slide Number Placeholder 3"/>
+          <p:cNvSpPr>
+            <a:spLocks noGrp="1"/>
+          </p:cNvSpPr>
+          <p:nvPr>
+            <p:ph type="sldNum" sz="quarter" idx="10"/>
+          </p:nvPr>
+        </p:nvSpPr>
+        <p:spPr/>
+        <p:txBody>
+          <a:bodyPr/>
+          <a:lstStyle/>
+          <a:p>
+            <a:fld id="{75693FD4-8F83-4EF7-AC3F-0DC0388986B0}" type="slidenum">
+              <a:rPr lang="en-US" smtClean="0"/>
+              <a:pPr/>
+              <a:t>45</a:t>
+            </a:fld>
+            <a:endParaRPr lang="en-US" dirty="0"/>
+          </a:p>
+        </p:txBody>
+      </p:sp>
+    </p:spTree>
+    <p:extLst>
+      <p:ext uri="{BB962C8B-B14F-4D97-AF65-F5344CB8AC3E}">
+        <p14:creationId xmlns:p14="http://schemas.microsoft.com/office/powerpoint/2010/main" val="2434709723"/>
       </p:ext>
     </p:extLst>
   </p:cSld>
@@ -1214,53 +1311,10 @@
         </p:nvSpPr>
         <p:spPr/>
         <p:txBody>
-          <a:bodyPr>
-            <a:normAutofit/>
-          </a:bodyPr>
-          <a:lstStyle/>
-          <a:p>
-            <a:pPr>
-              <a:lnSpc>
-                <a:spcPct val="80000"/>
-              </a:lnSpc>
-            </a:pPr>
-            <a:r>
-              <a:rPr lang="en-US" dirty="0" smtClean="0"/>
-              <a:t>Give a brief overview of the presentation.</a:t>
-            </a:r>
-            <a:r>
-              <a:rPr lang="en-US" baseline="0" dirty="0" smtClean="0"/>
-              <a:t> D</a:t>
-            </a:r>
-            <a:r>
-              <a:rPr lang="en-US" dirty="0" smtClean="0"/>
-              <a:t>escribe the major focus of the presentation and why it is important.</a:t>
-            </a:r>
-          </a:p>
-          <a:p>
-            <a:pPr>
-              <a:lnSpc>
-                <a:spcPct val="80000"/>
-              </a:lnSpc>
-            </a:pPr>
-            <a:r>
-              <a:rPr lang="en-US" dirty="0" smtClean="0"/>
-              <a:t>Introduce each of the major topics.</a:t>
-            </a:r>
-          </a:p>
-          <a:p>
-            <a:r>
-              <a:rPr lang="en-US" dirty="0" smtClean="0"/>
-              <a:t>To provide a road map for the audience, you</a:t>
-            </a:r>
-            <a:r>
-              <a:rPr lang="en-US" baseline="0" dirty="0" smtClean="0"/>
-              <a:t> can </a:t>
-            </a:r>
-            <a:r>
-              <a:rPr lang="en-US" dirty="0" smtClean="0"/>
-              <a:t>repeat this Overview slide throughout the presentation, highlighting the particular topic you will discuss next.</a:t>
-            </a:r>
+          <a:bodyPr/>
+          <a:lstStyle/>
+          <a:p>
+            <a:endParaRPr lang="en-US" dirty="0"/>
           </a:p>
         </p:txBody>
       </p:sp>
@@ -1279,12 +1333,12 @@
           <a:bodyPr/>
           <a:lstStyle/>
           <a:p>
-            <a:fld id="{EC6EAC7D-5A89-47C2-8ABA-56C9C2DEF7A4}" type="slidenum">
+            <a:fld id="{75693FD4-8F83-4EF7-AC3F-0DC0388986B0}" type="slidenum">
               <a:rPr lang="en-US" smtClean="0"/>
               <a:pPr/>
               <a:t>2</a:t>
             </a:fld>
-            <a:endParaRPr lang="en-US"/>
+            <a:endParaRPr lang="en-US" dirty="0"/>
           </a:p>
         </p:txBody>
       </p:sp>
@@ -1340,35 +1394,7 @@
           <a:bodyPr/>
           <a:lstStyle/>
           <a:p>
-            <a:pPr marL="0" marR="0" indent="0" algn="l" defTabSz="914400" rtl="0" eaLnBrk="1" fontAlgn="auto" latinLnBrk="0" hangingPunct="1">
-              <a:lnSpc>
-                <a:spcPct val="100000"/>
-              </a:lnSpc>
-              <a:spcBef>
-                <a:spcPts val="0"/>
-              </a:spcBef>
-              <a:spcAft>
-                <a:spcPts val="0"/>
-              </a:spcAft>
-              <a:buClrTx/>
-              <a:buSzTx/>
-              <a:buFontTx/>
-              <a:buNone/>
-              <a:tabLst/>
-              <a:defRPr/>
-            </a:pPr>
-            <a:r>
-              <a:rPr lang="en-US" sz="1200" dirty="0" smtClean="0"/>
-              <a:t>This is another option</a:t>
-            </a:r>
-            <a:r>
-              <a:rPr lang="en-US" sz="1200" baseline="0" dirty="0" smtClean="0"/>
-              <a:t> for an Overview slides using transitions.</a:t>
-            </a:r>
-            <a:endParaRPr lang="en-US" sz="1200" dirty="0" smtClean="0"/>
-          </a:p>
-          <a:p>
-            <a:endParaRPr lang="en-US" dirty="0"/>
+            <a:endParaRPr lang="en-US"/>
           </a:p>
         </p:txBody>
       </p:sp>
@@ -1525,34 +1551,77 @@
         </p:nvSpPr>
         <p:spPr/>
         <p:txBody>
+          <a:bodyPr>
+            <a:normAutofit/>
+          </a:bodyPr>
+          <a:lstStyle/>
+          <a:p>
+            <a:pPr>
+              <a:lnSpc>
+                <a:spcPct val="80000"/>
+              </a:lnSpc>
+            </a:pPr>
+            <a:r>
+              <a:rPr lang="en-US" dirty="0" smtClean="0"/>
+              <a:t>Give a brief overview of the presentation.</a:t>
+            </a:r>
+            <a:r>
+              <a:rPr lang="en-US" baseline="0" dirty="0" smtClean="0"/>
+              <a:t> D</a:t>
+            </a:r>
+            <a:r>
+              <a:rPr lang="en-US" dirty="0" smtClean="0"/>
+              <a:t>escribe the major focus of the presentation and why it is important.</a:t>
+            </a:r>
+          </a:p>
+          <a:p>
+            <a:pPr>
+              <a:lnSpc>
+                <a:spcPct val="80000"/>
+              </a:lnSpc>
+            </a:pPr>
+            <a:r>
+              <a:rPr lang="en-US" dirty="0" smtClean="0"/>
+              <a:t>Introduce each of the major topics.</a:t>
+            </a:r>
+          </a:p>
+          <a:p>
+            <a:r>
+              <a:rPr lang="en-US" dirty="0" smtClean="0"/>
+              <a:t>To provide a road map for the audience, you</a:t>
+            </a:r>
+            <a:r>
+              <a:rPr lang="en-US" baseline="0" dirty="0" smtClean="0"/>
+              <a:t> can </a:t>
+            </a:r>
+            <a:r>
+              <a:rPr lang="en-US" dirty="0" smtClean="0"/>
+              <a:t>repeat this Overview slide throughout the presentation, highlighting the particular topic you will discuss next.</a:t>
+            </a:r>
+          </a:p>
+        </p:txBody>
+      </p:sp>
+      <p:sp>
+        <p:nvSpPr>
+          <p:cNvPr id="4" name="Slide Number Placeholder 3"/>
+          <p:cNvSpPr>
+            <a:spLocks noGrp="1"/>
+          </p:cNvSpPr>
+          <p:nvPr>
+            <p:ph type="sldNum" sz="quarter" idx="10"/>
+          </p:nvPr>
+        </p:nvSpPr>
+        <p:spPr/>
+        <p:txBody>
           <a:bodyPr/>
           <a:lstStyle/>
           <a:p>
-            <a:endParaRPr lang="en-US"/>
-          </a:p>
-        </p:txBody>
-      </p:sp>
-      <p:sp>
-        <p:nvSpPr>
-          <p:cNvPr id="4" name="Slide Number Placeholder 3"/>
-          <p:cNvSpPr>
-            <a:spLocks noGrp="1"/>
-          </p:cNvSpPr>
-          <p:nvPr>
-            <p:ph type="sldNum" sz="quarter" idx="10"/>
-          </p:nvPr>
-        </p:nvSpPr>
-        <p:spPr/>
-        <p:txBody>
-          <a:bodyPr/>
-          <a:lstStyle/>
-          <a:p>
-            <a:fld id="{75693FD4-8F83-4EF7-AC3F-0DC0388986B0}" type="slidenum">
+            <a:fld id="{EC6EAC7D-5A89-47C2-8ABA-56C9C2DEF7A4}" type="slidenum">
               <a:rPr lang="en-US" smtClean="0"/>
               <a:pPr/>
               <a:t>5</a:t>
             </a:fld>
-            <a:endParaRPr lang="en-US"/>
+            <a:endParaRPr lang="en-US" dirty="0"/>
           </a:p>
         </p:txBody>
       </p:sp>
@@ -1608,7 +1677,35 @@
           <a:bodyPr/>
           <a:lstStyle/>
           <a:p>
-            <a:endParaRPr lang="en-US"/>
+            <a:pPr marL="0" marR="0" indent="0" algn="l" defTabSz="914400" rtl="0" eaLnBrk="1" fontAlgn="auto" latinLnBrk="0" hangingPunct="1">
+              <a:lnSpc>
+                <a:spcPct val="100000"/>
+              </a:lnSpc>
+              <a:spcBef>
+                <a:spcPts val="0"/>
+              </a:spcBef>
+              <a:spcAft>
+                <a:spcPts val="0"/>
+              </a:spcAft>
+              <a:buClrTx/>
+              <a:buSzTx/>
+              <a:buFontTx/>
+              <a:buNone/>
+              <a:tabLst/>
+              <a:defRPr/>
+            </a:pPr>
+            <a:r>
+              <a:rPr lang="en-US" sz="1200" dirty="0" smtClean="0"/>
+              <a:t>This is another option</a:t>
+            </a:r>
+            <a:r>
+              <a:rPr lang="en-US" sz="1200" baseline="0" dirty="0" smtClean="0"/>
+              <a:t> for an Overview slides using transitions.</a:t>
+            </a:r>
+            <a:endParaRPr lang="en-US" sz="1200" dirty="0" smtClean="0"/>
+          </a:p>
+          <a:p>
+            <a:endParaRPr lang="en-US" dirty="0"/>
           </a:p>
         </p:txBody>
       </p:sp>
@@ -1632,7 +1729,7 @@
               <a:pPr/>
               <a:t>6</a:t>
             </a:fld>
-            <a:endParaRPr lang="en-US"/>
+            <a:endParaRPr lang="en-US" dirty="0"/>
           </a:p>
         </p:txBody>
       </p:sp>
@@ -1688,7 +1785,7 @@
           <a:bodyPr/>
           <a:lstStyle/>
           <a:p>
-            <a:endParaRPr lang="en-US"/>
+            <a:endParaRPr lang="en-US" dirty="0"/>
           </a:p>
         </p:txBody>
       </p:sp>
@@ -1712,7 +1809,7 @@
               <a:pPr/>
               <a:t>7</a:t>
             </a:fld>
-            <a:endParaRPr lang="en-US"/>
+            <a:endParaRPr lang="en-US" dirty="0"/>
           </a:p>
         </p:txBody>
       </p:sp>
@@ -1768,7 +1865,7 @@
           <a:bodyPr/>
           <a:lstStyle/>
           <a:p>
-            <a:endParaRPr lang="en-US"/>
+            <a:endParaRPr lang="en-US" dirty="0"/>
           </a:p>
         </p:txBody>
       </p:sp>
@@ -1792,7 +1889,7 @@
               <a:pPr/>
               <a:t>8</a:t>
             </a:fld>
-            <a:endParaRPr lang="en-US"/>
+            <a:endParaRPr lang="en-US" dirty="0"/>
           </a:p>
         </p:txBody>
       </p:sp>
@@ -2352,7 +2449,7 @@
             <a:fld id="{757B281C-5159-4971-8228-52B9A72E9ED2}" type="datetimeFigureOut">
               <a:rPr lang="en-US" smtClean="0"/>
               <a:pPr/>
-              <a:t>2/14/2014</a:t>
+              <a:t>10/29/2014</a:t>
             </a:fld>
             <a:endParaRPr lang="en-US" dirty="0"/>
           </a:p>
@@ -2454,7 +2551,7 @@
             <a:fld id="{757B281C-5159-4971-8228-52B9A72E9ED2}" type="datetimeFigureOut">
               <a:rPr lang="en-US" smtClean="0"/>
               <a:pPr/>
-              <a:t>2/14/2014</a:t>
+              <a:t>10/29/2014</a:t>
             </a:fld>
             <a:endParaRPr lang="en-US" dirty="0"/>
           </a:p>
@@ -2590,7 +2687,7 @@
             <a:fld id="{757B281C-5159-4971-8228-52B9A72E9ED2}" type="datetimeFigureOut">
               <a:rPr lang="en-US" smtClean="0"/>
               <a:pPr/>
-              <a:t>2/14/2014</a:t>
+              <a:t>10/29/2014</a:t>
             </a:fld>
             <a:endParaRPr lang="en-US" dirty="0"/>
           </a:p>
@@ -2796,7 +2893,7 @@
             <a:fld id="{757B281C-5159-4971-8228-52B9A72E9ED2}" type="datetimeFigureOut">
               <a:rPr lang="en-US" smtClean="0"/>
               <a:pPr/>
-              <a:t>2/14/2014</a:t>
+              <a:t>10/29/2014</a:t>
             </a:fld>
             <a:endParaRPr lang="en-US" dirty="0"/>
           </a:p>
@@ -3195,7 +3292,7 @@
             <a:fld id="{757B281C-5159-4971-8228-52B9A72E9ED2}" type="datetimeFigureOut">
               <a:rPr lang="en-US" smtClean="0"/>
               <a:pPr/>
-              <a:t>2/14/2014</a:t>
+              <a:t>10/29/2014</a:t>
             </a:fld>
             <a:endParaRPr lang="en-US" dirty="0"/>
           </a:p>
@@ -3495,7 +3592,7 @@
             <a:fld id="{757B281C-5159-4971-8228-52B9A72E9ED2}" type="datetimeFigureOut">
               <a:rPr lang="en-US" smtClean="0"/>
               <a:pPr/>
-              <a:t>2/14/2014</a:t>
+              <a:t>10/29/2014</a:t>
             </a:fld>
             <a:endParaRPr lang="en-US" dirty="0"/>
           </a:p>
@@ -3924,7 +4021,7 @@
             <a:fld id="{757B281C-5159-4971-8228-52B9A72E9ED2}" type="datetimeFigureOut">
               <a:rPr lang="en-US" smtClean="0"/>
               <a:pPr/>
-              <a:t>2/14/2014</a:t>
+              <a:t>10/29/2014</a:t>
             </a:fld>
             <a:endParaRPr lang="en-US" dirty="0"/>
           </a:p>
@@ -4201,7 +4298,7 @@
             <a:fld id="{757B281C-5159-4971-8228-52B9A72E9ED2}" type="datetimeFigureOut">
               <a:rPr lang="en-US" smtClean="0"/>
               <a:pPr/>
-              <a:t>2/14/2014</a:t>
+              <a:t>10/29/2014</a:t>
             </a:fld>
             <a:endParaRPr lang="en-US" dirty="0"/>
           </a:p>
@@ -4465,7 +4562,7 @@
             <a:fld id="{757B281C-5159-4971-8228-52B9A72E9ED2}" type="datetimeFigureOut">
               <a:rPr lang="en-US" smtClean="0"/>
               <a:pPr/>
-              <a:t>2/14/2014</a:t>
+              <a:t>10/29/2014</a:t>
             </a:fld>
             <a:endParaRPr lang="en-US" dirty="0"/>
           </a:p>
@@ -4635,7 +4732,7 @@
             <a:fld id="{757B281C-5159-4971-8228-52B9A72E9ED2}" type="datetimeFigureOut">
               <a:rPr lang="en-US" smtClean="0"/>
               <a:pPr/>
-              <a:t>2/14/2014</a:t>
+              <a:t>10/29/2014</a:t>
             </a:fld>
             <a:endParaRPr lang="en-US" dirty="0"/>
           </a:p>
@@ -4815,7 +4912,7 @@
             <a:fld id="{757B281C-5159-4971-8228-52B9A72E9ED2}" type="datetimeFigureOut">
               <a:rPr lang="en-US" smtClean="0"/>
               <a:pPr/>
-              <a:t>2/14/2014</a:t>
+              <a:t>10/29/2014</a:t>
             </a:fld>
             <a:endParaRPr lang="en-US" dirty="0"/>
           </a:p>
@@ -5057,7 +5154,7 @@
             <a:fld id="{757B281C-5159-4971-8228-52B9A72E9ED2}" type="datetimeFigureOut">
               <a:rPr lang="en-US" smtClean="0"/>
               <a:pPr/>
-              <a:t>2/14/2014</a:t>
+              <a:t>10/29/2014</a:t>
             </a:fld>
             <a:endParaRPr lang="en-US" dirty="0"/>
           </a:p>
@@ -7863,6 +7960,4992 @@
           <a:chExt cx="0" cy="0"/>
         </a:xfrm>
       </p:grpSpPr>
+      <p:pic>
+        <p:nvPicPr>
+          <p:cNvPr id="6" name="Picture 5"/>
+          <p:cNvPicPr>
+            <a:picLocks noChangeAspect="1"/>
+          </p:cNvPicPr>
+          <p:nvPr/>
+        </p:nvPicPr>
+        <p:blipFill>
+          <a:blip r:embed="rId3" cstate="email">
+            <a:extLst>
+              <a:ext uri="{28A0092B-C50C-407E-A947-70E740481C1C}">
+                <a14:useLocalDpi xmlns:a14="http://schemas.microsoft.com/office/drawing/2010/main"/>
+              </a:ext>
+            </a:extLst>
+          </a:blip>
+          <a:stretch>
+            <a:fillRect/>
+          </a:stretch>
+        </p:blipFill>
+        <p:spPr>
+          <a:xfrm>
+            <a:off x="-4963332" y="-6858000"/>
+            <a:ext cx="7765662" cy="16476125"/>
+          </a:xfrm>
+          <a:prstGeom prst="rect">
+            <a:avLst/>
+          </a:prstGeom>
+        </p:spPr>
+      </p:pic>
+      <p:pic>
+        <p:nvPicPr>
+          <p:cNvPr id="13" name="Picture 12"/>
+          <p:cNvPicPr>
+            <a:picLocks noChangeAspect="1"/>
+          </p:cNvPicPr>
+          <p:nvPr/>
+        </p:nvPicPr>
+        <p:blipFill rotWithShape="1">
+          <a:blip r:embed="rId4" cstate="email">
+            <a:extLst>
+              <a:ext uri="{28A0092B-C50C-407E-A947-70E740481C1C}">
+                <a14:useLocalDpi xmlns:a14="http://schemas.microsoft.com/office/drawing/2010/main"/>
+              </a:ext>
+            </a:extLst>
+          </a:blip>
+          <a:srcRect/>
+          <a:stretch/>
+        </p:blipFill>
+        <p:spPr>
+          <a:xfrm rot="20753331" flipH="1">
+            <a:off x="-316180" y="3775286"/>
+            <a:ext cx="2895600" cy="3390489"/>
+          </a:xfrm>
+          <a:prstGeom prst="rect">
+            <a:avLst/>
+          </a:prstGeom>
+        </p:spPr>
+      </p:pic>
+      <p:sp>
+        <p:nvSpPr>
+          <p:cNvPr id="5" name="TextBox 4"/>
+          <p:cNvSpPr txBox="1"/>
+          <p:nvPr/>
+        </p:nvSpPr>
+        <p:spPr>
+          <a:xfrm>
+            <a:off x="899592" y="476672"/>
+            <a:ext cx="7416824" cy="864096"/>
+          </a:xfrm>
+          <a:prstGeom prst="rect">
+            <a:avLst/>
+          </a:prstGeom>
+          <a:noFill/>
+        </p:spPr>
+        <p:txBody>
+          <a:bodyPr wrap="square" rtlCol="0">
+            <a:normAutofit fontScale="85000" lnSpcReduction="20000"/>
+          </a:bodyPr>
+          <a:lstStyle/>
+          <a:p>
+            <a:r>
+              <a:rPr lang="en-US" sz="7200" dirty="0" smtClean="0"/>
+              <a:t>Technical foundations</a:t>
+            </a:r>
+          </a:p>
+        </p:txBody>
+      </p:sp>
+      <p:sp>
+        <p:nvSpPr>
+          <p:cNvPr id="2" name="TextBox 1"/>
+          <p:cNvSpPr txBox="1"/>
+          <p:nvPr/>
+        </p:nvSpPr>
+        <p:spPr>
+          <a:xfrm>
+            <a:off x="899592" y="1405973"/>
+            <a:ext cx="7776864" cy="3785652"/>
+          </a:xfrm>
+          <a:prstGeom prst="rect">
+            <a:avLst/>
+          </a:prstGeom>
+          <a:noFill/>
+        </p:spPr>
+        <p:txBody>
+          <a:bodyPr wrap="square" rtlCol="0">
+            <a:spAutoFit/>
+          </a:bodyPr>
+          <a:lstStyle/>
+          <a:p>
+            <a:pPr marL="285750" indent="-285750">
+              <a:buFont typeface="Arial" pitchFamily="34" charset="0"/>
+              <a:buChar char="•"/>
+            </a:pPr>
+            <a:r>
+              <a:rPr lang="en-US" sz="2400" dirty="0" smtClean="0"/>
+              <a:t>Adobe holds the patents to PDF</a:t>
+            </a:r>
+          </a:p>
+          <a:p>
+            <a:pPr marL="285750" indent="-285750">
+              <a:buFont typeface="Arial" pitchFamily="34" charset="0"/>
+              <a:buChar char="•"/>
+            </a:pPr>
+            <a:r>
+              <a:rPr lang="en-US" sz="2400" dirty="0" smtClean="0"/>
+              <a:t>Licenses royalty-free</a:t>
+            </a:r>
+          </a:p>
+          <a:p>
+            <a:pPr marL="285750" indent="-285750">
+              <a:buFont typeface="Arial" pitchFamily="34" charset="0"/>
+              <a:buChar char="•"/>
+            </a:pPr>
+            <a:r>
+              <a:rPr lang="en-US" sz="2400" dirty="0" smtClean="0"/>
+              <a:t>The PDF combines three technologies:</a:t>
+            </a:r>
+          </a:p>
+          <a:p>
+            <a:pPr marL="742950" lvl="1" indent="-285750">
+              <a:buFont typeface="Arial" pitchFamily="34" charset="0"/>
+              <a:buChar char="•"/>
+            </a:pPr>
+            <a:r>
+              <a:rPr lang="en-US" sz="2400" dirty="0" smtClean="0"/>
+              <a:t>A subset of the PostScript description programming language, for generating the layout and graphics.</a:t>
+            </a:r>
+          </a:p>
+          <a:p>
+            <a:pPr marL="742950" lvl="1" indent="-285750">
+              <a:buFont typeface="Arial" pitchFamily="34" charset="0"/>
+              <a:buChar char="•"/>
+            </a:pPr>
+            <a:r>
+              <a:rPr lang="en-US" sz="2400" dirty="0" smtClean="0"/>
+              <a:t>A font-embedding/replacement system to allow fonts to travel with the documents.</a:t>
+            </a:r>
+          </a:p>
+          <a:p>
+            <a:pPr marL="742950" lvl="1" indent="-285750">
+              <a:buFont typeface="Arial" pitchFamily="34" charset="0"/>
+              <a:buChar char="•"/>
+            </a:pPr>
+            <a:r>
+              <a:rPr lang="en-US" sz="2400" dirty="0" smtClean="0"/>
+              <a:t>A structured storage system to bundle these elements and any associated content into a single file, with data compression where appropriate</a:t>
+            </a:r>
+            <a:r>
+              <a:rPr lang="en-US" dirty="0" smtClean="0"/>
+              <a:t>.</a:t>
+            </a:r>
+            <a:endParaRPr lang="en-GB" dirty="0"/>
+          </a:p>
+        </p:txBody>
+      </p:sp>
+    </p:spTree>
+    <p:extLst>
+      <p:ext uri="{BB962C8B-B14F-4D97-AF65-F5344CB8AC3E}">
+        <p14:creationId xmlns:p14="http://schemas.microsoft.com/office/powerpoint/2010/main" val="2878397407"/>
+      </p:ext>
+    </p:extLst>
+  </p:cSld>
+  <p:clrMapOvr>
+    <a:masterClrMapping/>
+  </p:clrMapOvr>
+  <p:transition spd="slow">
+    <p:push dir="u"/>
+  </p:transition>
+  <p:timing>
+    <p:tnLst>
+      <p:par>
+        <p:cTn id="1" dur="indefinite" restart="never" nodeType="tmRoot"/>
+      </p:par>
+    </p:tnLst>
+  </p:timing>
+</p:sld>
+</file>
+
+<file path=ppt/slides/slide20.xml><?xml version="1.0" encoding="utf-8"?>
+<p:sld xmlns:a="http://schemas.openxmlformats.org/drawingml/2006/main" xmlns:r="http://schemas.openxmlformats.org/officeDocument/2006/relationships" xmlns:p="http://schemas.openxmlformats.org/presentationml/2006/main">
+  <p:cSld>
+    <p:spTree>
+      <p:nvGrpSpPr>
+        <p:cNvPr id="1" name=""/>
+        <p:cNvGrpSpPr/>
+        <p:nvPr/>
+      </p:nvGrpSpPr>
+      <p:grpSpPr>
+        <a:xfrm>
+          <a:off x="0" y="0"/>
+          <a:ext cx="0" cy="0"/>
+          <a:chOff x="0" y="0"/>
+          <a:chExt cx="0" cy="0"/>
+        </a:xfrm>
+      </p:grpSpPr>
+      <p:sp>
+        <p:nvSpPr>
+          <p:cNvPr id="5" name="Title 4"/>
+          <p:cNvSpPr>
+            <a:spLocks noGrp="1"/>
+          </p:cNvSpPr>
+          <p:nvPr>
+            <p:ph type="title"/>
+          </p:nvPr>
+        </p:nvSpPr>
+        <p:spPr/>
+        <p:txBody>
+          <a:bodyPr/>
+          <a:lstStyle/>
+          <a:p>
+            <a:r>
+              <a:rPr lang="en-US" dirty="0" smtClean="0"/>
+              <a:t>The PDF page boxes</a:t>
+            </a:r>
+            <a:endParaRPr lang="en-GB" dirty="0"/>
+          </a:p>
+        </p:txBody>
+      </p:sp>
+      <p:sp>
+        <p:nvSpPr>
+          <p:cNvPr id="6" name="Content Placeholder 5"/>
+          <p:cNvSpPr>
+            <a:spLocks noGrp="1"/>
+          </p:cNvSpPr>
+          <p:nvPr>
+            <p:ph idx="1"/>
+          </p:nvPr>
+        </p:nvSpPr>
+        <p:spPr/>
+        <p:txBody>
+          <a:bodyPr>
+            <a:normAutofit fontScale="70000" lnSpcReduction="20000"/>
+          </a:bodyPr>
+          <a:lstStyle/>
+          <a:p>
+            <a:r>
+              <a:rPr lang="en-US" dirty="0" err="1" smtClean="0"/>
+              <a:t>MediaBox</a:t>
+            </a:r>
+            <a:endParaRPr lang="en-US" dirty="0" smtClean="0"/>
+          </a:p>
+          <a:p>
+            <a:pPr marL="0" indent="0">
+              <a:buNone/>
+            </a:pPr>
+            <a:r>
+              <a:rPr lang="en-US" dirty="0"/>
+              <a:t>The </a:t>
+            </a:r>
+            <a:r>
+              <a:rPr lang="en-US" b="1" dirty="0" err="1"/>
+              <a:t>MediaBox</a:t>
+            </a:r>
+            <a:r>
+              <a:rPr lang="en-US" dirty="0"/>
+              <a:t> is used to specify the width and height of the page. For the average user, this probably equals the actual page size. For prepress use, this is not the case as we prefer our pages to be defined slightly oversized so that we can see the bleed (Images or other elements touching an outer edge of a printed page need to extend beyond the edge of the paper to compensate for inaccuracies in trimming the page), the crop marks and useful information such as the file name or the date and time when the file was created. This means that PDF files used in graphic arts usually have a </a:t>
+            </a:r>
+            <a:r>
+              <a:rPr lang="en-US" dirty="0" err="1"/>
+              <a:t>MediaBox</a:t>
+            </a:r>
+            <a:r>
+              <a:rPr lang="en-US" dirty="0"/>
+              <a:t> which is larger then the trimmed page size. The </a:t>
+            </a:r>
+            <a:r>
+              <a:rPr lang="en-US" dirty="0" err="1"/>
+              <a:t>MediaBox</a:t>
+            </a:r>
+            <a:r>
+              <a:rPr lang="en-US" dirty="0"/>
+              <a:t> is the largest page box in a PDF. The other page boxes can equal the size of the </a:t>
+            </a:r>
+            <a:r>
+              <a:rPr lang="en-US" dirty="0" err="1"/>
+              <a:t>MediaBox</a:t>
+            </a:r>
+            <a:r>
+              <a:rPr lang="en-US" dirty="0"/>
+              <a:t> but they cannot be larger.</a:t>
+            </a:r>
+          </a:p>
+          <a:p>
+            <a:endParaRPr lang="en-US" dirty="0" smtClean="0"/>
+          </a:p>
+        </p:txBody>
+      </p:sp>
+    </p:spTree>
+    <p:extLst>
+      <p:ext uri="{BB962C8B-B14F-4D97-AF65-F5344CB8AC3E}">
+        <p14:creationId xmlns:p14="http://schemas.microsoft.com/office/powerpoint/2010/main" val="3534091241"/>
+      </p:ext>
+    </p:extLst>
+  </p:cSld>
+  <p:clrMapOvr>
+    <a:masterClrMapping/>
+  </p:clrMapOvr>
+  <p:transition spd="slow">
+    <p:wipe dir="d"/>
+  </p:transition>
+  <p:timing>
+    <p:tnLst>
+      <p:par>
+        <p:cTn id="1" dur="indefinite" restart="never" nodeType="tmRoot"/>
+      </p:par>
+    </p:tnLst>
+  </p:timing>
+</p:sld>
+</file>
+
+<file path=ppt/slides/slide21.xml><?xml version="1.0" encoding="utf-8"?>
+<p:sld xmlns:a="http://schemas.openxmlformats.org/drawingml/2006/main" xmlns:r="http://schemas.openxmlformats.org/officeDocument/2006/relationships" xmlns:p="http://schemas.openxmlformats.org/presentationml/2006/main">
+  <p:cSld>
+    <p:spTree>
+      <p:nvGrpSpPr>
+        <p:cNvPr id="1" name=""/>
+        <p:cNvGrpSpPr/>
+        <p:nvPr/>
+      </p:nvGrpSpPr>
+      <p:grpSpPr>
+        <a:xfrm>
+          <a:off x="0" y="0"/>
+          <a:ext cx="0" cy="0"/>
+          <a:chOff x="0" y="0"/>
+          <a:chExt cx="0" cy="0"/>
+        </a:xfrm>
+      </p:grpSpPr>
+      <p:sp>
+        <p:nvSpPr>
+          <p:cNvPr id="5" name="Title 4"/>
+          <p:cNvSpPr>
+            <a:spLocks noGrp="1"/>
+          </p:cNvSpPr>
+          <p:nvPr>
+            <p:ph type="title"/>
+          </p:nvPr>
+        </p:nvSpPr>
+        <p:spPr/>
+        <p:txBody>
+          <a:bodyPr/>
+          <a:lstStyle/>
+          <a:p>
+            <a:r>
+              <a:rPr lang="en-US" dirty="0" smtClean="0"/>
+              <a:t>The PDF page boxes</a:t>
+            </a:r>
+            <a:endParaRPr lang="en-GB" dirty="0"/>
+          </a:p>
+        </p:txBody>
+      </p:sp>
+      <p:sp>
+        <p:nvSpPr>
+          <p:cNvPr id="6" name="Content Placeholder 5"/>
+          <p:cNvSpPr>
+            <a:spLocks noGrp="1"/>
+          </p:cNvSpPr>
+          <p:nvPr>
+            <p:ph idx="1"/>
+          </p:nvPr>
+        </p:nvSpPr>
+        <p:spPr/>
+        <p:txBody>
+          <a:bodyPr>
+            <a:normAutofit/>
+          </a:bodyPr>
+          <a:lstStyle/>
+          <a:p>
+            <a:r>
+              <a:rPr lang="en-US" dirty="0" err="1" smtClean="0"/>
+              <a:t>CropBox</a:t>
+            </a:r>
+            <a:endParaRPr lang="en-US" dirty="0" smtClean="0"/>
+          </a:p>
+          <a:p>
+            <a:pPr marL="0" indent="0">
+              <a:buNone/>
+            </a:pPr>
+            <a:r>
+              <a:rPr lang="en-US" dirty="0"/>
+              <a:t>The </a:t>
+            </a:r>
+            <a:r>
+              <a:rPr lang="en-US" b="1" dirty="0" err="1"/>
+              <a:t>CropBox</a:t>
+            </a:r>
+            <a:r>
+              <a:rPr lang="en-US" dirty="0"/>
+              <a:t> defines the region to which the page contents are to be clipped. Acrobat uses this size for screen display and printing. For prepress use, the </a:t>
+            </a:r>
+            <a:r>
+              <a:rPr lang="en-US" dirty="0" err="1"/>
+              <a:t>CropBox</a:t>
+            </a:r>
+            <a:r>
+              <a:rPr lang="en-US" dirty="0"/>
+              <a:t> is pretty irrelevant. The GWG industry association recommends not to use the </a:t>
+            </a:r>
+            <a:r>
+              <a:rPr lang="en-US" dirty="0" err="1"/>
+              <a:t>CropBox</a:t>
+            </a:r>
+            <a:r>
+              <a:rPr lang="en-US" dirty="0"/>
+              <a:t> at all.</a:t>
+            </a:r>
+          </a:p>
+          <a:p>
+            <a:endParaRPr lang="en-US" dirty="0" smtClean="0"/>
+          </a:p>
+        </p:txBody>
+      </p:sp>
+    </p:spTree>
+    <p:extLst>
+      <p:ext uri="{BB962C8B-B14F-4D97-AF65-F5344CB8AC3E}">
+        <p14:creationId xmlns:p14="http://schemas.microsoft.com/office/powerpoint/2010/main" val="1655218345"/>
+      </p:ext>
+    </p:extLst>
+  </p:cSld>
+  <p:clrMapOvr>
+    <a:masterClrMapping/>
+  </p:clrMapOvr>
+  <p:transition spd="slow">
+    <p:wipe dir="d"/>
+  </p:transition>
+  <p:timing>
+    <p:tnLst>
+      <p:par>
+        <p:cTn id="1" dur="indefinite" restart="never" nodeType="tmRoot"/>
+      </p:par>
+    </p:tnLst>
+  </p:timing>
+</p:sld>
+</file>
+
+<file path=ppt/slides/slide22.xml><?xml version="1.0" encoding="utf-8"?>
+<p:sld xmlns:a="http://schemas.openxmlformats.org/drawingml/2006/main" xmlns:r="http://schemas.openxmlformats.org/officeDocument/2006/relationships" xmlns:p="http://schemas.openxmlformats.org/presentationml/2006/main">
+  <p:cSld>
+    <p:spTree>
+      <p:nvGrpSpPr>
+        <p:cNvPr id="1" name=""/>
+        <p:cNvGrpSpPr/>
+        <p:nvPr/>
+      </p:nvGrpSpPr>
+      <p:grpSpPr>
+        <a:xfrm>
+          <a:off x="0" y="0"/>
+          <a:ext cx="0" cy="0"/>
+          <a:chOff x="0" y="0"/>
+          <a:chExt cx="0" cy="0"/>
+        </a:xfrm>
+      </p:grpSpPr>
+      <p:sp>
+        <p:nvSpPr>
+          <p:cNvPr id="5" name="Title 4"/>
+          <p:cNvSpPr>
+            <a:spLocks noGrp="1"/>
+          </p:cNvSpPr>
+          <p:nvPr>
+            <p:ph type="title"/>
+          </p:nvPr>
+        </p:nvSpPr>
+        <p:spPr/>
+        <p:txBody>
+          <a:bodyPr/>
+          <a:lstStyle/>
+          <a:p>
+            <a:r>
+              <a:rPr lang="en-US" dirty="0" smtClean="0"/>
+              <a:t>The PDF page boxes</a:t>
+            </a:r>
+            <a:endParaRPr lang="en-GB" dirty="0"/>
+          </a:p>
+        </p:txBody>
+      </p:sp>
+      <p:sp>
+        <p:nvSpPr>
+          <p:cNvPr id="6" name="Content Placeholder 5"/>
+          <p:cNvSpPr>
+            <a:spLocks noGrp="1"/>
+          </p:cNvSpPr>
+          <p:nvPr>
+            <p:ph idx="1"/>
+          </p:nvPr>
+        </p:nvSpPr>
+        <p:spPr/>
+        <p:txBody>
+          <a:bodyPr>
+            <a:normAutofit fontScale="92500" lnSpcReduction="20000"/>
+          </a:bodyPr>
+          <a:lstStyle/>
+          <a:p>
+            <a:r>
+              <a:rPr lang="en-US" dirty="0" err="1" smtClean="0"/>
+              <a:t>BleedBox</a:t>
+            </a:r>
+            <a:endParaRPr lang="en-US" dirty="0" smtClean="0"/>
+          </a:p>
+          <a:p>
+            <a:pPr marL="0" indent="0">
+              <a:buNone/>
+            </a:pPr>
+            <a:r>
+              <a:rPr lang="en-US" dirty="0"/>
+              <a:t>The </a:t>
+            </a:r>
+            <a:r>
+              <a:rPr lang="en-US" b="1" dirty="0" err="1"/>
+              <a:t>BleedBox</a:t>
+            </a:r>
+            <a:r>
+              <a:rPr lang="en-US" dirty="0"/>
+              <a:t> determines the region to which the page contents needs to be clipped when output in a production environment. Usually the </a:t>
+            </a:r>
+            <a:r>
+              <a:rPr lang="en-US" dirty="0" err="1"/>
+              <a:t>BleedBox</a:t>
+            </a:r>
+            <a:r>
+              <a:rPr lang="en-US" dirty="0"/>
+              <a:t> is 3 to 5 </a:t>
+            </a:r>
+            <a:r>
+              <a:rPr lang="en-US" dirty="0" err="1"/>
+              <a:t>millimetres</a:t>
+            </a:r>
+            <a:r>
+              <a:rPr lang="en-US" dirty="0"/>
+              <a:t> larger than the </a:t>
+            </a:r>
+            <a:r>
+              <a:rPr lang="en-US" dirty="0" err="1"/>
+              <a:t>TrimBox</a:t>
+            </a:r>
+            <a:r>
+              <a:rPr lang="en-US" dirty="0"/>
+              <a:t>. It is nice to know the size of the </a:t>
+            </a:r>
+            <a:r>
+              <a:rPr lang="en-US" dirty="0" err="1"/>
+              <a:t>BleedBox</a:t>
+            </a:r>
+            <a:r>
+              <a:rPr lang="en-US" dirty="0"/>
+              <a:t> but it isn’t that important in graphic arts. Most prepress systems allow you to define the amount of bleed yourself and ignore the </a:t>
+            </a:r>
+            <a:r>
+              <a:rPr lang="en-US" dirty="0" err="1"/>
+              <a:t>BleedBox</a:t>
+            </a:r>
+            <a:r>
+              <a:rPr lang="en-US" dirty="0"/>
+              <a:t>. By default the </a:t>
+            </a:r>
+            <a:r>
+              <a:rPr lang="en-US" dirty="0" err="1"/>
+              <a:t>BleedBox</a:t>
+            </a:r>
+            <a:r>
+              <a:rPr lang="en-US" dirty="0"/>
+              <a:t> equals the </a:t>
+            </a:r>
+            <a:r>
+              <a:rPr lang="en-US" dirty="0" err="1"/>
+              <a:t>CropBox</a:t>
+            </a:r>
+            <a:r>
+              <a:rPr lang="en-US" dirty="0"/>
+              <a:t>.</a:t>
+            </a:r>
+          </a:p>
+          <a:p>
+            <a:endParaRPr lang="en-US" dirty="0" smtClean="0"/>
+          </a:p>
+        </p:txBody>
+      </p:sp>
+    </p:spTree>
+    <p:extLst>
+      <p:ext uri="{BB962C8B-B14F-4D97-AF65-F5344CB8AC3E}">
+        <p14:creationId xmlns:p14="http://schemas.microsoft.com/office/powerpoint/2010/main" val="3075128710"/>
+      </p:ext>
+    </p:extLst>
+  </p:cSld>
+  <p:clrMapOvr>
+    <a:masterClrMapping/>
+  </p:clrMapOvr>
+  <p:transition spd="slow">
+    <p:wipe dir="d"/>
+  </p:transition>
+  <p:timing>
+    <p:tnLst>
+      <p:par>
+        <p:cTn id="1" dur="indefinite" restart="never" nodeType="tmRoot"/>
+      </p:par>
+    </p:tnLst>
+  </p:timing>
+</p:sld>
+</file>
+
+<file path=ppt/slides/slide23.xml><?xml version="1.0" encoding="utf-8"?>
+<p:sld xmlns:a="http://schemas.openxmlformats.org/drawingml/2006/main" xmlns:r="http://schemas.openxmlformats.org/officeDocument/2006/relationships" xmlns:p="http://schemas.openxmlformats.org/presentationml/2006/main">
+  <p:cSld>
+    <p:spTree>
+      <p:nvGrpSpPr>
+        <p:cNvPr id="1" name=""/>
+        <p:cNvGrpSpPr/>
+        <p:nvPr/>
+      </p:nvGrpSpPr>
+      <p:grpSpPr>
+        <a:xfrm>
+          <a:off x="0" y="0"/>
+          <a:ext cx="0" cy="0"/>
+          <a:chOff x="0" y="0"/>
+          <a:chExt cx="0" cy="0"/>
+        </a:xfrm>
+      </p:grpSpPr>
+      <p:sp>
+        <p:nvSpPr>
+          <p:cNvPr id="5" name="Title 4"/>
+          <p:cNvSpPr>
+            <a:spLocks noGrp="1"/>
+          </p:cNvSpPr>
+          <p:nvPr>
+            <p:ph type="title"/>
+          </p:nvPr>
+        </p:nvSpPr>
+        <p:spPr/>
+        <p:txBody>
+          <a:bodyPr/>
+          <a:lstStyle/>
+          <a:p>
+            <a:r>
+              <a:rPr lang="en-US" dirty="0" smtClean="0"/>
+              <a:t>The PDF page boxes</a:t>
+            </a:r>
+            <a:endParaRPr lang="en-GB" dirty="0"/>
+          </a:p>
+        </p:txBody>
+      </p:sp>
+      <p:sp>
+        <p:nvSpPr>
+          <p:cNvPr id="6" name="Content Placeholder 5"/>
+          <p:cNvSpPr>
+            <a:spLocks noGrp="1"/>
+          </p:cNvSpPr>
+          <p:nvPr>
+            <p:ph idx="1"/>
+          </p:nvPr>
+        </p:nvSpPr>
+        <p:spPr/>
+        <p:txBody>
+          <a:bodyPr>
+            <a:normAutofit fontScale="85000" lnSpcReduction="10000"/>
+          </a:bodyPr>
+          <a:lstStyle/>
+          <a:p>
+            <a:r>
+              <a:rPr lang="en-GB" b="1" dirty="0" err="1"/>
+              <a:t>TrimBox</a:t>
+            </a:r>
+            <a:r>
+              <a:rPr lang="en-GB" dirty="0"/>
+              <a:t> </a:t>
+            </a:r>
+            <a:endParaRPr lang="en-US" dirty="0" smtClean="0"/>
+          </a:p>
+          <a:p>
+            <a:pPr marL="0" indent="0">
+              <a:buNone/>
+            </a:pPr>
+            <a:r>
+              <a:rPr lang="en-US" dirty="0"/>
+              <a:t>The </a:t>
+            </a:r>
+            <a:r>
+              <a:rPr lang="en-US" b="1" dirty="0" err="1"/>
+              <a:t>TrimBox</a:t>
+            </a:r>
+            <a:r>
+              <a:rPr lang="en-US" dirty="0"/>
+              <a:t> defines the intended dimensions of the finished page. Contrary to the </a:t>
+            </a:r>
+            <a:r>
+              <a:rPr lang="en-US" dirty="0" err="1"/>
+              <a:t>CropBox</a:t>
+            </a:r>
+            <a:r>
+              <a:rPr lang="en-US" dirty="0"/>
+              <a:t>, the </a:t>
+            </a:r>
+            <a:r>
+              <a:rPr lang="en-US" dirty="0" err="1"/>
+              <a:t>TrimBox</a:t>
+            </a:r>
+            <a:r>
+              <a:rPr lang="en-US" dirty="0"/>
+              <a:t> is very important because it defines the actual page size. The imposition programs and workflows that I know all use the </a:t>
+            </a:r>
+            <a:r>
+              <a:rPr lang="en-US" dirty="0" err="1"/>
+              <a:t>TrimBox</a:t>
+            </a:r>
+            <a:r>
+              <a:rPr lang="en-US" dirty="0"/>
+              <a:t> as the basis for positioning pages on a press sheet. By default the </a:t>
+            </a:r>
+            <a:r>
+              <a:rPr lang="en-US" dirty="0" err="1"/>
+              <a:t>TrimBox</a:t>
+            </a:r>
+            <a:r>
+              <a:rPr lang="en-US" dirty="0"/>
+              <a:t> equals the </a:t>
+            </a:r>
+            <a:r>
+              <a:rPr lang="en-US" dirty="0" err="1"/>
+              <a:t>CropBox</a:t>
+            </a:r>
+            <a:r>
+              <a:rPr lang="en-US" dirty="0"/>
+              <a:t>. When creating PDFs that are PDF/X-1a or PDF/X-3 compliant it is a requirement that the </a:t>
+            </a:r>
+            <a:r>
+              <a:rPr lang="en-US" dirty="0" err="1"/>
+              <a:t>MediaBox</a:t>
+            </a:r>
+            <a:r>
+              <a:rPr lang="en-US" dirty="0"/>
+              <a:t>, </a:t>
+            </a:r>
+            <a:r>
+              <a:rPr lang="en-US" dirty="0" err="1"/>
+              <a:t>TrimBox</a:t>
+            </a:r>
+            <a:r>
+              <a:rPr lang="en-US" dirty="0"/>
+              <a:t> and </a:t>
+            </a:r>
+            <a:r>
+              <a:rPr lang="en-US" dirty="0" err="1"/>
+              <a:t>BleedBox</a:t>
+            </a:r>
+            <a:r>
+              <a:rPr lang="en-US" dirty="0"/>
+              <a:t> are properly defined in the PDF.</a:t>
+            </a:r>
+          </a:p>
+          <a:p>
+            <a:endParaRPr lang="en-US" dirty="0" smtClean="0"/>
+          </a:p>
+        </p:txBody>
+      </p:sp>
+    </p:spTree>
+    <p:extLst>
+      <p:ext uri="{BB962C8B-B14F-4D97-AF65-F5344CB8AC3E}">
+        <p14:creationId xmlns:p14="http://schemas.microsoft.com/office/powerpoint/2010/main" val="3390811176"/>
+      </p:ext>
+    </p:extLst>
+  </p:cSld>
+  <p:clrMapOvr>
+    <a:masterClrMapping/>
+  </p:clrMapOvr>
+  <p:transition spd="slow">
+    <p:wipe dir="d"/>
+  </p:transition>
+  <p:timing>
+    <p:tnLst>
+      <p:par>
+        <p:cTn id="1" dur="indefinite" restart="never" nodeType="tmRoot"/>
+      </p:par>
+    </p:tnLst>
+  </p:timing>
+</p:sld>
+</file>
+
+<file path=ppt/slides/slide24.xml><?xml version="1.0" encoding="utf-8"?>
+<p:sld xmlns:a="http://schemas.openxmlformats.org/drawingml/2006/main" xmlns:r="http://schemas.openxmlformats.org/officeDocument/2006/relationships" xmlns:p="http://schemas.openxmlformats.org/presentationml/2006/main">
+  <p:cSld>
+    <p:spTree>
+      <p:nvGrpSpPr>
+        <p:cNvPr id="1" name=""/>
+        <p:cNvGrpSpPr/>
+        <p:nvPr/>
+      </p:nvGrpSpPr>
+      <p:grpSpPr>
+        <a:xfrm>
+          <a:off x="0" y="0"/>
+          <a:ext cx="0" cy="0"/>
+          <a:chOff x="0" y="0"/>
+          <a:chExt cx="0" cy="0"/>
+        </a:xfrm>
+      </p:grpSpPr>
+      <p:sp>
+        <p:nvSpPr>
+          <p:cNvPr id="5" name="Title 4"/>
+          <p:cNvSpPr>
+            <a:spLocks noGrp="1"/>
+          </p:cNvSpPr>
+          <p:nvPr>
+            <p:ph type="title"/>
+          </p:nvPr>
+        </p:nvSpPr>
+        <p:spPr/>
+        <p:txBody>
+          <a:bodyPr/>
+          <a:lstStyle/>
+          <a:p>
+            <a:r>
+              <a:rPr lang="en-US" dirty="0" smtClean="0"/>
+              <a:t>The PDF page boxes</a:t>
+            </a:r>
+            <a:endParaRPr lang="en-GB" dirty="0"/>
+          </a:p>
+        </p:txBody>
+      </p:sp>
+      <p:sp>
+        <p:nvSpPr>
+          <p:cNvPr id="6" name="Content Placeholder 5"/>
+          <p:cNvSpPr>
+            <a:spLocks noGrp="1"/>
+          </p:cNvSpPr>
+          <p:nvPr>
+            <p:ph idx="1"/>
+          </p:nvPr>
+        </p:nvSpPr>
+        <p:spPr/>
+        <p:txBody>
+          <a:bodyPr>
+            <a:normAutofit fontScale="92500" lnSpcReduction="10000"/>
+          </a:bodyPr>
+          <a:lstStyle/>
+          <a:p>
+            <a:r>
+              <a:rPr lang="en-GB" b="1" dirty="0" err="1"/>
+              <a:t>ArtBox</a:t>
+            </a:r>
+            <a:r>
+              <a:rPr lang="en-GB" b="1" dirty="0"/>
+              <a:t> </a:t>
+            </a:r>
+            <a:r>
+              <a:rPr lang="en-GB" dirty="0"/>
+              <a:t> </a:t>
+            </a:r>
+            <a:endParaRPr lang="en-US" dirty="0" smtClean="0"/>
+          </a:p>
+          <a:p>
+            <a:pPr marL="0" indent="0">
+              <a:buNone/>
+            </a:pPr>
+            <a:r>
+              <a:rPr lang="en-US" dirty="0"/>
+              <a:t>The </a:t>
+            </a:r>
+            <a:r>
+              <a:rPr lang="en-US" b="1" dirty="0" err="1"/>
+              <a:t>ArtBox</a:t>
+            </a:r>
+            <a:r>
+              <a:rPr lang="en-US" b="1" dirty="0"/>
+              <a:t> </a:t>
+            </a:r>
+            <a:r>
+              <a:rPr lang="en-US" dirty="0"/>
+              <a:t>is a bit of a special case. It can define a region within a page that is of special interest. It is rarely used by applications. One way in which it can be used is to handle ads: on a PDF of a page on which there is an advertisement, the </a:t>
+            </a:r>
+            <a:r>
+              <a:rPr lang="en-US" dirty="0" err="1"/>
+              <a:t>ArtBox</a:t>
+            </a:r>
+            <a:r>
+              <a:rPr lang="en-US" dirty="0"/>
+              <a:t> can define the size of that ad. This allows you to place that PDF on another page but only use the ad from that PDF.</a:t>
+            </a:r>
+          </a:p>
+          <a:p>
+            <a:endParaRPr lang="en-US" dirty="0" smtClean="0"/>
+          </a:p>
+        </p:txBody>
+      </p:sp>
+    </p:spTree>
+    <p:extLst>
+      <p:ext uri="{BB962C8B-B14F-4D97-AF65-F5344CB8AC3E}">
+        <p14:creationId xmlns:p14="http://schemas.microsoft.com/office/powerpoint/2010/main" val="3860874012"/>
+      </p:ext>
+    </p:extLst>
+  </p:cSld>
+  <p:clrMapOvr>
+    <a:masterClrMapping/>
+  </p:clrMapOvr>
+  <p:transition spd="slow">
+    <p:wipe dir="d"/>
+  </p:transition>
+  <p:timing>
+    <p:tnLst>
+      <p:par>
+        <p:cTn id="1" dur="indefinite" restart="never" nodeType="tmRoot"/>
+      </p:par>
+    </p:tnLst>
+  </p:timing>
+</p:sld>
+</file>
+
+<file path=ppt/slides/slide25.xml><?xml version="1.0" encoding="utf-8"?>
+<p:sld xmlns:a="http://schemas.openxmlformats.org/drawingml/2006/main" xmlns:r="http://schemas.openxmlformats.org/officeDocument/2006/relationships" xmlns:p="http://schemas.openxmlformats.org/presentationml/2006/main">
+  <p:cSld>
+    <p:spTree>
+      <p:nvGrpSpPr>
+        <p:cNvPr id="1" name=""/>
+        <p:cNvGrpSpPr/>
+        <p:nvPr/>
+      </p:nvGrpSpPr>
+      <p:grpSpPr>
+        <a:xfrm>
+          <a:off x="0" y="0"/>
+          <a:ext cx="0" cy="0"/>
+          <a:chOff x="0" y="0"/>
+          <a:chExt cx="0" cy="0"/>
+        </a:xfrm>
+      </p:grpSpPr>
+      <p:sp>
+        <p:nvSpPr>
+          <p:cNvPr id="2" name="Title 1"/>
+          <p:cNvSpPr>
+            <a:spLocks noGrp="1"/>
+          </p:cNvSpPr>
+          <p:nvPr>
+            <p:ph type="title"/>
+          </p:nvPr>
+        </p:nvSpPr>
+        <p:spPr/>
+        <p:txBody>
+          <a:bodyPr/>
+          <a:lstStyle/>
+          <a:p>
+            <a:r>
+              <a:rPr lang="en-US" dirty="0" smtClean="0"/>
+              <a:t>Text </a:t>
+            </a:r>
+            <a:r>
+              <a:rPr lang="en-US" dirty="0"/>
+              <a:t>Terminology</a:t>
+            </a:r>
+            <a:endParaRPr lang="en-GB" dirty="0"/>
+          </a:p>
+        </p:txBody>
+      </p:sp>
+      <p:sp>
+        <p:nvSpPr>
+          <p:cNvPr id="3" name="Content Placeholder 2"/>
+          <p:cNvSpPr>
+            <a:spLocks noGrp="1"/>
+          </p:cNvSpPr>
+          <p:nvPr>
+            <p:ph idx="1"/>
+          </p:nvPr>
+        </p:nvSpPr>
+        <p:spPr/>
+        <p:txBody>
+          <a:bodyPr/>
+          <a:lstStyle/>
+          <a:p>
+            <a:r>
+              <a:rPr lang="en-US" dirty="0" smtClean="0"/>
+              <a:t>Font vs. Typeface</a:t>
+            </a:r>
+          </a:p>
+          <a:p>
+            <a:pPr lvl="1"/>
+            <a:r>
+              <a:rPr lang="en-US" dirty="0" smtClean="0"/>
+              <a:t>A typeface is the visual appearance of the letters, and the font is the implementation  which create them. Simply, “</a:t>
+            </a:r>
+            <a:r>
+              <a:rPr lang="en-US" b="1" dirty="0" smtClean="0"/>
+              <a:t>Times</a:t>
+            </a:r>
+            <a:r>
+              <a:rPr lang="en-US" dirty="0" smtClean="0"/>
+              <a:t> </a:t>
+            </a:r>
+            <a:r>
+              <a:rPr lang="en-US" b="1" dirty="0" smtClean="0"/>
+              <a:t>New</a:t>
+            </a:r>
+            <a:r>
+              <a:rPr lang="en-US" dirty="0" smtClean="0"/>
+              <a:t> </a:t>
+            </a:r>
+            <a:r>
+              <a:rPr lang="en-US" b="1" dirty="0" smtClean="0"/>
+              <a:t>Roman</a:t>
+            </a:r>
+            <a:r>
+              <a:rPr lang="en-US" dirty="0" smtClean="0"/>
+              <a:t>” is Typeface, “</a:t>
+            </a:r>
+            <a:r>
+              <a:rPr lang="en-US" b="1" dirty="0" smtClean="0"/>
+              <a:t>TimeNewRoman.otf</a:t>
+            </a:r>
+            <a:r>
+              <a:rPr lang="en-US" dirty="0" smtClean="0"/>
+              <a:t>” is a font</a:t>
+            </a:r>
+          </a:p>
+          <a:p>
+            <a:pPr lvl="1"/>
+            <a:endParaRPr lang="en-GB" dirty="0"/>
+          </a:p>
+        </p:txBody>
+      </p:sp>
+    </p:spTree>
+    <p:extLst>
+      <p:ext uri="{BB962C8B-B14F-4D97-AF65-F5344CB8AC3E}">
+        <p14:creationId xmlns:p14="http://schemas.microsoft.com/office/powerpoint/2010/main" val="4118300290"/>
+      </p:ext>
+    </p:extLst>
+  </p:cSld>
+  <p:clrMapOvr>
+    <a:masterClrMapping/>
+  </p:clrMapOvr>
+  <p:transition spd="slow">
+    <p:wipe dir="d"/>
+  </p:transition>
+</p:sld>
+</file>
+
+<file path=ppt/slides/slide26.xml><?xml version="1.0" encoding="utf-8"?>
+<p:sld xmlns:a="http://schemas.openxmlformats.org/drawingml/2006/main" xmlns:r="http://schemas.openxmlformats.org/officeDocument/2006/relationships" xmlns:p="http://schemas.openxmlformats.org/presentationml/2006/main">
+  <p:cSld>
+    <p:spTree>
+      <p:nvGrpSpPr>
+        <p:cNvPr id="1" name=""/>
+        <p:cNvGrpSpPr/>
+        <p:nvPr/>
+      </p:nvGrpSpPr>
+      <p:grpSpPr>
+        <a:xfrm>
+          <a:off x="0" y="0"/>
+          <a:ext cx="0" cy="0"/>
+          <a:chOff x="0" y="0"/>
+          <a:chExt cx="0" cy="0"/>
+        </a:xfrm>
+      </p:grpSpPr>
+      <p:sp>
+        <p:nvSpPr>
+          <p:cNvPr id="2" name="Title 1"/>
+          <p:cNvSpPr>
+            <a:spLocks noGrp="1"/>
+          </p:cNvSpPr>
+          <p:nvPr>
+            <p:ph type="title"/>
+          </p:nvPr>
+        </p:nvSpPr>
+        <p:spPr/>
+        <p:txBody>
+          <a:bodyPr/>
+          <a:lstStyle/>
+          <a:p>
+            <a:r>
+              <a:rPr lang="en-US" dirty="0" smtClean="0"/>
+              <a:t>Text </a:t>
+            </a:r>
+            <a:r>
+              <a:rPr lang="en-US" dirty="0"/>
+              <a:t>Terminology</a:t>
+            </a:r>
+            <a:endParaRPr lang="en-GB" dirty="0"/>
+          </a:p>
+        </p:txBody>
+      </p:sp>
+      <p:sp>
+        <p:nvSpPr>
+          <p:cNvPr id="3" name="Content Placeholder 2"/>
+          <p:cNvSpPr>
+            <a:spLocks noGrp="1"/>
+          </p:cNvSpPr>
+          <p:nvPr>
+            <p:ph idx="1"/>
+          </p:nvPr>
+        </p:nvSpPr>
+        <p:spPr/>
+        <p:txBody>
+          <a:bodyPr/>
+          <a:lstStyle/>
+          <a:p>
+            <a:r>
+              <a:rPr lang="en-US" dirty="0" smtClean="0"/>
+              <a:t>Glyph vs. Character</a:t>
+            </a:r>
+          </a:p>
+          <a:p>
+            <a:pPr lvl="1"/>
+            <a:r>
+              <a:rPr lang="en-US" dirty="0" smtClean="0"/>
+              <a:t> A glyph is a specific visual form of a character.</a:t>
+            </a:r>
+          </a:p>
+          <a:p>
+            <a:pPr lvl="1"/>
+            <a:endParaRPr lang="en-US" dirty="0"/>
+          </a:p>
+          <a:p>
+            <a:r>
+              <a:rPr lang="en-US" dirty="0" smtClean="0"/>
+              <a:t>Font file vs. </a:t>
+            </a:r>
+            <a:r>
+              <a:rPr lang="en-US" smtClean="0"/>
+              <a:t>Font program</a:t>
+            </a:r>
+          </a:p>
+          <a:p>
+            <a:endParaRPr lang="en-US" dirty="0" smtClean="0"/>
+          </a:p>
+        </p:txBody>
+      </p:sp>
+    </p:spTree>
+    <p:extLst>
+      <p:ext uri="{BB962C8B-B14F-4D97-AF65-F5344CB8AC3E}">
+        <p14:creationId xmlns:p14="http://schemas.microsoft.com/office/powerpoint/2010/main" val="2627655136"/>
+      </p:ext>
+    </p:extLst>
+  </p:cSld>
+  <p:clrMapOvr>
+    <a:masterClrMapping/>
+  </p:clrMapOvr>
+  <p:transition spd="slow">
+    <p:wipe dir="d"/>
+  </p:transition>
+</p:sld>
+</file>
+
+<file path=ppt/slides/slide27.xml><?xml version="1.0" encoding="utf-8"?>
+<p:sld xmlns:a="http://schemas.openxmlformats.org/drawingml/2006/main" xmlns:r="http://schemas.openxmlformats.org/officeDocument/2006/relationships" xmlns:p="http://schemas.openxmlformats.org/presentationml/2006/main">
+  <p:cSld>
+    <p:spTree>
+      <p:nvGrpSpPr>
+        <p:cNvPr id="1" name=""/>
+        <p:cNvGrpSpPr/>
+        <p:nvPr/>
+      </p:nvGrpSpPr>
+      <p:grpSpPr>
+        <a:xfrm>
+          <a:off x="0" y="0"/>
+          <a:ext cx="0" cy="0"/>
+          <a:chOff x="0" y="0"/>
+          <a:chExt cx="0" cy="0"/>
+        </a:xfrm>
+      </p:grpSpPr>
+      <p:sp>
+        <p:nvSpPr>
+          <p:cNvPr id="2" name="Title 1"/>
+          <p:cNvSpPr>
+            <a:spLocks noGrp="1"/>
+          </p:cNvSpPr>
+          <p:nvPr>
+            <p:ph type="title"/>
+          </p:nvPr>
+        </p:nvSpPr>
+        <p:spPr/>
+        <p:txBody>
+          <a:bodyPr/>
+          <a:lstStyle/>
+          <a:p>
+            <a:r>
+              <a:rPr lang="en-US" dirty="0" smtClean="0"/>
+              <a:t>Simple Fonts</a:t>
+            </a:r>
+            <a:endParaRPr lang="en-GB" dirty="0"/>
+          </a:p>
+        </p:txBody>
+      </p:sp>
+      <p:sp>
+        <p:nvSpPr>
+          <p:cNvPr id="3" name="Content Placeholder 2"/>
+          <p:cNvSpPr>
+            <a:spLocks noGrp="1"/>
+          </p:cNvSpPr>
+          <p:nvPr>
+            <p:ph idx="1"/>
+          </p:nvPr>
+        </p:nvSpPr>
+        <p:spPr/>
+        <p:txBody>
+          <a:bodyPr>
+            <a:normAutofit lnSpcReduction="10000"/>
+          </a:bodyPr>
+          <a:lstStyle/>
+          <a:p>
+            <a:r>
+              <a:rPr lang="en-US" dirty="0" smtClean="0"/>
+              <a:t>Single-byte character code, index into a table of 256 glyphs.</a:t>
+            </a:r>
+          </a:p>
+          <a:p>
+            <a:r>
+              <a:rPr lang="en-US" dirty="0" smtClean="0"/>
+              <a:t>Each glyph has  a single set of metrics, including a horizontal displacement or width, support only horizontal writing mode.</a:t>
+            </a:r>
+          </a:p>
+          <a:p>
+            <a:r>
+              <a:rPr lang="en-US" dirty="0" smtClean="0"/>
+              <a:t>Font descriptor, containing font-wide metrics and other attributes of the font. Among those attributes is an optional font file stream containing the font program.</a:t>
+            </a:r>
+            <a:endParaRPr lang="en-GB" dirty="0"/>
+          </a:p>
+        </p:txBody>
+      </p:sp>
+    </p:spTree>
+    <p:extLst>
+      <p:ext uri="{BB962C8B-B14F-4D97-AF65-F5344CB8AC3E}">
+        <p14:creationId xmlns:p14="http://schemas.microsoft.com/office/powerpoint/2010/main" val="3253113556"/>
+      </p:ext>
+    </p:extLst>
+  </p:cSld>
+  <p:clrMapOvr>
+    <a:masterClrMapping/>
+  </p:clrMapOvr>
+  <p:transition spd="slow">
+    <p:wipe dir="d"/>
+  </p:transition>
+</p:sld>
+</file>
+
+<file path=ppt/slides/slide28.xml><?xml version="1.0" encoding="utf-8"?>
+<p:sld xmlns:a="http://schemas.openxmlformats.org/drawingml/2006/main" xmlns:r="http://schemas.openxmlformats.org/officeDocument/2006/relationships" xmlns:p="http://schemas.openxmlformats.org/presentationml/2006/main">
+  <p:cSld>
+    <p:spTree>
+      <p:nvGrpSpPr>
+        <p:cNvPr id="1" name=""/>
+        <p:cNvGrpSpPr/>
+        <p:nvPr/>
+      </p:nvGrpSpPr>
+      <p:grpSpPr>
+        <a:xfrm>
+          <a:off x="0" y="0"/>
+          <a:ext cx="0" cy="0"/>
+          <a:chOff x="0" y="0"/>
+          <a:chExt cx="0" cy="0"/>
+        </a:xfrm>
+      </p:grpSpPr>
+      <p:sp>
+        <p:nvSpPr>
+          <p:cNvPr id="2" name="Title 1"/>
+          <p:cNvSpPr>
+            <a:spLocks noGrp="1"/>
+          </p:cNvSpPr>
+          <p:nvPr>
+            <p:ph type="title"/>
+          </p:nvPr>
+        </p:nvSpPr>
+        <p:spPr/>
+        <p:txBody>
+          <a:bodyPr/>
+          <a:lstStyle/>
+          <a:p>
+            <a:r>
+              <a:rPr lang="en-US" dirty="0" smtClean="0"/>
+              <a:t>Simple Fonts</a:t>
+            </a:r>
+            <a:endParaRPr lang="en-GB" dirty="0"/>
+          </a:p>
+        </p:txBody>
+      </p:sp>
+      <p:sp>
+        <p:nvSpPr>
+          <p:cNvPr id="3" name="Content Placeholder 2"/>
+          <p:cNvSpPr>
+            <a:spLocks noGrp="1"/>
+          </p:cNvSpPr>
+          <p:nvPr>
+            <p:ph idx="1"/>
+          </p:nvPr>
+        </p:nvSpPr>
+        <p:spPr/>
+        <p:txBody>
+          <a:bodyPr/>
+          <a:lstStyle/>
+          <a:p>
+            <a:r>
+              <a:rPr lang="en-US" dirty="0" smtClean="0"/>
+              <a:t>Type 1 Fonts</a:t>
+            </a:r>
+          </a:p>
+          <a:p>
+            <a:pPr lvl="1"/>
+            <a:r>
+              <a:rPr lang="en-US" dirty="0" smtClean="0"/>
+              <a:t>A Type 1 font program is a stylized Postscript program that describes glyph shapes</a:t>
+            </a:r>
+          </a:p>
+          <a:p>
+            <a:pPr lvl="1"/>
+            <a:r>
+              <a:rPr lang="en-US" dirty="0" smtClean="0"/>
+              <a:t>Hint information</a:t>
+            </a:r>
+          </a:p>
+          <a:p>
+            <a:r>
+              <a:rPr lang="en-US" dirty="0" smtClean="0"/>
+              <a:t>Standard Type 1 Fonts (Standard 14 Fonts)</a:t>
+            </a:r>
+          </a:p>
+          <a:p>
+            <a:pPr lvl="1"/>
+            <a:r>
+              <a:rPr lang="en-US" dirty="0" smtClean="0"/>
+              <a:t>Must be </a:t>
+            </a:r>
+            <a:r>
+              <a:rPr lang="en-US" dirty="0" err="1" smtClean="0"/>
+              <a:t>avariable</a:t>
+            </a:r>
+            <a:r>
+              <a:rPr lang="en-US" dirty="0" smtClean="0"/>
+              <a:t> to the consumer application.</a:t>
+            </a:r>
+          </a:p>
+          <a:p>
+            <a:pPr lvl="1"/>
+            <a:r>
+              <a:rPr lang="en-US" dirty="0" smtClean="0"/>
+              <a:t>Deprecated from PDF1.5</a:t>
+            </a:r>
+          </a:p>
+          <a:p>
+            <a:pPr lvl="1"/>
+            <a:endParaRPr lang="en-GB" dirty="0"/>
+          </a:p>
+        </p:txBody>
+      </p:sp>
+    </p:spTree>
+    <p:extLst>
+      <p:ext uri="{BB962C8B-B14F-4D97-AF65-F5344CB8AC3E}">
+        <p14:creationId xmlns:p14="http://schemas.microsoft.com/office/powerpoint/2010/main" val="4147520355"/>
+      </p:ext>
+    </p:extLst>
+  </p:cSld>
+  <p:clrMapOvr>
+    <a:masterClrMapping/>
+  </p:clrMapOvr>
+  <p:transition spd="slow">
+    <p:wipe dir="d"/>
+  </p:transition>
+</p:sld>
+</file>
+
+<file path=ppt/slides/slide29.xml><?xml version="1.0" encoding="utf-8"?>
+<p:sld xmlns:a="http://schemas.openxmlformats.org/drawingml/2006/main" xmlns:r="http://schemas.openxmlformats.org/officeDocument/2006/relationships" xmlns:p="http://schemas.openxmlformats.org/presentationml/2006/main">
+  <p:cSld>
+    <p:spTree>
+      <p:nvGrpSpPr>
+        <p:cNvPr id="1" name=""/>
+        <p:cNvGrpSpPr/>
+        <p:nvPr/>
+      </p:nvGrpSpPr>
+      <p:grpSpPr>
+        <a:xfrm>
+          <a:off x="0" y="0"/>
+          <a:ext cx="0" cy="0"/>
+          <a:chOff x="0" y="0"/>
+          <a:chExt cx="0" cy="0"/>
+        </a:xfrm>
+      </p:grpSpPr>
+      <p:sp>
+        <p:nvSpPr>
+          <p:cNvPr id="2" name="Title 1"/>
+          <p:cNvSpPr>
+            <a:spLocks noGrp="1"/>
+          </p:cNvSpPr>
+          <p:nvPr>
+            <p:ph type="title"/>
+          </p:nvPr>
+        </p:nvSpPr>
+        <p:spPr/>
+        <p:txBody>
+          <a:bodyPr/>
+          <a:lstStyle/>
+          <a:p>
+            <a:r>
+              <a:rPr lang="en-US" dirty="0" smtClean="0"/>
+              <a:t>Simple Fonts</a:t>
+            </a:r>
+            <a:endParaRPr lang="en-GB" dirty="0"/>
+          </a:p>
+        </p:txBody>
+      </p:sp>
+      <p:sp>
+        <p:nvSpPr>
+          <p:cNvPr id="3" name="Content Placeholder 2"/>
+          <p:cNvSpPr>
+            <a:spLocks noGrp="1"/>
+          </p:cNvSpPr>
+          <p:nvPr>
+            <p:ph idx="1"/>
+          </p:nvPr>
+        </p:nvSpPr>
+        <p:spPr/>
+        <p:txBody>
+          <a:bodyPr/>
+          <a:lstStyle/>
+          <a:p>
+            <a:r>
+              <a:rPr lang="en-US" dirty="0" smtClean="0"/>
+              <a:t>TrueType</a:t>
+            </a:r>
+          </a:p>
+          <a:p>
+            <a:pPr lvl="1"/>
+            <a:r>
+              <a:rPr lang="en-US" dirty="0" smtClean="0"/>
+              <a:t>Can be embedded directly in a PDF file as a stream object.</a:t>
+            </a:r>
+            <a:endParaRPr lang="en-GB" dirty="0"/>
+          </a:p>
+        </p:txBody>
+      </p:sp>
+    </p:spTree>
+    <p:extLst>
+      <p:ext uri="{BB962C8B-B14F-4D97-AF65-F5344CB8AC3E}">
+        <p14:creationId xmlns:p14="http://schemas.microsoft.com/office/powerpoint/2010/main" val="84665183"/>
+      </p:ext>
+    </p:extLst>
+  </p:cSld>
+  <p:clrMapOvr>
+    <a:masterClrMapping/>
+  </p:clrMapOvr>
+  <p:transition spd="slow">
+    <p:wipe dir="d"/>
+  </p:transition>
+</p:sld>
+</file>
+
+<file path=ppt/slides/slide3.xml><?xml version="1.0" encoding="utf-8"?>
+<p:sld xmlns:a="http://schemas.openxmlformats.org/drawingml/2006/main" xmlns:r="http://schemas.openxmlformats.org/officeDocument/2006/relationships" xmlns:p="http://schemas.openxmlformats.org/presentationml/2006/main">
+  <p:cSld>
+    <p:spTree>
+      <p:nvGrpSpPr>
+        <p:cNvPr id="1" name=""/>
+        <p:cNvGrpSpPr/>
+        <p:nvPr/>
+      </p:nvGrpSpPr>
+      <p:grpSpPr>
+        <a:xfrm>
+          <a:off x="0" y="0"/>
+          <a:ext cx="0" cy="0"/>
+          <a:chOff x="0" y="0"/>
+          <a:chExt cx="0" cy="0"/>
+        </a:xfrm>
+      </p:grpSpPr>
+      <p:pic>
+        <p:nvPicPr>
+          <p:cNvPr id="6" name="Picture 5"/>
+          <p:cNvPicPr>
+            <a:picLocks noChangeAspect="1"/>
+          </p:cNvPicPr>
+          <p:nvPr/>
+        </p:nvPicPr>
+        <p:blipFill>
+          <a:blip r:embed="rId3" cstate="email">
+            <a:extLst>
+              <a:ext uri="{28A0092B-C50C-407E-A947-70E740481C1C}">
+                <a14:useLocalDpi xmlns:a14="http://schemas.microsoft.com/office/drawing/2010/main"/>
+              </a:ext>
+            </a:extLst>
+          </a:blip>
+          <a:stretch>
+            <a:fillRect/>
+          </a:stretch>
+        </p:blipFill>
+        <p:spPr>
+          <a:xfrm>
+            <a:off x="-4963332" y="-6858000"/>
+            <a:ext cx="7765662" cy="16476125"/>
+          </a:xfrm>
+          <a:prstGeom prst="rect">
+            <a:avLst/>
+          </a:prstGeom>
+        </p:spPr>
+      </p:pic>
+      <p:pic>
+        <p:nvPicPr>
+          <p:cNvPr id="13" name="Picture 12"/>
+          <p:cNvPicPr>
+            <a:picLocks noChangeAspect="1"/>
+          </p:cNvPicPr>
+          <p:nvPr/>
+        </p:nvPicPr>
+        <p:blipFill rotWithShape="1">
+          <a:blip r:embed="rId4" cstate="email">
+            <a:extLst>
+              <a:ext uri="{28A0092B-C50C-407E-A947-70E740481C1C}">
+                <a14:useLocalDpi xmlns:a14="http://schemas.microsoft.com/office/drawing/2010/main"/>
+              </a:ext>
+            </a:extLst>
+          </a:blip>
+          <a:srcRect/>
+          <a:stretch/>
+        </p:blipFill>
+        <p:spPr>
+          <a:xfrm rot="20753331" flipH="1">
+            <a:off x="-316180" y="3775286"/>
+            <a:ext cx="2895600" cy="3390489"/>
+          </a:xfrm>
+          <a:prstGeom prst="rect">
+            <a:avLst/>
+          </a:prstGeom>
+        </p:spPr>
+      </p:pic>
+      <p:sp>
+        <p:nvSpPr>
+          <p:cNvPr id="5" name="TextBox 4"/>
+          <p:cNvSpPr txBox="1"/>
+          <p:nvPr/>
+        </p:nvSpPr>
+        <p:spPr>
+          <a:xfrm>
+            <a:off x="899592" y="476672"/>
+            <a:ext cx="7416824" cy="864096"/>
+          </a:xfrm>
+          <a:prstGeom prst="rect">
+            <a:avLst/>
+          </a:prstGeom>
+          <a:noFill/>
+        </p:spPr>
+        <p:txBody>
+          <a:bodyPr wrap="square" rtlCol="0">
+            <a:normAutofit fontScale="85000" lnSpcReduction="20000"/>
+          </a:bodyPr>
+          <a:lstStyle/>
+          <a:p>
+            <a:r>
+              <a:rPr lang="en-US" sz="7200" dirty="0" smtClean="0"/>
+              <a:t>PDF vs. PostScript</a:t>
+            </a:r>
+          </a:p>
+        </p:txBody>
+      </p:sp>
+      <p:sp>
+        <p:nvSpPr>
+          <p:cNvPr id="3" name="TextBox 2"/>
+          <p:cNvSpPr txBox="1"/>
+          <p:nvPr/>
+        </p:nvSpPr>
+        <p:spPr>
+          <a:xfrm>
+            <a:off x="899592" y="1556792"/>
+            <a:ext cx="7560840" cy="2246769"/>
+          </a:xfrm>
+          <a:prstGeom prst="rect">
+            <a:avLst/>
+          </a:prstGeom>
+          <a:noFill/>
+        </p:spPr>
+        <p:txBody>
+          <a:bodyPr wrap="square" rtlCol="0">
+            <a:spAutoFit/>
+          </a:bodyPr>
+          <a:lstStyle/>
+          <a:p>
+            <a:pPr marL="285750" indent="-285750">
+              <a:buFont typeface="Arial" pitchFamily="34" charset="0"/>
+              <a:buChar char="•"/>
+            </a:pPr>
+            <a:r>
+              <a:rPr lang="en-US" sz="2000" dirty="0" smtClean="0"/>
+              <a:t>PostScript is a page description language run in an interpreter to generate an image, a process requiring many resources.</a:t>
+            </a:r>
+          </a:p>
+          <a:p>
+            <a:pPr marL="285750" indent="-285750">
+              <a:buFont typeface="Arial" pitchFamily="34" charset="0"/>
+              <a:buChar char="•"/>
+            </a:pPr>
+            <a:r>
+              <a:rPr lang="en-US" sz="2000" dirty="0" smtClean="0"/>
+              <a:t>PostScript can handle not just graphics, but also standard features of programming languages such as if and loop commands.</a:t>
+            </a:r>
+          </a:p>
+          <a:p>
+            <a:pPr marL="285750" indent="-285750">
+              <a:buFont typeface="Arial" pitchFamily="34" charset="0"/>
+              <a:buChar char="•"/>
+            </a:pPr>
+            <a:r>
+              <a:rPr lang="en-US" sz="2000" dirty="0" smtClean="0"/>
+              <a:t>PDF is largely based on the PostScript but simplified to remove the flow control features like these, while graphics commands such as </a:t>
+            </a:r>
+            <a:r>
+              <a:rPr lang="en-US" sz="2000" dirty="0" err="1" smtClean="0"/>
+              <a:t>lineto</a:t>
+            </a:r>
+            <a:r>
+              <a:rPr lang="en-US" sz="2000" dirty="0" smtClean="0"/>
+              <a:t> remain.</a:t>
+            </a:r>
+            <a:endParaRPr lang="en-GB" sz="2000" dirty="0"/>
+          </a:p>
+        </p:txBody>
+      </p:sp>
+    </p:spTree>
+    <p:extLst>
+      <p:ext uri="{BB962C8B-B14F-4D97-AF65-F5344CB8AC3E}">
+        <p14:creationId xmlns:p14="http://schemas.microsoft.com/office/powerpoint/2010/main" val="3584450300"/>
+      </p:ext>
+    </p:extLst>
+  </p:cSld>
+  <p:clrMapOvr>
+    <a:masterClrMapping/>
+  </p:clrMapOvr>
+  <p:transition spd="slow">
+    <p:push dir="u"/>
+  </p:transition>
+  <p:timing>
+    <p:tnLst>
+      <p:par>
+        <p:cTn id="1" dur="indefinite" restart="never" nodeType="tmRoot"/>
+      </p:par>
+    </p:tnLst>
+  </p:timing>
+</p:sld>
+</file>
+
+<file path=ppt/slides/slide30.xml><?xml version="1.0" encoding="utf-8"?>
+<p:sld xmlns:a="http://schemas.openxmlformats.org/drawingml/2006/main" xmlns:r="http://schemas.openxmlformats.org/officeDocument/2006/relationships" xmlns:p="http://schemas.openxmlformats.org/presentationml/2006/main">
+  <p:cSld>
+    <p:spTree>
+      <p:nvGrpSpPr>
+        <p:cNvPr id="1" name=""/>
+        <p:cNvGrpSpPr/>
+        <p:nvPr/>
+      </p:nvGrpSpPr>
+      <p:grpSpPr>
+        <a:xfrm>
+          <a:off x="0" y="0"/>
+          <a:ext cx="0" cy="0"/>
+          <a:chOff x="0" y="0"/>
+          <a:chExt cx="0" cy="0"/>
+        </a:xfrm>
+      </p:grpSpPr>
+      <p:sp>
+        <p:nvSpPr>
+          <p:cNvPr id="2" name="Title 1"/>
+          <p:cNvSpPr>
+            <a:spLocks noGrp="1"/>
+          </p:cNvSpPr>
+          <p:nvPr>
+            <p:ph type="title"/>
+          </p:nvPr>
+        </p:nvSpPr>
+        <p:spPr/>
+        <p:txBody>
+          <a:bodyPr/>
+          <a:lstStyle/>
+          <a:p>
+            <a:r>
+              <a:rPr lang="en-US" dirty="0" smtClean="0"/>
+              <a:t>Simple Fonts</a:t>
+            </a:r>
+            <a:endParaRPr lang="en-GB" dirty="0"/>
+          </a:p>
+        </p:txBody>
+      </p:sp>
+      <p:sp>
+        <p:nvSpPr>
+          <p:cNvPr id="3" name="Content Placeholder 2"/>
+          <p:cNvSpPr>
+            <a:spLocks noGrp="1"/>
+          </p:cNvSpPr>
+          <p:nvPr>
+            <p:ph idx="1"/>
+          </p:nvPr>
+        </p:nvSpPr>
+        <p:spPr/>
+        <p:txBody>
+          <a:bodyPr/>
+          <a:lstStyle/>
+          <a:p>
+            <a:r>
+              <a:rPr lang="en-US" dirty="0" smtClean="0"/>
+              <a:t>Font Subsets</a:t>
+            </a:r>
+          </a:p>
+          <a:p>
+            <a:pPr lvl="1"/>
+            <a:r>
+              <a:rPr lang="en-US" dirty="0" smtClean="0"/>
+              <a:t>For Type 1 or TrueType fonts</a:t>
+            </a:r>
+          </a:p>
+          <a:p>
+            <a:pPr lvl="1"/>
+            <a:r>
+              <a:rPr lang="en-US" dirty="0" err="1"/>
+              <a:t>EOODIA+Poetica</a:t>
+            </a:r>
+            <a:endParaRPr lang="en-US" dirty="0" smtClean="0"/>
+          </a:p>
+          <a:p>
+            <a:pPr lvl="1"/>
+            <a:endParaRPr lang="en-GB" dirty="0"/>
+          </a:p>
+        </p:txBody>
+      </p:sp>
+    </p:spTree>
+    <p:extLst>
+      <p:ext uri="{BB962C8B-B14F-4D97-AF65-F5344CB8AC3E}">
+        <p14:creationId xmlns:p14="http://schemas.microsoft.com/office/powerpoint/2010/main" val="676821846"/>
+      </p:ext>
+    </p:extLst>
+  </p:cSld>
+  <p:clrMapOvr>
+    <a:masterClrMapping/>
+  </p:clrMapOvr>
+  <p:transition spd="slow">
+    <p:wipe dir="d"/>
+  </p:transition>
+</p:sld>
+</file>
+
+<file path=ppt/slides/slide31.xml><?xml version="1.0" encoding="utf-8"?>
+<p:sld xmlns:a="http://schemas.openxmlformats.org/drawingml/2006/main" xmlns:r="http://schemas.openxmlformats.org/officeDocument/2006/relationships" xmlns:p="http://schemas.openxmlformats.org/presentationml/2006/main">
+  <p:cSld>
+    <p:spTree>
+      <p:nvGrpSpPr>
+        <p:cNvPr id="1" name=""/>
+        <p:cNvGrpSpPr/>
+        <p:nvPr/>
+      </p:nvGrpSpPr>
+      <p:grpSpPr>
+        <a:xfrm>
+          <a:off x="0" y="0"/>
+          <a:ext cx="0" cy="0"/>
+          <a:chOff x="0" y="0"/>
+          <a:chExt cx="0" cy="0"/>
+        </a:xfrm>
+      </p:grpSpPr>
+      <p:sp>
+        <p:nvSpPr>
+          <p:cNvPr id="2" name="Title 1"/>
+          <p:cNvSpPr>
+            <a:spLocks noGrp="1"/>
+          </p:cNvSpPr>
+          <p:nvPr>
+            <p:ph type="title"/>
+          </p:nvPr>
+        </p:nvSpPr>
+        <p:spPr/>
+        <p:txBody>
+          <a:bodyPr/>
+          <a:lstStyle/>
+          <a:p>
+            <a:r>
+              <a:rPr lang="en-US" dirty="0" smtClean="0"/>
+              <a:t>Simple Fonts</a:t>
+            </a:r>
+            <a:endParaRPr lang="en-GB" dirty="0"/>
+          </a:p>
+        </p:txBody>
+      </p:sp>
+      <p:sp>
+        <p:nvSpPr>
+          <p:cNvPr id="3" name="Content Placeholder 2"/>
+          <p:cNvSpPr>
+            <a:spLocks noGrp="1"/>
+          </p:cNvSpPr>
+          <p:nvPr>
+            <p:ph idx="1"/>
+          </p:nvPr>
+        </p:nvSpPr>
+        <p:spPr/>
+        <p:txBody>
+          <a:bodyPr/>
+          <a:lstStyle/>
+          <a:p>
+            <a:r>
+              <a:rPr lang="en-US" dirty="0" smtClean="0"/>
+              <a:t>Type 3 Fonts</a:t>
+            </a:r>
+          </a:p>
+          <a:p>
+            <a:pPr lvl="1"/>
+            <a:r>
+              <a:rPr lang="en-US" dirty="0" smtClean="0"/>
+              <a:t>Glyphs are defined by streams of PDF graphics operators.</a:t>
+            </a:r>
+          </a:p>
+          <a:p>
+            <a:pPr lvl="1"/>
+            <a:r>
+              <a:rPr lang="en-US" dirty="0" smtClean="0"/>
+              <a:t>No hinting mechanism.</a:t>
+            </a:r>
+          </a:p>
+          <a:p>
+            <a:pPr lvl="1"/>
+            <a:endParaRPr lang="en-GB" dirty="0"/>
+          </a:p>
+        </p:txBody>
+      </p:sp>
+    </p:spTree>
+    <p:extLst>
+      <p:ext uri="{BB962C8B-B14F-4D97-AF65-F5344CB8AC3E}">
+        <p14:creationId xmlns:p14="http://schemas.microsoft.com/office/powerpoint/2010/main" val="285015281"/>
+      </p:ext>
+    </p:extLst>
+  </p:cSld>
+  <p:clrMapOvr>
+    <a:masterClrMapping/>
+  </p:clrMapOvr>
+  <p:transition spd="slow">
+    <p:wipe dir="d"/>
+  </p:transition>
+</p:sld>
+</file>
+
+<file path=ppt/slides/slide32.xml><?xml version="1.0" encoding="utf-8"?>
+<p:sld xmlns:a="http://schemas.openxmlformats.org/drawingml/2006/main" xmlns:r="http://schemas.openxmlformats.org/officeDocument/2006/relationships" xmlns:p="http://schemas.openxmlformats.org/presentationml/2006/main">
+  <p:cSld>
+    <p:spTree>
+      <p:nvGrpSpPr>
+        <p:cNvPr id="1" name=""/>
+        <p:cNvGrpSpPr/>
+        <p:nvPr/>
+      </p:nvGrpSpPr>
+      <p:grpSpPr>
+        <a:xfrm>
+          <a:off x="0" y="0"/>
+          <a:ext cx="0" cy="0"/>
+          <a:chOff x="0" y="0"/>
+          <a:chExt cx="0" cy="0"/>
+        </a:xfrm>
+      </p:grpSpPr>
+      <p:sp>
+        <p:nvSpPr>
+          <p:cNvPr id="2" name="Title 1"/>
+          <p:cNvSpPr>
+            <a:spLocks noGrp="1"/>
+          </p:cNvSpPr>
+          <p:nvPr>
+            <p:ph type="title"/>
+          </p:nvPr>
+        </p:nvSpPr>
+        <p:spPr/>
+        <p:txBody>
+          <a:bodyPr/>
+          <a:lstStyle/>
+          <a:p>
+            <a:r>
+              <a:rPr lang="en-US" dirty="0" smtClean="0"/>
+              <a:t>Simple Fonts</a:t>
+            </a:r>
+            <a:endParaRPr lang="en-GB" dirty="0"/>
+          </a:p>
+        </p:txBody>
+      </p:sp>
+      <p:sp>
+        <p:nvSpPr>
+          <p:cNvPr id="3" name="Content Placeholder 2"/>
+          <p:cNvSpPr>
+            <a:spLocks noGrp="1"/>
+          </p:cNvSpPr>
+          <p:nvPr>
+            <p:ph idx="1"/>
+          </p:nvPr>
+        </p:nvSpPr>
+        <p:spPr/>
+        <p:txBody>
+          <a:bodyPr/>
+          <a:lstStyle/>
+          <a:p>
+            <a:r>
+              <a:rPr lang="en-US" dirty="0" smtClean="0"/>
+              <a:t>Character Encoding</a:t>
+            </a:r>
+          </a:p>
+          <a:p>
+            <a:pPr lvl="1"/>
+            <a:r>
+              <a:rPr lang="en-US" dirty="0" smtClean="0"/>
+              <a:t>A font’s encoding is the association between character codes and glyph descriptions.</a:t>
+            </a:r>
+          </a:p>
+          <a:p>
+            <a:pPr lvl="1"/>
+            <a:r>
+              <a:rPr lang="en-US" dirty="0" smtClean="0"/>
+              <a:t>Except for Type 3 fonts, every font program has a built-in encoding.</a:t>
+            </a:r>
+          </a:p>
+          <a:p>
+            <a:pPr lvl="1"/>
+            <a:r>
+              <a:rPr lang="en-US" dirty="0" smtClean="0"/>
+              <a:t>Predefined encodings</a:t>
+            </a:r>
+            <a:r>
+              <a:rPr lang="en-US" dirty="0"/>
+              <a:t>: </a:t>
+            </a:r>
+            <a:r>
+              <a:rPr lang="en-US" dirty="0" err="1"/>
+              <a:t>MacRomanEncoding,MacExpertEncoding</a:t>
+            </a:r>
+            <a:r>
+              <a:rPr lang="en-US" dirty="0"/>
+              <a:t>, </a:t>
+            </a:r>
+            <a:r>
+              <a:rPr lang="en-US" dirty="0" smtClean="0"/>
+              <a:t>or </a:t>
+            </a:r>
+            <a:r>
+              <a:rPr lang="en-US" dirty="0" err="1" smtClean="0"/>
+              <a:t>WinAnsiEncoding</a:t>
+            </a:r>
+            <a:endParaRPr lang="en-US" dirty="0"/>
+          </a:p>
+        </p:txBody>
+      </p:sp>
+    </p:spTree>
+    <p:extLst>
+      <p:ext uri="{BB962C8B-B14F-4D97-AF65-F5344CB8AC3E}">
+        <p14:creationId xmlns:p14="http://schemas.microsoft.com/office/powerpoint/2010/main" val="1468514762"/>
+      </p:ext>
+    </p:extLst>
+  </p:cSld>
+  <p:clrMapOvr>
+    <a:masterClrMapping/>
+  </p:clrMapOvr>
+  <p:transition spd="slow">
+    <p:wipe dir="d"/>
+  </p:transition>
+</p:sld>
+</file>
+
+<file path=ppt/slides/slide33.xml><?xml version="1.0" encoding="utf-8"?>
+<p:sld xmlns:a="http://schemas.openxmlformats.org/drawingml/2006/main" xmlns:r="http://schemas.openxmlformats.org/officeDocument/2006/relationships" xmlns:p="http://schemas.openxmlformats.org/presentationml/2006/main">
+  <p:cSld>
+    <p:spTree>
+      <p:nvGrpSpPr>
+        <p:cNvPr id="1" name=""/>
+        <p:cNvGrpSpPr/>
+        <p:nvPr/>
+      </p:nvGrpSpPr>
+      <p:grpSpPr>
+        <a:xfrm>
+          <a:off x="0" y="0"/>
+          <a:ext cx="0" cy="0"/>
+          <a:chOff x="0" y="0"/>
+          <a:chExt cx="0" cy="0"/>
+        </a:xfrm>
+      </p:grpSpPr>
+      <p:sp>
+        <p:nvSpPr>
+          <p:cNvPr id="2" name="Title 1"/>
+          <p:cNvSpPr>
+            <a:spLocks noGrp="1"/>
+          </p:cNvSpPr>
+          <p:nvPr>
+            <p:ph type="title"/>
+          </p:nvPr>
+        </p:nvSpPr>
+        <p:spPr/>
+        <p:txBody>
+          <a:bodyPr/>
+          <a:lstStyle/>
+          <a:p>
+            <a:r>
+              <a:rPr lang="en-US" dirty="0" smtClean="0"/>
+              <a:t>Composite Fonts</a:t>
+            </a:r>
+            <a:endParaRPr lang="en-GB" dirty="0"/>
+          </a:p>
+        </p:txBody>
+      </p:sp>
+      <p:sp>
+        <p:nvSpPr>
+          <p:cNvPr id="3" name="Content Placeholder 2"/>
+          <p:cNvSpPr>
+            <a:spLocks noGrp="1"/>
+          </p:cNvSpPr>
+          <p:nvPr>
+            <p:ph idx="1"/>
+          </p:nvPr>
+        </p:nvSpPr>
+        <p:spPr/>
+        <p:txBody>
+          <a:bodyPr/>
+          <a:lstStyle/>
+          <a:p>
+            <a:r>
+              <a:rPr lang="en-US" dirty="0" smtClean="0"/>
+              <a:t>Type 0 font</a:t>
+            </a:r>
+          </a:p>
+          <a:p>
+            <a:r>
+              <a:rPr lang="en-US" dirty="0" smtClean="0"/>
+              <a:t>Type 0 font is known as the root font, and its associated </a:t>
+            </a:r>
+            <a:r>
+              <a:rPr lang="en-US" dirty="0" err="1" smtClean="0"/>
+              <a:t>CIDFont</a:t>
+            </a:r>
+            <a:r>
+              <a:rPr lang="en-US" dirty="0" smtClean="0"/>
+              <a:t> is called its descendant.</a:t>
+            </a:r>
+          </a:p>
+          <a:p>
+            <a:endParaRPr lang="en-GB" dirty="0"/>
+          </a:p>
+        </p:txBody>
+      </p:sp>
+    </p:spTree>
+    <p:extLst>
+      <p:ext uri="{BB962C8B-B14F-4D97-AF65-F5344CB8AC3E}">
+        <p14:creationId xmlns:p14="http://schemas.microsoft.com/office/powerpoint/2010/main" val="1380381960"/>
+      </p:ext>
+    </p:extLst>
+  </p:cSld>
+  <p:clrMapOvr>
+    <a:masterClrMapping/>
+  </p:clrMapOvr>
+  <p:transition spd="slow">
+    <p:wipe dir="d"/>
+  </p:transition>
+</p:sld>
+</file>
+
+<file path=ppt/slides/slide34.xml><?xml version="1.0" encoding="utf-8"?>
+<p:sld xmlns:a="http://schemas.openxmlformats.org/drawingml/2006/main" xmlns:r="http://schemas.openxmlformats.org/officeDocument/2006/relationships" xmlns:p="http://schemas.openxmlformats.org/presentationml/2006/main">
+  <p:cSld>
+    <p:spTree>
+      <p:nvGrpSpPr>
+        <p:cNvPr id="1" name=""/>
+        <p:cNvGrpSpPr/>
+        <p:nvPr/>
+      </p:nvGrpSpPr>
+      <p:grpSpPr>
+        <a:xfrm>
+          <a:off x="0" y="0"/>
+          <a:ext cx="0" cy="0"/>
+          <a:chOff x="0" y="0"/>
+          <a:chExt cx="0" cy="0"/>
+        </a:xfrm>
+      </p:grpSpPr>
+      <p:sp>
+        <p:nvSpPr>
+          <p:cNvPr id="2" name="Title 1"/>
+          <p:cNvSpPr>
+            <a:spLocks noGrp="1"/>
+          </p:cNvSpPr>
+          <p:nvPr>
+            <p:ph type="title"/>
+          </p:nvPr>
+        </p:nvSpPr>
+        <p:spPr/>
+        <p:txBody>
+          <a:bodyPr/>
+          <a:lstStyle/>
+          <a:p>
+            <a:r>
+              <a:rPr lang="en-US" dirty="0" smtClean="0"/>
+              <a:t>Composite Fonts</a:t>
+            </a:r>
+            <a:endParaRPr lang="en-GB" dirty="0"/>
+          </a:p>
+        </p:txBody>
+      </p:sp>
+      <p:sp>
+        <p:nvSpPr>
+          <p:cNvPr id="3" name="Content Placeholder 2"/>
+          <p:cNvSpPr>
+            <a:spLocks noGrp="1"/>
+          </p:cNvSpPr>
+          <p:nvPr>
+            <p:ph idx="1"/>
+          </p:nvPr>
+        </p:nvSpPr>
+        <p:spPr/>
+        <p:txBody>
+          <a:bodyPr>
+            <a:normAutofit lnSpcReduction="10000"/>
+          </a:bodyPr>
+          <a:lstStyle/>
+          <a:p>
+            <a:r>
+              <a:rPr lang="en-US" dirty="0" smtClean="0"/>
+              <a:t>CID-keyed Fonts</a:t>
+            </a:r>
+          </a:p>
+          <a:p>
+            <a:r>
+              <a:rPr lang="en-US" dirty="0" smtClean="0"/>
+              <a:t>CID – Character identifier </a:t>
+            </a:r>
+          </a:p>
+          <a:p>
+            <a:pPr lvl="1"/>
+            <a:r>
+              <a:rPr lang="en-US" dirty="0" smtClean="0"/>
+              <a:t>The CID numbers are used to index and access the glyph descriptions in the font.</a:t>
+            </a:r>
+          </a:p>
+          <a:p>
+            <a:r>
+              <a:rPr lang="en-US" dirty="0" err="1" smtClean="0"/>
+              <a:t>CMap</a:t>
+            </a:r>
+            <a:r>
+              <a:rPr lang="en-GB" dirty="0" smtClean="0"/>
+              <a:t> – Character Map</a:t>
+            </a:r>
+          </a:p>
+          <a:p>
+            <a:pPr lvl="1"/>
+            <a:r>
+              <a:rPr lang="en-US" dirty="0" err="1" smtClean="0"/>
+              <a:t>CMap</a:t>
+            </a:r>
+            <a:r>
+              <a:rPr lang="en-US" dirty="0" smtClean="0"/>
+              <a:t> file specifies the correspondence between character codes and the CID numbers used to identify glyphs. It is equivalent to the concept of an encoding in </a:t>
+            </a:r>
+            <a:r>
+              <a:rPr lang="en-US" smtClean="0"/>
+              <a:t>simple font.</a:t>
+            </a:r>
+            <a:endParaRPr lang="en-US" dirty="0" smtClean="0"/>
+          </a:p>
+        </p:txBody>
+      </p:sp>
+    </p:spTree>
+    <p:extLst>
+      <p:ext uri="{BB962C8B-B14F-4D97-AF65-F5344CB8AC3E}">
+        <p14:creationId xmlns:p14="http://schemas.microsoft.com/office/powerpoint/2010/main" val="1324869264"/>
+      </p:ext>
+    </p:extLst>
+  </p:cSld>
+  <p:clrMapOvr>
+    <a:masterClrMapping/>
+  </p:clrMapOvr>
+  <p:transition spd="slow">
+    <p:wipe dir="d"/>
+  </p:transition>
+</p:sld>
+</file>
+
+<file path=ppt/slides/slide35.xml><?xml version="1.0" encoding="utf-8"?>
+<p:sld xmlns:a="http://schemas.openxmlformats.org/drawingml/2006/main" xmlns:r="http://schemas.openxmlformats.org/officeDocument/2006/relationships" xmlns:p="http://schemas.openxmlformats.org/presentationml/2006/main">
+  <p:cSld>
+    <p:spTree>
+      <p:nvGrpSpPr>
+        <p:cNvPr id="1" name=""/>
+        <p:cNvGrpSpPr/>
+        <p:nvPr/>
+      </p:nvGrpSpPr>
+      <p:grpSpPr>
+        <a:xfrm>
+          <a:off x="0" y="0"/>
+          <a:ext cx="0" cy="0"/>
+          <a:chOff x="0" y="0"/>
+          <a:chExt cx="0" cy="0"/>
+        </a:xfrm>
+      </p:grpSpPr>
+      <p:sp>
+        <p:nvSpPr>
+          <p:cNvPr id="2" name="Title 1"/>
+          <p:cNvSpPr>
+            <a:spLocks noGrp="1"/>
+          </p:cNvSpPr>
+          <p:nvPr>
+            <p:ph type="title"/>
+          </p:nvPr>
+        </p:nvSpPr>
+        <p:spPr/>
+        <p:txBody>
+          <a:bodyPr/>
+          <a:lstStyle/>
+          <a:p>
+            <a:r>
+              <a:rPr lang="en-US" dirty="0" smtClean="0"/>
+              <a:t>Font</a:t>
+            </a:r>
+            <a:endParaRPr lang="en-GB" dirty="0"/>
+          </a:p>
+        </p:txBody>
+      </p:sp>
+      <p:sp>
+        <p:nvSpPr>
+          <p:cNvPr id="3" name="Content Placeholder 2"/>
+          <p:cNvSpPr>
+            <a:spLocks noGrp="1"/>
+          </p:cNvSpPr>
+          <p:nvPr>
+            <p:ph idx="1"/>
+          </p:nvPr>
+        </p:nvSpPr>
+        <p:spPr/>
+        <p:txBody>
+          <a:bodyPr/>
+          <a:lstStyle/>
+          <a:p>
+            <a:r>
+              <a:rPr lang="en-US" dirty="0" smtClean="0"/>
+              <a:t>Type 0</a:t>
+            </a:r>
+          </a:p>
+          <a:p>
+            <a:r>
+              <a:rPr lang="en-US" dirty="0" smtClean="0"/>
+              <a:t>Type 1</a:t>
+            </a:r>
+          </a:p>
+          <a:p>
+            <a:r>
+              <a:rPr lang="en-US" dirty="0" smtClean="0"/>
+              <a:t>Type 3</a:t>
+            </a:r>
+          </a:p>
+          <a:p>
+            <a:r>
+              <a:rPr lang="en-US" dirty="0" smtClean="0"/>
+              <a:t>TrueType</a:t>
+            </a:r>
+          </a:p>
+          <a:p>
+            <a:r>
+              <a:rPr lang="en-US" dirty="0" err="1" smtClean="0"/>
+              <a:t>CIDFont</a:t>
+            </a:r>
+            <a:endParaRPr lang="en-US" dirty="0" smtClean="0"/>
+          </a:p>
+          <a:p>
+            <a:pPr lvl="1"/>
+            <a:r>
+              <a:rPr lang="en-US" dirty="0" smtClean="0"/>
+              <a:t>CIDFont0 based on Type 1 font technology</a:t>
+            </a:r>
+          </a:p>
+          <a:p>
+            <a:pPr lvl="1"/>
+            <a:r>
+              <a:rPr lang="en-US" dirty="0" smtClean="0"/>
+              <a:t>CIDFont2 based on TrueType font technology</a:t>
+            </a:r>
+            <a:endParaRPr lang="en-GB" dirty="0"/>
+          </a:p>
+        </p:txBody>
+      </p:sp>
+    </p:spTree>
+    <p:extLst>
+      <p:ext uri="{BB962C8B-B14F-4D97-AF65-F5344CB8AC3E}">
+        <p14:creationId xmlns:p14="http://schemas.microsoft.com/office/powerpoint/2010/main" val="634823430"/>
+      </p:ext>
+    </p:extLst>
+  </p:cSld>
+  <p:clrMapOvr>
+    <a:masterClrMapping/>
+  </p:clrMapOvr>
+  <p:transition spd="slow">
+    <p:wipe dir="d"/>
+  </p:transition>
+</p:sld>
+</file>
+
+<file path=ppt/slides/slide36.xml><?xml version="1.0" encoding="utf-8"?>
+<p:sld xmlns:a="http://schemas.openxmlformats.org/drawingml/2006/main" xmlns:r="http://schemas.openxmlformats.org/officeDocument/2006/relationships" xmlns:p="http://schemas.openxmlformats.org/presentationml/2006/main">
+  <p:cSld>
+    <p:spTree>
+      <p:nvGrpSpPr>
+        <p:cNvPr id="1" name=""/>
+        <p:cNvGrpSpPr/>
+        <p:nvPr/>
+      </p:nvGrpSpPr>
+      <p:grpSpPr>
+        <a:xfrm>
+          <a:off x="0" y="0"/>
+          <a:ext cx="0" cy="0"/>
+          <a:chOff x="0" y="0"/>
+          <a:chExt cx="0" cy="0"/>
+        </a:xfrm>
+      </p:grpSpPr>
+      <p:sp>
+        <p:nvSpPr>
+          <p:cNvPr id="2" name="Title 1"/>
+          <p:cNvSpPr>
+            <a:spLocks noGrp="1"/>
+          </p:cNvSpPr>
+          <p:nvPr>
+            <p:ph type="title"/>
+          </p:nvPr>
+        </p:nvSpPr>
+        <p:spPr/>
+        <p:txBody>
+          <a:bodyPr/>
+          <a:lstStyle/>
+          <a:p>
+            <a:r>
+              <a:rPr lang="en-US" dirty="0" err="1" smtClean="0"/>
+              <a:t>CMaps</a:t>
+            </a:r>
+            <a:endParaRPr lang="en-GB" dirty="0"/>
+          </a:p>
+        </p:txBody>
+      </p:sp>
+      <p:sp>
+        <p:nvSpPr>
+          <p:cNvPr id="3" name="Content Placeholder 2"/>
+          <p:cNvSpPr>
+            <a:spLocks noGrp="1"/>
+          </p:cNvSpPr>
+          <p:nvPr>
+            <p:ph idx="1"/>
+          </p:nvPr>
+        </p:nvSpPr>
+        <p:spPr/>
+        <p:txBody>
+          <a:bodyPr/>
+          <a:lstStyle/>
+          <a:p>
+            <a:r>
+              <a:rPr lang="en-US" dirty="0" smtClean="0"/>
+              <a:t>A </a:t>
+            </a:r>
+            <a:r>
+              <a:rPr lang="en-US" dirty="0" err="1" smtClean="0"/>
+              <a:t>Cmap</a:t>
+            </a:r>
+            <a:r>
+              <a:rPr lang="en-US" dirty="0" smtClean="0"/>
+              <a:t> specifies the mapping from character codes to character selectors.</a:t>
+            </a:r>
+          </a:p>
+          <a:p>
+            <a:r>
+              <a:rPr lang="en-US" dirty="0" smtClean="0"/>
+              <a:t>In PDF, the character selectors are always CIDs in </a:t>
+            </a:r>
+            <a:r>
+              <a:rPr lang="en-US" dirty="0" err="1" smtClean="0"/>
+              <a:t>CIDFont</a:t>
+            </a:r>
+            <a:r>
+              <a:rPr lang="en-US" dirty="0" smtClean="0"/>
+              <a:t>.</a:t>
+            </a:r>
+          </a:p>
+          <a:p>
+            <a:r>
+              <a:rPr lang="en-US" dirty="0" smtClean="0"/>
+              <a:t>A </a:t>
+            </a:r>
+            <a:r>
+              <a:rPr lang="en-US" dirty="0" err="1" smtClean="0"/>
+              <a:t>Cmap</a:t>
+            </a:r>
+            <a:r>
+              <a:rPr lang="en-US" dirty="0" smtClean="0"/>
+              <a:t> serves a function analogous to the Encoding dictionary for a simple font.</a:t>
+            </a:r>
+            <a:endParaRPr lang="en-GB" dirty="0"/>
+          </a:p>
+        </p:txBody>
+      </p:sp>
+    </p:spTree>
+    <p:extLst>
+      <p:ext uri="{BB962C8B-B14F-4D97-AF65-F5344CB8AC3E}">
+        <p14:creationId xmlns:p14="http://schemas.microsoft.com/office/powerpoint/2010/main" val="1631896584"/>
+      </p:ext>
+    </p:extLst>
+  </p:cSld>
+  <p:clrMapOvr>
+    <a:masterClrMapping/>
+  </p:clrMapOvr>
+  <p:transition spd="slow">
+    <p:wipe dir="d"/>
+  </p:transition>
+</p:sld>
+</file>
+
+<file path=ppt/slides/slide37.xml><?xml version="1.0" encoding="utf-8"?>
+<p:sld xmlns:a="http://schemas.openxmlformats.org/drawingml/2006/main" xmlns:r="http://schemas.openxmlformats.org/officeDocument/2006/relationships" xmlns:p="http://schemas.openxmlformats.org/presentationml/2006/main">
+  <p:cSld>
+    <p:spTree>
+      <p:nvGrpSpPr>
+        <p:cNvPr id="1" name=""/>
+        <p:cNvGrpSpPr/>
+        <p:nvPr/>
+      </p:nvGrpSpPr>
+      <p:grpSpPr>
+        <a:xfrm>
+          <a:off x="0" y="0"/>
+          <a:ext cx="0" cy="0"/>
+          <a:chOff x="0" y="0"/>
+          <a:chExt cx="0" cy="0"/>
+        </a:xfrm>
+      </p:grpSpPr>
+      <p:sp>
+        <p:nvSpPr>
+          <p:cNvPr id="2" name="Title 1"/>
+          <p:cNvSpPr>
+            <a:spLocks noGrp="1"/>
+          </p:cNvSpPr>
+          <p:nvPr>
+            <p:ph type="title"/>
+          </p:nvPr>
+        </p:nvSpPr>
+        <p:spPr/>
+        <p:txBody>
+          <a:bodyPr/>
+          <a:lstStyle/>
+          <a:p>
+            <a:r>
+              <a:rPr lang="en-US" dirty="0" err="1" smtClean="0"/>
+              <a:t>CMaps</a:t>
+            </a:r>
+            <a:endParaRPr lang="en-GB" dirty="0"/>
+          </a:p>
+        </p:txBody>
+      </p:sp>
+      <p:sp>
+        <p:nvSpPr>
+          <p:cNvPr id="3" name="Content Placeholder 2"/>
+          <p:cNvSpPr>
+            <a:spLocks noGrp="1"/>
+          </p:cNvSpPr>
+          <p:nvPr>
+            <p:ph idx="1"/>
+          </p:nvPr>
+        </p:nvSpPr>
+        <p:spPr/>
+        <p:txBody>
+          <a:bodyPr/>
+          <a:lstStyle/>
+          <a:p>
+            <a:r>
+              <a:rPr lang="en-US" dirty="0" smtClean="0"/>
+              <a:t>To Unicode </a:t>
+            </a:r>
+            <a:r>
+              <a:rPr lang="en-US" dirty="0" err="1" smtClean="0"/>
+              <a:t>CMaps</a:t>
+            </a:r>
+            <a:endParaRPr lang="en-US" dirty="0"/>
+          </a:p>
+          <a:p>
+            <a:r>
+              <a:rPr lang="en-US" dirty="0" smtClean="0"/>
+              <a:t>Writing mode – Horizontal or Vertical</a:t>
+            </a:r>
+          </a:p>
+          <a:p>
+            <a:endParaRPr lang="en-US" dirty="0" smtClean="0"/>
+          </a:p>
+        </p:txBody>
+      </p:sp>
+    </p:spTree>
+    <p:extLst>
+      <p:ext uri="{BB962C8B-B14F-4D97-AF65-F5344CB8AC3E}">
+        <p14:creationId xmlns:p14="http://schemas.microsoft.com/office/powerpoint/2010/main" val="4290975082"/>
+      </p:ext>
+    </p:extLst>
+  </p:cSld>
+  <p:clrMapOvr>
+    <a:masterClrMapping/>
+  </p:clrMapOvr>
+  <p:transition spd="slow">
+    <p:wipe dir="d"/>
+  </p:transition>
+</p:sld>
+</file>
+
+<file path=ppt/slides/slide38.xml><?xml version="1.0" encoding="utf-8"?>
+<p:sld xmlns:a="http://schemas.openxmlformats.org/drawingml/2006/main" xmlns:r="http://schemas.openxmlformats.org/officeDocument/2006/relationships" xmlns:p="http://schemas.openxmlformats.org/presentationml/2006/main">
+  <p:cSld>
+    <p:spTree>
+      <p:nvGrpSpPr>
+        <p:cNvPr id="1" name=""/>
+        <p:cNvGrpSpPr/>
+        <p:nvPr/>
+      </p:nvGrpSpPr>
+      <p:grpSpPr>
+        <a:xfrm>
+          <a:off x="0" y="0"/>
+          <a:ext cx="0" cy="0"/>
+          <a:chOff x="0" y="0"/>
+          <a:chExt cx="0" cy="0"/>
+        </a:xfrm>
+      </p:grpSpPr>
+      <p:sp>
+        <p:nvSpPr>
+          <p:cNvPr id="2" name="Title 1"/>
+          <p:cNvSpPr>
+            <a:spLocks noGrp="1"/>
+          </p:cNvSpPr>
+          <p:nvPr>
+            <p:ph type="title"/>
+          </p:nvPr>
+        </p:nvSpPr>
+        <p:spPr/>
+        <p:txBody>
+          <a:bodyPr/>
+          <a:lstStyle/>
+          <a:p>
+            <a:r>
+              <a:rPr lang="en-US" dirty="0" smtClean="0"/>
+              <a:t>Graphics</a:t>
+            </a:r>
+            <a:endParaRPr lang="en-GB" dirty="0"/>
+          </a:p>
+        </p:txBody>
+      </p:sp>
+      <p:sp>
+        <p:nvSpPr>
+          <p:cNvPr id="3" name="Content Placeholder 2"/>
+          <p:cNvSpPr>
+            <a:spLocks noGrp="1"/>
+          </p:cNvSpPr>
+          <p:nvPr>
+            <p:ph idx="1"/>
+          </p:nvPr>
+        </p:nvSpPr>
+        <p:spPr/>
+        <p:txBody>
+          <a:bodyPr/>
+          <a:lstStyle/>
+          <a:p>
+            <a:endParaRPr lang="en-GB" dirty="0"/>
+          </a:p>
+        </p:txBody>
+      </p:sp>
+    </p:spTree>
+    <p:extLst>
+      <p:ext uri="{BB962C8B-B14F-4D97-AF65-F5344CB8AC3E}">
+        <p14:creationId xmlns:p14="http://schemas.microsoft.com/office/powerpoint/2010/main" val="739242346"/>
+      </p:ext>
+    </p:extLst>
+  </p:cSld>
+  <p:clrMapOvr>
+    <a:masterClrMapping/>
+  </p:clrMapOvr>
+  <p:transition spd="slow">
+    <p:wipe dir="d"/>
+  </p:transition>
+</p:sld>
+</file>
+
+<file path=ppt/slides/slide39.xml><?xml version="1.0" encoding="utf-8"?>
+<p:sld xmlns:a="http://schemas.openxmlformats.org/drawingml/2006/main" xmlns:r="http://schemas.openxmlformats.org/officeDocument/2006/relationships" xmlns:p="http://schemas.openxmlformats.org/presentationml/2006/main">
+  <p:cSld>
+    <p:spTree>
+      <p:nvGrpSpPr>
+        <p:cNvPr id="1" name=""/>
+        <p:cNvGrpSpPr/>
+        <p:nvPr/>
+      </p:nvGrpSpPr>
+      <p:grpSpPr>
+        <a:xfrm>
+          <a:off x="0" y="0"/>
+          <a:ext cx="0" cy="0"/>
+          <a:chOff x="0" y="0"/>
+          <a:chExt cx="0" cy="0"/>
+        </a:xfrm>
+      </p:grpSpPr>
+      <p:sp>
+        <p:nvSpPr>
+          <p:cNvPr id="2" name="Title 1"/>
+          <p:cNvSpPr>
+            <a:spLocks noGrp="1"/>
+          </p:cNvSpPr>
+          <p:nvPr>
+            <p:ph type="title"/>
+          </p:nvPr>
+        </p:nvSpPr>
+        <p:spPr/>
+        <p:txBody>
+          <a:bodyPr/>
+          <a:lstStyle/>
+          <a:p>
+            <a:r>
+              <a:rPr lang="en-US" dirty="0" smtClean="0"/>
+              <a:t>Color </a:t>
+            </a:r>
+            <a:r>
+              <a:rPr lang="en-US" dirty="0"/>
+              <a:t>S</a:t>
+            </a:r>
+            <a:r>
+              <a:rPr lang="en-US" dirty="0" smtClean="0"/>
+              <a:t>paces</a:t>
+            </a:r>
+            <a:endParaRPr lang="en-GB" dirty="0"/>
+          </a:p>
+        </p:txBody>
+      </p:sp>
+      <p:sp>
+        <p:nvSpPr>
+          <p:cNvPr id="3" name="Content Placeholder 2"/>
+          <p:cNvSpPr>
+            <a:spLocks noGrp="1"/>
+          </p:cNvSpPr>
+          <p:nvPr>
+            <p:ph idx="1"/>
+          </p:nvPr>
+        </p:nvSpPr>
+        <p:spPr/>
+        <p:txBody>
+          <a:bodyPr/>
+          <a:lstStyle/>
+          <a:p>
+            <a:r>
+              <a:rPr lang="en-US" dirty="0" smtClean="0"/>
+              <a:t>Color specification</a:t>
+            </a:r>
+          </a:p>
+          <a:p>
+            <a:pPr lvl="1"/>
+            <a:r>
+              <a:rPr lang="en-US" dirty="0" smtClean="0"/>
+              <a:t>Device color representation (grayscale, RGB, CMYK)</a:t>
+            </a:r>
+          </a:p>
+          <a:p>
+            <a:pPr lvl="1"/>
+            <a:r>
+              <a:rPr lang="en-US" dirty="0" smtClean="0"/>
+              <a:t>Human visual perception (CIE-based)</a:t>
+            </a:r>
+          </a:p>
+          <a:p>
+            <a:r>
+              <a:rPr lang="en-US" dirty="0" smtClean="0"/>
+              <a:t>Color rendering</a:t>
+            </a:r>
+          </a:p>
+          <a:p>
+            <a:pPr lvl="1"/>
+            <a:r>
+              <a:rPr lang="en-US" dirty="0" smtClean="0"/>
+              <a:t>Device dependent</a:t>
+            </a:r>
+          </a:p>
+          <a:p>
+            <a:pPr lvl="1"/>
+            <a:r>
+              <a:rPr lang="en-US" dirty="0" smtClean="0"/>
+              <a:t>Some combination of color conversion, gamma correction, </a:t>
+            </a:r>
+            <a:r>
+              <a:rPr lang="en-US" dirty="0" err="1" smtClean="0"/>
+              <a:t>halftoning</a:t>
+            </a:r>
+            <a:r>
+              <a:rPr lang="en-US" dirty="0" smtClean="0"/>
+              <a:t>, and scan conversion.</a:t>
+            </a:r>
+            <a:endParaRPr lang="en-GB" dirty="0"/>
+          </a:p>
+        </p:txBody>
+      </p:sp>
+    </p:spTree>
+    <p:extLst>
+      <p:ext uri="{BB962C8B-B14F-4D97-AF65-F5344CB8AC3E}">
+        <p14:creationId xmlns:p14="http://schemas.microsoft.com/office/powerpoint/2010/main" val="2627106515"/>
+      </p:ext>
+    </p:extLst>
+  </p:cSld>
+  <p:clrMapOvr>
+    <a:masterClrMapping/>
+  </p:clrMapOvr>
+  <p:transition spd="slow">
+    <p:wipe dir="d"/>
+  </p:transition>
+</p:sld>
+</file>
+
+<file path=ppt/slides/slide4.xml><?xml version="1.0" encoding="utf-8"?>
+<p:sld xmlns:a="http://schemas.openxmlformats.org/drawingml/2006/main" xmlns:r="http://schemas.openxmlformats.org/officeDocument/2006/relationships" xmlns:p="http://schemas.openxmlformats.org/presentationml/2006/main">
+  <p:cSld>
+    <p:spTree>
+      <p:nvGrpSpPr>
+        <p:cNvPr id="1" name=""/>
+        <p:cNvGrpSpPr/>
+        <p:nvPr/>
+      </p:nvGrpSpPr>
+      <p:grpSpPr>
+        <a:xfrm>
+          <a:off x="0" y="0"/>
+          <a:ext cx="0" cy="0"/>
+          <a:chOff x="0" y="0"/>
+          <a:chExt cx="0" cy="0"/>
+        </a:xfrm>
+      </p:grpSpPr>
+      <p:pic>
+        <p:nvPicPr>
+          <p:cNvPr id="6" name="Picture 5"/>
+          <p:cNvPicPr>
+            <a:picLocks noChangeAspect="1"/>
+          </p:cNvPicPr>
+          <p:nvPr/>
+        </p:nvPicPr>
+        <p:blipFill>
+          <a:blip r:embed="rId3" cstate="email">
+            <a:extLst>
+              <a:ext uri="{28A0092B-C50C-407E-A947-70E740481C1C}">
+                <a14:useLocalDpi xmlns:a14="http://schemas.microsoft.com/office/drawing/2010/main"/>
+              </a:ext>
+            </a:extLst>
+          </a:blip>
+          <a:stretch>
+            <a:fillRect/>
+          </a:stretch>
+        </p:blipFill>
+        <p:spPr>
+          <a:xfrm>
+            <a:off x="-4963332" y="-6858000"/>
+            <a:ext cx="7765662" cy="16476125"/>
+          </a:xfrm>
+          <a:prstGeom prst="rect">
+            <a:avLst/>
+          </a:prstGeom>
+        </p:spPr>
+      </p:pic>
+      <p:pic>
+        <p:nvPicPr>
+          <p:cNvPr id="13" name="Picture 12"/>
+          <p:cNvPicPr>
+            <a:picLocks noChangeAspect="1"/>
+          </p:cNvPicPr>
+          <p:nvPr/>
+        </p:nvPicPr>
+        <p:blipFill rotWithShape="1">
+          <a:blip r:embed="rId4" cstate="email">
+            <a:extLst>
+              <a:ext uri="{28A0092B-C50C-407E-A947-70E740481C1C}">
+                <a14:useLocalDpi xmlns:a14="http://schemas.microsoft.com/office/drawing/2010/main"/>
+              </a:ext>
+            </a:extLst>
+          </a:blip>
+          <a:srcRect/>
+          <a:stretch/>
+        </p:blipFill>
+        <p:spPr>
+          <a:xfrm rot="20753331" flipH="1">
+            <a:off x="-316180" y="3775286"/>
+            <a:ext cx="2895600" cy="3390489"/>
+          </a:xfrm>
+          <a:prstGeom prst="rect">
+            <a:avLst/>
+          </a:prstGeom>
+        </p:spPr>
+      </p:pic>
+      <p:sp>
+        <p:nvSpPr>
+          <p:cNvPr id="5" name="TextBox 4"/>
+          <p:cNvSpPr txBox="1"/>
+          <p:nvPr/>
+        </p:nvSpPr>
+        <p:spPr>
+          <a:xfrm>
+            <a:off x="899592" y="476672"/>
+            <a:ext cx="7416824" cy="864096"/>
+          </a:xfrm>
+          <a:prstGeom prst="rect">
+            <a:avLst/>
+          </a:prstGeom>
+          <a:noFill/>
+        </p:spPr>
+        <p:txBody>
+          <a:bodyPr wrap="square" rtlCol="0">
+            <a:normAutofit fontScale="85000" lnSpcReduction="20000"/>
+          </a:bodyPr>
+          <a:lstStyle/>
+          <a:p>
+            <a:r>
+              <a:rPr lang="en-US" sz="7200" dirty="0" smtClean="0"/>
+              <a:t>PDF vs. PostScript</a:t>
+            </a:r>
+          </a:p>
+        </p:txBody>
+      </p:sp>
+      <p:sp>
+        <p:nvSpPr>
+          <p:cNvPr id="3" name="TextBox 2"/>
+          <p:cNvSpPr txBox="1"/>
+          <p:nvPr/>
+        </p:nvSpPr>
+        <p:spPr>
+          <a:xfrm>
+            <a:off x="899592" y="1556792"/>
+            <a:ext cx="7560840" cy="4401205"/>
+          </a:xfrm>
+          <a:prstGeom prst="rect">
+            <a:avLst/>
+          </a:prstGeom>
+          <a:noFill/>
+        </p:spPr>
+        <p:txBody>
+          <a:bodyPr wrap="square" rtlCol="0">
+            <a:spAutoFit/>
+          </a:bodyPr>
+          <a:lstStyle/>
+          <a:p>
+            <a:pPr marL="285750" indent="-285750">
+              <a:buFont typeface="Arial" pitchFamily="34" charset="0"/>
+              <a:buChar char="•"/>
+            </a:pPr>
+            <a:r>
+              <a:rPr lang="en-US" sz="2000" dirty="0" smtClean="0"/>
+              <a:t>As a document format, PDF has several advantages over PostScript</a:t>
+            </a:r>
+          </a:p>
+          <a:p>
+            <a:pPr marL="742950" lvl="1" indent="-285750">
+              <a:buFont typeface="Arial" pitchFamily="34" charset="0"/>
+              <a:buChar char="•"/>
+            </a:pPr>
+            <a:r>
+              <a:rPr lang="en-US" sz="2000" dirty="0" smtClean="0"/>
+              <a:t>PDF contains tokenized and interpreted results of the PostScript source code, for direct correspondence between changes to items in the PDF page description and changes to the resulting page appearance.</a:t>
+            </a:r>
+          </a:p>
+          <a:p>
+            <a:pPr marL="742950" lvl="1" indent="-285750">
+              <a:buFont typeface="Arial" pitchFamily="34" charset="0"/>
+              <a:buChar char="•"/>
+            </a:pPr>
+            <a:r>
+              <a:rPr lang="en-US" sz="2000" dirty="0" smtClean="0"/>
+              <a:t>PDF(from version 1.4) support the graphics transparency; PostScript does not.</a:t>
+            </a:r>
+          </a:p>
+          <a:p>
+            <a:pPr marL="742950" lvl="1" indent="-285750">
+              <a:buFont typeface="Arial" pitchFamily="34" charset="0"/>
+              <a:buChar char="•"/>
+            </a:pPr>
+            <a:r>
+              <a:rPr lang="en-US" sz="2000" dirty="0" smtClean="0"/>
+              <a:t>PostScript is an interpreted programming language with an implicit global state, so instructions accompanying the description of one page can affect the appearance of any following page. Therefore, all preceding pages in a postscript document must be processed to determine the correct appearance of a given page, whereas in each page in a PDF document is unaffected by the others. </a:t>
+            </a:r>
+            <a:endParaRPr lang="en-GB" sz="2000" dirty="0"/>
+          </a:p>
+        </p:txBody>
+      </p:sp>
+    </p:spTree>
+    <p:extLst>
+      <p:ext uri="{BB962C8B-B14F-4D97-AF65-F5344CB8AC3E}">
+        <p14:creationId xmlns:p14="http://schemas.microsoft.com/office/powerpoint/2010/main" val="684122008"/>
+      </p:ext>
+    </p:extLst>
+  </p:cSld>
+  <p:clrMapOvr>
+    <a:masterClrMapping/>
+  </p:clrMapOvr>
+  <p:transition spd="slow">
+    <p:push dir="u"/>
+  </p:transition>
+  <p:timing>
+    <p:tnLst>
+      <p:par>
+        <p:cTn id="1" dur="indefinite" restart="never" nodeType="tmRoot"/>
+      </p:par>
+    </p:tnLst>
+  </p:timing>
+</p:sld>
+</file>
+
+<file path=ppt/slides/slide40.xml><?xml version="1.0" encoding="utf-8"?>
+<p:sld xmlns:a="http://schemas.openxmlformats.org/drawingml/2006/main" xmlns:r="http://schemas.openxmlformats.org/officeDocument/2006/relationships" xmlns:p="http://schemas.openxmlformats.org/presentationml/2006/main">
+  <p:cSld>
+    <p:spTree>
+      <p:nvGrpSpPr>
+        <p:cNvPr id="1" name=""/>
+        <p:cNvGrpSpPr/>
+        <p:nvPr/>
+      </p:nvGrpSpPr>
+      <p:grpSpPr>
+        <a:xfrm>
+          <a:off x="0" y="0"/>
+          <a:ext cx="0" cy="0"/>
+          <a:chOff x="0" y="0"/>
+          <a:chExt cx="0" cy="0"/>
+        </a:xfrm>
+      </p:grpSpPr>
+      <p:sp>
+        <p:nvSpPr>
+          <p:cNvPr id="2" name="Title 1"/>
+          <p:cNvSpPr>
+            <a:spLocks noGrp="1"/>
+          </p:cNvSpPr>
+          <p:nvPr>
+            <p:ph type="title"/>
+          </p:nvPr>
+        </p:nvSpPr>
+        <p:spPr/>
+        <p:txBody>
+          <a:bodyPr/>
+          <a:lstStyle/>
+          <a:p>
+            <a:r>
+              <a:rPr lang="en-US" dirty="0" smtClean="0"/>
+              <a:t>Color spaces</a:t>
+            </a:r>
+            <a:endParaRPr lang="en-GB" dirty="0"/>
+          </a:p>
+        </p:txBody>
+      </p:sp>
+      <p:sp>
+        <p:nvSpPr>
+          <p:cNvPr id="3" name="Content Placeholder 2"/>
+          <p:cNvSpPr>
+            <a:spLocks noGrp="1"/>
+          </p:cNvSpPr>
+          <p:nvPr>
+            <p:ph idx="1"/>
+          </p:nvPr>
+        </p:nvSpPr>
+        <p:spPr/>
+        <p:txBody>
+          <a:bodyPr/>
+          <a:lstStyle/>
+          <a:p>
+            <a:r>
+              <a:rPr lang="en-US" dirty="0" smtClean="0"/>
+              <a:t>Color Space Families</a:t>
+            </a:r>
+          </a:p>
+          <a:p>
+            <a:pPr lvl="1"/>
+            <a:r>
+              <a:rPr lang="en-US" dirty="0" smtClean="0"/>
+              <a:t>Device color spaces</a:t>
+            </a:r>
+            <a:r>
+              <a:rPr lang="en-GB" dirty="0" smtClean="0"/>
+              <a:t> </a:t>
+            </a:r>
+            <a:endParaRPr lang="en-US" dirty="0"/>
+          </a:p>
+          <a:p>
+            <a:pPr lvl="2"/>
+            <a:r>
+              <a:rPr lang="en-US" dirty="0" err="1" smtClean="0"/>
+              <a:t>DeviceGray</a:t>
+            </a:r>
+            <a:r>
+              <a:rPr lang="en-US" dirty="0" smtClean="0"/>
+              <a:t>, </a:t>
+            </a:r>
+            <a:r>
+              <a:rPr lang="en-US" dirty="0" err="1" smtClean="0"/>
+              <a:t>DeviceRGB</a:t>
+            </a:r>
+            <a:r>
+              <a:rPr lang="en-US" dirty="0" smtClean="0"/>
+              <a:t>, </a:t>
+            </a:r>
+            <a:r>
+              <a:rPr lang="en-US" dirty="0" err="1" smtClean="0"/>
+              <a:t>DeviceCMYK</a:t>
+            </a:r>
+            <a:endParaRPr lang="en-US" dirty="0"/>
+          </a:p>
+          <a:p>
+            <a:pPr lvl="1"/>
+            <a:r>
+              <a:rPr lang="en-US" dirty="0" smtClean="0"/>
+              <a:t>CIE-based color spaces</a:t>
+            </a:r>
+          </a:p>
+          <a:p>
+            <a:pPr lvl="2"/>
+            <a:r>
+              <a:rPr lang="en-US" dirty="0" err="1" smtClean="0"/>
+              <a:t>CalGray</a:t>
+            </a:r>
+            <a:r>
+              <a:rPr lang="en-US" dirty="0" smtClean="0"/>
+              <a:t>, </a:t>
+            </a:r>
+            <a:r>
+              <a:rPr lang="en-US" dirty="0" err="1" smtClean="0"/>
+              <a:t>CalRBG</a:t>
+            </a:r>
+            <a:r>
+              <a:rPr lang="en-US" dirty="0" smtClean="0"/>
+              <a:t>, Lab, </a:t>
+            </a:r>
+            <a:r>
+              <a:rPr lang="en-US" dirty="0" err="1" smtClean="0"/>
+              <a:t>ICCBased</a:t>
+            </a:r>
+            <a:endParaRPr lang="en-US" dirty="0" smtClean="0"/>
+          </a:p>
+          <a:p>
+            <a:pPr lvl="1"/>
+            <a:r>
+              <a:rPr lang="en-US" dirty="0" smtClean="0"/>
+              <a:t>Special color spaces</a:t>
+            </a:r>
+          </a:p>
+          <a:p>
+            <a:pPr lvl="2"/>
+            <a:r>
+              <a:rPr lang="en-US" dirty="0" smtClean="0"/>
+              <a:t>Pattern, Indexed, Separation, </a:t>
+            </a:r>
+            <a:r>
+              <a:rPr lang="en-US" dirty="0" err="1" smtClean="0"/>
+              <a:t>DeviceN</a:t>
+            </a:r>
+            <a:endParaRPr lang="en-US" dirty="0"/>
+          </a:p>
+          <a:p>
+            <a:pPr lvl="1"/>
+            <a:endParaRPr lang="en-GB" dirty="0" smtClean="0"/>
+          </a:p>
+        </p:txBody>
+      </p:sp>
+    </p:spTree>
+    <p:extLst>
+      <p:ext uri="{BB962C8B-B14F-4D97-AF65-F5344CB8AC3E}">
+        <p14:creationId xmlns:p14="http://schemas.microsoft.com/office/powerpoint/2010/main" val="821332175"/>
+      </p:ext>
+    </p:extLst>
+  </p:cSld>
+  <p:clrMapOvr>
+    <a:masterClrMapping/>
+  </p:clrMapOvr>
+  <p:transition spd="slow">
+    <p:wipe dir="d"/>
+  </p:transition>
+</p:sld>
+</file>
+
+<file path=ppt/slides/slide41.xml><?xml version="1.0" encoding="utf-8"?>
+<p:sld xmlns:a="http://schemas.openxmlformats.org/drawingml/2006/main" xmlns:r="http://schemas.openxmlformats.org/officeDocument/2006/relationships" xmlns:p="http://schemas.openxmlformats.org/presentationml/2006/main">
+  <p:cSld>
+    <p:spTree>
+      <p:nvGrpSpPr>
+        <p:cNvPr id="1" name=""/>
+        <p:cNvGrpSpPr/>
+        <p:nvPr/>
+      </p:nvGrpSpPr>
+      <p:grpSpPr>
+        <a:xfrm>
+          <a:off x="0" y="0"/>
+          <a:ext cx="0" cy="0"/>
+          <a:chOff x="0" y="0"/>
+          <a:chExt cx="0" cy="0"/>
+        </a:xfrm>
+      </p:grpSpPr>
+      <p:sp>
+        <p:nvSpPr>
+          <p:cNvPr id="2" name="Title 1"/>
+          <p:cNvSpPr>
+            <a:spLocks noGrp="1"/>
+          </p:cNvSpPr>
+          <p:nvPr>
+            <p:ph type="title"/>
+          </p:nvPr>
+        </p:nvSpPr>
+        <p:spPr/>
+        <p:txBody>
+          <a:bodyPr/>
+          <a:lstStyle/>
+          <a:p>
+            <a:r>
+              <a:rPr lang="en-US" dirty="0" smtClean="0"/>
+              <a:t>Encryption</a:t>
+            </a:r>
+            <a:endParaRPr lang="en-GB" dirty="0"/>
+          </a:p>
+        </p:txBody>
+      </p:sp>
+      <p:sp>
+        <p:nvSpPr>
+          <p:cNvPr id="3" name="Content Placeholder 2"/>
+          <p:cNvSpPr>
+            <a:spLocks noGrp="1"/>
+          </p:cNvSpPr>
+          <p:nvPr>
+            <p:ph idx="1"/>
+          </p:nvPr>
+        </p:nvSpPr>
+        <p:spPr/>
+        <p:txBody>
+          <a:bodyPr/>
+          <a:lstStyle/>
+          <a:p>
+            <a:r>
+              <a:rPr lang="en-US" dirty="0" smtClean="0"/>
+              <a:t>Encryption applies to all strings and streams in the document’s PDF file, but not to other object types.</a:t>
+            </a:r>
+          </a:p>
+          <a:p>
+            <a:endParaRPr lang="en-GB" dirty="0"/>
+          </a:p>
+        </p:txBody>
+      </p:sp>
+    </p:spTree>
+    <p:extLst>
+      <p:ext uri="{BB962C8B-B14F-4D97-AF65-F5344CB8AC3E}">
+        <p14:creationId xmlns:p14="http://schemas.microsoft.com/office/powerpoint/2010/main" val="3869865967"/>
+      </p:ext>
+    </p:extLst>
+  </p:cSld>
+  <p:clrMapOvr>
+    <a:masterClrMapping/>
+  </p:clrMapOvr>
+  <p:transition spd="slow">
+    <p:wipe dir="d"/>
+  </p:transition>
+</p:sld>
+</file>
+
+<file path=ppt/slides/slide42.xml><?xml version="1.0" encoding="utf-8"?>
+<p:sld xmlns:a="http://schemas.openxmlformats.org/drawingml/2006/main" xmlns:r="http://schemas.openxmlformats.org/officeDocument/2006/relationships" xmlns:p="http://schemas.openxmlformats.org/presentationml/2006/main">
+  <p:cSld>
+    <p:spTree>
+      <p:nvGrpSpPr>
+        <p:cNvPr id="1" name=""/>
+        <p:cNvGrpSpPr/>
+        <p:nvPr/>
+      </p:nvGrpSpPr>
+      <p:grpSpPr>
+        <a:xfrm>
+          <a:off x="0" y="0"/>
+          <a:ext cx="0" cy="0"/>
+          <a:chOff x="0" y="0"/>
+          <a:chExt cx="0" cy="0"/>
+        </a:xfrm>
+      </p:grpSpPr>
+      <p:sp>
+        <p:nvSpPr>
+          <p:cNvPr id="2" name="Title 1"/>
+          <p:cNvSpPr>
+            <a:spLocks noGrp="1"/>
+          </p:cNvSpPr>
+          <p:nvPr>
+            <p:ph type="title"/>
+          </p:nvPr>
+        </p:nvSpPr>
+        <p:spPr/>
+        <p:txBody>
+          <a:bodyPr/>
+          <a:lstStyle/>
+          <a:p>
+            <a:r>
+              <a:rPr lang="en-US" dirty="0" smtClean="0"/>
+              <a:t>Encryption</a:t>
+            </a:r>
+            <a:endParaRPr lang="en-GB" dirty="0"/>
+          </a:p>
+        </p:txBody>
+      </p:sp>
+      <p:sp>
+        <p:nvSpPr>
+          <p:cNvPr id="3" name="Content Placeholder 2"/>
+          <p:cNvSpPr>
+            <a:spLocks noGrp="1"/>
+          </p:cNvSpPr>
+          <p:nvPr>
+            <p:ph idx="1"/>
+          </p:nvPr>
+        </p:nvSpPr>
+        <p:spPr/>
+        <p:txBody>
+          <a:bodyPr/>
+          <a:lstStyle/>
+          <a:p>
+            <a:r>
+              <a:rPr lang="en-US" dirty="0" smtClean="0"/>
+              <a:t>Owner password, user password</a:t>
+            </a:r>
+          </a:p>
+          <a:p>
+            <a:pPr lvl="1"/>
+            <a:r>
+              <a:rPr lang="en-US" dirty="0" smtClean="0"/>
+              <a:t>Opening the document with owner password allow full access to the document.</a:t>
+            </a:r>
+          </a:p>
+          <a:p>
+            <a:pPr lvl="1"/>
+            <a:r>
+              <a:rPr lang="en-US" dirty="0" smtClean="0"/>
+              <a:t>Opening the document with the correct user password allows additional operations to be performed according to the user access permission specified in the document’s encryption dictionary.</a:t>
+            </a:r>
+            <a:endParaRPr lang="en-GB" dirty="0"/>
+          </a:p>
+        </p:txBody>
+      </p:sp>
+    </p:spTree>
+    <p:extLst>
+      <p:ext uri="{BB962C8B-B14F-4D97-AF65-F5344CB8AC3E}">
+        <p14:creationId xmlns:p14="http://schemas.microsoft.com/office/powerpoint/2010/main" val="943106465"/>
+      </p:ext>
+    </p:extLst>
+  </p:cSld>
+  <p:clrMapOvr>
+    <a:masterClrMapping/>
+  </p:clrMapOvr>
+  <p:transition spd="slow">
+    <p:wipe dir="d"/>
+  </p:transition>
+</p:sld>
+</file>
+
+<file path=ppt/slides/slide43.xml><?xml version="1.0" encoding="utf-8"?>
+<p:sld xmlns:a="http://schemas.openxmlformats.org/drawingml/2006/main" xmlns:r="http://schemas.openxmlformats.org/officeDocument/2006/relationships" xmlns:p="http://schemas.openxmlformats.org/presentationml/2006/main">
+  <p:cSld>
+    <p:spTree>
+      <p:nvGrpSpPr>
+        <p:cNvPr id="1" name=""/>
+        <p:cNvGrpSpPr/>
+        <p:nvPr/>
+      </p:nvGrpSpPr>
+      <p:grpSpPr>
+        <a:xfrm>
+          <a:off x="0" y="0"/>
+          <a:ext cx="0" cy="0"/>
+          <a:chOff x="0" y="0"/>
+          <a:chExt cx="0" cy="0"/>
+        </a:xfrm>
+      </p:grpSpPr>
+      <p:sp>
+        <p:nvSpPr>
+          <p:cNvPr id="2" name="Title 1"/>
+          <p:cNvSpPr>
+            <a:spLocks noGrp="1"/>
+          </p:cNvSpPr>
+          <p:nvPr>
+            <p:ph type="title"/>
+          </p:nvPr>
+        </p:nvSpPr>
+        <p:spPr/>
+        <p:txBody>
+          <a:bodyPr/>
+          <a:lstStyle/>
+          <a:p>
+            <a:r>
+              <a:rPr lang="en-US" dirty="0" smtClean="0"/>
+              <a:t>Encryption</a:t>
+            </a:r>
+            <a:endParaRPr lang="en-GB" dirty="0"/>
+          </a:p>
+        </p:txBody>
+      </p:sp>
+      <p:sp>
+        <p:nvSpPr>
+          <p:cNvPr id="3" name="Content Placeholder 2"/>
+          <p:cNvSpPr>
+            <a:spLocks noGrp="1"/>
+          </p:cNvSpPr>
+          <p:nvPr>
+            <p:ph idx="1"/>
+          </p:nvPr>
+        </p:nvSpPr>
+        <p:spPr/>
+        <p:txBody>
+          <a:bodyPr/>
+          <a:lstStyle/>
+          <a:p>
+            <a:r>
+              <a:rPr lang="en-US" dirty="0" smtClean="0"/>
+              <a:t>Is the user password really helpful?</a:t>
+            </a:r>
+            <a:endParaRPr lang="en-GB" dirty="0"/>
+          </a:p>
+        </p:txBody>
+      </p:sp>
+      <p:pic>
+        <p:nvPicPr>
+          <p:cNvPr id="1026" name="Picture 2"/>
+          <p:cNvPicPr>
+            <a:picLocks noChangeAspect="1" noChangeArrowheads="1"/>
+          </p:cNvPicPr>
+          <p:nvPr/>
+        </p:nvPicPr>
+        <p:blipFill>
+          <a:blip r:embed="rId2">
+            <a:extLst>
+              <a:ext uri="{28A0092B-C50C-407E-A947-70E740481C1C}">
+                <a14:useLocalDpi xmlns:a14="http://schemas.microsoft.com/office/drawing/2010/main" val="0"/>
+              </a:ext>
+            </a:extLst>
+          </a:blip>
+          <a:srcRect/>
+          <a:stretch>
+            <a:fillRect/>
+          </a:stretch>
+        </p:blipFill>
+        <p:spPr bwMode="auto">
+          <a:xfrm>
+            <a:off x="1547664" y="2636912"/>
+            <a:ext cx="6566798" cy="2742604"/>
+          </a:xfrm>
+          <a:prstGeom prst="rect">
+            <a:avLst/>
+          </a:prstGeom>
+          <a:noFill/>
+          <a:ln>
+            <a:noFill/>
+          </a:ln>
+          <a:effectLst/>
+          <a:extLst>
+            <a:ext uri="{909E8E84-426E-40DD-AFC4-6F175D3DCCD1}">
+              <a14:hiddenFill xmlns:a14="http://schemas.microsoft.com/office/drawing/2010/main">
+                <a:solidFill>
+                  <a:schemeClr val="accent1"/>
+                </a:solidFill>
+              </a14:hiddenFill>
+            </a:ext>
+            <a:ext uri="{91240B29-F687-4F45-9708-019B960494DF}">
+              <a14:hiddenLine xmlns:a14="http://schemas.microsoft.com/office/drawing/2010/main" w="9525">
+                <a:solidFill>
+                  <a:schemeClr val="tx1"/>
+                </a:solidFill>
+                <a:miter lim="800000"/>
+                <a:headEnd/>
+                <a:tailEnd/>
+              </a14:hiddenLine>
+            </a:ext>
+            <a:ext uri="{AF507438-7753-43E0-B8FC-AC1667EBCBE1}">
+              <a14:hiddenEffects xmlns:a14="http://schemas.microsoft.com/office/drawing/2010/main">
+                <a:effectLst>
+                  <a:outerShdw dist="35921" dir="2700000" algn="ctr" rotWithShape="0">
+                    <a:schemeClr val="bg2"/>
+                  </a:outerShdw>
+                </a:effectLst>
+              </a14:hiddenEffects>
+            </a:ext>
+          </a:extLst>
+        </p:spPr>
+      </p:pic>
+    </p:spTree>
+    <p:extLst>
+      <p:ext uri="{BB962C8B-B14F-4D97-AF65-F5344CB8AC3E}">
+        <p14:creationId xmlns:p14="http://schemas.microsoft.com/office/powerpoint/2010/main" val="2554055652"/>
+      </p:ext>
+    </p:extLst>
+  </p:cSld>
+  <p:clrMapOvr>
+    <a:masterClrMapping/>
+  </p:clrMapOvr>
+  <p:transition spd="slow">
+    <p:wipe dir="d"/>
+  </p:transition>
+</p:sld>
+</file>
+
+<file path=ppt/slides/slide44.xml><?xml version="1.0" encoding="utf-8"?>
+<p:sld xmlns:a="http://schemas.openxmlformats.org/drawingml/2006/main" xmlns:r="http://schemas.openxmlformats.org/officeDocument/2006/relationships" xmlns:p="http://schemas.openxmlformats.org/presentationml/2006/main">
+  <p:cSld>
+    <p:spTree>
+      <p:nvGrpSpPr>
+        <p:cNvPr id="1" name=""/>
+        <p:cNvGrpSpPr/>
+        <p:nvPr/>
+      </p:nvGrpSpPr>
+      <p:grpSpPr>
+        <a:xfrm>
+          <a:off x="0" y="0"/>
+          <a:ext cx="0" cy="0"/>
+          <a:chOff x="0" y="0"/>
+          <a:chExt cx="0" cy="0"/>
+        </a:xfrm>
+      </p:grpSpPr>
+      <p:sp>
+        <p:nvSpPr>
+          <p:cNvPr id="2" name="Title 1"/>
+          <p:cNvSpPr>
+            <a:spLocks noGrp="1"/>
+          </p:cNvSpPr>
+          <p:nvPr>
+            <p:ph type="title"/>
+          </p:nvPr>
+        </p:nvSpPr>
+        <p:spPr/>
+        <p:txBody>
+          <a:bodyPr/>
+          <a:lstStyle/>
+          <a:p>
+            <a:r>
+              <a:rPr lang="en-US" dirty="0" smtClean="0"/>
+              <a:t>PDF ISO Standards</a:t>
+            </a:r>
+            <a:endParaRPr lang="en-US" dirty="0"/>
+          </a:p>
+        </p:txBody>
+      </p:sp>
+      <p:graphicFrame>
+        <p:nvGraphicFramePr>
+          <p:cNvPr id="5" name="Content Placeholder 4"/>
+          <p:cNvGraphicFramePr>
+            <a:graphicFrameLocks noGrp="1"/>
+          </p:cNvGraphicFramePr>
+          <p:nvPr>
+            <p:ph idx="1"/>
+            <p:extLst>
+              <p:ext uri="{D42A27DB-BD31-4B8C-83A1-F6EECF244321}">
+                <p14:modId xmlns:p14="http://schemas.microsoft.com/office/powerpoint/2010/main" val="1521650034"/>
+              </p:ext>
+            </p:extLst>
+          </p:nvPr>
+        </p:nvGraphicFramePr>
+        <p:xfrm>
+          <a:off x="762000" y="1597025"/>
+          <a:ext cx="8077200" cy="2296160"/>
+        </p:xfrm>
+        <a:graphic>
+          <a:graphicData uri="http://schemas.openxmlformats.org/drawingml/2006/table">
+            <a:tbl>
+              <a:tblPr firstRow="1" bandRow="1">
+                <a:tableStyleId>{5A111915-BE36-4E01-A7E5-04B1672EAD32}</a:tableStyleId>
+              </a:tblPr>
+              <a:tblGrid>
+                <a:gridCol w="2692400"/>
+                <a:gridCol w="2692400"/>
+                <a:gridCol w="2692400"/>
+              </a:tblGrid>
+              <a:tr h="370840">
+                <a:tc>
+                  <a:txBody>
+                    <a:bodyPr/>
+                    <a:lstStyle/>
+                    <a:p>
+                      <a:pPr marL="0" marR="0" indent="0" algn="ctr" defTabSz="914400" rtl="0" eaLnBrk="1" fontAlgn="auto" latinLnBrk="0" hangingPunct="1">
+                        <a:lnSpc>
+                          <a:spcPct val="100000"/>
+                        </a:lnSpc>
+                        <a:spcBef>
+                          <a:spcPts val="0"/>
+                        </a:spcBef>
+                        <a:spcAft>
+                          <a:spcPts val="0"/>
+                        </a:spcAft>
+                        <a:buClrTx/>
+                        <a:buSzTx/>
+                        <a:buFontTx/>
+                        <a:buNone/>
+                        <a:tabLst/>
+                        <a:defRPr/>
+                      </a:pPr>
+                      <a:r>
+                        <a:rPr lang="en-US" sz="1800" u="none" strike="noStrike" kern="1200" baseline="0" dirty="0" smtClean="0">
+                          <a:solidFill>
+                            <a:schemeClr val="accent6"/>
+                          </a:solidFill>
+                        </a:rPr>
+                        <a:t>PDF/X </a:t>
+                      </a:r>
+                      <a:endParaRPr lang="en-US" sz="1800" b="0" i="0" u="none" strike="noStrike" kern="1200" baseline="0" dirty="0" smtClean="0">
+                        <a:solidFill>
+                          <a:schemeClr val="accent6"/>
+                        </a:solidFill>
+                        <a:latin typeface="+mn-lt"/>
+                        <a:ea typeface="+mn-ea"/>
+                        <a:cs typeface="+mn-cs"/>
+                      </a:endParaRPr>
+                    </a:p>
+                  </a:txBody>
+                  <a:tcPr/>
+                </a:tc>
+                <a:tc>
+                  <a:txBody>
+                    <a:bodyPr/>
+                    <a:lstStyle/>
+                    <a:p>
+                      <a:pPr algn="ctr"/>
+                      <a:r>
+                        <a:rPr lang="en-US" dirty="0" smtClean="0">
+                          <a:solidFill>
+                            <a:srgbClr val="FF0000"/>
+                          </a:solidFill>
+                        </a:rPr>
+                        <a:t>PDF/A</a:t>
+                      </a:r>
+                      <a:endParaRPr lang="en-US" dirty="0">
+                        <a:solidFill>
+                          <a:srgbClr val="FF0000"/>
+                        </a:solidFill>
+                      </a:endParaRPr>
+                    </a:p>
+                  </a:txBody>
+                  <a:tcPr/>
+                </a:tc>
+                <a:tc>
+                  <a:txBody>
+                    <a:bodyPr/>
+                    <a:lstStyle/>
+                    <a:p>
+                      <a:pPr marL="0" marR="0" indent="0" algn="ctr" defTabSz="914400" rtl="0" eaLnBrk="1" fontAlgn="auto" latinLnBrk="0" hangingPunct="1">
+                        <a:lnSpc>
+                          <a:spcPct val="100000"/>
+                        </a:lnSpc>
+                        <a:spcBef>
+                          <a:spcPts val="0"/>
+                        </a:spcBef>
+                        <a:spcAft>
+                          <a:spcPts val="0"/>
+                        </a:spcAft>
+                        <a:buClrTx/>
+                        <a:buSzTx/>
+                        <a:buFontTx/>
+                        <a:buNone/>
+                        <a:tabLst/>
+                        <a:defRPr/>
+                      </a:pPr>
+                      <a:r>
+                        <a:rPr lang="en-US" sz="1800" u="none" strike="noStrike" kern="1200" baseline="0" dirty="0" smtClean="0">
+                          <a:solidFill>
+                            <a:srgbClr val="0070C0"/>
+                          </a:solidFill>
+                        </a:rPr>
+                        <a:t>PDF/E</a:t>
+                      </a:r>
+                      <a:r>
+                        <a:rPr lang="en-US" sz="1800" u="none" strike="noStrike" kern="1200" baseline="0" dirty="0" smtClean="0">
+                          <a:solidFill>
+                            <a:schemeClr val="accent1"/>
+                          </a:solidFill>
+                        </a:rPr>
+                        <a:t> </a:t>
+                      </a:r>
+                      <a:endParaRPr lang="en-US" sz="1800" b="0" i="0" u="none" strike="noStrike" kern="1200" baseline="0" dirty="0" smtClean="0">
+                        <a:solidFill>
+                          <a:schemeClr val="accent1"/>
+                        </a:solidFill>
+                        <a:latin typeface="+mn-lt"/>
+                        <a:ea typeface="+mn-ea"/>
+                        <a:cs typeface="+mn-cs"/>
+                      </a:endParaRPr>
+                    </a:p>
+                  </a:txBody>
+                  <a:tcPr/>
+                </a:tc>
+              </a:tr>
+              <a:tr h="370840">
+                <a:tc>
+                  <a:txBody>
+                    <a:bodyPr/>
+                    <a:lstStyle/>
+                    <a:p>
+                      <a:pPr marL="0" marR="0" indent="0" algn="l" defTabSz="914400" rtl="0" eaLnBrk="1" fontAlgn="auto" latinLnBrk="0" hangingPunct="1">
+                        <a:lnSpc>
+                          <a:spcPct val="100000"/>
+                        </a:lnSpc>
+                        <a:spcBef>
+                          <a:spcPts val="0"/>
+                        </a:spcBef>
+                        <a:spcAft>
+                          <a:spcPts val="0"/>
+                        </a:spcAft>
+                        <a:buClrTx/>
+                        <a:buSzTx/>
+                        <a:buFontTx/>
+                        <a:buNone/>
+                        <a:tabLst/>
+                        <a:defRPr/>
+                      </a:pPr>
+                      <a:r>
+                        <a:rPr lang="en-US" sz="1800" b="1" u="none" strike="noStrike" kern="1200" baseline="0" dirty="0" smtClean="0"/>
+                        <a:t>ISO</a:t>
+                      </a:r>
+                      <a:r>
+                        <a:rPr lang="en-US" sz="1800" u="none" strike="noStrike" kern="1200" baseline="0" dirty="0" smtClean="0"/>
+                        <a:t> </a:t>
+                      </a:r>
+                      <a:r>
+                        <a:rPr lang="en-US" sz="1800" b="1" u="none" strike="noStrike" kern="1200" baseline="0" dirty="0" smtClean="0"/>
+                        <a:t>15930</a:t>
+                      </a:r>
+                      <a:r>
+                        <a:rPr lang="en-US" sz="1800" u="none" strike="noStrike" kern="1200" baseline="0" dirty="0" smtClean="0"/>
+                        <a:t>  </a:t>
+                      </a:r>
+                      <a:r>
+                        <a:rPr lang="en-US" sz="1600" u="none" strike="noStrike" kern="1200" baseline="0" dirty="0" smtClean="0"/>
+                        <a:t>since 2001</a:t>
+                      </a:r>
+                      <a:endParaRPr lang="en-US" sz="1600" b="0" i="0" u="none" strike="noStrike" kern="1200" baseline="0" dirty="0" smtClean="0">
+                        <a:solidFill>
+                          <a:schemeClr val="dk1"/>
+                        </a:solidFill>
+                        <a:latin typeface="+mn-lt"/>
+                        <a:ea typeface="+mn-ea"/>
+                        <a:cs typeface="+mn-cs"/>
+                      </a:endParaRPr>
+                    </a:p>
+                  </a:txBody>
+                  <a:tcPr/>
+                </a:tc>
+                <a:tc>
+                  <a:txBody>
+                    <a:bodyPr/>
+                    <a:lstStyle/>
+                    <a:p>
+                      <a:pPr marL="0" marR="0" indent="0" algn="l" defTabSz="914400" rtl="0" eaLnBrk="1" fontAlgn="auto" latinLnBrk="0" hangingPunct="1">
+                        <a:lnSpc>
+                          <a:spcPct val="100000"/>
+                        </a:lnSpc>
+                        <a:spcBef>
+                          <a:spcPts val="0"/>
+                        </a:spcBef>
+                        <a:spcAft>
+                          <a:spcPts val="0"/>
+                        </a:spcAft>
+                        <a:buClrTx/>
+                        <a:buSzTx/>
+                        <a:buFontTx/>
+                        <a:buNone/>
+                        <a:tabLst/>
+                        <a:defRPr/>
+                      </a:pPr>
+                      <a:r>
+                        <a:rPr lang="en-US" sz="1800" b="1" u="none" strike="noStrike" kern="1200" baseline="0" dirty="0" smtClean="0"/>
+                        <a:t>ISO</a:t>
+                      </a:r>
+                      <a:r>
+                        <a:rPr lang="en-US" sz="1800" u="none" strike="noStrike" kern="1200" baseline="0" dirty="0" smtClean="0"/>
+                        <a:t> </a:t>
+                      </a:r>
+                      <a:r>
+                        <a:rPr lang="en-US" sz="1800" b="1" u="none" strike="noStrike" kern="1200" baseline="0" dirty="0" smtClean="0"/>
+                        <a:t>19005</a:t>
+                      </a:r>
+                      <a:r>
+                        <a:rPr lang="en-US" sz="1800" u="none" strike="noStrike" kern="1200" baseline="0" dirty="0" smtClean="0"/>
+                        <a:t>  </a:t>
+                      </a:r>
+                      <a:r>
+                        <a:rPr lang="en-US" sz="1600" u="none" strike="noStrike" kern="1200" baseline="0" dirty="0" smtClean="0"/>
+                        <a:t>since 2005</a:t>
+                      </a:r>
+                      <a:endParaRPr lang="en-US" sz="1600" b="0" i="0" u="none" strike="noStrike" kern="1200" baseline="0" dirty="0" smtClean="0">
+                        <a:solidFill>
+                          <a:schemeClr val="dk1"/>
+                        </a:solidFill>
+                        <a:latin typeface="+mn-lt"/>
+                        <a:ea typeface="+mn-ea"/>
+                        <a:cs typeface="+mn-cs"/>
+                      </a:endParaRPr>
+                    </a:p>
+                  </a:txBody>
+                  <a:tcPr/>
+                </a:tc>
+                <a:tc>
+                  <a:txBody>
+                    <a:bodyPr/>
+                    <a:lstStyle/>
+                    <a:p>
+                      <a:pPr marL="0" marR="0" indent="0" algn="l" defTabSz="914400" rtl="0" eaLnBrk="1" fontAlgn="auto" latinLnBrk="0" hangingPunct="1">
+                        <a:lnSpc>
+                          <a:spcPct val="100000"/>
+                        </a:lnSpc>
+                        <a:spcBef>
+                          <a:spcPts val="0"/>
+                        </a:spcBef>
+                        <a:spcAft>
+                          <a:spcPts val="0"/>
+                        </a:spcAft>
+                        <a:buClrTx/>
+                        <a:buSzTx/>
+                        <a:buFontTx/>
+                        <a:buNone/>
+                        <a:tabLst/>
+                        <a:defRPr/>
+                      </a:pPr>
+                      <a:r>
+                        <a:rPr lang="en-US" sz="1800" b="1" i="0" u="none" strike="noStrike" kern="1200" baseline="0" dirty="0" smtClean="0">
+                          <a:solidFill>
+                            <a:schemeClr val="tx1"/>
+                          </a:solidFill>
+                          <a:latin typeface="+mn-lt"/>
+                          <a:ea typeface="+mn-ea"/>
+                          <a:cs typeface="+mn-cs"/>
+                        </a:rPr>
+                        <a:t>ISO</a:t>
+                      </a:r>
+                      <a:r>
+                        <a:rPr lang="en-US" sz="1800" b="0" i="0" u="none" strike="noStrike" kern="1200" baseline="0" dirty="0" smtClean="0">
+                          <a:solidFill>
+                            <a:schemeClr val="tx1"/>
+                          </a:solidFill>
+                          <a:latin typeface="+mn-lt"/>
+                          <a:ea typeface="+mn-ea"/>
+                          <a:cs typeface="+mn-cs"/>
+                        </a:rPr>
+                        <a:t> </a:t>
+                      </a:r>
+                      <a:r>
+                        <a:rPr lang="en-US" sz="1800" b="1" i="0" u="none" strike="noStrike" kern="1200" baseline="0" dirty="0" smtClean="0">
+                          <a:solidFill>
+                            <a:schemeClr val="tx1"/>
+                          </a:solidFill>
+                          <a:latin typeface="+mn-lt"/>
+                          <a:ea typeface="+mn-ea"/>
+                          <a:cs typeface="+mn-cs"/>
+                        </a:rPr>
+                        <a:t>24517</a:t>
+                      </a:r>
+                      <a:r>
+                        <a:rPr lang="en-US" sz="1800" b="0" i="0" u="none" strike="noStrike" kern="1200" baseline="0" dirty="0" smtClean="0">
+                          <a:solidFill>
+                            <a:schemeClr val="tx1"/>
+                          </a:solidFill>
+                          <a:latin typeface="+mn-lt"/>
+                          <a:ea typeface="+mn-ea"/>
+                          <a:cs typeface="+mn-cs"/>
+                        </a:rPr>
+                        <a:t> </a:t>
+                      </a:r>
+                      <a:r>
+                        <a:rPr lang="en-US" sz="1600" b="0" i="0" u="none" strike="noStrike" kern="1200" baseline="0" dirty="0" smtClean="0">
+                          <a:solidFill>
+                            <a:schemeClr val="tx1"/>
+                          </a:solidFill>
+                          <a:latin typeface="+mn-lt"/>
+                          <a:ea typeface="+mn-ea"/>
+                          <a:cs typeface="+mn-cs"/>
+                        </a:rPr>
+                        <a:t>since 1993/2008</a:t>
+                      </a:r>
+                      <a:endParaRPr lang="en-US" sz="1800" b="0" i="0" u="none" strike="noStrike" kern="1200" baseline="0" dirty="0" smtClean="0">
+                        <a:solidFill>
+                          <a:schemeClr val="tx1"/>
+                        </a:solidFill>
+                        <a:latin typeface="+mn-lt"/>
+                        <a:ea typeface="+mn-ea"/>
+                        <a:cs typeface="+mn-cs"/>
+                      </a:endParaRPr>
+                    </a:p>
+                  </a:txBody>
+                  <a:tcPr/>
+                </a:tc>
+              </a:tr>
+              <a:tr h="370840">
+                <a:tc>
+                  <a:txBody>
+                    <a:bodyPr/>
+                    <a:lstStyle/>
+                    <a:p>
+                      <a:r>
+                        <a:rPr lang="en-US" dirty="0" smtClean="0"/>
+                        <a:t>“Prepress digital data exchange</a:t>
+                      </a:r>
+                      <a:r>
+                        <a:rPr lang="en-US" baseline="0" dirty="0" smtClean="0"/>
+                        <a:t> using PDF</a:t>
+                      </a:r>
+                      <a:r>
+                        <a:rPr lang="en-US" dirty="0" smtClean="0"/>
+                        <a:t>”</a:t>
+                      </a:r>
+                      <a:endParaRPr lang="en-US" dirty="0"/>
+                    </a:p>
+                  </a:txBody>
+                  <a:tcPr/>
+                </a:tc>
+                <a:tc>
+                  <a:txBody>
+                    <a:bodyPr/>
+                    <a:lstStyle/>
+                    <a:p>
+                      <a:r>
+                        <a:rPr lang="en-US" dirty="0" smtClean="0"/>
+                        <a:t>“PDF Archive”</a:t>
+                      </a:r>
+                      <a:endParaRPr lang="en-US" dirty="0"/>
+                    </a:p>
+                  </a:txBody>
+                  <a:tcPr/>
+                </a:tc>
+                <a:tc>
+                  <a:txBody>
+                    <a:bodyPr/>
+                    <a:lstStyle/>
+                    <a:p>
+                      <a:r>
+                        <a:rPr lang="en-US" dirty="0" smtClean="0"/>
+                        <a:t>“PDF Engineering”</a:t>
+                      </a:r>
+                      <a:endParaRPr lang="en-US" dirty="0"/>
+                    </a:p>
+                  </a:txBody>
+                  <a:tcPr/>
+                </a:tc>
+              </a:tr>
+              <a:tr h="370840">
+                <a:tc>
+                  <a:txBody>
+                    <a:bodyPr/>
+                    <a:lstStyle/>
+                    <a:p>
+                      <a:r>
+                        <a:rPr lang="en-US" dirty="0" smtClean="0"/>
+                        <a:t>ISO-standard</a:t>
+                      </a:r>
+                      <a:r>
+                        <a:rPr lang="en-US" baseline="0" dirty="0" smtClean="0"/>
+                        <a:t> for the printing history</a:t>
+                      </a:r>
+                      <a:endParaRPr lang="en-US" dirty="0"/>
+                    </a:p>
+                  </a:txBody>
+                  <a:tcPr/>
+                </a:tc>
+                <a:tc>
+                  <a:txBody>
+                    <a:bodyPr/>
+                    <a:lstStyle/>
+                    <a:p>
+                      <a:pPr marL="0" marR="0" indent="0" algn="l" defTabSz="914400" rtl="0" eaLnBrk="1" fontAlgn="auto" latinLnBrk="0" hangingPunct="1">
+                        <a:lnSpc>
+                          <a:spcPct val="100000"/>
+                        </a:lnSpc>
+                        <a:spcBef>
+                          <a:spcPts val="0"/>
+                        </a:spcBef>
+                        <a:spcAft>
+                          <a:spcPts val="0"/>
+                        </a:spcAft>
+                        <a:buClrTx/>
+                        <a:buSzTx/>
+                        <a:buFontTx/>
+                        <a:buNone/>
+                        <a:tabLst/>
+                        <a:defRPr/>
+                      </a:pPr>
+                      <a:r>
+                        <a:rPr lang="en-US" sz="1800" u="none" strike="noStrike" kern="1200" baseline="0" dirty="0" smtClean="0"/>
+                        <a:t>Standardized long-term archiving with PDF </a:t>
+                      </a:r>
+                      <a:endParaRPr lang="en-US" sz="1800" b="0" i="0" u="none" strike="noStrike" kern="1200" baseline="0" dirty="0" smtClean="0">
+                        <a:solidFill>
+                          <a:schemeClr val="dk1"/>
+                        </a:solidFill>
+                        <a:latin typeface="+mn-lt"/>
+                        <a:ea typeface="+mn-ea"/>
+                        <a:cs typeface="+mn-cs"/>
+                      </a:endParaRPr>
+                    </a:p>
+                  </a:txBody>
+                  <a:tcPr/>
+                </a:tc>
+                <a:tc>
+                  <a:txBody>
+                    <a:bodyPr/>
+                    <a:lstStyle/>
+                    <a:p>
+                      <a:r>
+                        <a:rPr lang="en-US" dirty="0" smtClean="0"/>
+                        <a:t>Construction diagrams with moving 3D models where</a:t>
+                      </a:r>
+                      <a:r>
+                        <a:rPr lang="en-US" baseline="0" dirty="0" smtClean="0"/>
+                        <a:t> required</a:t>
+                      </a:r>
+                      <a:endParaRPr lang="en-US" dirty="0"/>
+                    </a:p>
+                  </a:txBody>
+                  <a:tcPr/>
+                </a:tc>
+              </a:tr>
+            </a:tbl>
+          </a:graphicData>
+        </a:graphic>
+      </p:graphicFrame>
+      <p:graphicFrame>
+        <p:nvGraphicFramePr>
+          <p:cNvPr id="6" name="Content Placeholder 4"/>
+          <p:cNvGraphicFramePr>
+            <a:graphicFrameLocks/>
+          </p:cNvGraphicFramePr>
+          <p:nvPr>
+            <p:extLst>
+              <p:ext uri="{D42A27DB-BD31-4B8C-83A1-F6EECF244321}">
+                <p14:modId xmlns:p14="http://schemas.microsoft.com/office/powerpoint/2010/main" val="4112845739"/>
+              </p:ext>
+            </p:extLst>
+          </p:nvPr>
+        </p:nvGraphicFramePr>
+        <p:xfrm>
+          <a:off x="755576" y="4005064"/>
+          <a:ext cx="8077200" cy="2296160"/>
+        </p:xfrm>
+        <a:graphic>
+          <a:graphicData uri="http://schemas.openxmlformats.org/drawingml/2006/table">
+            <a:tbl>
+              <a:tblPr firstRow="1" bandRow="1">
+                <a:tableStyleId>{5A111915-BE36-4E01-A7E5-04B1672EAD32}</a:tableStyleId>
+              </a:tblPr>
+              <a:tblGrid>
+                <a:gridCol w="2692400"/>
+                <a:gridCol w="2692400"/>
+                <a:gridCol w="2692400"/>
+              </a:tblGrid>
+              <a:tr h="370840">
+                <a:tc>
+                  <a:txBody>
+                    <a:bodyPr/>
+                    <a:lstStyle/>
+                    <a:p>
+                      <a:pPr marL="0" marR="0" indent="0" algn="ctr" defTabSz="914400" rtl="0" eaLnBrk="1" fontAlgn="auto" latinLnBrk="0" hangingPunct="1">
+                        <a:lnSpc>
+                          <a:spcPct val="100000"/>
+                        </a:lnSpc>
+                        <a:spcBef>
+                          <a:spcPts val="0"/>
+                        </a:spcBef>
+                        <a:spcAft>
+                          <a:spcPts val="0"/>
+                        </a:spcAft>
+                        <a:buClrTx/>
+                        <a:buSzTx/>
+                        <a:buFontTx/>
+                        <a:buNone/>
+                        <a:tabLst/>
+                        <a:defRPr/>
+                      </a:pPr>
+                      <a:r>
+                        <a:rPr lang="en-US" sz="1800" u="none" strike="noStrike" kern="1200" baseline="0" dirty="0" smtClean="0">
+                          <a:solidFill>
+                            <a:schemeClr val="tx1">
+                              <a:lumMod val="65000"/>
+                              <a:lumOff val="35000"/>
+                            </a:schemeClr>
+                          </a:solidFill>
+                        </a:rPr>
+                        <a:t>PDF</a:t>
+                      </a:r>
+                      <a:r>
+                        <a:rPr lang="en-US" sz="1800" u="none" strike="noStrike" kern="1200" baseline="0" dirty="0" smtClean="0">
+                          <a:solidFill>
+                            <a:schemeClr val="accent6"/>
+                          </a:solidFill>
+                        </a:rPr>
+                        <a:t> </a:t>
+                      </a:r>
+                      <a:endParaRPr lang="en-US" sz="1800" b="0" i="0" u="none" strike="noStrike" kern="1200" baseline="0" dirty="0" smtClean="0">
+                        <a:solidFill>
+                          <a:schemeClr val="accent6"/>
+                        </a:solidFill>
+                        <a:latin typeface="+mn-lt"/>
+                        <a:ea typeface="+mn-ea"/>
+                        <a:cs typeface="+mn-cs"/>
+                      </a:endParaRPr>
+                    </a:p>
+                  </a:txBody>
+                  <a:tcPr/>
+                </a:tc>
+                <a:tc>
+                  <a:txBody>
+                    <a:bodyPr/>
+                    <a:lstStyle/>
+                    <a:p>
+                      <a:pPr algn="ctr"/>
+                      <a:r>
+                        <a:rPr lang="en-US" dirty="0" smtClean="0">
+                          <a:solidFill>
+                            <a:srgbClr val="FF00FF"/>
+                          </a:solidFill>
+                        </a:rPr>
+                        <a:t>PDF/VT</a:t>
+                      </a:r>
+                      <a:endParaRPr lang="en-US" dirty="0">
+                        <a:solidFill>
+                          <a:srgbClr val="FF00FF"/>
+                        </a:solidFill>
+                      </a:endParaRPr>
+                    </a:p>
+                  </a:txBody>
+                  <a:tcPr/>
+                </a:tc>
+                <a:tc>
+                  <a:txBody>
+                    <a:bodyPr/>
+                    <a:lstStyle/>
+                    <a:p>
+                      <a:pPr marL="0" marR="0" indent="0" algn="ctr" defTabSz="914400" rtl="0" eaLnBrk="1" fontAlgn="auto" latinLnBrk="0" hangingPunct="1">
+                        <a:lnSpc>
+                          <a:spcPct val="100000"/>
+                        </a:lnSpc>
+                        <a:spcBef>
+                          <a:spcPts val="0"/>
+                        </a:spcBef>
+                        <a:spcAft>
+                          <a:spcPts val="0"/>
+                        </a:spcAft>
+                        <a:buClrTx/>
+                        <a:buSzTx/>
+                        <a:buFontTx/>
+                        <a:buNone/>
+                        <a:tabLst/>
+                        <a:defRPr/>
+                      </a:pPr>
+                      <a:r>
+                        <a:rPr lang="en-US" sz="1800" u="none" strike="noStrike" kern="1200" baseline="0" dirty="0" smtClean="0">
+                          <a:solidFill>
+                            <a:srgbClr val="92D050"/>
+                          </a:solidFill>
+                        </a:rPr>
+                        <a:t>PDF/UA </a:t>
+                      </a:r>
+                      <a:endParaRPr lang="en-US" sz="1800" b="0" i="0" u="none" strike="noStrike" kern="1200" baseline="0" dirty="0" smtClean="0">
+                        <a:solidFill>
+                          <a:srgbClr val="92D050"/>
+                        </a:solidFill>
+                        <a:latin typeface="+mn-lt"/>
+                        <a:ea typeface="+mn-ea"/>
+                        <a:cs typeface="+mn-cs"/>
+                      </a:endParaRPr>
+                    </a:p>
+                  </a:txBody>
+                  <a:tcPr/>
+                </a:tc>
+              </a:tr>
+              <a:tr h="370840">
+                <a:tc>
+                  <a:txBody>
+                    <a:bodyPr/>
+                    <a:lstStyle/>
+                    <a:p>
+                      <a:pPr marL="0" marR="0" indent="0" algn="l" defTabSz="914400" rtl="0" eaLnBrk="1" fontAlgn="auto" latinLnBrk="0" hangingPunct="1">
+                        <a:lnSpc>
+                          <a:spcPct val="100000"/>
+                        </a:lnSpc>
+                        <a:spcBef>
+                          <a:spcPts val="0"/>
+                        </a:spcBef>
+                        <a:spcAft>
+                          <a:spcPts val="0"/>
+                        </a:spcAft>
+                        <a:buClrTx/>
+                        <a:buSzTx/>
+                        <a:buFontTx/>
+                        <a:buNone/>
+                        <a:tabLst/>
+                        <a:defRPr/>
+                      </a:pPr>
+                      <a:r>
+                        <a:rPr lang="en-US" sz="1800" b="1" u="none" strike="noStrike" kern="1200" baseline="0" dirty="0" smtClean="0"/>
+                        <a:t>ISO</a:t>
+                      </a:r>
+                      <a:r>
+                        <a:rPr lang="en-US" sz="1800" u="none" strike="noStrike" kern="1200" baseline="0" dirty="0" smtClean="0"/>
+                        <a:t> </a:t>
+                      </a:r>
+                      <a:r>
+                        <a:rPr lang="en-US" sz="1800" b="1" i="0" u="none" strike="noStrike" kern="1200" baseline="0" dirty="0" smtClean="0">
+                          <a:solidFill>
+                            <a:schemeClr val="tx1"/>
+                          </a:solidFill>
+                          <a:latin typeface="+mn-lt"/>
+                          <a:ea typeface="+mn-ea"/>
+                          <a:cs typeface="+mn-cs"/>
+                        </a:rPr>
+                        <a:t>32000 </a:t>
+                      </a:r>
+                      <a:r>
+                        <a:rPr lang="en-US" sz="1800" b="0" i="0" u="none" strike="noStrike" kern="1200" baseline="0" dirty="0" smtClean="0">
+                          <a:solidFill>
+                            <a:schemeClr val="tx1"/>
+                          </a:solidFill>
+                          <a:latin typeface="+mn-lt"/>
+                          <a:ea typeface="+mn-ea"/>
+                          <a:cs typeface="+mn-cs"/>
+                        </a:rPr>
+                        <a:t> </a:t>
+                      </a:r>
+                      <a:r>
+                        <a:rPr lang="en-US" sz="1600" u="none" strike="noStrike" kern="1200" baseline="0" dirty="0" smtClean="0"/>
+                        <a:t>since 2008</a:t>
+                      </a:r>
+                      <a:endParaRPr lang="en-US" sz="1600" b="0" i="0" u="none" strike="noStrike" kern="1200" baseline="0" dirty="0" smtClean="0">
+                        <a:solidFill>
+                          <a:schemeClr val="dk1"/>
+                        </a:solidFill>
+                        <a:latin typeface="+mn-lt"/>
+                        <a:ea typeface="+mn-ea"/>
+                        <a:cs typeface="+mn-cs"/>
+                      </a:endParaRPr>
+                    </a:p>
+                  </a:txBody>
+                  <a:tcPr/>
+                </a:tc>
+                <a:tc>
+                  <a:txBody>
+                    <a:bodyPr/>
+                    <a:lstStyle/>
+                    <a:p>
+                      <a:pPr marL="0" marR="0" indent="0" algn="l" defTabSz="914400" rtl="0" eaLnBrk="1" fontAlgn="auto" latinLnBrk="0" hangingPunct="1">
+                        <a:lnSpc>
+                          <a:spcPct val="100000"/>
+                        </a:lnSpc>
+                        <a:spcBef>
+                          <a:spcPts val="0"/>
+                        </a:spcBef>
+                        <a:spcAft>
+                          <a:spcPts val="0"/>
+                        </a:spcAft>
+                        <a:buClrTx/>
+                        <a:buSzTx/>
+                        <a:buFontTx/>
+                        <a:buNone/>
+                        <a:tabLst/>
+                        <a:defRPr/>
+                      </a:pPr>
+                      <a:r>
+                        <a:rPr lang="en-US" sz="1800" b="1" u="none" strike="noStrike" kern="1200" baseline="0" dirty="0" smtClean="0"/>
+                        <a:t>ISO</a:t>
+                      </a:r>
+                      <a:r>
+                        <a:rPr lang="en-US" sz="1800" u="none" strike="noStrike" kern="1200" baseline="0" dirty="0" smtClean="0"/>
+                        <a:t> </a:t>
+                      </a:r>
+                      <a:r>
+                        <a:rPr lang="en-US" sz="1800" b="1" i="0" u="none" strike="noStrike" kern="1200" baseline="0" dirty="0" smtClean="0">
+                          <a:solidFill>
+                            <a:schemeClr val="tx1"/>
+                          </a:solidFill>
+                          <a:latin typeface="+mn-lt"/>
+                          <a:ea typeface="+mn-ea"/>
+                          <a:cs typeface="+mn-cs"/>
+                        </a:rPr>
+                        <a:t>16612 </a:t>
+                      </a:r>
+                      <a:r>
+                        <a:rPr lang="en-US" sz="1600" u="none" strike="noStrike" kern="1200" baseline="0" dirty="0" smtClean="0"/>
+                        <a:t>since 2010</a:t>
+                      </a:r>
+                      <a:endParaRPr lang="en-US" sz="1600" b="0" i="0" u="none" strike="noStrike" kern="1200" baseline="0" dirty="0" smtClean="0">
+                        <a:solidFill>
+                          <a:schemeClr val="dk1"/>
+                        </a:solidFill>
+                        <a:latin typeface="+mn-lt"/>
+                        <a:ea typeface="+mn-ea"/>
+                        <a:cs typeface="+mn-cs"/>
+                      </a:endParaRPr>
+                    </a:p>
+                  </a:txBody>
+                  <a:tcPr/>
+                </a:tc>
+                <a:tc>
+                  <a:txBody>
+                    <a:bodyPr/>
+                    <a:lstStyle/>
+                    <a:p>
+                      <a:pPr marL="0" marR="0" indent="0" algn="l" defTabSz="914400" rtl="0" eaLnBrk="1" fontAlgn="auto" latinLnBrk="0" hangingPunct="1">
+                        <a:lnSpc>
+                          <a:spcPct val="100000"/>
+                        </a:lnSpc>
+                        <a:spcBef>
+                          <a:spcPts val="0"/>
+                        </a:spcBef>
+                        <a:spcAft>
+                          <a:spcPts val="0"/>
+                        </a:spcAft>
+                        <a:buClrTx/>
+                        <a:buSzTx/>
+                        <a:buFontTx/>
+                        <a:buNone/>
+                        <a:tabLst/>
+                        <a:defRPr/>
+                      </a:pPr>
+                      <a:r>
+                        <a:rPr lang="en-US" sz="1800" b="1" i="0" u="none" strike="noStrike" kern="1200" baseline="0" dirty="0" smtClean="0">
+                          <a:solidFill>
+                            <a:schemeClr val="tx1"/>
+                          </a:solidFill>
+                          <a:latin typeface="+mn-lt"/>
+                          <a:ea typeface="+mn-ea"/>
+                          <a:cs typeface="+mn-cs"/>
+                        </a:rPr>
+                        <a:t>ISO</a:t>
+                      </a:r>
+                      <a:r>
+                        <a:rPr lang="en-US" sz="1800" b="0" i="0" u="none" strike="noStrike" kern="1200" baseline="0" dirty="0" smtClean="0">
+                          <a:solidFill>
+                            <a:schemeClr val="tx1"/>
+                          </a:solidFill>
+                          <a:latin typeface="+mn-lt"/>
+                          <a:ea typeface="+mn-ea"/>
+                          <a:cs typeface="+mn-cs"/>
+                        </a:rPr>
+                        <a:t> </a:t>
+                      </a:r>
+                      <a:r>
+                        <a:rPr lang="en-US" sz="1800" b="1" i="0" u="none" strike="noStrike" kern="1200" baseline="0" dirty="0" smtClean="0">
+                          <a:solidFill>
+                            <a:schemeClr val="tx1"/>
+                          </a:solidFill>
+                          <a:latin typeface="+mn-lt"/>
+                          <a:ea typeface="+mn-ea"/>
+                          <a:cs typeface="+mn-cs"/>
+                        </a:rPr>
+                        <a:t>14289 </a:t>
+                      </a:r>
+                      <a:r>
+                        <a:rPr lang="en-US" sz="1600" b="0" i="0" u="none" strike="noStrike" kern="1200" baseline="0" dirty="0" smtClean="0">
+                          <a:solidFill>
+                            <a:schemeClr val="tx1"/>
+                          </a:solidFill>
+                          <a:latin typeface="+mn-lt"/>
+                          <a:ea typeface="+mn-ea"/>
+                          <a:cs typeface="+mn-cs"/>
+                        </a:rPr>
+                        <a:t>since 2012</a:t>
+                      </a:r>
+                      <a:endParaRPr lang="en-US" sz="1800" b="0" i="0" u="none" strike="noStrike" kern="1200" baseline="0" dirty="0" smtClean="0">
+                        <a:solidFill>
+                          <a:schemeClr val="tx1"/>
+                        </a:solidFill>
+                        <a:latin typeface="+mn-lt"/>
+                        <a:ea typeface="+mn-ea"/>
+                        <a:cs typeface="+mn-cs"/>
+                      </a:endParaRPr>
+                    </a:p>
+                  </a:txBody>
+                  <a:tcPr/>
+                </a:tc>
+              </a:tr>
+              <a:tr h="370840">
+                <a:tc>
+                  <a:txBody>
+                    <a:bodyPr/>
+                    <a:lstStyle/>
+                    <a:p>
+                      <a:r>
+                        <a:rPr lang="en-US" dirty="0" smtClean="0"/>
+                        <a:t>“Portable</a:t>
+                      </a:r>
+                      <a:r>
+                        <a:rPr lang="en-US" baseline="0" dirty="0" smtClean="0"/>
+                        <a:t> Document Format</a:t>
+                      </a:r>
+                      <a:r>
+                        <a:rPr lang="en-US" dirty="0" smtClean="0"/>
+                        <a:t>”</a:t>
+                      </a:r>
+                      <a:endParaRPr lang="en-US" dirty="0"/>
+                    </a:p>
+                  </a:txBody>
+                  <a:tcPr/>
+                </a:tc>
+                <a:tc>
+                  <a:txBody>
+                    <a:bodyPr/>
+                    <a:lstStyle/>
+                    <a:p>
+                      <a:r>
+                        <a:rPr lang="en-US" dirty="0" smtClean="0"/>
+                        <a:t>“PDF</a:t>
+                      </a:r>
+                      <a:r>
+                        <a:rPr lang="en-US" baseline="0" dirty="0" smtClean="0"/>
+                        <a:t> for Variable Data and Transaction Printing</a:t>
+                      </a:r>
+                      <a:r>
+                        <a:rPr lang="en-US" dirty="0" smtClean="0"/>
+                        <a:t>”</a:t>
+                      </a:r>
+                      <a:endParaRPr lang="en-US" dirty="0"/>
+                    </a:p>
+                  </a:txBody>
+                  <a:tcPr/>
+                </a:tc>
+                <a:tc>
+                  <a:txBody>
+                    <a:bodyPr/>
+                    <a:lstStyle/>
+                    <a:p>
+                      <a:r>
+                        <a:rPr lang="en-US" dirty="0" smtClean="0"/>
+                        <a:t>“PDF for Universal Access”</a:t>
+                      </a:r>
+                      <a:endParaRPr lang="en-US" dirty="0"/>
+                    </a:p>
+                  </a:txBody>
+                  <a:tcPr/>
+                </a:tc>
+              </a:tr>
+              <a:tr h="370840">
+                <a:tc>
+                  <a:txBody>
+                    <a:bodyPr/>
+                    <a:lstStyle/>
+                    <a:p>
+                      <a:r>
+                        <a:rPr lang="en-US" dirty="0" smtClean="0"/>
+                        <a:t>The ISO</a:t>
+                      </a:r>
+                      <a:r>
+                        <a:rPr lang="en-US" baseline="0" dirty="0" smtClean="0"/>
+                        <a:t> </a:t>
+                      </a:r>
+                      <a:r>
+                        <a:rPr lang="en-US" dirty="0" smtClean="0"/>
+                        <a:t>standard</a:t>
+                      </a:r>
+                      <a:r>
+                        <a:rPr lang="en-US" baseline="0" dirty="0" smtClean="0"/>
+                        <a:t> for corresponds with PDF version 1.7</a:t>
+                      </a:r>
+                      <a:endParaRPr lang="en-US" dirty="0"/>
+                    </a:p>
+                  </a:txBody>
+                  <a:tcPr/>
+                </a:tc>
+                <a:tc>
+                  <a:txBody>
+                    <a:bodyPr/>
+                    <a:lstStyle/>
+                    <a:p>
+                      <a:pPr marL="0" marR="0" indent="0" algn="l" defTabSz="914400" rtl="0" eaLnBrk="1" fontAlgn="auto" latinLnBrk="0" hangingPunct="1">
+                        <a:lnSpc>
+                          <a:spcPct val="100000"/>
+                        </a:lnSpc>
+                        <a:spcBef>
+                          <a:spcPts val="0"/>
+                        </a:spcBef>
+                        <a:spcAft>
+                          <a:spcPts val="0"/>
+                        </a:spcAft>
+                        <a:buClrTx/>
+                        <a:buSzTx/>
+                        <a:buFontTx/>
+                        <a:buNone/>
+                        <a:tabLst/>
+                        <a:defRPr/>
+                      </a:pPr>
+                      <a:r>
+                        <a:rPr lang="en-US" sz="1800" u="none" strike="noStrike" kern="1200" baseline="0" dirty="0" smtClean="0"/>
+                        <a:t>Used for variable data printing</a:t>
+                      </a:r>
+                      <a:endParaRPr lang="en-US" sz="1800" b="0" i="0" u="none" strike="noStrike" kern="1200" baseline="0" dirty="0" smtClean="0">
+                        <a:solidFill>
+                          <a:schemeClr val="dk1"/>
+                        </a:solidFill>
+                        <a:latin typeface="+mn-lt"/>
+                        <a:ea typeface="+mn-ea"/>
+                        <a:cs typeface="+mn-cs"/>
+                      </a:endParaRPr>
+                    </a:p>
+                  </a:txBody>
+                  <a:tcPr/>
+                </a:tc>
+                <a:tc>
+                  <a:txBody>
+                    <a:bodyPr/>
+                    <a:lstStyle/>
+                    <a:p>
+                      <a:r>
+                        <a:rPr lang="en-US" dirty="0" smtClean="0"/>
+                        <a:t>PDF</a:t>
+                      </a:r>
+                      <a:r>
+                        <a:rPr lang="en-US" baseline="0" dirty="0" smtClean="0"/>
+                        <a:t> standards for universally accessible PDF documents</a:t>
+                      </a:r>
+                      <a:endParaRPr lang="en-US" dirty="0"/>
+                    </a:p>
+                  </a:txBody>
+                  <a:tcPr/>
+                </a:tc>
+              </a:tr>
+            </a:tbl>
+          </a:graphicData>
+        </a:graphic>
+      </p:graphicFrame>
+    </p:spTree>
+    <p:extLst>
+      <p:ext uri="{BB962C8B-B14F-4D97-AF65-F5344CB8AC3E}">
+        <p14:creationId xmlns:p14="http://schemas.microsoft.com/office/powerpoint/2010/main" val="3282127924"/>
+      </p:ext>
+    </p:extLst>
+  </p:cSld>
+  <p:clrMapOvr>
+    <a:masterClrMapping/>
+  </p:clrMapOvr>
+  <p:transition spd="slow">
+    <p:wipe dir="d"/>
+  </p:transition>
+</p:sld>
+</file>
+
+<file path=ppt/slides/slide45.xml><?xml version="1.0" encoding="utf-8"?>
+<p:sld xmlns:a="http://schemas.openxmlformats.org/drawingml/2006/main" xmlns:r="http://schemas.openxmlformats.org/officeDocument/2006/relationships" xmlns:p="http://schemas.openxmlformats.org/presentationml/2006/main">
+  <p:cSld>
+    <p:spTree>
+      <p:nvGrpSpPr>
+        <p:cNvPr id="1" name=""/>
+        <p:cNvGrpSpPr/>
+        <p:nvPr/>
+      </p:nvGrpSpPr>
+      <p:grpSpPr>
+        <a:xfrm>
+          <a:off x="0" y="0"/>
+          <a:ext cx="0" cy="0"/>
+          <a:chOff x="0" y="0"/>
+          <a:chExt cx="0" cy="0"/>
+        </a:xfrm>
+      </p:grpSpPr>
+      <p:sp>
+        <p:nvSpPr>
+          <p:cNvPr id="2" name="Title 1"/>
+          <p:cNvSpPr>
+            <a:spLocks noGrp="1"/>
+          </p:cNvSpPr>
+          <p:nvPr>
+            <p:ph type="title"/>
+          </p:nvPr>
+        </p:nvSpPr>
+        <p:spPr/>
+        <p:txBody>
+          <a:bodyPr/>
+          <a:lstStyle/>
+          <a:p>
+            <a:endParaRPr lang="en-US"/>
+          </a:p>
+        </p:txBody>
+      </p:sp>
+      <p:sp>
+        <p:nvSpPr>
+          <p:cNvPr id="3" name="Content Placeholder 2"/>
+          <p:cNvSpPr>
+            <a:spLocks noGrp="1"/>
+          </p:cNvSpPr>
+          <p:nvPr>
+            <p:ph idx="1"/>
+          </p:nvPr>
+        </p:nvSpPr>
+        <p:spPr/>
+        <p:txBody>
+          <a:bodyPr/>
+          <a:lstStyle/>
+          <a:p>
+            <a:pPr marL="0" indent="0">
+              <a:buNone/>
+            </a:pPr>
+            <a:endParaRPr lang="en-US" dirty="0" smtClean="0"/>
+          </a:p>
+          <a:p>
+            <a:pPr marL="0" indent="0" algn="ctr">
+              <a:buNone/>
+            </a:pPr>
+            <a:r>
+              <a:rPr lang="en-US" sz="8000" dirty="0" smtClean="0">
+                <a:solidFill>
+                  <a:srgbClr val="92D050"/>
+                </a:solidFill>
+              </a:rPr>
+              <a:t>PDF/UA</a:t>
+            </a:r>
+            <a:endParaRPr lang="en-US" sz="8000" dirty="0">
+              <a:solidFill>
+                <a:srgbClr val="92D050"/>
+              </a:solidFill>
+            </a:endParaRPr>
+          </a:p>
+        </p:txBody>
+      </p:sp>
+    </p:spTree>
+    <p:extLst>
+      <p:ext uri="{BB962C8B-B14F-4D97-AF65-F5344CB8AC3E}">
+        <p14:creationId xmlns:p14="http://schemas.microsoft.com/office/powerpoint/2010/main" val="532401102"/>
+      </p:ext>
+    </p:extLst>
+  </p:cSld>
+  <p:clrMapOvr>
+    <a:masterClrMapping/>
+  </p:clrMapOvr>
+  <p:transition spd="slow">
+    <p:wipe dir="d"/>
+  </p:transition>
+</p:sld>
+</file>
+
+<file path=ppt/slides/slide46.xml><?xml version="1.0" encoding="utf-8"?>
+<p:sld xmlns:a="http://schemas.openxmlformats.org/drawingml/2006/main" xmlns:r="http://schemas.openxmlformats.org/officeDocument/2006/relationships" xmlns:p="http://schemas.openxmlformats.org/presentationml/2006/main">
+  <p:cSld>
+    <p:spTree>
+      <p:nvGrpSpPr>
+        <p:cNvPr id="1" name=""/>
+        <p:cNvGrpSpPr/>
+        <p:nvPr/>
+      </p:nvGrpSpPr>
+      <p:grpSpPr>
+        <a:xfrm>
+          <a:off x="0" y="0"/>
+          <a:ext cx="0" cy="0"/>
+          <a:chOff x="0" y="0"/>
+          <a:chExt cx="0" cy="0"/>
+        </a:xfrm>
+      </p:grpSpPr>
+      <p:sp>
+        <p:nvSpPr>
+          <p:cNvPr id="2" name="Title 1"/>
+          <p:cNvSpPr>
+            <a:spLocks noGrp="1"/>
+          </p:cNvSpPr>
+          <p:nvPr>
+            <p:ph type="title"/>
+          </p:nvPr>
+        </p:nvSpPr>
+        <p:spPr/>
+        <p:txBody>
+          <a:bodyPr/>
+          <a:lstStyle/>
+          <a:p>
+            <a:r>
+              <a:rPr lang="en-US" dirty="0" smtClean="0"/>
+              <a:t>The key facts </a:t>
+            </a:r>
+            <a:endParaRPr lang="en-US" dirty="0"/>
+          </a:p>
+        </p:txBody>
+      </p:sp>
+      <p:sp>
+        <p:nvSpPr>
+          <p:cNvPr id="3" name="Content Placeholder 2"/>
+          <p:cNvSpPr>
+            <a:spLocks noGrp="1"/>
+          </p:cNvSpPr>
+          <p:nvPr>
+            <p:ph idx="1"/>
+          </p:nvPr>
+        </p:nvSpPr>
+        <p:spPr/>
+        <p:txBody>
+          <a:bodyPr/>
+          <a:lstStyle/>
+          <a:p>
+            <a:r>
+              <a:rPr lang="en-US" dirty="0" smtClean="0"/>
+              <a:t>Make use of PDF documents without assistant from others</a:t>
+            </a:r>
+          </a:p>
+          <a:p>
+            <a:r>
+              <a:rPr lang="en-US" dirty="0" smtClean="0"/>
+              <a:t>Reaching a specific goal easily, directly, and within a reasonable time frame</a:t>
+            </a:r>
+          </a:p>
+          <a:p>
+            <a:r>
+              <a:rPr lang="en-US" dirty="0" smtClean="0"/>
+              <a:t>Make the same-quality use of PDF documents as people without disability</a:t>
+            </a:r>
+            <a:endParaRPr lang="en-US" dirty="0"/>
+          </a:p>
+          <a:p>
+            <a:pPr marL="0" indent="0">
+              <a:buNone/>
+            </a:pPr>
+            <a:endParaRPr lang="en-US" dirty="0"/>
+          </a:p>
+        </p:txBody>
+      </p:sp>
+    </p:spTree>
+    <p:extLst>
+      <p:ext uri="{BB962C8B-B14F-4D97-AF65-F5344CB8AC3E}">
+        <p14:creationId xmlns:p14="http://schemas.microsoft.com/office/powerpoint/2010/main" val="2680587842"/>
+      </p:ext>
+    </p:extLst>
+  </p:cSld>
+  <p:clrMapOvr>
+    <a:masterClrMapping/>
+  </p:clrMapOvr>
+  <p:transition spd="slow">
+    <p:wipe dir="d"/>
+  </p:transition>
+</p:sld>
+</file>
+
+<file path=ppt/slides/slide47.xml><?xml version="1.0" encoding="utf-8"?>
+<p:sld xmlns:a="http://schemas.openxmlformats.org/drawingml/2006/main" xmlns:r="http://schemas.openxmlformats.org/officeDocument/2006/relationships" xmlns:p="http://schemas.openxmlformats.org/presentationml/2006/main">
+  <p:cSld>
+    <p:spTree>
+      <p:nvGrpSpPr>
+        <p:cNvPr id="1" name=""/>
+        <p:cNvGrpSpPr/>
+        <p:nvPr/>
+      </p:nvGrpSpPr>
+      <p:grpSpPr>
+        <a:xfrm>
+          <a:off x="0" y="0"/>
+          <a:ext cx="0" cy="0"/>
+          <a:chOff x="0" y="0"/>
+          <a:chExt cx="0" cy="0"/>
+        </a:xfrm>
+      </p:grpSpPr>
+      <p:sp>
+        <p:nvSpPr>
+          <p:cNvPr id="2" name="Title 1"/>
+          <p:cNvSpPr>
+            <a:spLocks noGrp="1"/>
+          </p:cNvSpPr>
+          <p:nvPr>
+            <p:ph type="title"/>
+          </p:nvPr>
+        </p:nvSpPr>
+        <p:spPr/>
+        <p:txBody>
+          <a:bodyPr>
+            <a:normAutofit/>
+          </a:bodyPr>
+          <a:lstStyle/>
+          <a:p>
+            <a:r>
+              <a:rPr lang="en-US" dirty="0" smtClean="0"/>
+              <a:t>Terminology</a:t>
+            </a:r>
+            <a:endParaRPr lang="en-US" dirty="0"/>
+          </a:p>
+        </p:txBody>
+      </p:sp>
+      <p:sp>
+        <p:nvSpPr>
+          <p:cNvPr id="3" name="Content Placeholder 2"/>
+          <p:cNvSpPr>
+            <a:spLocks noGrp="1"/>
+          </p:cNvSpPr>
+          <p:nvPr>
+            <p:ph idx="1"/>
+          </p:nvPr>
+        </p:nvSpPr>
+        <p:spPr/>
+        <p:txBody>
+          <a:bodyPr/>
+          <a:lstStyle/>
+          <a:p>
+            <a:r>
+              <a:rPr lang="en-US" dirty="0" smtClean="0"/>
+              <a:t>UA:  Universal Accessibility</a:t>
+            </a:r>
+          </a:p>
+          <a:p>
+            <a:r>
+              <a:rPr lang="en-US" dirty="0"/>
+              <a:t>AT: </a:t>
+            </a:r>
+            <a:r>
+              <a:rPr lang="en-US" dirty="0" smtClean="0"/>
+              <a:t>  Assistive technology</a:t>
+            </a:r>
+          </a:p>
+          <a:p>
+            <a:r>
+              <a:rPr lang="en-US" dirty="0"/>
+              <a:t>WCAG: Web Content Accessibility Guidelines</a:t>
+            </a:r>
+          </a:p>
+          <a:p>
+            <a:r>
+              <a:rPr lang="en-US" dirty="0"/>
+              <a:t>ADA: </a:t>
+            </a:r>
+            <a:r>
+              <a:rPr lang="en-US" dirty="0" smtClean="0"/>
+              <a:t> Americans </a:t>
+            </a:r>
+            <a:r>
+              <a:rPr lang="en-US" dirty="0"/>
+              <a:t>With Disabilities </a:t>
+            </a:r>
+            <a:r>
+              <a:rPr lang="en-US" dirty="0" smtClean="0"/>
+              <a:t>Act</a:t>
+            </a:r>
+          </a:p>
+          <a:p>
+            <a:r>
+              <a:rPr lang="en-US" dirty="0"/>
+              <a:t>Rehabilitation Act, Section </a:t>
+            </a:r>
+            <a:r>
+              <a:rPr lang="en-US" dirty="0" smtClean="0"/>
+              <a:t>508</a:t>
+            </a:r>
+          </a:p>
+          <a:p>
+            <a:r>
+              <a:rPr lang="en-US" dirty="0" smtClean="0"/>
+              <a:t>AIIM: Association for Information and Image Management</a:t>
+            </a:r>
+          </a:p>
+          <a:p>
+            <a:endParaRPr lang="en-US" dirty="0"/>
+          </a:p>
+        </p:txBody>
+      </p:sp>
+    </p:spTree>
+    <p:extLst>
+      <p:ext uri="{BB962C8B-B14F-4D97-AF65-F5344CB8AC3E}">
+        <p14:creationId xmlns:p14="http://schemas.microsoft.com/office/powerpoint/2010/main" val="4063575650"/>
+      </p:ext>
+    </p:extLst>
+  </p:cSld>
+  <p:clrMapOvr>
+    <a:masterClrMapping/>
+  </p:clrMapOvr>
+  <p:transition spd="slow">
+    <p:wipe dir="d"/>
+  </p:transition>
+</p:sld>
+</file>
+
+<file path=ppt/slides/slide48.xml><?xml version="1.0" encoding="utf-8"?>
+<p:sld xmlns:a="http://schemas.openxmlformats.org/drawingml/2006/main" xmlns:r="http://schemas.openxmlformats.org/officeDocument/2006/relationships" xmlns:p="http://schemas.openxmlformats.org/presentationml/2006/main">
+  <p:cSld>
+    <p:spTree>
+      <p:nvGrpSpPr>
+        <p:cNvPr id="1" name=""/>
+        <p:cNvGrpSpPr/>
+        <p:nvPr/>
+      </p:nvGrpSpPr>
+      <p:grpSpPr>
+        <a:xfrm>
+          <a:off x="0" y="0"/>
+          <a:ext cx="0" cy="0"/>
+          <a:chOff x="0" y="0"/>
+          <a:chExt cx="0" cy="0"/>
+        </a:xfrm>
+      </p:grpSpPr>
+      <p:sp>
+        <p:nvSpPr>
+          <p:cNvPr id="2" name="Title 1"/>
+          <p:cNvSpPr>
+            <a:spLocks noGrp="1"/>
+          </p:cNvSpPr>
+          <p:nvPr>
+            <p:ph type="title"/>
+          </p:nvPr>
+        </p:nvSpPr>
+        <p:spPr/>
+        <p:txBody>
+          <a:bodyPr/>
+          <a:lstStyle/>
+          <a:p>
+            <a:r>
+              <a:rPr lang="en-US" dirty="0"/>
+              <a:t>Version </a:t>
+            </a:r>
+            <a:r>
+              <a:rPr lang="en-US" dirty="0" smtClean="0"/>
+              <a:t>Identification</a:t>
+            </a:r>
+            <a:endParaRPr lang="en-US" dirty="0"/>
+          </a:p>
+        </p:txBody>
+      </p:sp>
+      <p:pic>
+        <p:nvPicPr>
+          <p:cNvPr id="1026" name="Picture 2"/>
+          <p:cNvPicPr>
+            <a:picLocks noGrp="1" noChangeAspect="1" noChangeArrowheads="1"/>
+          </p:cNvPicPr>
+          <p:nvPr>
+            <p:ph idx="1"/>
+          </p:nvPr>
+        </p:nvPicPr>
+        <p:blipFill>
+          <a:blip r:embed="rId2">
+            <a:extLst>
+              <a:ext uri="{28A0092B-C50C-407E-A947-70E740481C1C}">
+                <a14:useLocalDpi xmlns:a14="http://schemas.microsoft.com/office/drawing/2010/main" val="0"/>
+              </a:ext>
+            </a:extLst>
+          </a:blip>
+          <a:srcRect/>
+          <a:stretch>
+            <a:fillRect/>
+          </a:stretch>
+        </p:blipFill>
+        <p:spPr bwMode="auto">
+          <a:xfrm>
+            <a:off x="1547664" y="1268760"/>
+            <a:ext cx="6696743" cy="5328592"/>
+          </a:xfrm>
+          <a:prstGeom prst="rect">
+            <a:avLst/>
+          </a:prstGeom>
+          <a:noFill/>
+          <a:ln>
+            <a:noFill/>
+          </a:ln>
+          <a:effectLst/>
+          <a:extLst>
+            <a:ext uri="{909E8E84-426E-40DD-AFC4-6F175D3DCCD1}">
+              <a14:hiddenFill xmlns:a14="http://schemas.microsoft.com/office/drawing/2010/main">
+                <a:solidFill>
+                  <a:schemeClr val="accent1"/>
+                </a:solidFill>
+              </a14:hiddenFill>
+            </a:ext>
+            <a:ext uri="{91240B29-F687-4F45-9708-019B960494DF}">
+              <a14:hiddenLine xmlns:a14="http://schemas.microsoft.com/office/drawing/2010/main" w="9525">
+                <a:solidFill>
+                  <a:schemeClr val="tx1"/>
+                </a:solidFill>
+                <a:miter lim="800000"/>
+                <a:headEnd/>
+                <a:tailEnd/>
+              </a14:hiddenLine>
+            </a:ext>
+            <a:ext uri="{AF507438-7753-43E0-B8FC-AC1667EBCBE1}">
+              <a14:hiddenEffects xmlns:a14="http://schemas.microsoft.com/office/drawing/2010/main">
+                <a:effectLst>
+                  <a:outerShdw dist="35921" dir="2700000" algn="ctr" rotWithShape="0">
+                    <a:schemeClr val="bg2"/>
+                  </a:outerShdw>
+                </a:effectLst>
+              </a14:hiddenEffects>
+            </a:ext>
+          </a:extLst>
+        </p:spPr>
+      </p:pic>
+    </p:spTree>
+    <p:extLst>
+      <p:ext uri="{BB962C8B-B14F-4D97-AF65-F5344CB8AC3E}">
+        <p14:creationId xmlns:p14="http://schemas.microsoft.com/office/powerpoint/2010/main" val="2610191308"/>
+      </p:ext>
+    </p:extLst>
+  </p:cSld>
+  <p:clrMapOvr>
+    <a:masterClrMapping/>
+  </p:clrMapOvr>
+  <p:transition spd="slow">
+    <p:wipe dir="d"/>
+  </p:transition>
+</p:sld>
+</file>
+
+<file path=ppt/slides/slide49.xml><?xml version="1.0" encoding="utf-8"?>
+<p:sld xmlns:a="http://schemas.openxmlformats.org/drawingml/2006/main" xmlns:r="http://schemas.openxmlformats.org/officeDocument/2006/relationships" xmlns:p="http://schemas.openxmlformats.org/presentationml/2006/main">
+  <p:cSld>
+    <p:spTree>
+      <p:nvGrpSpPr>
+        <p:cNvPr id="1" name=""/>
+        <p:cNvGrpSpPr/>
+        <p:nvPr/>
+      </p:nvGrpSpPr>
+      <p:grpSpPr>
+        <a:xfrm>
+          <a:off x="0" y="0"/>
+          <a:ext cx="0" cy="0"/>
+          <a:chOff x="0" y="0"/>
+          <a:chExt cx="0" cy="0"/>
+        </a:xfrm>
+      </p:grpSpPr>
+      <p:sp>
+        <p:nvSpPr>
+          <p:cNvPr id="2" name="Title 1"/>
+          <p:cNvSpPr>
+            <a:spLocks noGrp="1"/>
+          </p:cNvSpPr>
+          <p:nvPr>
+            <p:ph type="title"/>
+          </p:nvPr>
+        </p:nvSpPr>
+        <p:spPr/>
+        <p:txBody>
+          <a:bodyPr/>
+          <a:lstStyle/>
+          <a:p>
+            <a:r>
+              <a:rPr lang="en-US" dirty="0" smtClean="0"/>
+              <a:t>Interchange</a:t>
+            </a:r>
+            <a:endParaRPr lang="en-US" dirty="0"/>
+          </a:p>
+        </p:txBody>
+      </p:sp>
+      <p:sp>
+        <p:nvSpPr>
+          <p:cNvPr id="3" name="Content Placeholder 2"/>
+          <p:cNvSpPr>
+            <a:spLocks noGrp="1"/>
+          </p:cNvSpPr>
+          <p:nvPr>
+            <p:ph idx="1"/>
+          </p:nvPr>
+        </p:nvSpPr>
+        <p:spPr/>
+        <p:txBody>
+          <a:bodyPr/>
+          <a:lstStyle/>
+          <a:p>
+            <a:pPr lvl="0"/>
+            <a:r>
+              <a:rPr lang="en-US" dirty="0"/>
+              <a:t>Marked Content --- Identify sequences of graphics object.</a:t>
+            </a:r>
+          </a:p>
+          <a:p>
+            <a:pPr lvl="0"/>
+            <a:r>
+              <a:rPr lang="en-US" dirty="0"/>
+              <a:t>Logical structure --- Describing the logical hierarchy for content within the document, uses the Marked Content mechanism.</a:t>
+            </a:r>
+          </a:p>
+          <a:p>
+            <a:pPr lvl="0"/>
+            <a:r>
+              <a:rPr lang="en-US" dirty="0"/>
+              <a:t>Tagged PDF --- Apply semantics typing to content items identified by Logical Structure.</a:t>
+            </a:r>
+          </a:p>
+          <a:p>
+            <a:pPr lvl="0"/>
+            <a:r>
+              <a:rPr lang="en-US" dirty="0"/>
+              <a:t>Accessibility </a:t>
+            </a:r>
+            <a:r>
+              <a:rPr lang="en-US" dirty="0" smtClean="0"/>
+              <a:t>support</a:t>
+            </a:r>
+            <a:endParaRPr lang="en-US" dirty="0"/>
+          </a:p>
+        </p:txBody>
+      </p:sp>
+    </p:spTree>
+    <p:extLst>
+      <p:ext uri="{BB962C8B-B14F-4D97-AF65-F5344CB8AC3E}">
+        <p14:creationId xmlns:p14="http://schemas.microsoft.com/office/powerpoint/2010/main" val="275583991"/>
+      </p:ext>
+    </p:extLst>
+  </p:cSld>
+  <p:clrMapOvr>
+    <a:masterClrMapping/>
+  </p:clrMapOvr>
+  <p:transition spd="slow">
+    <p:wipe dir="d"/>
+  </p:transition>
+</p:sld>
+</file>
+
+<file path=ppt/slides/slide5.xml><?xml version="1.0" encoding="utf-8"?>
+<p:sld xmlns:a="http://schemas.openxmlformats.org/drawingml/2006/main" xmlns:r="http://schemas.openxmlformats.org/officeDocument/2006/relationships" xmlns:p="http://schemas.openxmlformats.org/presentationml/2006/main">
+  <p:cSld>
+    <p:spTree>
+      <p:nvGrpSpPr>
+        <p:cNvPr id="1" name=""/>
+        <p:cNvGrpSpPr/>
+        <p:nvPr/>
+      </p:nvGrpSpPr>
+      <p:grpSpPr>
+        <a:xfrm>
+          <a:off x="0" y="0"/>
+          <a:ext cx="0" cy="0"/>
+          <a:chOff x="0" y="0"/>
+          <a:chExt cx="0" cy="0"/>
+        </a:xfrm>
+      </p:grpSpPr>
       <p:sp>
         <p:nvSpPr>
           <p:cNvPr id="2" name="Title 1"/>
@@ -7953,7 +13036,7 @@
 </p:sld>
 </file>
 
-<file path=ppt/slides/slide20.xml><?xml version="1.0" encoding="utf-8"?>
+<file path=ppt/slides/slide50.xml><?xml version="1.0" encoding="utf-8"?>
 <p:sld xmlns:a="http://schemas.openxmlformats.org/drawingml/2006/main" xmlns:r="http://schemas.openxmlformats.org/officeDocument/2006/relationships" xmlns:p="http://schemas.openxmlformats.org/presentationml/2006/main">
   <p:cSld>
     <p:spTree>
@@ -7972,7 +13055,7 @@
       </p:grpSpPr>
       <p:sp>
         <p:nvSpPr>
-          <p:cNvPr id="5" name="Title 4"/>
+          <p:cNvPr id="2" name="Title 1"/>
           <p:cNvSpPr>
             <a:spLocks noGrp="1"/>
           </p:cNvSpPr>
@@ -7986,86 +13069,83 @@
           <a:lstStyle/>
           <a:p>
             <a:r>
-              <a:rPr lang="en-US" dirty="0" smtClean="0"/>
-              <a:t>The PDF page boxes</a:t>
-            </a:r>
-            <a:endParaRPr lang="en-GB" dirty="0"/>
-          </a:p>
-        </p:txBody>
-      </p:sp>
-      <p:sp>
-        <p:nvSpPr>
-          <p:cNvPr id="6" name="Content Placeholder 5"/>
-          <p:cNvSpPr>
-            <a:spLocks noGrp="1"/>
-          </p:cNvSpPr>
+              <a:rPr lang="en-US" dirty="0"/>
+              <a:t>Logical reading order</a:t>
+            </a:r>
+            <a:endParaRPr lang="en-US" dirty="0"/>
+          </a:p>
+        </p:txBody>
+      </p:sp>
+      <p:pic>
+        <p:nvPicPr>
+          <p:cNvPr id="2050" name="Picture 2"/>
+          <p:cNvPicPr>
+            <a:picLocks noGrp="1" noChangeAspect="1" noChangeArrowheads="1"/>
+          </p:cNvPicPr>
           <p:nvPr>
             <p:ph idx="1"/>
           </p:nvPr>
-        </p:nvSpPr>
-        <p:spPr/>
-        <p:txBody>
-          <a:bodyPr>
-            <a:normAutofit fontScale="70000" lnSpcReduction="20000"/>
-          </a:bodyPr>
-          <a:lstStyle/>
-          <a:p>
-            <a:r>
-              <a:rPr lang="en-US" dirty="0" err="1" smtClean="0"/>
-              <a:t>MediaBox</a:t>
-            </a:r>
-            <a:endParaRPr lang="en-US" dirty="0" smtClean="0"/>
-          </a:p>
-          <a:p>
-            <a:pPr marL="0" indent="0">
-              <a:buNone/>
-            </a:pPr>
-            <a:r>
-              <a:rPr lang="en-US" dirty="0"/>
-              <a:t>The </a:t>
-            </a:r>
-            <a:r>
-              <a:rPr lang="en-US" b="1" dirty="0" err="1"/>
-              <a:t>MediaBox</a:t>
-            </a:r>
-            <a:r>
-              <a:rPr lang="en-US" dirty="0"/>
-              <a:t> is used to specify the width and height of the page. For the average user, this probably equals the actual page size. For prepress use, this is not the case as we prefer our pages to be defined slightly oversized so that we can see the bleed (Images or other elements touching an outer edge of a printed page need to extend beyond the edge of the paper to compensate for inaccuracies in trimming the page), the crop marks and useful information such as the file name or the date and time when the file was created. This means that PDF files used in graphic arts usually have a </a:t>
-            </a:r>
-            <a:r>
-              <a:rPr lang="en-US" dirty="0" err="1"/>
-              <a:t>MediaBox</a:t>
-            </a:r>
-            <a:r>
-              <a:rPr lang="en-US" dirty="0"/>
-              <a:t> which is larger then the trimmed page size. The </a:t>
-            </a:r>
-            <a:r>
-              <a:rPr lang="en-US" dirty="0" err="1"/>
-              <a:t>MediaBox</a:t>
-            </a:r>
-            <a:r>
-              <a:rPr lang="en-US" dirty="0"/>
-              <a:t> is the largest page box in a PDF. The other page boxes can equal the size of the </a:t>
-            </a:r>
-            <a:r>
-              <a:rPr lang="en-US" dirty="0" err="1"/>
-              <a:t>MediaBox</a:t>
-            </a:r>
-            <a:r>
-              <a:rPr lang="en-US" dirty="0"/>
-              <a:t> but they cannot be larger.</a:t>
-            </a:r>
-          </a:p>
-          <a:p>
-            <a:endParaRPr lang="en-US" dirty="0" smtClean="0"/>
-          </a:p>
-        </p:txBody>
-      </p:sp>
+        </p:nvPicPr>
+        <p:blipFill>
+          <a:blip r:embed="rId2">
+            <a:extLst>
+              <a:ext uri="{28A0092B-C50C-407E-A947-70E740481C1C}">
+                <a14:useLocalDpi xmlns:a14="http://schemas.microsoft.com/office/drawing/2010/main" val="0"/>
+              </a:ext>
+            </a:extLst>
+          </a:blip>
+          <a:srcRect/>
+          <a:stretch>
+            <a:fillRect/>
+          </a:stretch>
+        </p:blipFill>
+        <p:spPr bwMode="auto">
+          <a:xfrm>
+            <a:off x="1043608" y="1700808"/>
+            <a:ext cx="7541318" cy="3526430"/>
+          </a:xfrm>
+          <a:prstGeom prst="rect">
+            <a:avLst/>
+          </a:prstGeom>
+          <a:noFill/>
+          <a:ln>
+            <a:noFill/>
+          </a:ln>
+          <a:effectLst/>
+          <a:extLst>
+            <a:ext uri="{909E8E84-426E-40DD-AFC4-6F175D3DCCD1}">
+              <a14:hiddenFill xmlns:a14="http://schemas.microsoft.com/office/drawing/2010/main">
+                <a:solidFill>
+                  <a:schemeClr val="accent1"/>
+                </a:solidFill>
+              </a14:hiddenFill>
+            </a:ext>
+            <a:ext uri="{91240B29-F687-4F45-9708-019B960494DF}">
+              <a14:hiddenLine xmlns:a14="http://schemas.microsoft.com/office/drawing/2010/main" w="9525">
+                <a:solidFill>
+                  <a:schemeClr val="tx1"/>
+                </a:solidFill>
+                <a:miter lim="800000"/>
+                <a:headEnd/>
+                <a:tailEnd/>
+              </a14:hiddenLine>
+            </a:ext>
+            <a:ext uri="{AF507438-7753-43E0-B8FC-AC1667EBCBE1}">
+              <a14:hiddenEffects xmlns:a14="http://schemas.microsoft.com/office/drawing/2010/main">
+                <a:effectLst>
+                  <a:outerShdw dist="35921" dir="2700000" algn="ctr" rotWithShape="0">
+                    <a:schemeClr val="bg2"/>
+                  </a:outerShdw>
+                </a:effectLst>
+              </a14:hiddenEffects>
+            </a:ext>
+          </a:extLst>
+        </p:spPr>
+      </p:pic>
     </p:spTree>
     <p:extLst>
       <p:ext uri="{BB962C8B-B14F-4D97-AF65-F5344CB8AC3E}">
-        <p14:creationId xmlns:p14="http://schemas.microsoft.com/office/powerpoint/2010/main" val="3534091241"/>
+        <p14:creationId xmlns:p14="http://schemas.microsoft.com/office/powerpoint/2010/main" val="2097358517"/>
       </p:ext>
     </p:extLst>
   </p:cSld>
@@ -8075,17 +13155,10 @@
   <p:transition spd="slow">
     <p:wipe dir="d"/>
   </p:transition>
-  <p:timing>
-    <p:tnLst>
-      <p:par>
-        <p:cTn id="1" dur="indefinite" restart="never" nodeType="tmRoot"/>
-      </p:par>
-    </p:tnLst>
-  </p:timing>
 </p:sld>
 </file>
 
-<file path=ppt/slides/slide21.xml><?xml version="1.0" encoding="utf-8"?>
+<file path=ppt/slides/slide51.xml><?xml version="1.0" encoding="utf-8"?>
 <p:sld xmlns:a="http://schemas.openxmlformats.org/drawingml/2006/main" xmlns:r="http://schemas.openxmlformats.org/officeDocument/2006/relationships" xmlns:p="http://schemas.openxmlformats.org/presentationml/2006/main">
   <p:cSld>
     <p:spTree>
@@ -8104,7 +13177,7 @@
       </p:grpSpPr>
       <p:sp>
         <p:nvSpPr>
-          <p:cNvPr id="5" name="Title 4"/>
+          <p:cNvPr id="2" name="Title 1"/>
           <p:cNvSpPr>
             <a:spLocks noGrp="1"/>
           </p:cNvSpPr>
@@ -8119,15 +13192,15 @@
           <a:p>
             <a:r>
               <a:rPr lang="en-US" dirty="0" smtClean="0"/>
-              <a:t>The PDF page boxes</a:t>
-            </a:r>
-            <a:endParaRPr lang="en-GB" dirty="0"/>
-          </a:p>
-        </p:txBody>
-      </p:sp>
-      <p:sp>
-        <p:nvSpPr>
-          <p:cNvPr id="6" name="Content Placeholder 5"/>
+              <a:t>Real Content and Artifacts</a:t>
+            </a:r>
+            <a:endParaRPr lang="en-US" dirty="0"/>
+          </a:p>
+        </p:txBody>
+      </p:sp>
+      <p:sp>
+        <p:nvSpPr>
+          <p:cNvPr id="3" name="Content Placeholder 2"/>
           <p:cNvSpPr>
             <a:spLocks noGrp="1"/>
           </p:cNvSpPr>
@@ -8137,59 +13210,74 @@
         </p:nvSpPr>
         <p:spPr/>
         <p:txBody>
-          <a:bodyPr>
-            <a:normAutofit/>
-          </a:bodyPr>
-          <a:lstStyle/>
-          <a:p>
+          <a:bodyPr/>
+          <a:lstStyle/>
+          <a:p>
+            <a:r>
+              <a:rPr lang="en-US" dirty="0" smtClean="0"/>
+              <a:t>Standard Structure Types</a:t>
+            </a:r>
+          </a:p>
+          <a:p>
+            <a:pPr lvl="1"/>
+            <a:r>
+              <a:rPr lang="en-US" dirty="0" smtClean="0"/>
+              <a:t>Document, Part, Sect, </a:t>
+            </a:r>
             <a:r>
               <a:rPr lang="en-US" dirty="0" err="1" smtClean="0"/>
-              <a:t>CropBox</a:t>
+              <a:t>Div</a:t>
             </a:r>
             <a:endParaRPr lang="en-US" dirty="0" smtClean="0"/>
           </a:p>
           <a:p>
-            <a:pPr marL="0" indent="0">
-              <a:buNone/>
-            </a:pPr>
-            <a:r>
-              <a:rPr lang="en-US" dirty="0"/>
-              <a:t>The </a:t>
-            </a:r>
-            <a:r>
-              <a:rPr lang="en-US" b="1" dirty="0" err="1"/>
-              <a:t>CropBox</a:t>
-            </a:r>
-            <a:r>
-              <a:rPr lang="en-US" dirty="0"/>
-              <a:t> defines the region to which the page contents are to be clipped. Acrobat uses this size for screen display and printing. For prepress use, the </a:t>
-            </a:r>
-            <a:r>
-              <a:rPr lang="en-US" dirty="0" err="1"/>
-              <a:t>CropBox</a:t>
-            </a:r>
-            <a:r>
-              <a:rPr lang="en-US" dirty="0"/>
-              <a:t> is pretty irrelevant. The GWG industry association recommends not to use the </a:t>
-            </a:r>
-            <a:r>
-              <a:rPr lang="en-US" dirty="0" err="1"/>
-              <a:t>CropBox</a:t>
-            </a:r>
-            <a:r>
-              <a:rPr lang="en-US" dirty="0"/>
-              <a:t> at all.</a:t>
-            </a:r>
-          </a:p>
-          <a:p>
-            <a:endParaRPr lang="en-US" dirty="0" smtClean="0"/>
+            <a:pPr lvl="1"/>
+            <a:r>
+              <a:rPr lang="en-US" dirty="0" smtClean="0"/>
+              <a:t>P, Span, TOC, List</a:t>
+            </a:r>
+          </a:p>
+          <a:p>
+            <a:pPr lvl="1"/>
+            <a:r>
+              <a:rPr lang="en-US" dirty="0" smtClean="0"/>
+              <a:t>Table, </a:t>
+            </a:r>
+            <a:r>
+              <a:rPr lang="en-US" dirty="0" err="1" smtClean="0"/>
+              <a:t>THead</a:t>
+            </a:r>
+            <a:r>
+              <a:rPr lang="en-US" dirty="0" smtClean="0"/>
+              <a:t>, </a:t>
+            </a:r>
+            <a:r>
+              <a:rPr lang="en-US" dirty="0" err="1" smtClean="0"/>
+              <a:t>Tbody</a:t>
+            </a:r>
+            <a:r>
+              <a:rPr lang="en-US" dirty="0" smtClean="0"/>
+              <a:t>, TR, TD</a:t>
+            </a:r>
+          </a:p>
+          <a:p>
+            <a:pPr lvl="1"/>
+            <a:r>
+              <a:rPr lang="en-US" dirty="0" smtClean="0"/>
+              <a:t>Figure, </a:t>
+            </a:r>
+            <a:r>
+              <a:rPr lang="en-US" dirty="0" err="1" smtClean="0"/>
+              <a:t>Annot</a:t>
+            </a:r>
+            <a:endParaRPr lang="en-US" dirty="0"/>
           </a:p>
         </p:txBody>
       </p:sp>
     </p:spTree>
     <p:extLst>
       <p:ext uri="{BB962C8B-B14F-4D97-AF65-F5344CB8AC3E}">
-        <p14:creationId xmlns:p14="http://schemas.microsoft.com/office/powerpoint/2010/main" val="1655218345"/>
+        <p14:creationId xmlns:p14="http://schemas.microsoft.com/office/powerpoint/2010/main" val="3607991517"/>
       </p:ext>
     </p:extLst>
   </p:cSld>
@@ -8199,17 +13287,10 @@
   <p:transition spd="slow">
     <p:wipe dir="d"/>
   </p:transition>
-  <p:timing>
-    <p:tnLst>
-      <p:par>
-        <p:cTn id="1" dur="indefinite" restart="never" nodeType="tmRoot"/>
-      </p:par>
-    </p:tnLst>
-  </p:timing>
 </p:sld>
 </file>
 
-<file path=ppt/slides/slide22.xml><?xml version="1.0" encoding="utf-8"?>
+<file path=ppt/slides/slide52.xml><?xml version="1.0" encoding="utf-8"?>
 <p:sld xmlns:a="http://schemas.openxmlformats.org/drawingml/2006/main" xmlns:r="http://schemas.openxmlformats.org/officeDocument/2006/relationships" xmlns:p="http://schemas.openxmlformats.org/presentationml/2006/main">
   <p:cSld>
     <p:spTree>
@@ -8228,7 +13309,7 @@
       </p:grpSpPr>
       <p:sp>
         <p:nvSpPr>
-          <p:cNvPr id="5" name="Title 4"/>
+          <p:cNvPr id="2" name="Title 1"/>
           <p:cNvSpPr>
             <a:spLocks noGrp="1"/>
           </p:cNvSpPr>
@@ -8243,15 +13324,15 @@
           <a:p>
             <a:r>
               <a:rPr lang="en-US" dirty="0" smtClean="0"/>
-              <a:t>The PDF page boxes</a:t>
-            </a:r>
-            <a:endParaRPr lang="en-GB" dirty="0"/>
-          </a:p>
-        </p:txBody>
-      </p:sp>
-      <p:sp>
-        <p:nvSpPr>
-          <p:cNvPr id="6" name="Content Placeholder 5"/>
+              <a:t>Real Content and Artifacts</a:t>
+            </a:r>
+            <a:endParaRPr lang="en-US" dirty="0"/>
+          </a:p>
+        </p:txBody>
+      </p:sp>
+      <p:sp>
+        <p:nvSpPr>
+          <p:cNvPr id="3" name="Content Placeholder 2"/>
           <p:cNvSpPr>
             <a:spLocks noGrp="1"/>
           </p:cNvSpPr>
@@ -8261,99 +13342,56 @@
         </p:nvSpPr>
         <p:spPr/>
         <p:txBody>
-          <a:bodyPr>
-            <a:normAutofit fontScale="92500" lnSpcReduction="20000"/>
-          </a:bodyPr>
-          <a:lstStyle/>
-          <a:p>
-            <a:r>
-              <a:rPr lang="en-US" dirty="0" err="1" smtClean="0"/>
-              <a:t>BleedBox</a:t>
-            </a:r>
-            <a:endParaRPr lang="en-US" dirty="0" smtClean="0"/>
-          </a:p>
-          <a:p>
-            <a:pPr marL="0" indent="0">
-              <a:buNone/>
-            </a:pPr>
-            <a:r>
-              <a:rPr lang="en-US" dirty="0"/>
-              <a:t>The </a:t>
-            </a:r>
-            <a:r>
-              <a:rPr lang="en-US" b="1" dirty="0" err="1"/>
-              <a:t>BleedBox</a:t>
-            </a:r>
-            <a:r>
-              <a:rPr lang="en-US" dirty="0"/>
-              <a:t> determines the region to which the page contents needs to be clipped when output in a production environment. Usually the </a:t>
-            </a:r>
-            <a:r>
-              <a:rPr lang="en-US" dirty="0" err="1"/>
-              <a:t>BleedBox</a:t>
-            </a:r>
-            <a:r>
-              <a:rPr lang="en-US" dirty="0"/>
-              <a:t> is 3 to 5 </a:t>
-            </a:r>
-            <a:r>
-              <a:rPr lang="en-US" dirty="0" err="1"/>
-              <a:t>millimetres</a:t>
-            </a:r>
-            <a:r>
-              <a:rPr lang="en-US" dirty="0"/>
-              <a:t> larger than the </a:t>
-            </a:r>
-            <a:r>
-              <a:rPr lang="en-US" dirty="0" err="1"/>
-              <a:t>TrimBox</a:t>
-            </a:r>
-            <a:r>
-              <a:rPr lang="en-US" dirty="0"/>
-              <a:t>. It is nice to know the size of the </a:t>
-            </a:r>
-            <a:r>
-              <a:rPr lang="en-US" dirty="0" err="1"/>
-              <a:t>BleedBox</a:t>
-            </a:r>
-            <a:r>
-              <a:rPr lang="en-US" dirty="0"/>
-              <a:t> but it isn’t that important in graphic arts. Most prepress systems allow you to define the amount of bleed yourself and ignore the </a:t>
-            </a:r>
-            <a:r>
-              <a:rPr lang="en-US" dirty="0" err="1"/>
-              <a:t>BleedBox</a:t>
-            </a:r>
-            <a:r>
-              <a:rPr lang="en-US" dirty="0"/>
-              <a:t>. By default the </a:t>
-            </a:r>
-            <a:r>
-              <a:rPr lang="en-US" dirty="0" err="1"/>
-              <a:t>BleedBox</a:t>
-            </a:r>
-            <a:r>
-              <a:rPr lang="en-US" dirty="0"/>
-              <a:t> equals the </a:t>
-            </a:r>
-            <a:r>
-              <a:rPr lang="en-US" dirty="0" err="1"/>
-              <a:t>CropBox</a:t>
-            </a:r>
-            <a:r>
-              <a:rPr lang="en-US" dirty="0"/>
-              <a:t>.</a:t>
-            </a:r>
-          </a:p>
-          <a:p>
-            <a:endParaRPr lang="en-US" dirty="0" smtClean="0"/>
+          <a:bodyPr/>
+          <a:lstStyle/>
+          <a:p>
+            <a:r>
+              <a:rPr lang="en-US" dirty="0" smtClean="0"/>
+              <a:t>Artifacts</a:t>
+            </a:r>
+          </a:p>
+          <a:p>
+            <a:pPr lvl="1"/>
+            <a:r>
+              <a:rPr lang="en-US" dirty="0" smtClean="0"/>
+              <a:t>Page layout, graphical background</a:t>
+            </a:r>
+          </a:p>
+          <a:p>
+            <a:pPr lvl="1"/>
+            <a:r>
+              <a:rPr lang="en-US" dirty="0" smtClean="0"/>
+              <a:t>Page number, header, footer</a:t>
+            </a:r>
+          </a:p>
+          <a:p>
+            <a:pPr lvl="1"/>
+            <a:r>
+              <a:rPr lang="en-US" dirty="0" smtClean="0"/>
+              <a:t>Cut marks, color bars</a:t>
+            </a:r>
+          </a:p>
+          <a:p>
+            <a:pPr lvl="1"/>
+            <a:r>
+              <a:rPr lang="en-US" dirty="0" smtClean="0"/>
+              <a:t>Image without alternate description, patterns or colored blocks</a:t>
+            </a:r>
+          </a:p>
+          <a:p>
+            <a:pPr lvl="1"/>
+            <a:r>
+              <a:rPr lang="en-US" dirty="0" smtClean="0"/>
+              <a:t>Anything is not required for understanding the content</a:t>
+            </a:r>
+            <a:endParaRPr lang="en-US" dirty="0"/>
           </a:p>
         </p:txBody>
       </p:sp>
     </p:spTree>
     <p:extLst>
       <p:ext uri="{BB962C8B-B14F-4D97-AF65-F5344CB8AC3E}">
-        <p14:creationId xmlns:p14="http://schemas.microsoft.com/office/powerpoint/2010/main" val="3075128710"/>
+        <p14:creationId xmlns:p14="http://schemas.microsoft.com/office/powerpoint/2010/main" val="3402104973"/>
       </p:ext>
     </p:extLst>
   </p:cSld>
@@ -8363,17 +13401,10 @@
   <p:transition spd="slow">
     <p:wipe dir="d"/>
   </p:transition>
-  <p:timing>
-    <p:tnLst>
-      <p:par>
-        <p:cTn id="1" dur="indefinite" restart="never" nodeType="tmRoot"/>
-      </p:par>
-    </p:tnLst>
-  </p:timing>
 </p:sld>
 </file>
 
-<file path=ppt/slides/slide23.xml><?xml version="1.0" encoding="utf-8"?>
+<file path=ppt/slides/slide53.xml><?xml version="1.0" encoding="utf-8"?>
 <p:sld xmlns:a="http://schemas.openxmlformats.org/drawingml/2006/main" xmlns:r="http://schemas.openxmlformats.org/officeDocument/2006/relationships" xmlns:p="http://schemas.openxmlformats.org/presentationml/2006/main">
   <p:cSld>
     <p:spTree>
@@ -8392,7 +13423,7 @@
       </p:grpSpPr>
       <p:sp>
         <p:nvSpPr>
-          <p:cNvPr id="5" name="Title 4"/>
+          <p:cNvPr id="2" name="Title 1"/>
           <p:cNvSpPr>
             <a:spLocks noGrp="1"/>
           </p:cNvSpPr>
@@ -8407,15 +13438,15 @@
           <a:p>
             <a:r>
               <a:rPr lang="en-US" dirty="0" smtClean="0"/>
-              <a:t>The PDF page boxes</a:t>
-            </a:r>
-            <a:endParaRPr lang="en-GB" dirty="0"/>
-          </a:p>
-        </p:txBody>
-      </p:sp>
-      <p:sp>
-        <p:nvSpPr>
-          <p:cNvPr id="6" name="Content Placeholder 5"/>
+              <a:t>Accessibility support</a:t>
+            </a:r>
+            <a:endParaRPr lang="en-US" dirty="0"/>
+          </a:p>
+        </p:txBody>
+      </p:sp>
+      <p:sp>
+        <p:nvSpPr>
+          <p:cNvPr id="3" name="Content Placeholder 2"/>
           <p:cNvSpPr>
             <a:spLocks noGrp="1"/>
           </p:cNvSpPr>
@@ -8425,111 +13456,41 @@
         </p:nvSpPr>
         <p:spPr/>
         <p:txBody>
-          <a:bodyPr>
-            <a:normAutofit fontScale="85000" lnSpcReduction="10000"/>
-          </a:bodyPr>
-          <a:lstStyle/>
-          <a:p>
-            <a:r>
-              <a:rPr lang="en-GB" b="1" dirty="0" err="1"/>
-              <a:t>TrimBox</a:t>
-            </a:r>
-            <a:r>
-              <a:rPr lang="en-GB" dirty="0"/>
-              <a:t> </a:t>
-            </a:r>
-            <a:endParaRPr lang="en-US" dirty="0" smtClean="0"/>
-          </a:p>
-          <a:p>
-            <a:pPr marL="0" indent="0">
-              <a:buNone/>
-            </a:pPr>
-            <a:r>
-              <a:rPr lang="en-US" dirty="0"/>
-              <a:t>The </a:t>
-            </a:r>
-            <a:r>
-              <a:rPr lang="en-US" b="1" dirty="0" err="1"/>
-              <a:t>TrimBox</a:t>
-            </a:r>
-            <a:r>
-              <a:rPr lang="en-US" dirty="0"/>
-              <a:t> defines the intended dimensions of the finished page. Contrary to the </a:t>
-            </a:r>
-            <a:r>
-              <a:rPr lang="en-US" dirty="0" err="1"/>
-              <a:t>CropBox</a:t>
-            </a:r>
-            <a:r>
-              <a:rPr lang="en-US" dirty="0"/>
-              <a:t>, the </a:t>
-            </a:r>
-            <a:r>
-              <a:rPr lang="en-US" dirty="0" err="1"/>
-              <a:t>TrimBox</a:t>
-            </a:r>
-            <a:r>
-              <a:rPr lang="en-US" dirty="0"/>
-              <a:t> is very important because it defines the actual page size. The imposition programs and workflows that I know all use the </a:t>
-            </a:r>
-            <a:r>
-              <a:rPr lang="en-US" dirty="0" err="1"/>
-              <a:t>TrimBox</a:t>
-            </a:r>
-            <a:r>
-              <a:rPr lang="en-US" dirty="0"/>
-              <a:t> as the basis for positioning pages on a press sheet. By default the </a:t>
-            </a:r>
-            <a:r>
-              <a:rPr lang="en-US" dirty="0" err="1"/>
-              <a:t>TrimBox</a:t>
-            </a:r>
-            <a:r>
-              <a:rPr lang="en-US" dirty="0"/>
-              <a:t> equals the </a:t>
-            </a:r>
-            <a:r>
-              <a:rPr lang="en-US" dirty="0" err="1"/>
-              <a:t>CropBox</a:t>
-            </a:r>
-            <a:r>
-              <a:rPr lang="en-US" dirty="0"/>
-              <a:t>. When creating PDFs that are PDF/X-1a or PDF/X-3 compliant it is a requirement that the </a:t>
-            </a:r>
-            <a:r>
-              <a:rPr lang="en-US" dirty="0" err="1"/>
-              <a:t>MediaBox</a:t>
-            </a:r>
-            <a:r>
-              <a:rPr lang="en-US" dirty="0"/>
-              <a:t>, </a:t>
-            </a:r>
-            <a:r>
-              <a:rPr lang="en-US" dirty="0" err="1"/>
-              <a:t>TrimBox</a:t>
-            </a:r>
-            <a:r>
-              <a:rPr lang="en-US" dirty="0"/>
-              <a:t> and </a:t>
-            </a:r>
-            <a:r>
-              <a:rPr lang="en-US" dirty="0" err="1"/>
-              <a:t>BleedBox</a:t>
-            </a:r>
-            <a:r>
-              <a:rPr lang="en-US" dirty="0"/>
-              <a:t> are properly defined in the PDF.</a:t>
-            </a:r>
-          </a:p>
-          <a:p>
-            <a:endParaRPr lang="en-US" dirty="0" smtClean="0"/>
+          <a:bodyPr/>
+          <a:lstStyle/>
+          <a:p>
+            <a:r>
+              <a:rPr lang="en-US" dirty="0" smtClean="0"/>
+              <a:t>Natural Language Specification</a:t>
+            </a:r>
+          </a:p>
+          <a:p>
+            <a:r>
+              <a:rPr lang="en-US" dirty="0" smtClean="0"/>
+              <a:t>Alternate Descriptions</a:t>
+            </a:r>
+          </a:p>
+          <a:p>
+            <a:r>
+              <a:rPr lang="en-US" dirty="0" smtClean="0"/>
+              <a:t>Replacement text</a:t>
+            </a:r>
+          </a:p>
+          <a:p>
+            <a:r>
+              <a:rPr lang="en-US" dirty="0" smtClean="0"/>
+              <a:t>Expansion of Abbr. or Acronyms</a:t>
+            </a:r>
+          </a:p>
+          <a:p>
+            <a:endParaRPr lang="en-US" dirty="0"/>
           </a:p>
         </p:txBody>
       </p:sp>
     </p:spTree>
     <p:extLst>
       <p:ext uri="{BB962C8B-B14F-4D97-AF65-F5344CB8AC3E}">
-        <p14:creationId xmlns:p14="http://schemas.microsoft.com/office/powerpoint/2010/main" val="3390811176"/>
+        <p14:creationId xmlns:p14="http://schemas.microsoft.com/office/powerpoint/2010/main" val="2974146386"/>
       </p:ext>
     </p:extLst>
   </p:cSld>
@@ -8539,17 +13500,10 @@
   <p:transition spd="slow">
     <p:wipe dir="d"/>
   </p:transition>
-  <p:timing>
-    <p:tnLst>
-      <p:par>
-        <p:cTn id="1" dur="indefinite" restart="never" nodeType="tmRoot"/>
-      </p:par>
-    </p:tnLst>
-  </p:timing>
 </p:sld>
 </file>
 
-<file path=ppt/slides/slide24.xml><?xml version="1.0" encoding="utf-8"?>
+<file path=ppt/slides/slide54.xml><?xml version="1.0" encoding="utf-8"?>
 <p:sld xmlns:a="http://schemas.openxmlformats.org/drawingml/2006/main" xmlns:r="http://schemas.openxmlformats.org/officeDocument/2006/relationships" xmlns:p="http://schemas.openxmlformats.org/presentationml/2006/main">
   <p:cSld>
     <p:spTree>
@@ -8568,7 +13522,7 @@
       </p:grpSpPr>
       <p:sp>
         <p:nvSpPr>
-          <p:cNvPr id="5" name="Title 4"/>
+          <p:cNvPr id="2" name="Title 1"/>
           <p:cNvSpPr>
             <a:spLocks noGrp="1"/>
           </p:cNvSpPr>
@@ -8583,15 +13537,15 @@
           <a:p>
             <a:r>
               <a:rPr lang="en-US" dirty="0" smtClean="0"/>
-              <a:t>The PDF page boxes</a:t>
-            </a:r>
-            <a:endParaRPr lang="en-GB" dirty="0"/>
-          </a:p>
-        </p:txBody>
-      </p:sp>
-      <p:sp>
-        <p:nvSpPr>
-          <p:cNvPr id="6" name="Content Placeholder 5"/>
+              <a:t>Validation</a:t>
+            </a:r>
+            <a:endParaRPr lang="en-US" dirty="0"/>
+          </a:p>
+        </p:txBody>
+      </p:sp>
+      <p:sp>
+        <p:nvSpPr>
+          <p:cNvPr id="3" name="Content Placeholder 2"/>
           <p:cNvSpPr>
             <a:spLocks noGrp="1"/>
           </p:cNvSpPr>
@@ -8601,63 +13555,59 @@
         </p:nvSpPr>
         <p:spPr/>
         <p:txBody>
-          <a:bodyPr>
-            <a:normAutofit fontScale="92500" lnSpcReduction="10000"/>
-          </a:bodyPr>
-          <a:lstStyle/>
-          <a:p>
-            <a:r>
-              <a:rPr lang="en-GB" b="1" dirty="0" err="1"/>
-              <a:t>ArtBox</a:t>
-            </a:r>
-            <a:r>
-              <a:rPr lang="en-GB" b="1" dirty="0"/>
-              <a:t> </a:t>
-            </a:r>
-            <a:r>
-              <a:rPr lang="en-GB" dirty="0"/>
-              <a:t> </a:t>
-            </a:r>
+          <a:bodyPr/>
+          <a:lstStyle/>
+          <a:p>
+            <a:r>
+              <a:rPr lang="en-US" dirty="0" smtClean="0"/>
+              <a:t>PDF Association</a:t>
+            </a:r>
+          </a:p>
+          <a:p>
+            <a:pPr lvl="1"/>
+            <a:r>
+              <a:rPr lang="en-US" dirty="0">
+                <a:hlinkClick r:id="rId2"/>
+              </a:rPr>
+              <a:t>http://www.pdfa.org</a:t>
+            </a:r>
+            <a:r>
+              <a:rPr lang="en-US" dirty="0" smtClean="0">
+                <a:hlinkClick r:id="rId2"/>
+              </a:rPr>
+              <a:t>/</a:t>
+            </a:r>
+            <a:endParaRPr lang="en-US" dirty="0"/>
+          </a:p>
+          <a:p>
             <a:endParaRPr lang="en-US" dirty="0" smtClean="0"/>
           </a:p>
           <a:p>
-            <a:pPr marL="0" indent="0">
-              <a:buNone/>
-            </a:pPr>
-            <a:r>
-              <a:rPr lang="en-US" dirty="0"/>
-              <a:t>The </a:t>
-            </a:r>
-            <a:r>
-              <a:rPr lang="en-US" b="1" dirty="0" err="1"/>
-              <a:t>ArtBox</a:t>
-            </a:r>
-            <a:r>
-              <a:rPr lang="en-US" b="1" dirty="0"/>
-              <a:t> </a:t>
-            </a:r>
-            <a:r>
-              <a:rPr lang="en-US" dirty="0"/>
-              <a:t>is a bit of a special case. It can define a region within a page that is of special interest. It is rarely used by applications. One way in which it can be used is to handle ads: on a PDF of a page on which there is an advertisement, the </a:t>
-            </a:r>
-            <a:r>
-              <a:rPr lang="en-US" dirty="0" err="1"/>
-              <a:t>ArtBox</a:t>
-            </a:r>
-            <a:r>
-              <a:rPr lang="en-US" dirty="0"/>
-              <a:t> can define the size of that ad. This allows you to place that PDF on another page but only use the ad from that PDF.</a:t>
-            </a:r>
-          </a:p>
-          <a:p>
-            <a:endParaRPr lang="en-US" dirty="0" smtClean="0"/>
+            <a:r>
+              <a:rPr lang="en-US" dirty="0" smtClean="0"/>
+              <a:t>Matterhorn Protocol</a:t>
+            </a:r>
+          </a:p>
+          <a:p>
+            <a:pPr lvl="1"/>
+            <a:r>
+              <a:rPr lang="en-US" dirty="0" smtClean="0"/>
+              <a:t>PDF/UA Conformance Testing Model</a:t>
+            </a:r>
+          </a:p>
+          <a:p>
+            <a:pPr lvl="1"/>
+            <a:r>
+              <a:rPr lang="en-US" dirty="0" smtClean="0"/>
+              <a:t>Human / Machine</a:t>
+            </a:r>
           </a:p>
         </p:txBody>
       </p:sp>
     </p:spTree>
     <p:extLst>
       <p:ext uri="{BB962C8B-B14F-4D97-AF65-F5344CB8AC3E}">
-        <p14:creationId xmlns:p14="http://schemas.microsoft.com/office/powerpoint/2010/main" val="3860874012"/>
+        <p14:creationId xmlns:p14="http://schemas.microsoft.com/office/powerpoint/2010/main" val="3292591879"/>
       </p:ext>
     </p:extLst>
   </p:cSld>
@@ -8667,17 +13617,10 @@
   <p:transition spd="slow">
     <p:wipe dir="d"/>
   </p:transition>
-  <p:timing>
-    <p:tnLst>
-      <p:par>
-        <p:cTn id="1" dur="indefinite" restart="never" nodeType="tmRoot"/>
-      </p:par>
-    </p:tnLst>
-  </p:timing>
 </p:sld>
 </file>
 
-<file path=ppt/slides/slide25.xml><?xml version="1.0" encoding="utf-8"?>
+<file path=ppt/slides/slide55.xml><?xml version="1.0" encoding="utf-8"?>
 <p:sld xmlns:a="http://schemas.openxmlformats.org/drawingml/2006/main" xmlns:r="http://schemas.openxmlformats.org/officeDocument/2006/relationships" xmlns:p="http://schemas.openxmlformats.org/presentationml/2006/main">
   <p:cSld>
     <p:spTree>
@@ -8711,13 +13654,9 @@
           <a:p>
             <a:r>
               <a:rPr lang="en-US" dirty="0" smtClean="0"/>
-              <a:t>Text </a:t>
-            </a:r>
-            <a:r>
-              <a:rPr lang="en-US" dirty="0"/>
-              <a:t>Terminology</a:t>
-            </a:r>
-            <a:endParaRPr lang="en-GB" dirty="0"/>
+              <a:t>Validation</a:t>
+            </a:r>
+            <a:endParaRPr lang="en-US" dirty="0"/>
           </a:p>
         </p:txBody>
       </p:sp>
@@ -8738,58 +13677,40 @@
           <a:p>
             <a:r>
               <a:rPr lang="en-US" dirty="0" smtClean="0"/>
-              <a:t>Font vs. Typeface</a:t>
+              <a:t>Acrobat Pro XI </a:t>
+            </a:r>
+          </a:p>
+          <a:p>
+            <a:endParaRPr lang="en-US" dirty="0" smtClean="0"/>
+          </a:p>
+          <a:p>
+            <a:r>
+              <a:rPr lang="en-US" dirty="0" smtClean="0"/>
+              <a:t>PAC 2</a:t>
             </a:r>
           </a:p>
           <a:p>
             <a:pPr lvl="1"/>
             <a:r>
-              <a:rPr lang="en-US" dirty="0" smtClean="0"/>
-              <a:t>A typeface is the visual appearance of the letters, and the font is the implementation  which create them. Simply, “</a:t>
-            </a:r>
-            <a:r>
-              <a:rPr lang="en-US" b="1" dirty="0" smtClean="0"/>
-              <a:t>Times</a:t>
-            </a:r>
-            <a:r>
-              <a:rPr lang="en-US" dirty="0" smtClean="0"/>
-              <a:t> </a:t>
-            </a:r>
-            <a:r>
-              <a:rPr lang="en-US" b="1" dirty="0" smtClean="0"/>
-              <a:t>New</a:t>
-            </a:r>
-            <a:r>
-              <a:rPr lang="en-US" dirty="0" smtClean="0"/>
-              <a:t> </a:t>
-            </a:r>
-            <a:r>
-              <a:rPr lang="en-US" b="1" dirty="0" smtClean="0"/>
-              <a:t>Roman</a:t>
-            </a:r>
-            <a:r>
-              <a:rPr lang="en-US" dirty="0" smtClean="0"/>
-              <a:t>” is Typeface, “</a:t>
-            </a:r>
-            <a:r>
-              <a:rPr lang="en-US" b="1" dirty="0" smtClean="0"/>
-              <a:t>TimeNewRoman.otf</a:t>
-            </a:r>
-            <a:r>
-              <a:rPr lang="en-US" dirty="0" smtClean="0"/>
-              <a:t>” is a font</a:t>
-            </a:r>
-          </a:p>
-          <a:p>
-            <a:pPr lvl="1"/>
-            <a:endParaRPr lang="en-GB" dirty="0"/>
+              <a:rPr lang="en-US" dirty="0">
+                <a:hlinkClick r:id="rId2"/>
+              </a:rPr>
+              <a:t>http://</a:t>
+            </a:r>
+            <a:r>
+              <a:rPr lang="en-US" dirty="0" smtClean="0">
+                <a:hlinkClick r:id="rId2"/>
+              </a:rPr>
+              <a:t>www.access-for-all.ch/en/pdf-lab.html</a:t>
+            </a:r>
+            <a:endParaRPr lang="en-US" dirty="0" smtClean="0"/>
           </a:p>
         </p:txBody>
       </p:sp>
     </p:spTree>
     <p:extLst>
       <p:ext uri="{BB962C8B-B14F-4D97-AF65-F5344CB8AC3E}">
-        <p14:creationId xmlns:p14="http://schemas.microsoft.com/office/powerpoint/2010/main" val="4118300290"/>
+        <p14:creationId xmlns:p14="http://schemas.microsoft.com/office/powerpoint/2010/main" val="914957109"/>
       </p:ext>
     </p:extLst>
   </p:cSld>
@@ -8802,416 +13723,7 @@
 </p:sld>
 </file>
 
-<file path=ppt/slides/slide26.xml><?xml version="1.0" encoding="utf-8"?>
-<p:sld xmlns:a="http://schemas.openxmlformats.org/drawingml/2006/main" xmlns:r="http://schemas.openxmlformats.org/officeDocument/2006/relationships" xmlns:p="http://schemas.openxmlformats.org/presentationml/2006/main">
-  <p:cSld>
-    <p:spTree>
-      <p:nvGrpSpPr>
-        <p:cNvPr id="1" name=""/>
-        <p:cNvGrpSpPr/>
-        <p:nvPr/>
-      </p:nvGrpSpPr>
-      <p:grpSpPr>
-        <a:xfrm>
-          <a:off x="0" y="0"/>
-          <a:ext cx="0" cy="0"/>
-          <a:chOff x="0" y="0"/>
-          <a:chExt cx="0" cy="0"/>
-        </a:xfrm>
-      </p:grpSpPr>
-      <p:sp>
-        <p:nvSpPr>
-          <p:cNvPr id="2" name="Title 1"/>
-          <p:cNvSpPr>
-            <a:spLocks noGrp="1"/>
-          </p:cNvSpPr>
-          <p:nvPr>
-            <p:ph type="title"/>
-          </p:nvPr>
-        </p:nvSpPr>
-        <p:spPr/>
-        <p:txBody>
-          <a:bodyPr/>
-          <a:lstStyle/>
-          <a:p>
-            <a:r>
-              <a:rPr lang="en-US" dirty="0" smtClean="0"/>
-              <a:t>Text </a:t>
-            </a:r>
-            <a:r>
-              <a:rPr lang="en-US" dirty="0"/>
-              <a:t>Terminology</a:t>
-            </a:r>
-            <a:endParaRPr lang="en-GB" dirty="0"/>
-          </a:p>
-        </p:txBody>
-      </p:sp>
-      <p:sp>
-        <p:nvSpPr>
-          <p:cNvPr id="3" name="Content Placeholder 2"/>
-          <p:cNvSpPr>
-            <a:spLocks noGrp="1"/>
-          </p:cNvSpPr>
-          <p:nvPr>
-            <p:ph idx="1"/>
-          </p:nvPr>
-        </p:nvSpPr>
-        <p:spPr/>
-        <p:txBody>
-          <a:bodyPr/>
-          <a:lstStyle/>
-          <a:p>
-            <a:r>
-              <a:rPr lang="en-US" dirty="0" smtClean="0"/>
-              <a:t>Glyph vs. Character</a:t>
-            </a:r>
-          </a:p>
-          <a:p>
-            <a:pPr lvl="1"/>
-            <a:r>
-              <a:rPr lang="en-US" dirty="0" smtClean="0"/>
-              <a:t> A glyph is a specific visual form of a character.</a:t>
-            </a:r>
-          </a:p>
-          <a:p>
-            <a:pPr lvl="1"/>
-            <a:endParaRPr lang="en-US" dirty="0"/>
-          </a:p>
-          <a:p>
-            <a:r>
-              <a:rPr lang="en-US" dirty="0" smtClean="0"/>
-              <a:t>Font file vs. </a:t>
-            </a:r>
-            <a:r>
-              <a:rPr lang="en-US" smtClean="0"/>
-              <a:t>Font program</a:t>
-            </a:r>
-          </a:p>
-          <a:p>
-            <a:endParaRPr lang="en-US" dirty="0" smtClean="0"/>
-          </a:p>
-        </p:txBody>
-      </p:sp>
-    </p:spTree>
-    <p:extLst>
-      <p:ext uri="{BB962C8B-B14F-4D97-AF65-F5344CB8AC3E}">
-        <p14:creationId xmlns:p14="http://schemas.microsoft.com/office/powerpoint/2010/main" val="2627655136"/>
-      </p:ext>
-    </p:extLst>
-  </p:cSld>
-  <p:clrMapOvr>
-    <a:masterClrMapping/>
-  </p:clrMapOvr>
-  <p:transition spd="slow">
-    <p:wipe dir="d"/>
-  </p:transition>
-</p:sld>
-</file>
-
-<file path=ppt/slides/slide27.xml><?xml version="1.0" encoding="utf-8"?>
-<p:sld xmlns:a="http://schemas.openxmlformats.org/drawingml/2006/main" xmlns:r="http://schemas.openxmlformats.org/officeDocument/2006/relationships" xmlns:p="http://schemas.openxmlformats.org/presentationml/2006/main">
-  <p:cSld>
-    <p:spTree>
-      <p:nvGrpSpPr>
-        <p:cNvPr id="1" name=""/>
-        <p:cNvGrpSpPr/>
-        <p:nvPr/>
-      </p:nvGrpSpPr>
-      <p:grpSpPr>
-        <a:xfrm>
-          <a:off x="0" y="0"/>
-          <a:ext cx="0" cy="0"/>
-          <a:chOff x="0" y="0"/>
-          <a:chExt cx="0" cy="0"/>
-        </a:xfrm>
-      </p:grpSpPr>
-      <p:sp>
-        <p:nvSpPr>
-          <p:cNvPr id="2" name="Title 1"/>
-          <p:cNvSpPr>
-            <a:spLocks noGrp="1"/>
-          </p:cNvSpPr>
-          <p:nvPr>
-            <p:ph type="title"/>
-          </p:nvPr>
-        </p:nvSpPr>
-        <p:spPr/>
-        <p:txBody>
-          <a:bodyPr/>
-          <a:lstStyle/>
-          <a:p>
-            <a:r>
-              <a:rPr lang="en-US" dirty="0" smtClean="0"/>
-              <a:t>Simple Fonts</a:t>
-            </a:r>
-            <a:endParaRPr lang="en-GB" dirty="0"/>
-          </a:p>
-        </p:txBody>
-      </p:sp>
-      <p:sp>
-        <p:nvSpPr>
-          <p:cNvPr id="3" name="Content Placeholder 2"/>
-          <p:cNvSpPr>
-            <a:spLocks noGrp="1"/>
-          </p:cNvSpPr>
-          <p:nvPr>
-            <p:ph idx="1"/>
-          </p:nvPr>
-        </p:nvSpPr>
-        <p:spPr/>
-        <p:txBody>
-          <a:bodyPr>
-            <a:normAutofit lnSpcReduction="10000"/>
-          </a:bodyPr>
-          <a:lstStyle/>
-          <a:p>
-            <a:r>
-              <a:rPr lang="en-US" dirty="0" smtClean="0"/>
-              <a:t>Single-byte character code, index into a table of 256 glyphs.</a:t>
-            </a:r>
-          </a:p>
-          <a:p>
-            <a:r>
-              <a:rPr lang="en-US" dirty="0" smtClean="0"/>
-              <a:t>Each glyph has  a single set of metrics, including a horizontal displacement or width, support only horizontal writing mode.</a:t>
-            </a:r>
-          </a:p>
-          <a:p>
-            <a:r>
-              <a:rPr lang="en-US" dirty="0" smtClean="0"/>
-              <a:t>Font descriptor, containing font-wide metrics and other attributes of the font. Among those attributes is an optional font file stream containing the font program.</a:t>
-            </a:r>
-            <a:endParaRPr lang="en-GB" dirty="0"/>
-          </a:p>
-        </p:txBody>
-      </p:sp>
-    </p:spTree>
-    <p:extLst>
-      <p:ext uri="{BB962C8B-B14F-4D97-AF65-F5344CB8AC3E}">
-        <p14:creationId xmlns:p14="http://schemas.microsoft.com/office/powerpoint/2010/main" val="3253113556"/>
-      </p:ext>
-    </p:extLst>
-  </p:cSld>
-  <p:clrMapOvr>
-    <a:masterClrMapping/>
-  </p:clrMapOvr>
-  <p:transition spd="slow">
-    <p:wipe dir="d"/>
-  </p:transition>
-</p:sld>
-</file>
-
-<file path=ppt/slides/slide28.xml><?xml version="1.0" encoding="utf-8"?>
-<p:sld xmlns:a="http://schemas.openxmlformats.org/drawingml/2006/main" xmlns:r="http://schemas.openxmlformats.org/officeDocument/2006/relationships" xmlns:p="http://schemas.openxmlformats.org/presentationml/2006/main">
-  <p:cSld>
-    <p:spTree>
-      <p:nvGrpSpPr>
-        <p:cNvPr id="1" name=""/>
-        <p:cNvGrpSpPr/>
-        <p:nvPr/>
-      </p:nvGrpSpPr>
-      <p:grpSpPr>
-        <a:xfrm>
-          <a:off x="0" y="0"/>
-          <a:ext cx="0" cy="0"/>
-          <a:chOff x="0" y="0"/>
-          <a:chExt cx="0" cy="0"/>
-        </a:xfrm>
-      </p:grpSpPr>
-      <p:sp>
-        <p:nvSpPr>
-          <p:cNvPr id="2" name="Title 1"/>
-          <p:cNvSpPr>
-            <a:spLocks noGrp="1"/>
-          </p:cNvSpPr>
-          <p:nvPr>
-            <p:ph type="title"/>
-          </p:nvPr>
-        </p:nvSpPr>
-        <p:spPr/>
-        <p:txBody>
-          <a:bodyPr/>
-          <a:lstStyle/>
-          <a:p>
-            <a:r>
-              <a:rPr lang="en-US" dirty="0" smtClean="0"/>
-              <a:t>Simple Fonts</a:t>
-            </a:r>
-            <a:endParaRPr lang="en-GB" dirty="0"/>
-          </a:p>
-        </p:txBody>
-      </p:sp>
-      <p:sp>
-        <p:nvSpPr>
-          <p:cNvPr id="3" name="Content Placeholder 2"/>
-          <p:cNvSpPr>
-            <a:spLocks noGrp="1"/>
-          </p:cNvSpPr>
-          <p:nvPr>
-            <p:ph idx="1"/>
-          </p:nvPr>
-        </p:nvSpPr>
-        <p:spPr/>
-        <p:txBody>
-          <a:bodyPr/>
-          <a:lstStyle/>
-          <a:p>
-            <a:r>
-              <a:rPr lang="en-US" dirty="0" smtClean="0"/>
-              <a:t>Type 1 Fonts</a:t>
-            </a:r>
-          </a:p>
-          <a:p>
-            <a:pPr lvl="1"/>
-            <a:r>
-              <a:rPr lang="en-US" dirty="0" smtClean="0"/>
-              <a:t>A Type 1 font program is a stylized Postscript program that describes glyph shapes</a:t>
-            </a:r>
-          </a:p>
-          <a:p>
-            <a:pPr lvl="1"/>
-            <a:r>
-              <a:rPr lang="en-US" dirty="0" smtClean="0"/>
-              <a:t>Hint information</a:t>
-            </a:r>
-          </a:p>
-          <a:p>
-            <a:r>
-              <a:rPr lang="en-US" dirty="0" smtClean="0"/>
-              <a:t>Standard Type 1 Fonts (Standard 14 Fonts)</a:t>
-            </a:r>
-          </a:p>
-          <a:p>
-            <a:pPr lvl="1"/>
-            <a:r>
-              <a:rPr lang="en-US" dirty="0" smtClean="0"/>
-              <a:t>Must be </a:t>
-            </a:r>
-            <a:r>
-              <a:rPr lang="en-US" dirty="0" err="1" smtClean="0"/>
-              <a:t>avariable</a:t>
-            </a:r>
-            <a:r>
-              <a:rPr lang="en-US" dirty="0" smtClean="0"/>
-              <a:t> to the consumer application.</a:t>
-            </a:r>
-          </a:p>
-          <a:p>
-            <a:pPr lvl="1"/>
-            <a:r>
-              <a:rPr lang="en-US" dirty="0" smtClean="0"/>
-              <a:t>Deprecated from PDF1.5</a:t>
-            </a:r>
-          </a:p>
-          <a:p>
-            <a:pPr lvl="1"/>
-            <a:endParaRPr lang="en-GB" dirty="0"/>
-          </a:p>
-        </p:txBody>
-      </p:sp>
-    </p:spTree>
-    <p:extLst>
-      <p:ext uri="{BB962C8B-B14F-4D97-AF65-F5344CB8AC3E}">
-        <p14:creationId xmlns:p14="http://schemas.microsoft.com/office/powerpoint/2010/main" val="4147520355"/>
-      </p:ext>
-    </p:extLst>
-  </p:cSld>
-  <p:clrMapOvr>
-    <a:masterClrMapping/>
-  </p:clrMapOvr>
-  <p:transition spd="slow">
-    <p:wipe dir="d"/>
-  </p:transition>
-</p:sld>
-</file>
-
-<file path=ppt/slides/slide29.xml><?xml version="1.0" encoding="utf-8"?>
-<p:sld xmlns:a="http://schemas.openxmlformats.org/drawingml/2006/main" xmlns:r="http://schemas.openxmlformats.org/officeDocument/2006/relationships" xmlns:p="http://schemas.openxmlformats.org/presentationml/2006/main">
-  <p:cSld>
-    <p:spTree>
-      <p:nvGrpSpPr>
-        <p:cNvPr id="1" name=""/>
-        <p:cNvGrpSpPr/>
-        <p:nvPr/>
-      </p:nvGrpSpPr>
-      <p:grpSpPr>
-        <a:xfrm>
-          <a:off x="0" y="0"/>
-          <a:ext cx="0" cy="0"/>
-          <a:chOff x="0" y="0"/>
-          <a:chExt cx="0" cy="0"/>
-        </a:xfrm>
-      </p:grpSpPr>
-      <p:sp>
-        <p:nvSpPr>
-          <p:cNvPr id="2" name="Title 1"/>
-          <p:cNvSpPr>
-            <a:spLocks noGrp="1"/>
-          </p:cNvSpPr>
-          <p:nvPr>
-            <p:ph type="title"/>
-          </p:nvPr>
-        </p:nvSpPr>
-        <p:spPr/>
-        <p:txBody>
-          <a:bodyPr/>
-          <a:lstStyle/>
-          <a:p>
-            <a:r>
-              <a:rPr lang="en-US" dirty="0" smtClean="0"/>
-              <a:t>Simple Fonts</a:t>
-            </a:r>
-            <a:endParaRPr lang="en-GB" dirty="0"/>
-          </a:p>
-        </p:txBody>
-      </p:sp>
-      <p:sp>
-        <p:nvSpPr>
-          <p:cNvPr id="3" name="Content Placeholder 2"/>
-          <p:cNvSpPr>
-            <a:spLocks noGrp="1"/>
-          </p:cNvSpPr>
-          <p:nvPr>
-            <p:ph idx="1"/>
-          </p:nvPr>
-        </p:nvSpPr>
-        <p:spPr/>
-        <p:txBody>
-          <a:bodyPr/>
-          <a:lstStyle/>
-          <a:p>
-            <a:r>
-              <a:rPr lang="en-US" dirty="0" smtClean="0"/>
-              <a:t>TrueType</a:t>
-            </a:r>
-          </a:p>
-          <a:p>
-            <a:pPr lvl="1"/>
-            <a:r>
-              <a:rPr lang="en-US" dirty="0" smtClean="0"/>
-              <a:t>Can be embedded directly in a PDF file as a stream object.</a:t>
-            </a:r>
-            <a:endParaRPr lang="en-GB" dirty="0"/>
-          </a:p>
-        </p:txBody>
-      </p:sp>
-    </p:spTree>
-    <p:extLst>
-      <p:ext uri="{BB962C8B-B14F-4D97-AF65-F5344CB8AC3E}">
-        <p14:creationId xmlns:p14="http://schemas.microsoft.com/office/powerpoint/2010/main" val="84665183"/>
-      </p:ext>
-    </p:extLst>
-  </p:cSld>
-  <p:clrMapOvr>
-    <a:masterClrMapping/>
-  </p:clrMapOvr>
-  <p:transition spd="slow">
-    <p:wipe dir="d"/>
-  </p:transition>
-</p:sld>
-</file>
-
-<file path=ppt/slides/slide3.xml><?xml version="1.0" encoding="utf-8"?>
+<file path=ppt/slides/slide6.xml><?xml version="1.0" encoding="utf-8"?>
 <p:sld xmlns:a="http://schemas.openxmlformats.org/drawingml/2006/main" xmlns:r="http://schemas.openxmlformats.org/officeDocument/2006/relationships" xmlns:p="http://schemas.openxmlformats.org/presentationml/2006/main">
   <p:cSld>
     <p:spTree>
@@ -9373,1063 +13885,7 @@
 </p:sld>
 </file>
 
-<file path=ppt/slides/slide30.xml><?xml version="1.0" encoding="utf-8"?>
-<p:sld xmlns:a="http://schemas.openxmlformats.org/drawingml/2006/main" xmlns:r="http://schemas.openxmlformats.org/officeDocument/2006/relationships" xmlns:p="http://schemas.openxmlformats.org/presentationml/2006/main">
-  <p:cSld>
-    <p:spTree>
-      <p:nvGrpSpPr>
-        <p:cNvPr id="1" name=""/>
-        <p:cNvGrpSpPr/>
-        <p:nvPr/>
-      </p:nvGrpSpPr>
-      <p:grpSpPr>
-        <a:xfrm>
-          <a:off x="0" y="0"/>
-          <a:ext cx="0" cy="0"/>
-          <a:chOff x="0" y="0"/>
-          <a:chExt cx="0" cy="0"/>
-        </a:xfrm>
-      </p:grpSpPr>
-      <p:sp>
-        <p:nvSpPr>
-          <p:cNvPr id="2" name="Title 1"/>
-          <p:cNvSpPr>
-            <a:spLocks noGrp="1"/>
-          </p:cNvSpPr>
-          <p:nvPr>
-            <p:ph type="title"/>
-          </p:nvPr>
-        </p:nvSpPr>
-        <p:spPr/>
-        <p:txBody>
-          <a:bodyPr/>
-          <a:lstStyle/>
-          <a:p>
-            <a:r>
-              <a:rPr lang="en-US" dirty="0" smtClean="0"/>
-              <a:t>Simple Fonts</a:t>
-            </a:r>
-            <a:endParaRPr lang="en-GB" dirty="0"/>
-          </a:p>
-        </p:txBody>
-      </p:sp>
-      <p:sp>
-        <p:nvSpPr>
-          <p:cNvPr id="3" name="Content Placeholder 2"/>
-          <p:cNvSpPr>
-            <a:spLocks noGrp="1"/>
-          </p:cNvSpPr>
-          <p:nvPr>
-            <p:ph idx="1"/>
-          </p:nvPr>
-        </p:nvSpPr>
-        <p:spPr/>
-        <p:txBody>
-          <a:bodyPr/>
-          <a:lstStyle/>
-          <a:p>
-            <a:r>
-              <a:rPr lang="en-US" dirty="0" smtClean="0"/>
-              <a:t>Font Subsets</a:t>
-            </a:r>
-          </a:p>
-          <a:p>
-            <a:pPr lvl="1"/>
-            <a:r>
-              <a:rPr lang="en-US" dirty="0" smtClean="0"/>
-              <a:t>For Type 1 or TrueType fonts</a:t>
-            </a:r>
-          </a:p>
-          <a:p>
-            <a:pPr lvl="1"/>
-            <a:r>
-              <a:rPr lang="en-US" dirty="0" err="1"/>
-              <a:t>EOODIA+Poetica</a:t>
-            </a:r>
-            <a:endParaRPr lang="en-US" dirty="0" smtClean="0"/>
-          </a:p>
-          <a:p>
-            <a:pPr lvl="1"/>
-            <a:endParaRPr lang="en-GB" dirty="0"/>
-          </a:p>
-        </p:txBody>
-      </p:sp>
-    </p:spTree>
-    <p:extLst>
-      <p:ext uri="{BB962C8B-B14F-4D97-AF65-F5344CB8AC3E}">
-        <p14:creationId xmlns:p14="http://schemas.microsoft.com/office/powerpoint/2010/main" val="676821846"/>
-      </p:ext>
-    </p:extLst>
-  </p:cSld>
-  <p:clrMapOvr>
-    <a:masterClrMapping/>
-  </p:clrMapOvr>
-  <p:transition spd="slow">
-    <p:wipe dir="d"/>
-  </p:transition>
-</p:sld>
-</file>
-
-<file path=ppt/slides/slide31.xml><?xml version="1.0" encoding="utf-8"?>
-<p:sld xmlns:a="http://schemas.openxmlformats.org/drawingml/2006/main" xmlns:r="http://schemas.openxmlformats.org/officeDocument/2006/relationships" xmlns:p="http://schemas.openxmlformats.org/presentationml/2006/main">
-  <p:cSld>
-    <p:spTree>
-      <p:nvGrpSpPr>
-        <p:cNvPr id="1" name=""/>
-        <p:cNvGrpSpPr/>
-        <p:nvPr/>
-      </p:nvGrpSpPr>
-      <p:grpSpPr>
-        <a:xfrm>
-          <a:off x="0" y="0"/>
-          <a:ext cx="0" cy="0"/>
-          <a:chOff x="0" y="0"/>
-          <a:chExt cx="0" cy="0"/>
-        </a:xfrm>
-      </p:grpSpPr>
-      <p:sp>
-        <p:nvSpPr>
-          <p:cNvPr id="2" name="Title 1"/>
-          <p:cNvSpPr>
-            <a:spLocks noGrp="1"/>
-          </p:cNvSpPr>
-          <p:nvPr>
-            <p:ph type="title"/>
-          </p:nvPr>
-        </p:nvSpPr>
-        <p:spPr/>
-        <p:txBody>
-          <a:bodyPr/>
-          <a:lstStyle/>
-          <a:p>
-            <a:r>
-              <a:rPr lang="en-US" dirty="0" smtClean="0"/>
-              <a:t>Simple Fonts</a:t>
-            </a:r>
-            <a:endParaRPr lang="en-GB" dirty="0"/>
-          </a:p>
-        </p:txBody>
-      </p:sp>
-      <p:sp>
-        <p:nvSpPr>
-          <p:cNvPr id="3" name="Content Placeholder 2"/>
-          <p:cNvSpPr>
-            <a:spLocks noGrp="1"/>
-          </p:cNvSpPr>
-          <p:nvPr>
-            <p:ph idx="1"/>
-          </p:nvPr>
-        </p:nvSpPr>
-        <p:spPr/>
-        <p:txBody>
-          <a:bodyPr/>
-          <a:lstStyle/>
-          <a:p>
-            <a:r>
-              <a:rPr lang="en-US" dirty="0" smtClean="0"/>
-              <a:t>Type 3 Fonts</a:t>
-            </a:r>
-          </a:p>
-          <a:p>
-            <a:pPr lvl="1"/>
-            <a:r>
-              <a:rPr lang="en-US" dirty="0" smtClean="0"/>
-              <a:t>Glyphs are defined by streams of PDF graphics operators.</a:t>
-            </a:r>
-          </a:p>
-          <a:p>
-            <a:pPr lvl="1"/>
-            <a:r>
-              <a:rPr lang="en-US" dirty="0" smtClean="0"/>
-              <a:t>No hinting mechanism.</a:t>
-            </a:r>
-          </a:p>
-          <a:p>
-            <a:pPr lvl="1"/>
-            <a:endParaRPr lang="en-GB" dirty="0"/>
-          </a:p>
-        </p:txBody>
-      </p:sp>
-    </p:spTree>
-    <p:extLst>
-      <p:ext uri="{BB962C8B-B14F-4D97-AF65-F5344CB8AC3E}">
-        <p14:creationId xmlns:p14="http://schemas.microsoft.com/office/powerpoint/2010/main" val="285015281"/>
-      </p:ext>
-    </p:extLst>
-  </p:cSld>
-  <p:clrMapOvr>
-    <a:masterClrMapping/>
-  </p:clrMapOvr>
-  <p:transition spd="slow">
-    <p:wipe dir="d"/>
-  </p:transition>
-</p:sld>
-</file>
-
-<file path=ppt/slides/slide32.xml><?xml version="1.0" encoding="utf-8"?>
-<p:sld xmlns:a="http://schemas.openxmlformats.org/drawingml/2006/main" xmlns:r="http://schemas.openxmlformats.org/officeDocument/2006/relationships" xmlns:p="http://schemas.openxmlformats.org/presentationml/2006/main">
-  <p:cSld>
-    <p:spTree>
-      <p:nvGrpSpPr>
-        <p:cNvPr id="1" name=""/>
-        <p:cNvGrpSpPr/>
-        <p:nvPr/>
-      </p:nvGrpSpPr>
-      <p:grpSpPr>
-        <a:xfrm>
-          <a:off x="0" y="0"/>
-          <a:ext cx="0" cy="0"/>
-          <a:chOff x="0" y="0"/>
-          <a:chExt cx="0" cy="0"/>
-        </a:xfrm>
-      </p:grpSpPr>
-      <p:sp>
-        <p:nvSpPr>
-          <p:cNvPr id="2" name="Title 1"/>
-          <p:cNvSpPr>
-            <a:spLocks noGrp="1"/>
-          </p:cNvSpPr>
-          <p:nvPr>
-            <p:ph type="title"/>
-          </p:nvPr>
-        </p:nvSpPr>
-        <p:spPr/>
-        <p:txBody>
-          <a:bodyPr/>
-          <a:lstStyle/>
-          <a:p>
-            <a:r>
-              <a:rPr lang="en-US" dirty="0" smtClean="0"/>
-              <a:t>Simple Fonts</a:t>
-            </a:r>
-            <a:endParaRPr lang="en-GB" dirty="0"/>
-          </a:p>
-        </p:txBody>
-      </p:sp>
-      <p:sp>
-        <p:nvSpPr>
-          <p:cNvPr id="3" name="Content Placeholder 2"/>
-          <p:cNvSpPr>
-            <a:spLocks noGrp="1"/>
-          </p:cNvSpPr>
-          <p:nvPr>
-            <p:ph idx="1"/>
-          </p:nvPr>
-        </p:nvSpPr>
-        <p:spPr/>
-        <p:txBody>
-          <a:bodyPr/>
-          <a:lstStyle/>
-          <a:p>
-            <a:r>
-              <a:rPr lang="en-US" dirty="0" smtClean="0"/>
-              <a:t>Character Encoding</a:t>
-            </a:r>
-          </a:p>
-          <a:p>
-            <a:pPr lvl="1"/>
-            <a:r>
-              <a:rPr lang="en-US" dirty="0" smtClean="0"/>
-              <a:t>A font’s encoding is the association between character codes and glyph descriptions.</a:t>
-            </a:r>
-          </a:p>
-          <a:p>
-            <a:pPr lvl="1"/>
-            <a:r>
-              <a:rPr lang="en-US" dirty="0" smtClean="0"/>
-              <a:t>Except for Type 3 fonts, every font program has a built-in encoding.</a:t>
-            </a:r>
-          </a:p>
-          <a:p>
-            <a:pPr lvl="1"/>
-            <a:r>
-              <a:rPr lang="en-US" dirty="0" smtClean="0"/>
-              <a:t>Predefined encodings</a:t>
-            </a:r>
-            <a:r>
-              <a:rPr lang="en-US" dirty="0"/>
-              <a:t>: </a:t>
-            </a:r>
-            <a:r>
-              <a:rPr lang="en-US" dirty="0" err="1"/>
-              <a:t>MacRomanEncoding,MacExpertEncoding</a:t>
-            </a:r>
-            <a:r>
-              <a:rPr lang="en-US" dirty="0"/>
-              <a:t>, </a:t>
-            </a:r>
-            <a:r>
-              <a:rPr lang="en-US" dirty="0" smtClean="0"/>
-              <a:t>or </a:t>
-            </a:r>
-            <a:r>
-              <a:rPr lang="en-US" dirty="0" err="1" smtClean="0"/>
-              <a:t>WinAnsiEncoding</a:t>
-            </a:r>
-            <a:endParaRPr lang="en-US" dirty="0"/>
-          </a:p>
-        </p:txBody>
-      </p:sp>
-    </p:spTree>
-    <p:extLst>
-      <p:ext uri="{BB962C8B-B14F-4D97-AF65-F5344CB8AC3E}">
-        <p14:creationId xmlns:p14="http://schemas.microsoft.com/office/powerpoint/2010/main" val="1468514762"/>
-      </p:ext>
-    </p:extLst>
-  </p:cSld>
-  <p:clrMapOvr>
-    <a:masterClrMapping/>
-  </p:clrMapOvr>
-  <p:transition spd="slow">
-    <p:wipe dir="d"/>
-  </p:transition>
-</p:sld>
-</file>
-
-<file path=ppt/slides/slide33.xml><?xml version="1.0" encoding="utf-8"?>
-<p:sld xmlns:a="http://schemas.openxmlformats.org/drawingml/2006/main" xmlns:r="http://schemas.openxmlformats.org/officeDocument/2006/relationships" xmlns:p="http://schemas.openxmlformats.org/presentationml/2006/main">
-  <p:cSld>
-    <p:spTree>
-      <p:nvGrpSpPr>
-        <p:cNvPr id="1" name=""/>
-        <p:cNvGrpSpPr/>
-        <p:nvPr/>
-      </p:nvGrpSpPr>
-      <p:grpSpPr>
-        <a:xfrm>
-          <a:off x="0" y="0"/>
-          <a:ext cx="0" cy="0"/>
-          <a:chOff x="0" y="0"/>
-          <a:chExt cx="0" cy="0"/>
-        </a:xfrm>
-      </p:grpSpPr>
-      <p:sp>
-        <p:nvSpPr>
-          <p:cNvPr id="2" name="Title 1"/>
-          <p:cNvSpPr>
-            <a:spLocks noGrp="1"/>
-          </p:cNvSpPr>
-          <p:nvPr>
-            <p:ph type="title"/>
-          </p:nvPr>
-        </p:nvSpPr>
-        <p:spPr/>
-        <p:txBody>
-          <a:bodyPr/>
-          <a:lstStyle/>
-          <a:p>
-            <a:r>
-              <a:rPr lang="en-US" dirty="0" smtClean="0"/>
-              <a:t>Composite Fonts</a:t>
-            </a:r>
-            <a:endParaRPr lang="en-GB" dirty="0"/>
-          </a:p>
-        </p:txBody>
-      </p:sp>
-      <p:sp>
-        <p:nvSpPr>
-          <p:cNvPr id="3" name="Content Placeholder 2"/>
-          <p:cNvSpPr>
-            <a:spLocks noGrp="1"/>
-          </p:cNvSpPr>
-          <p:nvPr>
-            <p:ph idx="1"/>
-          </p:nvPr>
-        </p:nvSpPr>
-        <p:spPr/>
-        <p:txBody>
-          <a:bodyPr/>
-          <a:lstStyle/>
-          <a:p>
-            <a:r>
-              <a:rPr lang="en-US" dirty="0" smtClean="0"/>
-              <a:t>Type 0 font</a:t>
-            </a:r>
-          </a:p>
-          <a:p>
-            <a:r>
-              <a:rPr lang="en-US" dirty="0" smtClean="0"/>
-              <a:t>Type 0 font is known as the root font, and its associated </a:t>
-            </a:r>
-            <a:r>
-              <a:rPr lang="en-US" dirty="0" err="1" smtClean="0"/>
-              <a:t>CIDFont</a:t>
-            </a:r>
-            <a:r>
-              <a:rPr lang="en-US" dirty="0" smtClean="0"/>
-              <a:t> is called its descendant.</a:t>
-            </a:r>
-          </a:p>
-          <a:p>
-            <a:endParaRPr lang="en-GB" dirty="0"/>
-          </a:p>
-        </p:txBody>
-      </p:sp>
-    </p:spTree>
-    <p:extLst>
-      <p:ext uri="{BB962C8B-B14F-4D97-AF65-F5344CB8AC3E}">
-        <p14:creationId xmlns:p14="http://schemas.microsoft.com/office/powerpoint/2010/main" val="1380381960"/>
-      </p:ext>
-    </p:extLst>
-  </p:cSld>
-  <p:clrMapOvr>
-    <a:masterClrMapping/>
-  </p:clrMapOvr>
-  <p:transition spd="slow">
-    <p:wipe dir="d"/>
-  </p:transition>
-</p:sld>
-</file>
-
-<file path=ppt/slides/slide34.xml><?xml version="1.0" encoding="utf-8"?>
-<p:sld xmlns:a="http://schemas.openxmlformats.org/drawingml/2006/main" xmlns:r="http://schemas.openxmlformats.org/officeDocument/2006/relationships" xmlns:p="http://schemas.openxmlformats.org/presentationml/2006/main">
-  <p:cSld>
-    <p:spTree>
-      <p:nvGrpSpPr>
-        <p:cNvPr id="1" name=""/>
-        <p:cNvGrpSpPr/>
-        <p:nvPr/>
-      </p:nvGrpSpPr>
-      <p:grpSpPr>
-        <a:xfrm>
-          <a:off x="0" y="0"/>
-          <a:ext cx="0" cy="0"/>
-          <a:chOff x="0" y="0"/>
-          <a:chExt cx="0" cy="0"/>
-        </a:xfrm>
-      </p:grpSpPr>
-      <p:sp>
-        <p:nvSpPr>
-          <p:cNvPr id="2" name="Title 1"/>
-          <p:cNvSpPr>
-            <a:spLocks noGrp="1"/>
-          </p:cNvSpPr>
-          <p:nvPr>
-            <p:ph type="title"/>
-          </p:nvPr>
-        </p:nvSpPr>
-        <p:spPr/>
-        <p:txBody>
-          <a:bodyPr/>
-          <a:lstStyle/>
-          <a:p>
-            <a:r>
-              <a:rPr lang="en-US" dirty="0" smtClean="0"/>
-              <a:t>Composite Fonts</a:t>
-            </a:r>
-            <a:endParaRPr lang="en-GB" dirty="0"/>
-          </a:p>
-        </p:txBody>
-      </p:sp>
-      <p:sp>
-        <p:nvSpPr>
-          <p:cNvPr id="3" name="Content Placeholder 2"/>
-          <p:cNvSpPr>
-            <a:spLocks noGrp="1"/>
-          </p:cNvSpPr>
-          <p:nvPr>
-            <p:ph idx="1"/>
-          </p:nvPr>
-        </p:nvSpPr>
-        <p:spPr/>
-        <p:txBody>
-          <a:bodyPr>
-            <a:normAutofit lnSpcReduction="10000"/>
-          </a:bodyPr>
-          <a:lstStyle/>
-          <a:p>
-            <a:r>
-              <a:rPr lang="en-US" dirty="0" smtClean="0"/>
-              <a:t>CID-keyed Fonts</a:t>
-            </a:r>
-          </a:p>
-          <a:p>
-            <a:r>
-              <a:rPr lang="en-US" dirty="0" smtClean="0"/>
-              <a:t>CID – Character identifier </a:t>
-            </a:r>
-          </a:p>
-          <a:p>
-            <a:pPr lvl="1"/>
-            <a:r>
-              <a:rPr lang="en-US" dirty="0" smtClean="0"/>
-              <a:t>The CID numbers are used to index and access the glyph descriptions in the font.</a:t>
-            </a:r>
-          </a:p>
-          <a:p>
-            <a:r>
-              <a:rPr lang="en-US" dirty="0" err="1" smtClean="0"/>
-              <a:t>CMap</a:t>
-            </a:r>
-            <a:r>
-              <a:rPr lang="en-GB" dirty="0" smtClean="0"/>
-              <a:t> – Character Map</a:t>
-            </a:r>
-          </a:p>
-          <a:p>
-            <a:pPr lvl="1"/>
-            <a:r>
-              <a:rPr lang="en-US" dirty="0" err="1" smtClean="0"/>
-              <a:t>CMap</a:t>
-            </a:r>
-            <a:r>
-              <a:rPr lang="en-US" dirty="0" smtClean="0"/>
-              <a:t> file specifies the correspondence between character codes and the CID numbers used to identify glyphs. It is equivalent to the concept of an encoding in </a:t>
-            </a:r>
-            <a:r>
-              <a:rPr lang="en-US" smtClean="0"/>
-              <a:t>simple font.</a:t>
-            </a:r>
-            <a:endParaRPr lang="en-US" dirty="0" smtClean="0"/>
-          </a:p>
-        </p:txBody>
-      </p:sp>
-    </p:spTree>
-    <p:extLst>
-      <p:ext uri="{BB962C8B-B14F-4D97-AF65-F5344CB8AC3E}">
-        <p14:creationId xmlns:p14="http://schemas.microsoft.com/office/powerpoint/2010/main" val="1324869264"/>
-      </p:ext>
-    </p:extLst>
-  </p:cSld>
-  <p:clrMapOvr>
-    <a:masterClrMapping/>
-  </p:clrMapOvr>
-  <p:transition spd="slow">
-    <p:wipe dir="d"/>
-  </p:transition>
-</p:sld>
-</file>
-
-<file path=ppt/slides/slide35.xml><?xml version="1.0" encoding="utf-8"?>
-<p:sld xmlns:a="http://schemas.openxmlformats.org/drawingml/2006/main" xmlns:r="http://schemas.openxmlformats.org/officeDocument/2006/relationships" xmlns:p="http://schemas.openxmlformats.org/presentationml/2006/main">
-  <p:cSld>
-    <p:spTree>
-      <p:nvGrpSpPr>
-        <p:cNvPr id="1" name=""/>
-        <p:cNvGrpSpPr/>
-        <p:nvPr/>
-      </p:nvGrpSpPr>
-      <p:grpSpPr>
-        <a:xfrm>
-          <a:off x="0" y="0"/>
-          <a:ext cx="0" cy="0"/>
-          <a:chOff x="0" y="0"/>
-          <a:chExt cx="0" cy="0"/>
-        </a:xfrm>
-      </p:grpSpPr>
-      <p:sp>
-        <p:nvSpPr>
-          <p:cNvPr id="2" name="Title 1"/>
-          <p:cNvSpPr>
-            <a:spLocks noGrp="1"/>
-          </p:cNvSpPr>
-          <p:nvPr>
-            <p:ph type="title"/>
-          </p:nvPr>
-        </p:nvSpPr>
-        <p:spPr/>
-        <p:txBody>
-          <a:bodyPr/>
-          <a:lstStyle/>
-          <a:p>
-            <a:r>
-              <a:rPr lang="en-US" dirty="0" smtClean="0"/>
-              <a:t>Font</a:t>
-            </a:r>
-            <a:endParaRPr lang="en-GB" dirty="0"/>
-          </a:p>
-        </p:txBody>
-      </p:sp>
-      <p:sp>
-        <p:nvSpPr>
-          <p:cNvPr id="3" name="Content Placeholder 2"/>
-          <p:cNvSpPr>
-            <a:spLocks noGrp="1"/>
-          </p:cNvSpPr>
-          <p:nvPr>
-            <p:ph idx="1"/>
-          </p:nvPr>
-        </p:nvSpPr>
-        <p:spPr/>
-        <p:txBody>
-          <a:bodyPr/>
-          <a:lstStyle/>
-          <a:p>
-            <a:r>
-              <a:rPr lang="en-US" dirty="0" smtClean="0"/>
-              <a:t>Type 0</a:t>
-            </a:r>
-          </a:p>
-          <a:p>
-            <a:r>
-              <a:rPr lang="en-US" dirty="0" smtClean="0"/>
-              <a:t>Type 1</a:t>
-            </a:r>
-          </a:p>
-          <a:p>
-            <a:r>
-              <a:rPr lang="en-US" dirty="0" smtClean="0"/>
-              <a:t>Type 3</a:t>
-            </a:r>
-          </a:p>
-          <a:p>
-            <a:r>
-              <a:rPr lang="en-US" dirty="0" smtClean="0"/>
-              <a:t>TrueType</a:t>
-            </a:r>
-          </a:p>
-          <a:p>
-            <a:r>
-              <a:rPr lang="en-US" dirty="0" err="1" smtClean="0"/>
-              <a:t>CIDFont</a:t>
-            </a:r>
-            <a:endParaRPr lang="en-US" dirty="0" smtClean="0"/>
-          </a:p>
-          <a:p>
-            <a:pPr lvl="1"/>
-            <a:r>
-              <a:rPr lang="en-US" dirty="0" smtClean="0"/>
-              <a:t>CIDFont0 based on Type 1 font technology</a:t>
-            </a:r>
-          </a:p>
-          <a:p>
-            <a:pPr lvl="1"/>
-            <a:r>
-              <a:rPr lang="en-US" dirty="0" smtClean="0"/>
-              <a:t>CIDFont2 based on TrueType font technology</a:t>
-            </a:r>
-            <a:endParaRPr lang="en-GB" dirty="0"/>
-          </a:p>
-        </p:txBody>
-      </p:sp>
-    </p:spTree>
-    <p:extLst>
-      <p:ext uri="{BB962C8B-B14F-4D97-AF65-F5344CB8AC3E}">
-        <p14:creationId xmlns:p14="http://schemas.microsoft.com/office/powerpoint/2010/main" val="634823430"/>
-      </p:ext>
-    </p:extLst>
-  </p:cSld>
-  <p:clrMapOvr>
-    <a:masterClrMapping/>
-  </p:clrMapOvr>
-  <p:transition spd="slow">
-    <p:wipe dir="d"/>
-  </p:transition>
-</p:sld>
-</file>
-
-<file path=ppt/slides/slide36.xml><?xml version="1.0" encoding="utf-8"?>
-<p:sld xmlns:a="http://schemas.openxmlformats.org/drawingml/2006/main" xmlns:r="http://schemas.openxmlformats.org/officeDocument/2006/relationships" xmlns:p="http://schemas.openxmlformats.org/presentationml/2006/main">
-  <p:cSld>
-    <p:spTree>
-      <p:nvGrpSpPr>
-        <p:cNvPr id="1" name=""/>
-        <p:cNvGrpSpPr/>
-        <p:nvPr/>
-      </p:nvGrpSpPr>
-      <p:grpSpPr>
-        <a:xfrm>
-          <a:off x="0" y="0"/>
-          <a:ext cx="0" cy="0"/>
-          <a:chOff x="0" y="0"/>
-          <a:chExt cx="0" cy="0"/>
-        </a:xfrm>
-      </p:grpSpPr>
-      <p:sp>
-        <p:nvSpPr>
-          <p:cNvPr id="2" name="Title 1"/>
-          <p:cNvSpPr>
-            <a:spLocks noGrp="1"/>
-          </p:cNvSpPr>
-          <p:nvPr>
-            <p:ph type="title"/>
-          </p:nvPr>
-        </p:nvSpPr>
-        <p:spPr/>
-        <p:txBody>
-          <a:bodyPr/>
-          <a:lstStyle/>
-          <a:p>
-            <a:r>
-              <a:rPr lang="en-US" dirty="0" err="1" smtClean="0"/>
-              <a:t>CMaps</a:t>
-            </a:r>
-            <a:endParaRPr lang="en-GB" dirty="0"/>
-          </a:p>
-        </p:txBody>
-      </p:sp>
-      <p:sp>
-        <p:nvSpPr>
-          <p:cNvPr id="3" name="Content Placeholder 2"/>
-          <p:cNvSpPr>
-            <a:spLocks noGrp="1"/>
-          </p:cNvSpPr>
-          <p:nvPr>
-            <p:ph idx="1"/>
-          </p:nvPr>
-        </p:nvSpPr>
-        <p:spPr/>
-        <p:txBody>
-          <a:bodyPr/>
-          <a:lstStyle/>
-          <a:p>
-            <a:r>
-              <a:rPr lang="en-US" dirty="0" smtClean="0"/>
-              <a:t>A </a:t>
-            </a:r>
-            <a:r>
-              <a:rPr lang="en-US" dirty="0" err="1" smtClean="0"/>
-              <a:t>Cmap</a:t>
-            </a:r>
-            <a:r>
-              <a:rPr lang="en-US" dirty="0" smtClean="0"/>
-              <a:t> specifies the mapping from character codes to character selectors.</a:t>
-            </a:r>
-          </a:p>
-          <a:p>
-            <a:r>
-              <a:rPr lang="en-US" dirty="0" smtClean="0"/>
-              <a:t>In PDF, the character selectors are always CIDs in </a:t>
-            </a:r>
-            <a:r>
-              <a:rPr lang="en-US" dirty="0" err="1" smtClean="0"/>
-              <a:t>CIDFont</a:t>
-            </a:r>
-            <a:r>
-              <a:rPr lang="en-US" dirty="0" smtClean="0"/>
-              <a:t>.</a:t>
-            </a:r>
-          </a:p>
-          <a:p>
-            <a:r>
-              <a:rPr lang="en-US" dirty="0" smtClean="0"/>
-              <a:t>A </a:t>
-            </a:r>
-            <a:r>
-              <a:rPr lang="en-US" dirty="0" err="1" smtClean="0"/>
-              <a:t>Cmap</a:t>
-            </a:r>
-            <a:r>
-              <a:rPr lang="en-US" dirty="0" smtClean="0"/>
-              <a:t> serves a function analogous to the Encoding dictionary for a simple font.</a:t>
-            </a:r>
-            <a:endParaRPr lang="en-GB" dirty="0"/>
-          </a:p>
-        </p:txBody>
-      </p:sp>
-    </p:spTree>
-    <p:extLst>
-      <p:ext uri="{BB962C8B-B14F-4D97-AF65-F5344CB8AC3E}">
-        <p14:creationId xmlns:p14="http://schemas.microsoft.com/office/powerpoint/2010/main" val="1631896584"/>
-      </p:ext>
-    </p:extLst>
-  </p:cSld>
-  <p:clrMapOvr>
-    <a:masterClrMapping/>
-  </p:clrMapOvr>
-  <p:transition spd="slow">
-    <p:wipe dir="d"/>
-  </p:transition>
-</p:sld>
-</file>
-
-<file path=ppt/slides/slide37.xml><?xml version="1.0" encoding="utf-8"?>
-<p:sld xmlns:a="http://schemas.openxmlformats.org/drawingml/2006/main" xmlns:r="http://schemas.openxmlformats.org/officeDocument/2006/relationships" xmlns:p="http://schemas.openxmlformats.org/presentationml/2006/main">
-  <p:cSld>
-    <p:spTree>
-      <p:nvGrpSpPr>
-        <p:cNvPr id="1" name=""/>
-        <p:cNvGrpSpPr/>
-        <p:nvPr/>
-      </p:nvGrpSpPr>
-      <p:grpSpPr>
-        <a:xfrm>
-          <a:off x="0" y="0"/>
-          <a:ext cx="0" cy="0"/>
-          <a:chOff x="0" y="0"/>
-          <a:chExt cx="0" cy="0"/>
-        </a:xfrm>
-      </p:grpSpPr>
-      <p:sp>
-        <p:nvSpPr>
-          <p:cNvPr id="2" name="Title 1"/>
-          <p:cNvSpPr>
-            <a:spLocks noGrp="1"/>
-          </p:cNvSpPr>
-          <p:nvPr>
-            <p:ph type="title"/>
-          </p:nvPr>
-        </p:nvSpPr>
-        <p:spPr/>
-        <p:txBody>
-          <a:bodyPr/>
-          <a:lstStyle/>
-          <a:p>
-            <a:r>
-              <a:rPr lang="en-US" dirty="0" err="1" smtClean="0"/>
-              <a:t>CMaps</a:t>
-            </a:r>
-            <a:endParaRPr lang="en-GB" dirty="0"/>
-          </a:p>
-        </p:txBody>
-      </p:sp>
-      <p:sp>
-        <p:nvSpPr>
-          <p:cNvPr id="3" name="Content Placeholder 2"/>
-          <p:cNvSpPr>
-            <a:spLocks noGrp="1"/>
-          </p:cNvSpPr>
-          <p:nvPr>
-            <p:ph idx="1"/>
-          </p:nvPr>
-        </p:nvSpPr>
-        <p:spPr/>
-        <p:txBody>
-          <a:bodyPr/>
-          <a:lstStyle/>
-          <a:p>
-            <a:r>
-              <a:rPr lang="en-US" dirty="0" smtClean="0"/>
-              <a:t>To Unicode </a:t>
-            </a:r>
-            <a:r>
-              <a:rPr lang="en-US" dirty="0" err="1" smtClean="0"/>
-              <a:t>CMaps</a:t>
-            </a:r>
-            <a:endParaRPr lang="en-US" dirty="0"/>
-          </a:p>
-          <a:p>
-            <a:r>
-              <a:rPr lang="en-US" dirty="0" smtClean="0"/>
-              <a:t>Writing mode – Horizontal or Vertical</a:t>
-            </a:r>
-          </a:p>
-          <a:p>
-            <a:endParaRPr lang="en-US" dirty="0" smtClean="0"/>
-          </a:p>
-        </p:txBody>
-      </p:sp>
-    </p:spTree>
-    <p:extLst>
-      <p:ext uri="{BB962C8B-B14F-4D97-AF65-F5344CB8AC3E}">
-        <p14:creationId xmlns:p14="http://schemas.microsoft.com/office/powerpoint/2010/main" val="4290975082"/>
-      </p:ext>
-    </p:extLst>
-  </p:cSld>
-  <p:clrMapOvr>
-    <a:masterClrMapping/>
-  </p:clrMapOvr>
-  <p:transition spd="slow">
-    <p:wipe dir="d"/>
-  </p:transition>
-</p:sld>
-</file>
-
-<file path=ppt/slides/slide38.xml><?xml version="1.0" encoding="utf-8"?>
-<p:sld xmlns:a="http://schemas.openxmlformats.org/drawingml/2006/main" xmlns:r="http://schemas.openxmlformats.org/officeDocument/2006/relationships" xmlns:p="http://schemas.openxmlformats.org/presentationml/2006/main">
-  <p:cSld>
-    <p:spTree>
-      <p:nvGrpSpPr>
-        <p:cNvPr id="1" name=""/>
-        <p:cNvGrpSpPr/>
-        <p:nvPr/>
-      </p:nvGrpSpPr>
-      <p:grpSpPr>
-        <a:xfrm>
-          <a:off x="0" y="0"/>
-          <a:ext cx="0" cy="0"/>
-          <a:chOff x="0" y="0"/>
-          <a:chExt cx="0" cy="0"/>
-        </a:xfrm>
-      </p:grpSpPr>
-      <p:sp>
-        <p:nvSpPr>
-          <p:cNvPr id="2" name="Title 1"/>
-          <p:cNvSpPr>
-            <a:spLocks noGrp="1"/>
-          </p:cNvSpPr>
-          <p:nvPr>
-            <p:ph type="title"/>
-          </p:nvPr>
-        </p:nvSpPr>
-        <p:spPr/>
-        <p:txBody>
-          <a:bodyPr/>
-          <a:lstStyle/>
-          <a:p>
-            <a:r>
-              <a:rPr lang="en-US" dirty="0" smtClean="0"/>
-              <a:t>Graphics</a:t>
-            </a:r>
-            <a:endParaRPr lang="en-GB" dirty="0"/>
-          </a:p>
-        </p:txBody>
-      </p:sp>
-      <p:sp>
-        <p:nvSpPr>
-          <p:cNvPr id="3" name="Content Placeholder 2"/>
-          <p:cNvSpPr>
-            <a:spLocks noGrp="1"/>
-          </p:cNvSpPr>
-          <p:nvPr>
-            <p:ph idx="1"/>
-          </p:nvPr>
-        </p:nvSpPr>
-        <p:spPr/>
-        <p:txBody>
-          <a:bodyPr/>
-          <a:lstStyle/>
-          <a:p>
-            <a:endParaRPr lang="en-GB" dirty="0"/>
-          </a:p>
-        </p:txBody>
-      </p:sp>
-    </p:spTree>
-    <p:extLst>
-      <p:ext uri="{BB962C8B-B14F-4D97-AF65-F5344CB8AC3E}">
-        <p14:creationId xmlns:p14="http://schemas.microsoft.com/office/powerpoint/2010/main" val="739242346"/>
-      </p:ext>
-    </p:extLst>
-  </p:cSld>
-  <p:clrMapOvr>
-    <a:masterClrMapping/>
-  </p:clrMapOvr>
-  <p:transition spd="slow">
-    <p:wipe dir="d"/>
-  </p:transition>
-</p:sld>
-</file>
-
-<file path=ppt/slides/slide39.xml><?xml version="1.0" encoding="utf-8"?>
-<p:sld xmlns:a="http://schemas.openxmlformats.org/drawingml/2006/main" xmlns:r="http://schemas.openxmlformats.org/officeDocument/2006/relationships" xmlns:p="http://schemas.openxmlformats.org/presentationml/2006/main">
-  <p:cSld>
-    <p:spTree>
-      <p:nvGrpSpPr>
-        <p:cNvPr id="1" name=""/>
-        <p:cNvGrpSpPr/>
-        <p:nvPr/>
-      </p:nvGrpSpPr>
-      <p:grpSpPr>
-        <a:xfrm>
-          <a:off x="0" y="0"/>
-          <a:ext cx="0" cy="0"/>
-          <a:chOff x="0" y="0"/>
-          <a:chExt cx="0" cy="0"/>
-        </a:xfrm>
-      </p:grpSpPr>
-      <p:sp>
-        <p:nvSpPr>
-          <p:cNvPr id="2" name="Title 1"/>
-          <p:cNvSpPr>
-            <a:spLocks noGrp="1"/>
-          </p:cNvSpPr>
-          <p:nvPr>
-            <p:ph type="title"/>
-          </p:nvPr>
-        </p:nvSpPr>
-        <p:spPr/>
-        <p:txBody>
-          <a:bodyPr/>
-          <a:lstStyle/>
-          <a:p>
-            <a:r>
-              <a:rPr lang="en-US" dirty="0" smtClean="0"/>
-              <a:t>Color </a:t>
-            </a:r>
-            <a:r>
-              <a:rPr lang="en-US" dirty="0"/>
-              <a:t>S</a:t>
-            </a:r>
-            <a:r>
-              <a:rPr lang="en-US" dirty="0" smtClean="0"/>
-              <a:t>paces</a:t>
-            </a:r>
-            <a:endParaRPr lang="en-GB" dirty="0"/>
-          </a:p>
-        </p:txBody>
-      </p:sp>
-      <p:sp>
-        <p:nvSpPr>
-          <p:cNvPr id="3" name="Content Placeholder 2"/>
-          <p:cNvSpPr>
-            <a:spLocks noGrp="1"/>
-          </p:cNvSpPr>
-          <p:nvPr>
-            <p:ph idx="1"/>
-          </p:nvPr>
-        </p:nvSpPr>
-        <p:spPr/>
-        <p:txBody>
-          <a:bodyPr/>
-          <a:lstStyle/>
-          <a:p>
-            <a:r>
-              <a:rPr lang="en-US" dirty="0" smtClean="0"/>
-              <a:t>Color specification</a:t>
-            </a:r>
-          </a:p>
-          <a:p>
-            <a:pPr lvl="1"/>
-            <a:r>
-              <a:rPr lang="en-US" dirty="0" smtClean="0"/>
-              <a:t>Device color representation (grayscale, RGB, CMYK)</a:t>
-            </a:r>
-          </a:p>
-          <a:p>
-            <a:pPr lvl="1"/>
-            <a:r>
-              <a:rPr lang="en-US" dirty="0" smtClean="0"/>
-              <a:t>Human visual perception (CIE-based)</a:t>
-            </a:r>
-          </a:p>
-          <a:p>
-            <a:r>
-              <a:rPr lang="en-US" dirty="0" smtClean="0"/>
-              <a:t>Color rendering</a:t>
-            </a:r>
-          </a:p>
-          <a:p>
-            <a:pPr lvl="1"/>
-            <a:r>
-              <a:rPr lang="en-US" dirty="0" smtClean="0"/>
-              <a:t>Device dependent</a:t>
-            </a:r>
-          </a:p>
-          <a:p>
-            <a:pPr lvl="1"/>
-            <a:r>
-              <a:rPr lang="en-US" dirty="0" smtClean="0"/>
-              <a:t>Some combination of color conversion, gamma correction, </a:t>
-            </a:r>
-            <a:r>
-              <a:rPr lang="en-US" dirty="0" err="1" smtClean="0"/>
-              <a:t>halftoning</a:t>
-            </a:r>
-            <a:r>
-              <a:rPr lang="en-US" dirty="0" smtClean="0"/>
-              <a:t>, and scan conversion.</a:t>
-            </a:r>
-            <a:endParaRPr lang="en-GB" dirty="0"/>
-          </a:p>
-        </p:txBody>
-      </p:sp>
-    </p:spTree>
-    <p:extLst>
-      <p:ext uri="{BB962C8B-B14F-4D97-AF65-F5344CB8AC3E}">
-        <p14:creationId xmlns:p14="http://schemas.microsoft.com/office/powerpoint/2010/main" val="2627106515"/>
-      </p:ext>
-    </p:extLst>
-  </p:cSld>
-  <p:clrMapOvr>
-    <a:masterClrMapping/>
-  </p:clrMapOvr>
-  <p:transition spd="slow">
-    <p:wipe dir="d"/>
-  </p:transition>
-</p:sld>
-</file>
-
-<file path=ppt/slides/slide4.xml><?xml version="1.0" encoding="utf-8"?>
+<file path=ppt/slides/slide7.xml><?xml version="1.0" encoding="utf-8"?>
 <p:sld xmlns:a="http://schemas.openxmlformats.org/drawingml/2006/main" xmlns:r="http://schemas.openxmlformats.org/officeDocument/2006/relationships" xmlns:p="http://schemas.openxmlformats.org/presentationml/2006/main">
   <p:cSld>
     <p:spTree>
@@ -10565,1061 +14021,6 @@
 </p:sld>
 </file>
 
-<file path=ppt/slides/slide40.xml><?xml version="1.0" encoding="utf-8"?>
-<p:sld xmlns:a="http://schemas.openxmlformats.org/drawingml/2006/main" xmlns:r="http://schemas.openxmlformats.org/officeDocument/2006/relationships" xmlns:p="http://schemas.openxmlformats.org/presentationml/2006/main">
-  <p:cSld>
-    <p:spTree>
-      <p:nvGrpSpPr>
-        <p:cNvPr id="1" name=""/>
-        <p:cNvGrpSpPr/>
-        <p:nvPr/>
-      </p:nvGrpSpPr>
-      <p:grpSpPr>
-        <a:xfrm>
-          <a:off x="0" y="0"/>
-          <a:ext cx="0" cy="0"/>
-          <a:chOff x="0" y="0"/>
-          <a:chExt cx="0" cy="0"/>
-        </a:xfrm>
-      </p:grpSpPr>
-      <p:sp>
-        <p:nvSpPr>
-          <p:cNvPr id="2" name="Title 1"/>
-          <p:cNvSpPr>
-            <a:spLocks noGrp="1"/>
-          </p:cNvSpPr>
-          <p:nvPr>
-            <p:ph type="title"/>
-          </p:nvPr>
-        </p:nvSpPr>
-        <p:spPr/>
-        <p:txBody>
-          <a:bodyPr/>
-          <a:lstStyle/>
-          <a:p>
-            <a:r>
-              <a:rPr lang="en-US" dirty="0" smtClean="0"/>
-              <a:t>Color spaces</a:t>
-            </a:r>
-            <a:endParaRPr lang="en-GB" dirty="0"/>
-          </a:p>
-        </p:txBody>
-      </p:sp>
-      <p:sp>
-        <p:nvSpPr>
-          <p:cNvPr id="3" name="Content Placeholder 2"/>
-          <p:cNvSpPr>
-            <a:spLocks noGrp="1"/>
-          </p:cNvSpPr>
-          <p:nvPr>
-            <p:ph idx="1"/>
-          </p:nvPr>
-        </p:nvSpPr>
-        <p:spPr/>
-        <p:txBody>
-          <a:bodyPr/>
-          <a:lstStyle/>
-          <a:p>
-            <a:r>
-              <a:rPr lang="en-US" dirty="0" smtClean="0"/>
-              <a:t>Color Space Families</a:t>
-            </a:r>
-          </a:p>
-          <a:p>
-            <a:pPr lvl="1"/>
-            <a:r>
-              <a:rPr lang="en-US" dirty="0" smtClean="0"/>
-              <a:t>Device color spaces</a:t>
-            </a:r>
-            <a:r>
-              <a:rPr lang="en-GB" dirty="0" smtClean="0"/>
-              <a:t> </a:t>
-            </a:r>
-            <a:endParaRPr lang="en-US" dirty="0"/>
-          </a:p>
-          <a:p>
-            <a:pPr lvl="2"/>
-            <a:r>
-              <a:rPr lang="en-US" dirty="0" err="1" smtClean="0"/>
-              <a:t>DeviceGray</a:t>
-            </a:r>
-            <a:r>
-              <a:rPr lang="en-US" dirty="0" smtClean="0"/>
-              <a:t>, </a:t>
-            </a:r>
-            <a:r>
-              <a:rPr lang="en-US" dirty="0" err="1" smtClean="0"/>
-              <a:t>DeviceRGB</a:t>
-            </a:r>
-            <a:r>
-              <a:rPr lang="en-US" dirty="0" smtClean="0"/>
-              <a:t>, </a:t>
-            </a:r>
-            <a:r>
-              <a:rPr lang="en-US" dirty="0" err="1" smtClean="0"/>
-              <a:t>DeviceCMYK</a:t>
-            </a:r>
-            <a:endParaRPr lang="en-US" dirty="0"/>
-          </a:p>
-          <a:p>
-            <a:pPr lvl="1"/>
-            <a:r>
-              <a:rPr lang="en-US" dirty="0" smtClean="0"/>
-              <a:t>CIE-based color spaces</a:t>
-            </a:r>
-          </a:p>
-          <a:p>
-            <a:pPr lvl="2"/>
-            <a:r>
-              <a:rPr lang="en-US" dirty="0" err="1" smtClean="0"/>
-              <a:t>CalGray</a:t>
-            </a:r>
-            <a:r>
-              <a:rPr lang="en-US" dirty="0" smtClean="0"/>
-              <a:t>, </a:t>
-            </a:r>
-            <a:r>
-              <a:rPr lang="en-US" dirty="0" err="1" smtClean="0"/>
-              <a:t>CalRBG</a:t>
-            </a:r>
-            <a:r>
-              <a:rPr lang="en-US" dirty="0" smtClean="0"/>
-              <a:t>, Lab, </a:t>
-            </a:r>
-            <a:r>
-              <a:rPr lang="en-US" dirty="0" err="1" smtClean="0"/>
-              <a:t>ICCBased</a:t>
-            </a:r>
-            <a:endParaRPr lang="en-US" dirty="0" smtClean="0"/>
-          </a:p>
-          <a:p>
-            <a:pPr lvl="1"/>
-            <a:r>
-              <a:rPr lang="en-US" dirty="0" smtClean="0"/>
-              <a:t>Special color spaces</a:t>
-            </a:r>
-          </a:p>
-          <a:p>
-            <a:pPr lvl="2"/>
-            <a:r>
-              <a:rPr lang="en-US" dirty="0" smtClean="0"/>
-              <a:t>Pattern, Indexed, Separation, </a:t>
-            </a:r>
-            <a:r>
-              <a:rPr lang="en-US" dirty="0" err="1" smtClean="0"/>
-              <a:t>DeviceN</a:t>
-            </a:r>
-            <a:endParaRPr lang="en-US" dirty="0"/>
-          </a:p>
-          <a:p>
-            <a:pPr lvl="1"/>
-            <a:endParaRPr lang="en-GB" dirty="0" smtClean="0"/>
-          </a:p>
-        </p:txBody>
-      </p:sp>
-    </p:spTree>
-    <p:extLst>
-      <p:ext uri="{BB962C8B-B14F-4D97-AF65-F5344CB8AC3E}">
-        <p14:creationId xmlns:p14="http://schemas.microsoft.com/office/powerpoint/2010/main" val="821332175"/>
-      </p:ext>
-    </p:extLst>
-  </p:cSld>
-  <p:clrMapOvr>
-    <a:masterClrMapping/>
-  </p:clrMapOvr>
-  <p:transition spd="slow">
-    <p:wipe dir="d"/>
-  </p:transition>
-</p:sld>
-</file>
-
-<file path=ppt/slides/slide41.xml><?xml version="1.0" encoding="utf-8"?>
-<p:sld xmlns:a="http://schemas.openxmlformats.org/drawingml/2006/main" xmlns:r="http://schemas.openxmlformats.org/officeDocument/2006/relationships" xmlns:p="http://schemas.openxmlformats.org/presentationml/2006/main">
-  <p:cSld>
-    <p:spTree>
-      <p:nvGrpSpPr>
-        <p:cNvPr id="1" name=""/>
-        <p:cNvGrpSpPr/>
-        <p:nvPr/>
-      </p:nvGrpSpPr>
-      <p:grpSpPr>
-        <a:xfrm>
-          <a:off x="0" y="0"/>
-          <a:ext cx="0" cy="0"/>
-          <a:chOff x="0" y="0"/>
-          <a:chExt cx="0" cy="0"/>
-        </a:xfrm>
-      </p:grpSpPr>
-      <p:sp>
-        <p:nvSpPr>
-          <p:cNvPr id="2" name="Title 1"/>
-          <p:cNvSpPr>
-            <a:spLocks noGrp="1"/>
-          </p:cNvSpPr>
-          <p:nvPr>
-            <p:ph type="title"/>
-          </p:nvPr>
-        </p:nvSpPr>
-        <p:spPr/>
-        <p:txBody>
-          <a:bodyPr/>
-          <a:lstStyle/>
-          <a:p>
-            <a:r>
-              <a:rPr lang="en-US" dirty="0" smtClean="0"/>
-              <a:t>Encryption</a:t>
-            </a:r>
-            <a:endParaRPr lang="en-GB" dirty="0"/>
-          </a:p>
-        </p:txBody>
-      </p:sp>
-      <p:sp>
-        <p:nvSpPr>
-          <p:cNvPr id="3" name="Content Placeholder 2"/>
-          <p:cNvSpPr>
-            <a:spLocks noGrp="1"/>
-          </p:cNvSpPr>
-          <p:nvPr>
-            <p:ph idx="1"/>
-          </p:nvPr>
-        </p:nvSpPr>
-        <p:spPr/>
-        <p:txBody>
-          <a:bodyPr/>
-          <a:lstStyle/>
-          <a:p>
-            <a:r>
-              <a:rPr lang="en-US" dirty="0" smtClean="0"/>
-              <a:t>Encryption applies to all strings and streams in the document’s PDF file, but not to other object types.</a:t>
-            </a:r>
-          </a:p>
-          <a:p>
-            <a:endParaRPr lang="en-GB" dirty="0"/>
-          </a:p>
-        </p:txBody>
-      </p:sp>
-    </p:spTree>
-    <p:extLst>
-      <p:ext uri="{BB962C8B-B14F-4D97-AF65-F5344CB8AC3E}">
-        <p14:creationId xmlns:p14="http://schemas.microsoft.com/office/powerpoint/2010/main" val="3869865967"/>
-      </p:ext>
-    </p:extLst>
-  </p:cSld>
-  <p:clrMapOvr>
-    <a:masterClrMapping/>
-  </p:clrMapOvr>
-  <p:transition spd="slow">
-    <p:wipe dir="d"/>
-  </p:transition>
-</p:sld>
-</file>
-
-<file path=ppt/slides/slide42.xml><?xml version="1.0" encoding="utf-8"?>
-<p:sld xmlns:a="http://schemas.openxmlformats.org/drawingml/2006/main" xmlns:r="http://schemas.openxmlformats.org/officeDocument/2006/relationships" xmlns:p="http://schemas.openxmlformats.org/presentationml/2006/main">
-  <p:cSld>
-    <p:spTree>
-      <p:nvGrpSpPr>
-        <p:cNvPr id="1" name=""/>
-        <p:cNvGrpSpPr/>
-        <p:nvPr/>
-      </p:nvGrpSpPr>
-      <p:grpSpPr>
-        <a:xfrm>
-          <a:off x="0" y="0"/>
-          <a:ext cx="0" cy="0"/>
-          <a:chOff x="0" y="0"/>
-          <a:chExt cx="0" cy="0"/>
-        </a:xfrm>
-      </p:grpSpPr>
-      <p:sp>
-        <p:nvSpPr>
-          <p:cNvPr id="2" name="Title 1"/>
-          <p:cNvSpPr>
-            <a:spLocks noGrp="1"/>
-          </p:cNvSpPr>
-          <p:nvPr>
-            <p:ph type="title"/>
-          </p:nvPr>
-        </p:nvSpPr>
-        <p:spPr/>
-        <p:txBody>
-          <a:bodyPr/>
-          <a:lstStyle/>
-          <a:p>
-            <a:r>
-              <a:rPr lang="en-US" dirty="0" smtClean="0"/>
-              <a:t>Encryption</a:t>
-            </a:r>
-            <a:endParaRPr lang="en-GB" dirty="0"/>
-          </a:p>
-        </p:txBody>
-      </p:sp>
-      <p:sp>
-        <p:nvSpPr>
-          <p:cNvPr id="3" name="Content Placeholder 2"/>
-          <p:cNvSpPr>
-            <a:spLocks noGrp="1"/>
-          </p:cNvSpPr>
-          <p:nvPr>
-            <p:ph idx="1"/>
-          </p:nvPr>
-        </p:nvSpPr>
-        <p:spPr/>
-        <p:txBody>
-          <a:bodyPr/>
-          <a:lstStyle/>
-          <a:p>
-            <a:r>
-              <a:rPr lang="en-US" dirty="0" smtClean="0"/>
-              <a:t>Owner password, user password</a:t>
-            </a:r>
-          </a:p>
-          <a:p>
-            <a:pPr lvl="1"/>
-            <a:r>
-              <a:rPr lang="en-US" dirty="0" smtClean="0"/>
-              <a:t>Opening the document with owner password allow full access to the document.</a:t>
-            </a:r>
-          </a:p>
-          <a:p>
-            <a:pPr lvl="1"/>
-            <a:r>
-              <a:rPr lang="en-US" dirty="0" smtClean="0"/>
-              <a:t>Opening the document with the correct user password allows additional operations to be performed according to the user access permission specified in the document’s encryption dictionary.</a:t>
-            </a:r>
-            <a:endParaRPr lang="en-GB" dirty="0"/>
-          </a:p>
-        </p:txBody>
-      </p:sp>
-    </p:spTree>
-    <p:extLst>
-      <p:ext uri="{BB962C8B-B14F-4D97-AF65-F5344CB8AC3E}">
-        <p14:creationId xmlns:p14="http://schemas.microsoft.com/office/powerpoint/2010/main" val="943106465"/>
-      </p:ext>
-    </p:extLst>
-  </p:cSld>
-  <p:clrMapOvr>
-    <a:masterClrMapping/>
-  </p:clrMapOvr>
-  <p:transition spd="slow">
-    <p:wipe dir="d"/>
-  </p:transition>
-</p:sld>
-</file>
-
-<file path=ppt/slides/slide43.xml><?xml version="1.0" encoding="utf-8"?>
-<p:sld xmlns:a="http://schemas.openxmlformats.org/drawingml/2006/main" xmlns:r="http://schemas.openxmlformats.org/officeDocument/2006/relationships" xmlns:p="http://schemas.openxmlformats.org/presentationml/2006/main">
-  <p:cSld>
-    <p:spTree>
-      <p:nvGrpSpPr>
-        <p:cNvPr id="1" name=""/>
-        <p:cNvGrpSpPr/>
-        <p:nvPr/>
-      </p:nvGrpSpPr>
-      <p:grpSpPr>
-        <a:xfrm>
-          <a:off x="0" y="0"/>
-          <a:ext cx="0" cy="0"/>
-          <a:chOff x="0" y="0"/>
-          <a:chExt cx="0" cy="0"/>
-        </a:xfrm>
-      </p:grpSpPr>
-      <p:sp>
-        <p:nvSpPr>
-          <p:cNvPr id="2" name="Title 1"/>
-          <p:cNvSpPr>
-            <a:spLocks noGrp="1"/>
-          </p:cNvSpPr>
-          <p:nvPr>
-            <p:ph type="title"/>
-          </p:nvPr>
-        </p:nvSpPr>
-        <p:spPr/>
-        <p:txBody>
-          <a:bodyPr/>
-          <a:lstStyle/>
-          <a:p>
-            <a:r>
-              <a:rPr lang="en-US" dirty="0" smtClean="0"/>
-              <a:t>Encryption</a:t>
-            </a:r>
-            <a:endParaRPr lang="en-GB" dirty="0"/>
-          </a:p>
-        </p:txBody>
-      </p:sp>
-      <p:sp>
-        <p:nvSpPr>
-          <p:cNvPr id="3" name="Content Placeholder 2"/>
-          <p:cNvSpPr>
-            <a:spLocks noGrp="1"/>
-          </p:cNvSpPr>
-          <p:nvPr>
-            <p:ph idx="1"/>
-          </p:nvPr>
-        </p:nvSpPr>
-        <p:spPr/>
-        <p:txBody>
-          <a:bodyPr/>
-          <a:lstStyle/>
-          <a:p>
-            <a:r>
-              <a:rPr lang="en-US" dirty="0" smtClean="0"/>
-              <a:t>Is the user password really helpful?</a:t>
-            </a:r>
-            <a:endParaRPr lang="en-GB" dirty="0"/>
-          </a:p>
-        </p:txBody>
-      </p:sp>
-      <p:pic>
-        <p:nvPicPr>
-          <p:cNvPr id="1026" name="Picture 2"/>
-          <p:cNvPicPr>
-            <a:picLocks noChangeAspect="1" noChangeArrowheads="1"/>
-          </p:cNvPicPr>
-          <p:nvPr/>
-        </p:nvPicPr>
-        <p:blipFill>
-          <a:blip r:embed="rId2">
-            <a:extLst>
-              <a:ext uri="{28A0092B-C50C-407E-A947-70E740481C1C}">
-                <a14:useLocalDpi xmlns:a14="http://schemas.microsoft.com/office/drawing/2010/main" val="0"/>
-              </a:ext>
-            </a:extLst>
-          </a:blip>
-          <a:srcRect/>
-          <a:stretch>
-            <a:fillRect/>
-          </a:stretch>
-        </p:blipFill>
-        <p:spPr bwMode="auto">
-          <a:xfrm>
-            <a:off x="1547664" y="2636912"/>
-            <a:ext cx="6566798" cy="2742604"/>
-          </a:xfrm>
-          <a:prstGeom prst="rect">
-            <a:avLst/>
-          </a:prstGeom>
-          <a:noFill/>
-          <a:ln>
-            <a:noFill/>
-          </a:ln>
-          <a:effectLst/>
-          <a:extLst>
-            <a:ext uri="{909E8E84-426E-40DD-AFC4-6F175D3DCCD1}">
-              <a14:hiddenFill xmlns:a14="http://schemas.microsoft.com/office/drawing/2010/main">
-                <a:solidFill>
-                  <a:schemeClr val="accent1"/>
-                </a:solidFill>
-              </a14:hiddenFill>
-            </a:ext>
-            <a:ext uri="{91240B29-F687-4F45-9708-019B960494DF}">
-              <a14:hiddenLine xmlns:a14="http://schemas.microsoft.com/office/drawing/2010/main" w="9525">
-                <a:solidFill>
-                  <a:schemeClr val="tx1"/>
-                </a:solidFill>
-                <a:miter lim="800000"/>
-                <a:headEnd/>
-                <a:tailEnd/>
-              </a14:hiddenLine>
-            </a:ext>
-            <a:ext uri="{AF507438-7753-43E0-B8FC-AC1667EBCBE1}">
-              <a14:hiddenEffects xmlns:a14="http://schemas.microsoft.com/office/drawing/2010/main">
-                <a:effectLst>
-                  <a:outerShdw dist="35921" dir="2700000" algn="ctr" rotWithShape="0">
-                    <a:schemeClr val="bg2"/>
-                  </a:outerShdw>
-                </a:effectLst>
-              </a14:hiddenEffects>
-            </a:ext>
-          </a:extLst>
-        </p:spPr>
-      </p:pic>
-    </p:spTree>
-    <p:extLst>
-      <p:ext uri="{BB962C8B-B14F-4D97-AF65-F5344CB8AC3E}">
-        <p14:creationId xmlns:p14="http://schemas.microsoft.com/office/powerpoint/2010/main" val="2554055652"/>
-      </p:ext>
-    </p:extLst>
-  </p:cSld>
-  <p:clrMapOvr>
-    <a:masterClrMapping/>
-  </p:clrMapOvr>
-  <p:transition spd="slow">
-    <p:wipe dir="d"/>
-  </p:transition>
-</p:sld>
-</file>
-
-<file path=ppt/slides/slide5.xml><?xml version="1.0" encoding="utf-8"?>
-<p:sld xmlns:a="http://schemas.openxmlformats.org/drawingml/2006/main" xmlns:r="http://schemas.openxmlformats.org/officeDocument/2006/relationships" xmlns:p="http://schemas.openxmlformats.org/presentationml/2006/main">
-  <p:cSld>
-    <p:spTree>
-      <p:nvGrpSpPr>
-        <p:cNvPr id="1" name=""/>
-        <p:cNvGrpSpPr/>
-        <p:nvPr/>
-      </p:nvGrpSpPr>
-      <p:grpSpPr>
-        <a:xfrm>
-          <a:off x="0" y="0"/>
-          <a:ext cx="0" cy="0"/>
-          <a:chOff x="0" y="0"/>
-          <a:chExt cx="0" cy="0"/>
-        </a:xfrm>
-      </p:grpSpPr>
-      <p:pic>
-        <p:nvPicPr>
-          <p:cNvPr id="6" name="Picture 5"/>
-          <p:cNvPicPr>
-            <a:picLocks noChangeAspect="1"/>
-          </p:cNvPicPr>
-          <p:nvPr/>
-        </p:nvPicPr>
-        <p:blipFill>
-          <a:blip r:embed="rId3" cstate="email">
-            <a:extLst>
-              <a:ext uri="{28A0092B-C50C-407E-A947-70E740481C1C}">
-                <a14:useLocalDpi xmlns:a14="http://schemas.microsoft.com/office/drawing/2010/main"/>
-              </a:ext>
-            </a:extLst>
-          </a:blip>
-          <a:stretch>
-            <a:fillRect/>
-          </a:stretch>
-        </p:blipFill>
-        <p:spPr>
-          <a:xfrm>
-            <a:off x="-4963332" y="-6858000"/>
-            <a:ext cx="7765662" cy="16476125"/>
-          </a:xfrm>
-          <a:prstGeom prst="rect">
-            <a:avLst/>
-          </a:prstGeom>
-        </p:spPr>
-      </p:pic>
-      <p:pic>
-        <p:nvPicPr>
-          <p:cNvPr id="13" name="Picture 12"/>
-          <p:cNvPicPr>
-            <a:picLocks noChangeAspect="1"/>
-          </p:cNvPicPr>
-          <p:nvPr/>
-        </p:nvPicPr>
-        <p:blipFill rotWithShape="1">
-          <a:blip r:embed="rId4" cstate="email">
-            <a:extLst>
-              <a:ext uri="{28A0092B-C50C-407E-A947-70E740481C1C}">
-                <a14:useLocalDpi xmlns:a14="http://schemas.microsoft.com/office/drawing/2010/main"/>
-              </a:ext>
-            </a:extLst>
-          </a:blip>
-          <a:srcRect/>
-          <a:stretch/>
-        </p:blipFill>
-        <p:spPr>
-          <a:xfrm rot="20753331" flipH="1">
-            <a:off x="-316180" y="3775286"/>
-            <a:ext cx="2895600" cy="3390489"/>
-          </a:xfrm>
-          <a:prstGeom prst="rect">
-            <a:avLst/>
-          </a:prstGeom>
-        </p:spPr>
-      </p:pic>
-      <p:sp>
-        <p:nvSpPr>
-          <p:cNvPr id="5" name="TextBox 4"/>
-          <p:cNvSpPr txBox="1"/>
-          <p:nvPr/>
-        </p:nvSpPr>
-        <p:spPr>
-          <a:xfrm>
-            <a:off x="899592" y="476672"/>
-            <a:ext cx="7416824" cy="864096"/>
-          </a:xfrm>
-          <a:prstGeom prst="rect">
-            <a:avLst/>
-          </a:prstGeom>
-          <a:noFill/>
-        </p:spPr>
-        <p:txBody>
-          <a:bodyPr wrap="square" rtlCol="0">
-            <a:normAutofit fontScale="85000" lnSpcReduction="20000"/>
-          </a:bodyPr>
-          <a:lstStyle/>
-          <a:p>
-            <a:r>
-              <a:rPr lang="en-US" sz="7200" dirty="0" smtClean="0"/>
-              <a:t>Parse</a:t>
-            </a:r>
-          </a:p>
-        </p:txBody>
-      </p:sp>
-      <p:pic>
-        <p:nvPicPr>
-          <p:cNvPr id="4098" name="Picture 2" descr="C:\Users\lim16\Desktop\order4.jpg"/>
-          <p:cNvPicPr>
-            <a:picLocks noChangeAspect="1" noChangeArrowheads="1"/>
-          </p:cNvPicPr>
-          <p:nvPr/>
-        </p:nvPicPr>
-        <p:blipFill>
-          <a:blip r:embed="rId5">
-            <a:extLst>
-              <a:ext uri="{28A0092B-C50C-407E-A947-70E740481C1C}">
-                <a14:useLocalDpi xmlns:a14="http://schemas.microsoft.com/office/drawing/2010/main" val="0"/>
-              </a:ext>
-            </a:extLst>
-          </a:blip>
-          <a:srcRect/>
-          <a:stretch>
-            <a:fillRect/>
-          </a:stretch>
-        </p:blipFill>
-        <p:spPr bwMode="auto">
-          <a:xfrm>
-            <a:off x="1403648" y="1536705"/>
-            <a:ext cx="6143625" cy="3933825"/>
-          </a:xfrm>
-          <a:prstGeom prst="rect">
-            <a:avLst/>
-          </a:prstGeom>
-          <a:noFill/>
-          <a:extLst>
-            <a:ext uri="{909E8E84-426E-40DD-AFC4-6F175D3DCCD1}">
-              <a14:hiddenFill xmlns:a14="http://schemas.microsoft.com/office/drawing/2010/main">
-                <a:solidFill>
-                  <a:srgbClr val="FFFFFF"/>
-                </a:solidFill>
-              </a14:hiddenFill>
-            </a:ext>
-          </a:extLst>
-        </p:spPr>
-      </p:pic>
-    </p:spTree>
-  </p:cSld>
-  <p:clrMapOvr>
-    <a:masterClrMapping/>
-  </p:clrMapOvr>
-  <p:transition spd="slow">
-    <p:push dir="u"/>
-  </p:transition>
-  <p:timing>
-    <p:tnLst>
-      <p:par>
-        <p:cTn id="1" dur="indefinite" restart="never" nodeType="tmRoot"/>
-      </p:par>
-    </p:tnLst>
-  </p:timing>
-</p:sld>
-</file>
-
-<file path=ppt/slides/slide6.xml><?xml version="1.0" encoding="utf-8"?>
-<p:sld xmlns:a="http://schemas.openxmlformats.org/drawingml/2006/main" xmlns:r="http://schemas.openxmlformats.org/officeDocument/2006/relationships" xmlns:p="http://schemas.openxmlformats.org/presentationml/2006/main">
-  <p:cSld>
-    <p:spTree>
-      <p:nvGrpSpPr>
-        <p:cNvPr id="1" name=""/>
-        <p:cNvGrpSpPr/>
-        <p:nvPr/>
-      </p:nvGrpSpPr>
-      <p:grpSpPr>
-        <a:xfrm>
-          <a:off x="0" y="0"/>
-          <a:ext cx="0" cy="0"/>
-          <a:chOff x="0" y="0"/>
-          <a:chExt cx="0" cy="0"/>
-        </a:xfrm>
-      </p:grpSpPr>
-      <p:pic>
-        <p:nvPicPr>
-          <p:cNvPr id="6" name="Picture 5"/>
-          <p:cNvPicPr>
-            <a:picLocks noChangeAspect="1"/>
-          </p:cNvPicPr>
-          <p:nvPr/>
-        </p:nvPicPr>
-        <p:blipFill>
-          <a:blip r:embed="rId3" cstate="email">
-            <a:extLst>
-              <a:ext uri="{28A0092B-C50C-407E-A947-70E740481C1C}">
-                <a14:useLocalDpi xmlns:a14="http://schemas.microsoft.com/office/drawing/2010/main"/>
-              </a:ext>
-            </a:extLst>
-          </a:blip>
-          <a:stretch>
-            <a:fillRect/>
-          </a:stretch>
-        </p:blipFill>
-        <p:spPr>
-          <a:xfrm>
-            <a:off x="-4963332" y="-6858000"/>
-            <a:ext cx="7765662" cy="16476125"/>
-          </a:xfrm>
-          <a:prstGeom prst="rect">
-            <a:avLst/>
-          </a:prstGeom>
-        </p:spPr>
-      </p:pic>
-      <p:pic>
-        <p:nvPicPr>
-          <p:cNvPr id="13" name="Picture 12"/>
-          <p:cNvPicPr>
-            <a:picLocks noChangeAspect="1"/>
-          </p:cNvPicPr>
-          <p:nvPr/>
-        </p:nvPicPr>
-        <p:blipFill rotWithShape="1">
-          <a:blip r:embed="rId4" cstate="email">
-            <a:extLst>
-              <a:ext uri="{28A0092B-C50C-407E-A947-70E740481C1C}">
-                <a14:useLocalDpi xmlns:a14="http://schemas.microsoft.com/office/drawing/2010/main"/>
-              </a:ext>
-            </a:extLst>
-          </a:blip>
-          <a:srcRect/>
-          <a:stretch/>
-        </p:blipFill>
-        <p:spPr>
-          <a:xfrm rot="20753331" flipH="1">
-            <a:off x="-316180" y="3775286"/>
-            <a:ext cx="2895600" cy="3390489"/>
-          </a:xfrm>
-          <a:prstGeom prst="rect">
-            <a:avLst/>
-          </a:prstGeom>
-        </p:spPr>
-      </p:pic>
-      <p:sp>
-        <p:nvSpPr>
-          <p:cNvPr id="5" name="TextBox 4"/>
-          <p:cNvSpPr txBox="1"/>
-          <p:nvPr/>
-        </p:nvSpPr>
-        <p:spPr>
-          <a:xfrm>
-            <a:off x="899592" y="476672"/>
-            <a:ext cx="7416824" cy="864096"/>
-          </a:xfrm>
-          <a:prstGeom prst="rect">
-            <a:avLst/>
-          </a:prstGeom>
-          <a:noFill/>
-        </p:spPr>
-        <p:txBody>
-          <a:bodyPr wrap="square" rtlCol="0">
-            <a:normAutofit fontScale="85000" lnSpcReduction="20000"/>
-          </a:bodyPr>
-          <a:lstStyle/>
-          <a:p>
-            <a:r>
-              <a:rPr lang="en-US" sz="7200" dirty="0" smtClean="0"/>
-              <a:t>Technical foundations</a:t>
-            </a:r>
-          </a:p>
-        </p:txBody>
-      </p:sp>
-      <p:sp>
-        <p:nvSpPr>
-          <p:cNvPr id="2" name="TextBox 1"/>
-          <p:cNvSpPr txBox="1"/>
-          <p:nvPr/>
-        </p:nvSpPr>
-        <p:spPr>
-          <a:xfrm>
-            <a:off x="899592" y="1405973"/>
-            <a:ext cx="7776864" cy="3785652"/>
-          </a:xfrm>
-          <a:prstGeom prst="rect">
-            <a:avLst/>
-          </a:prstGeom>
-          <a:noFill/>
-        </p:spPr>
-        <p:txBody>
-          <a:bodyPr wrap="square" rtlCol="0">
-            <a:spAutoFit/>
-          </a:bodyPr>
-          <a:lstStyle/>
-          <a:p>
-            <a:pPr marL="285750" indent="-285750">
-              <a:buFont typeface="Arial" pitchFamily="34" charset="0"/>
-              <a:buChar char="•"/>
-            </a:pPr>
-            <a:r>
-              <a:rPr lang="en-US" sz="2400" dirty="0" smtClean="0"/>
-              <a:t>Adobe holds the patents to PDF</a:t>
-            </a:r>
-          </a:p>
-          <a:p>
-            <a:pPr marL="285750" indent="-285750">
-              <a:buFont typeface="Arial" pitchFamily="34" charset="0"/>
-              <a:buChar char="•"/>
-            </a:pPr>
-            <a:r>
-              <a:rPr lang="en-US" sz="2400" dirty="0" smtClean="0"/>
-              <a:t>Licenses royalty-free</a:t>
-            </a:r>
-          </a:p>
-          <a:p>
-            <a:pPr marL="285750" indent="-285750">
-              <a:buFont typeface="Arial" pitchFamily="34" charset="0"/>
-              <a:buChar char="•"/>
-            </a:pPr>
-            <a:r>
-              <a:rPr lang="en-US" sz="2400" dirty="0" smtClean="0"/>
-              <a:t>The PDF combines three technologies:</a:t>
-            </a:r>
-          </a:p>
-          <a:p>
-            <a:pPr marL="742950" lvl="1" indent="-285750">
-              <a:buFont typeface="Arial" pitchFamily="34" charset="0"/>
-              <a:buChar char="•"/>
-            </a:pPr>
-            <a:r>
-              <a:rPr lang="en-US" sz="2400" dirty="0" smtClean="0"/>
-              <a:t>A subset of the PostScript description programming language, for generating the layout and graphics.</a:t>
-            </a:r>
-          </a:p>
-          <a:p>
-            <a:pPr marL="742950" lvl="1" indent="-285750">
-              <a:buFont typeface="Arial" pitchFamily="34" charset="0"/>
-              <a:buChar char="•"/>
-            </a:pPr>
-            <a:r>
-              <a:rPr lang="en-US" sz="2400" dirty="0" smtClean="0"/>
-              <a:t>A font-embedding/replacement system to allow fonts to travel with the documents.</a:t>
-            </a:r>
-          </a:p>
-          <a:p>
-            <a:pPr marL="742950" lvl="1" indent="-285750">
-              <a:buFont typeface="Arial" pitchFamily="34" charset="0"/>
-              <a:buChar char="•"/>
-            </a:pPr>
-            <a:r>
-              <a:rPr lang="en-US" sz="2400" dirty="0" smtClean="0"/>
-              <a:t>A structured storage system to bundle these elements and any associated content into a single file, with data compression where appropriate</a:t>
-            </a:r>
-            <a:r>
-              <a:rPr lang="en-US" dirty="0" smtClean="0"/>
-              <a:t>.</a:t>
-            </a:r>
-            <a:endParaRPr lang="en-GB" dirty="0"/>
-          </a:p>
-        </p:txBody>
-      </p:sp>
-    </p:spTree>
-    <p:extLst>
-      <p:ext uri="{BB962C8B-B14F-4D97-AF65-F5344CB8AC3E}">
-        <p14:creationId xmlns:p14="http://schemas.microsoft.com/office/powerpoint/2010/main" val="2878397407"/>
-      </p:ext>
-    </p:extLst>
-  </p:cSld>
-  <p:clrMapOvr>
-    <a:masterClrMapping/>
-  </p:clrMapOvr>
-  <p:transition spd="slow">
-    <p:push dir="u"/>
-  </p:transition>
-  <p:timing>
-    <p:tnLst>
-      <p:par>
-        <p:cTn id="1" dur="indefinite" restart="never" nodeType="tmRoot"/>
-      </p:par>
-    </p:tnLst>
-  </p:timing>
-</p:sld>
-</file>
-
-<file path=ppt/slides/slide7.xml><?xml version="1.0" encoding="utf-8"?>
-<p:sld xmlns:a="http://schemas.openxmlformats.org/drawingml/2006/main" xmlns:r="http://schemas.openxmlformats.org/officeDocument/2006/relationships" xmlns:p="http://schemas.openxmlformats.org/presentationml/2006/main">
-  <p:cSld>
-    <p:spTree>
-      <p:nvGrpSpPr>
-        <p:cNvPr id="1" name=""/>
-        <p:cNvGrpSpPr/>
-        <p:nvPr/>
-      </p:nvGrpSpPr>
-      <p:grpSpPr>
-        <a:xfrm>
-          <a:off x="0" y="0"/>
-          <a:ext cx="0" cy="0"/>
-          <a:chOff x="0" y="0"/>
-          <a:chExt cx="0" cy="0"/>
-        </a:xfrm>
-      </p:grpSpPr>
-      <p:pic>
-        <p:nvPicPr>
-          <p:cNvPr id="6" name="Picture 5"/>
-          <p:cNvPicPr>
-            <a:picLocks noChangeAspect="1"/>
-          </p:cNvPicPr>
-          <p:nvPr/>
-        </p:nvPicPr>
-        <p:blipFill>
-          <a:blip r:embed="rId3" cstate="email">
-            <a:extLst>
-              <a:ext uri="{28A0092B-C50C-407E-A947-70E740481C1C}">
-                <a14:useLocalDpi xmlns:a14="http://schemas.microsoft.com/office/drawing/2010/main"/>
-              </a:ext>
-            </a:extLst>
-          </a:blip>
-          <a:stretch>
-            <a:fillRect/>
-          </a:stretch>
-        </p:blipFill>
-        <p:spPr>
-          <a:xfrm>
-            <a:off x="-4963332" y="-6858000"/>
-            <a:ext cx="7765662" cy="16476125"/>
-          </a:xfrm>
-          <a:prstGeom prst="rect">
-            <a:avLst/>
-          </a:prstGeom>
-        </p:spPr>
-      </p:pic>
-      <p:pic>
-        <p:nvPicPr>
-          <p:cNvPr id="13" name="Picture 12"/>
-          <p:cNvPicPr>
-            <a:picLocks noChangeAspect="1"/>
-          </p:cNvPicPr>
-          <p:nvPr/>
-        </p:nvPicPr>
-        <p:blipFill rotWithShape="1">
-          <a:blip r:embed="rId4" cstate="email">
-            <a:extLst>
-              <a:ext uri="{28A0092B-C50C-407E-A947-70E740481C1C}">
-                <a14:useLocalDpi xmlns:a14="http://schemas.microsoft.com/office/drawing/2010/main"/>
-              </a:ext>
-            </a:extLst>
-          </a:blip>
-          <a:srcRect/>
-          <a:stretch/>
-        </p:blipFill>
-        <p:spPr>
-          <a:xfrm rot="20753331" flipH="1">
-            <a:off x="-316180" y="3775286"/>
-            <a:ext cx="2895600" cy="3390489"/>
-          </a:xfrm>
-          <a:prstGeom prst="rect">
-            <a:avLst/>
-          </a:prstGeom>
-        </p:spPr>
-      </p:pic>
-      <p:sp>
-        <p:nvSpPr>
-          <p:cNvPr id="5" name="TextBox 4"/>
-          <p:cNvSpPr txBox="1"/>
-          <p:nvPr/>
-        </p:nvSpPr>
-        <p:spPr>
-          <a:xfrm>
-            <a:off x="899592" y="476672"/>
-            <a:ext cx="7416824" cy="864096"/>
-          </a:xfrm>
-          <a:prstGeom prst="rect">
-            <a:avLst/>
-          </a:prstGeom>
-          <a:noFill/>
-        </p:spPr>
-        <p:txBody>
-          <a:bodyPr wrap="square" rtlCol="0">
-            <a:normAutofit fontScale="85000" lnSpcReduction="20000"/>
-          </a:bodyPr>
-          <a:lstStyle/>
-          <a:p>
-            <a:r>
-              <a:rPr lang="en-US" sz="7200" dirty="0" smtClean="0"/>
-              <a:t>PDF vs. PostScript</a:t>
-            </a:r>
-          </a:p>
-        </p:txBody>
-      </p:sp>
-      <p:sp>
-        <p:nvSpPr>
-          <p:cNvPr id="3" name="TextBox 2"/>
-          <p:cNvSpPr txBox="1"/>
-          <p:nvPr/>
-        </p:nvSpPr>
-        <p:spPr>
-          <a:xfrm>
-            <a:off x="899592" y="1556792"/>
-            <a:ext cx="7560840" cy="2246769"/>
-          </a:xfrm>
-          <a:prstGeom prst="rect">
-            <a:avLst/>
-          </a:prstGeom>
-          <a:noFill/>
-        </p:spPr>
-        <p:txBody>
-          <a:bodyPr wrap="square" rtlCol="0">
-            <a:spAutoFit/>
-          </a:bodyPr>
-          <a:lstStyle/>
-          <a:p>
-            <a:pPr marL="285750" indent="-285750">
-              <a:buFont typeface="Arial" pitchFamily="34" charset="0"/>
-              <a:buChar char="•"/>
-            </a:pPr>
-            <a:r>
-              <a:rPr lang="en-US" sz="2000" dirty="0" smtClean="0"/>
-              <a:t>PostScript is a page description language run in an interpreter to generate an image, a process requiring many resources.</a:t>
-            </a:r>
-          </a:p>
-          <a:p>
-            <a:pPr marL="285750" indent="-285750">
-              <a:buFont typeface="Arial" pitchFamily="34" charset="0"/>
-              <a:buChar char="•"/>
-            </a:pPr>
-            <a:r>
-              <a:rPr lang="en-US" sz="2000" dirty="0" smtClean="0"/>
-              <a:t>PostScript can handle not just graphics, but also standard features of programming languages such as if and loop commands.</a:t>
-            </a:r>
-          </a:p>
-          <a:p>
-            <a:pPr marL="285750" indent="-285750">
-              <a:buFont typeface="Arial" pitchFamily="34" charset="0"/>
-              <a:buChar char="•"/>
-            </a:pPr>
-            <a:r>
-              <a:rPr lang="en-US" sz="2000" dirty="0" smtClean="0"/>
-              <a:t>PDF is largely based on the PostScript but simplified to remove the flow control features like these, while graphics commands such as </a:t>
-            </a:r>
-            <a:r>
-              <a:rPr lang="en-US" sz="2000" dirty="0" err="1" smtClean="0"/>
-              <a:t>lineto</a:t>
-            </a:r>
-            <a:r>
-              <a:rPr lang="en-US" sz="2000" dirty="0" smtClean="0"/>
-              <a:t> remain.</a:t>
-            </a:r>
-            <a:endParaRPr lang="en-GB" sz="2000" dirty="0"/>
-          </a:p>
-        </p:txBody>
-      </p:sp>
-    </p:spTree>
-    <p:extLst>
-      <p:ext uri="{BB962C8B-B14F-4D97-AF65-F5344CB8AC3E}">
-        <p14:creationId xmlns:p14="http://schemas.microsoft.com/office/powerpoint/2010/main" val="3584450300"/>
-      </p:ext>
-    </p:extLst>
-  </p:cSld>
-  <p:clrMapOvr>
-    <a:masterClrMapping/>
-  </p:clrMapOvr>
-  <p:transition spd="slow">
-    <p:push dir="u"/>
-  </p:transition>
-  <p:timing>
-    <p:tnLst>
-      <p:par>
-        <p:cTn id="1" dur="indefinite" restart="never" nodeType="tmRoot"/>
-      </p:par>
-    </p:tnLst>
-  </p:timing>
-</p:sld>
-</file>
-
 <file path=ppt/slides/slide8.xml><?xml version="1.0" encoding="utf-8"?>
 <p:sld xmlns:a="http://schemas.openxmlformats.org/drawingml/2006/main" xmlns:r="http://schemas.openxmlformats.org/officeDocument/2006/relationships" xmlns:p="http://schemas.openxmlformats.org/presentationml/2006/main">
   <p:cSld>
@@ -11720,81 +14121,53 @@
           <a:p>
             <a:r>
               <a:rPr lang="en-US" sz="7200" dirty="0" smtClean="0"/>
-              <a:t>PDF vs. PostScript</a:t>
-            </a:r>
-          </a:p>
-        </p:txBody>
-      </p:sp>
-      <p:sp>
-        <p:nvSpPr>
-          <p:cNvPr id="3" name="TextBox 2"/>
-          <p:cNvSpPr txBox="1"/>
+              <a:t>Parse</a:t>
+            </a:r>
+          </a:p>
+        </p:txBody>
+      </p:sp>
+      <p:pic>
+        <p:nvPicPr>
+          <p:cNvPr id="4098" name="Picture 2" descr="C:\Users\lim16\Desktop\order4.jpg"/>
+          <p:cNvPicPr>
+            <a:picLocks noChangeAspect="1" noChangeArrowheads="1"/>
+          </p:cNvPicPr>
           <p:nvPr/>
-        </p:nvSpPr>
-        <p:spPr>
+        </p:nvPicPr>
+        <p:blipFill>
+          <a:blip r:embed="rId5">
+            <a:extLst>
+              <a:ext uri="{28A0092B-C50C-407E-A947-70E740481C1C}">
+                <a14:useLocalDpi xmlns:a14="http://schemas.microsoft.com/office/drawing/2010/main" val="0"/>
+              </a:ext>
+            </a:extLst>
+          </a:blip>
+          <a:srcRect/>
+          <a:stretch>
+            <a:fillRect/>
+          </a:stretch>
+        </p:blipFill>
+        <p:spPr bwMode="auto">
           <a:xfrm>
-            <a:off x="899592" y="1556792"/>
-            <a:ext cx="7560840" cy="4401205"/>
+            <a:off x="1403648" y="1536705"/>
+            <a:ext cx="6143625" cy="3933825"/>
           </a:xfrm>
           <a:prstGeom prst="rect">
             <a:avLst/>
           </a:prstGeom>
           <a:noFill/>
+          <a:extLst>
+            <a:ext uri="{909E8E84-426E-40DD-AFC4-6F175D3DCCD1}">
+              <a14:hiddenFill xmlns:a14="http://schemas.microsoft.com/office/drawing/2010/main">
+                <a:solidFill>
+                  <a:srgbClr val="FFFFFF"/>
+                </a:solidFill>
+              </a14:hiddenFill>
+            </a:ext>
+          </a:extLst>
         </p:spPr>
-        <p:txBody>
-          <a:bodyPr wrap="square" rtlCol="0">
-            <a:spAutoFit/>
-          </a:bodyPr>
-          <a:lstStyle/>
-          <a:p>
-            <a:pPr marL="285750" indent="-285750">
-              <a:buFont typeface="Arial" pitchFamily="34" charset="0"/>
-              <a:buChar char="•"/>
-            </a:pPr>
-            <a:r>
-              <a:rPr lang="en-US" sz="2000" dirty="0" smtClean="0"/>
-              <a:t>As a document format, PDF has several advantages over PostScript</a:t>
-            </a:r>
-          </a:p>
-          <a:p>
-            <a:pPr marL="742950" lvl="1" indent="-285750">
-              <a:buFont typeface="Arial" pitchFamily="34" charset="0"/>
-              <a:buChar char="•"/>
-            </a:pPr>
-            <a:r>
-              <a:rPr lang="en-US" sz="2000" dirty="0" smtClean="0"/>
-              <a:t>PDF contains tokenized and interpreted results of the PostScript source code, for direct correspondence between changes to items in the PDF page description and changes to the resulting page appearance.</a:t>
-            </a:r>
-          </a:p>
-          <a:p>
-            <a:pPr marL="742950" lvl="1" indent="-285750">
-              <a:buFont typeface="Arial" pitchFamily="34" charset="0"/>
-              <a:buChar char="•"/>
-            </a:pPr>
-            <a:r>
-              <a:rPr lang="en-US" sz="2000" dirty="0" smtClean="0"/>
-              <a:t>PDF(from version 1.4) support the graphics transparency; PostScript does not.</a:t>
-            </a:r>
-          </a:p>
-          <a:p>
-            <a:pPr marL="742950" lvl="1" indent="-285750">
-              <a:buFont typeface="Arial" pitchFamily="34" charset="0"/>
-              <a:buChar char="•"/>
-            </a:pPr>
-            <a:r>
-              <a:rPr lang="en-US" sz="2000" dirty="0" smtClean="0"/>
-              <a:t>PostScript is an interpreted programming language with an implicit global state, so instructions accompanying the description of one page can affect the appearance of any following page. Therefore, all preceding pages in a postscript document must be processed to determine the correct appearance of a given page, whereas in each page in a PDF document is unaffected by the others. </a:t>
-            </a:r>
-            <a:endParaRPr lang="en-GB" sz="2000" dirty="0"/>
-          </a:p>
-        </p:txBody>
-      </p:sp>
+      </p:pic>
     </p:spTree>
-    <p:extLst>
-      <p:ext uri="{BB962C8B-B14F-4D97-AF65-F5344CB8AC3E}">
-        <p14:creationId xmlns:p14="http://schemas.microsoft.com/office/powerpoint/2010/main" val="684122008"/>
-      </p:ext>
-    </p:extLst>
   </p:cSld>
   <p:clrMapOvr>
     <a:masterClrMapping/>
